--- a/제안서 팀장 조동윤, 팀원 임종운.pptx
+++ b/제안서 팀장 조동윤, 팀원 임종운.pptx
@@ -246,7 +246,7 @@
           <a:p>
             <a:fld id="{E1895CD8-DAED-4036-93A0-4702706044AC}" type="datetimeFigureOut">
               <a:rPr lang="ko-KR" altLang="en-US" smtClean="0"/>
-              <a:t>2020-01-22</a:t>
+              <a:t>2020-02-05</a:t>
             </a:fld>
             <a:endParaRPr lang="ko-KR" altLang="en-US"/>
           </a:p>
@@ -751,7 +751,7 @@
                 </a:solidFill>
               </a:rPr>
               <a:pPr/>
-              <a:t>2020-01-22</a:t>
+              <a:t>2020-02-05</a:t>
             </a:fld>
             <a:endParaRPr lang="ko-KR" altLang="en-US">
               <a:solidFill>
@@ -981,7 +981,7 @@
                 </a:solidFill>
               </a:rPr>
               <a:pPr/>
-              <a:t>2020-01-22</a:t>
+              <a:t>2020-02-05</a:t>
             </a:fld>
             <a:endParaRPr lang="ko-KR" altLang="en-US">
               <a:solidFill>
@@ -1221,7 +1221,7 @@
                 </a:solidFill>
               </a:rPr>
               <a:pPr/>
-              <a:t>2020-01-22</a:t>
+              <a:t>2020-02-05</a:t>
             </a:fld>
             <a:endParaRPr lang="ko-KR" altLang="en-US">
               <a:solidFill>
@@ -1451,7 +1451,7 @@
                 </a:solidFill>
               </a:rPr>
               <a:pPr/>
-              <a:t>2020-01-22</a:t>
+              <a:t>2020-02-05</a:t>
             </a:fld>
             <a:endParaRPr lang="ko-KR" altLang="en-US">
               <a:solidFill>
@@ -1758,7 +1758,7 @@
                 </a:solidFill>
               </a:rPr>
               <a:pPr/>
-              <a:t>2020-01-22</a:t>
+              <a:t>2020-02-05</a:t>
             </a:fld>
             <a:endParaRPr lang="ko-KR" altLang="en-US">
               <a:solidFill>
@@ -2055,7 +2055,7 @@
                 </a:solidFill>
               </a:rPr>
               <a:pPr/>
-              <a:t>2020-01-22</a:t>
+              <a:t>2020-02-05</a:t>
             </a:fld>
             <a:endParaRPr lang="ko-KR" altLang="en-US">
               <a:solidFill>
@@ -2499,7 +2499,7 @@
                 </a:solidFill>
               </a:rPr>
               <a:pPr/>
-              <a:t>2020-01-22</a:t>
+              <a:t>2020-02-05</a:t>
             </a:fld>
             <a:endParaRPr lang="ko-KR" altLang="en-US">
               <a:solidFill>
@@ -2672,7 +2672,7 @@
                 </a:solidFill>
               </a:rPr>
               <a:pPr/>
-              <a:t>2020-01-22</a:t>
+              <a:t>2020-02-05</a:t>
             </a:fld>
             <a:endParaRPr lang="ko-KR" altLang="en-US">
               <a:solidFill>
@@ -2817,7 +2817,7 @@
                 </a:solidFill>
               </a:rPr>
               <a:pPr/>
-              <a:t>2020-01-22</a:t>
+              <a:t>2020-02-05</a:t>
             </a:fld>
             <a:endParaRPr lang="ko-KR" altLang="en-US">
               <a:solidFill>
@@ -3160,7 +3160,7 @@
                 </a:solidFill>
               </a:rPr>
               <a:pPr/>
-              <a:t>2020-01-22</a:t>
+              <a:t>2020-02-05</a:t>
             </a:fld>
             <a:endParaRPr lang="ko-KR" altLang="en-US">
               <a:solidFill>
@@ -3480,7 +3480,7 @@
                 </a:solidFill>
               </a:rPr>
               <a:pPr/>
-              <a:t>2020-01-22</a:t>
+              <a:t>2020-02-05</a:t>
             </a:fld>
             <a:endParaRPr lang="ko-KR" altLang="en-US">
               <a:solidFill>
@@ -3753,7 +3753,7 @@
                 </a:solidFill>
               </a:rPr>
               <a:pPr/>
-              <a:t>2020-01-22</a:t>
+              <a:t>2020-02-05</a:t>
             </a:fld>
             <a:endParaRPr lang="ko-KR" altLang="en-US">
               <a:solidFill>
@@ -29321,23 +29321,23 @@
             <a:lstStyle/>
             <a:p>
               <a:r>
-                <a:rPr lang="ko-KR" altLang="en-US" b="1" err="1"/>
+                <a:rPr lang="ko-KR" altLang="en-US" b="1" dirty="0" err="1"/>
                 <a:t>심박</a:t>
               </a:r>
               <a:r>
-                <a:rPr lang="ko-KR" altLang="en-US" b="1"/>
+                <a:rPr lang="ko-KR" altLang="en-US" b="1" dirty="0"/>
                 <a:t> 측정 센서</a:t>
               </a:r>
-              <a:endParaRPr lang="en-US" altLang="ko-KR" b="1"/>
+              <a:endParaRPr lang="en-US" altLang="ko-KR" b="1" dirty="0"/>
             </a:p>
             <a:p>
               <a:r>
-                <a:rPr lang="en-US" altLang="ko-KR" b="1"/>
+                <a:rPr lang="en-US" altLang="ko-KR" b="1" dirty="0"/>
                 <a:t>[SZH-SSBH-035]</a:t>
               </a:r>
             </a:p>
             <a:p>
-              <a:endParaRPr lang="ko-KR" altLang="en-US" b="1"/>
+              <a:endParaRPr lang="ko-KR" altLang="en-US" b="1" dirty="0"/>
             </a:p>
           </p:txBody>
         </p:sp>
@@ -33978,723 +33978,124 @@
           <a:chExt cx="0" cy="0"/>
         </a:xfrm>
       </p:grpSpPr>
-      <p:sp>
-        <p:nvSpPr>
-          <p:cNvPr id="4" name="직사각형 3">
-            <a:extLst>
-              <a:ext uri="{FF2B5EF4-FFF2-40B4-BE49-F238E27FC236}">
-                <a16:creationId xmlns:a16="http://schemas.microsoft.com/office/drawing/2014/main" id="{86F91C2F-8E03-469D-821D-0AC632F2C3F3}"/>
-              </a:ext>
-            </a:extLst>
-          </p:cNvPr>
-          <p:cNvSpPr/>
-          <p:nvPr/>
-        </p:nvSpPr>
-        <p:spPr>
-          <a:xfrm>
-            <a:off x="885825" y="1114425"/>
-            <a:ext cx="3257550" cy="4733925"/>
+      <p:pic>
+        <p:nvPicPr>
+          <p:cNvPr id="1036" name="Picture 12" descr="빵판 이미지 검색결과&quot;">
+            <a:extLst>
+              <a:ext uri="{FF2B5EF4-FFF2-40B4-BE49-F238E27FC236}">
+                <a16:creationId xmlns:a16="http://schemas.microsoft.com/office/drawing/2014/main" id="{A84D0B3B-470D-42D4-9E88-A65D1652AFD1}"/>
+              </a:ext>
+            </a:extLst>
+          </p:cNvPr>
+          <p:cNvPicPr>
+            <a:picLocks noChangeAspect="1" noChangeArrowheads="1"/>
+          </p:cNvPicPr>
+          <p:nvPr/>
+        </p:nvPicPr>
+        <p:blipFill rotWithShape="1">
+          <a:blip r:embed="rId2">
+            <a:extLst>
+              <a:ext uri="{28A0092B-C50C-407E-A947-70E740481C1C}">
+                <a14:useLocalDpi xmlns:a14="http://schemas.microsoft.com/office/drawing/2010/main" val="0"/>
+              </a:ext>
+            </a:extLst>
+          </a:blip>
+          <a:srcRect b="11255"/>
+          <a:stretch/>
+        </p:blipFill>
+        <p:spPr bwMode="auto">
+          <a:xfrm rot="10800000">
+            <a:off x="2442820" y="653718"/>
+            <a:ext cx="3473549" cy="2227655"/>
           </a:xfrm>
           <a:prstGeom prst="rect">
             <a:avLst/>
           </a:prstGeom>
           <a:noFill/>
-        </p:spPr>
-        <p:style>
-          <a:lnRef idx="2">
-            <a:schemeClr val="accent1">
-              <a:shade val="50000"/>
-            </a:schemeClr>
-          </a:lnRef>
-          <a:fillRef idx="1">
-            <a:schemeClr val="accent1"/>
-          </a:fillRef>
-          <a:effectRef idx="0">
-            <a:schemeClr val="accent1"/>
-          </a:effectRef>
-          <a:fontRef idx="minor">
-            <a:schemeClr val="lt1"/>
-          </a:fontRef>
-        </p:style>
-        <p:txBody>
-          <a:bodyPr rtlCol="0" anchor="ctr"/>
-          <a:lstStyle/>
-          <a:p>
-            <a:pPr algn="ctr"/>
-            <a:endParaRPr lang="ko-KR" altLang="en-US"/>
-          </a:p>
-        </p:txBody>
-      </p:sp>
-      <p:sp>
-        <p:nvSpPr>
-          <p:cNvPr id="6" name="TextBox 5">
-            <a:extLst>
-              <a:ext uri="{FF2B5EF4-FFF2-40B4-BE49-F238E27FC236}">
-                <a16:creationId xmlns:a16="http://schemas.microsoft.com/office/drawing/2014/main" id="{CEDE09D2-ACF6-4B27-B4A1-5F6313169B9B}"/>
-              </a:ext>
-            </a:extLst>
-          </p:cNvPr>
-          <p:cNvSpPr txBox="1"/>
-          <p:nvPr/>
-        </p:nvSpPr>
-        <p:spPr>
-          <a:xfrm>
-            <a:off x="1963269" y="1599506"/>
-            <a:ext cx="1102659" cy="369332"/>
+          <a:extLst>
+            <a:ext uri="{909E8E84-426E-40DD-AFC4-6F175D3DCCD1}">
+              <a14:hiddenFill xmlns:a14="http://schemas.microsoft.com/office/drawing/2010/main">
+                <a:solidFill>
+                  <a:srgbClr val="FFFFFF"/>
+                </a:solidFill>
+              </a14:hiddenFill>
+            </a:ext>
+          </a:extLst>
+        </p:spPr>
+      </p:pic>
+      <p:pic>
+        <p:nvPicPr>
+          <p:cNvPr id="1026" name="Picture 2" descr="심박 센서 이미지 이미지 검색결과&quot;">
+            <a:extLst>
+              <a:ext uri="{FF2B5EF4-FFF2-40B4-BE49-F238E27FC236}">
+                <a16:creationId xmlns:a16="http://schemas.microsoft.com/office/drawing/2014/main" id="{A4ED654C-3664-4188-ABF1-B7315AA1DA8B}"/>
+              </a:ext>
+            </a:extLst>
+          </p:cNvPr>
+          <p:cNvPicPr>
+            <a:picLocks noChangeAspect="1" noChangeArrowheads="1"/>
+          </p:cNvPicPr>
+          <p:nvPr/>
+        </p:nvPicPr>
+        <p:blipFill>
+          <a:blip r:embed="rId3">
+            <a:extLst>
+              <a:ext uri="{28A0092B-C50C-407E-A947-70E740481C1C}">
+                <a14:useLocalDpi xmlns:a14="http://schemas.microsoft.com/office/drawing/2010/main" val="0"/>
+              </a:ext>
+            </a:extLst>
+          </a:blip>
+          <a:srcRect/>
+          <a:stretch>
+            <a:fillRect/>
+          </a:stretch>
+        </p:blipFill>
+        <p:spPr bwMode="auto">
+          <a:xfrm>
+            <a:off x="8454390" y="2611292"/>
+            <a:ext cx="2000250" cy="2295525"/>
           </a:xfrm>
           <a:prstGeom prst="rect">
             <a:avLst/>
           </a:prstGeom>
           <a:noFill/>
-        </p:spPr>
-        <p:txBody>
-          <a:bodyPr wrap="square" rtlCol="0">
-            <a:spAutoFit/>
-          </a:bodyPr>
-          <a:lstStyle/>
-          <a:p>
-            <a:pPr algn="ctr"/>
-            <a:r>
-              <a:rPr lang="ko-KR" altLang="en-US" dirty="0" err="1"/>
-              <a:t>입력모듈</a:t>
-            </a:r>
-            <a:endParaRPr lang="ko-KR" altLang="en-US" dirty="0"/>
-          </a:p>
-        </p:txBody>
-      </p:sp>
-      <p:sp>
-        <p:nvSpPr>
-          <p:cNvPr id="7" name="TextBox 6">
-            <a:extLst>
-              <a:ext uri="{FF2B5EF4-FFF2-40B4-BE49-F238E27FC236}">
-                <a16:creationId xmlns:a16="http://schemas.microsoft.com/office/drawing/2014/main" id="{A0E00EDC-6828-4B6A-BAA7-F9DD895E777B}"/>
-              </a:ext>
-            </a:extLst>
-          </p:cNvPr>
-          <p:cNvSpPr txBox="1"/>
-          <p:nvPr/>
-        </p:nvSpPr>
-        <p:spPr>
-          <a:xfrm>
-            <a:off x="1662445" y="3075418"/>
-            <a:ext cx="1704305" cy="369332"/>
-          </a:xfrm>
-          <a:prstGeom prst="rect">
-            <a:avLst/>
-          </a:prstGeom>
-          <a:noFill/>
-        </p:spPr>
-        <p:txBody>
-          <a:bodyPr wrap="square" rtlCol="0">
-            <a:spAutoFit/>
-          </a:bodyPr>
-          <a:lstStyle/>
-          <a:p>
-            <a:pPr algn="ctr"/>
-            <a:r>
-              <a:rPr lang="ko-KR" altLang="en-US"/>
-              <a:t>블루투스 통신</a:t>
-            </a:r>
-            <a:endParaRPr lang="ko-KR" altLang="en-US" dirty="0"/>
-          </a:p>
-        </p:txBody>
-      </p:sp>
-      <p:sp>
-        <p:nvSpPr>
-          <p:cNvPr id="10" name="직사각형 9">
-            <a:extLst>
-              <a:ext uri="{FF2B5EF4-FFF2-40B4-BE49-F238E27FC236}">
-                <a16:creationId xmlns:a16="http://schemas.microsoft.com/office/drawing/2014/main" id="{9F5427C1-0777-46E3-8DEA-A9847775AD4F}"/>
-              </a:ext>
-            </a:extLst>
-          </p:cNvPr>
-          <p:cNvSpPr/>
-          <p:nvPr/>
-        </p:nvSpPr>
-        <p:spPr>
-          <a:xfrm>
-            <a:off x="4467225" y="1114425"/>
-            <a:ext cx="3257550" cy="4733925"/>
-          </a:xfrm>
-          <a:prstGeom prst="rect">
-            <a:avLst/>
-          </a:prstGeom>
-          <a:noFill/>
-        </p:spPr>
-        <p:style>
-          <a:lnRef idx="2">
-            <a:schemeClr val="accent1">
-              <a:shade val="50000"/>
-            </a:schemeClr>
-          </a:lnRef>
-          <a:fillRef idx="1">
-            <a:schemeClr val="accent1"/>
-          </a:fillRef>
-          <a:effectRef idx="0">
-            <a:schemeClr val="accent1"/>
-          </a:effectRef>
-          <a:fontRef idx="minor">
-            <a:schemeClr val="lt1"/>
-          </a:fontRef>
-        </p:style>
-        <p:txBody>
-          <a:bodyPr rtlCol="0" anchor="ctr"/>
-          <a:lstStyle/>
-          <a:p>
-            <a:pPr algn="ctr"/>
-            <a:endParaRPr lang="ko-KR" altLang="en-US"/>
-          </a:p>
-        </p:txBody>
-      </p:sp>
-      <p:sp>
-        <p:nvSpPr>
-          <p:cNvPr id="12" name="TextBox 11">
-            <a:extLst>
-              <a:ext uri="{FF2B5EF4-FFF2-40B4-BE49-F238E27FC236}">
-                <a16:creationId xmlns:a16="http://schemas.microsoft.com/office/drawing/2014/main" id="{5E299FBD-0AA0-465F-B1E1-EA9D21D6646A}"/>
-              </a:ext>
-            </a:extLst>
-          </p:cNvPr>
-          <p:cNvSpPr txBox="1"/>
-          <p:nvPr/>
-        </p:nvSpPr>
-        <p:spPr>
-          <a:xfrm>
-            <a:off x="5112753" y="2280295"/>
-            <a:ext cx="1954305" cy="369332"/>
-          </a:xfrm>
-          <a:prstGeom prst="rect">
-            <a:avLst/>
-          </a:prstGeom>
-          <a:noFill/>
-        </p:spPr>
-        <p:txBody>
-          <a:bodyPr wrap="square" rtlCol="0">
-            <a:spAutoFit/>
-          </a:bodyPr>
-          <a:lstStyle/>
-          <a:p>
-            <a:pPr algn="ctr"/>
-            <a:r>
-              <a:rPr lang="ko-KR" altLang="en-US" dirty="0"/>
-              <a:t>심정지 관측 모듈</a:t>
-            </a:r>
-          </a:p>
-        </p:txBody>
-      </p:sp>
-      <p:sp>
-        <p:nvSpPr>
-          <p:cNvPr id="14" name="TextBox 13">
-            <a:extLst>
-              <a:ext uri="{FF2B5EF4-FFF2-40B4-BE49-F238E27FC236}">
-                <a16:creationId xmlns:a16="http://schemas.microsoft.com/office/drawing/2014/main" id="{B117F597-101E-4447-BC9E-995A2C89D52D}"/>
-              </a:ext>
-            </a:extLst>
-          </p:cNvPr>
-          <p:cNvSpPr txBox="1"/>
-          <p:nvPr/>
-        </p:nvSpPr>
-        <p:spPr>
-          <a:xfrm>
-            <a:off x="5230906" y="2711857"/>
-            <a:ext cx="1739153" cy="369332"/>
-          </a:xfrm>
-          <a:prstGeom prst="rect">
-            <a:avLst/>
-          </a:prstGeom>
-          <a:noFill/>
-        </p:spPr>
-        <p:txBody>
-          <a:bodyPr wrap="square" rtlCol="0">
-            <a:spAutoFit/>
-          </a:bodyPr>
-          <a:lstStyle/>
-          <a:p>
-            <a:pPr algn="ctr"/>
-            <a:r>
-              <a:rPr lang="ko-KR" altLang="en-US" dirty="0"/>
-              <a:t>위치 측정 모듈</a:t>
-            </a:r>
-          </a:p>
-        </p:txBody>
-      </p:sp>
-      <p:sp>
-        <p:nvSpPr>
-          <p:cNvPr id="16" name="직사각형 15">
-            <a:extLst>
-              <a:ext uri="{FF2B5EF4-FFF2-40B4-BE49-F238E27FC236}">
-                <a16:creationId xmlns:a16="http://schemas.microsoft.com/office/drawing/2014/main" id="{FD7CBF91-A700-426B-9DFC-FBF21B3C75B4}"/>
-              </a:ext>
-            </a:extLst>
-          </p:cNvPr>
-          <p:cNvSpPr/>
-          <p:nvPr/>
-        </p:nvSpPr>
-        <p:spPr>
-          <a:xfrm>
-            <a:off x="8447555" y="1114425"/>
-            <a:ext cx="3257550" cy="4733925"/>
-          </a:xfrm>
-          <a:prstGeom prst="rect">
-            <a:avLst/>
-          </a:prstGeom>
-          <a:noFill/>
-        </p:spPr>
-        <p:style>
-          <a:lnRef idx="2">
-            <a:schemeClr val="accent1">
-              <a:shade val="50000"/>
-            </a:schemeClr>
-          </a:lnRef>
-          <a:fillRef idx="1">
-            <a:schemeClr val="accent1"/>
-          </a:fillRef>
-          <a:effectRef idx="0">
-            <a:schemeClr val="accent1"/>
-          </a:effectRef>
-          <a:fontRef idx="minor">
-            <a:schemeClr val="lt1"/>
-          </a:fontRef>
-        </p:style>
-        <p:txBody>
-          <a:bodyPr rtlCol="0" anchor="ctr"/>
-          <a:lstStyle/>
-          <a:p>
-            <a:pPr algn="ctr"/>
-            <a:endParaRPr lang="ko-KR" altLang="en-US"/>
-          </a:p>
-        </p:txBody>
-      </p:sp>
-      <p:sp>
-        <p:nvSpPr>
-          <p:cNvPr id="17" name="TextBox 16">
-            <a:extLst>
-              <a:ext uri="{FF2B5EF4-FFF2-40B4-BE49-F238E27FC236}">
-                <a16:creationId xmlns:a16="http://schemas.microsoft.com/office/drawing/2014/main" id="{9ECCDD89-0B60-4C7F-827F-24408783F159}"/>
-              </a:ext>
-            </a:extLst>
-          </p:cNvPr>
-          <p:cNvSpPr txBox="1"/>
-          <p:nvPr/>
-        </p:nvSpPr>
-        <p:spPr>
-          <a:xfrm>
-            <a:off x="8797458" y="4340632"/>
-            <a:ext cx="2303930" cy="369332"/>
-          </a:xfrm>
-          <a:prstGeom prst="rect">
-            <a:avLst/>
-          </a:prstGeom>
-          <a:noFill/>
-        </p:spPr>
-        <p:txBody>
-          <a:bodyPr wrap="square" rtlCol="0">
-            <a:spAutoFit/>
-          </a:bodyPr>
-          <a:lstStyle/>
-          <a:p>
-            <a:pPr algn="ctr"/>
-            <a:r>
-              <a:rPr lang="ko-KR" altLang="en-US" dirty="0" err="1"/>
-              <a:t>메세지</a:t>
-            </a:r>
-            <a:r>
-              <a:rPr lang="ko-KR" altLang="en-US" dirty="0"/>
-              <a:t> 전송 모듈</a:t>
-            </a:r>
-          </a:p>
-        </p:txBody>
-      </p:sp>
-      <p:sp>
-        <p:nvSpPr>
-          <p:cNvPr id="18" name="TextBox 17">
-            <a:extLst>
-              <a:ext uri="{FF2B5EF4-FFF2-40B4-BE49-F238E27FC236}">
-                <a16:creationId xmlns:a16="http://schemas.microsoft.com/office/drawing/2014/main" id="{C972D3B2-FED9-41FE-BE63-5C30268C0AD3}"/>
-              </a:ext>
-            </a:extLst>
-          </p:cNvPr>
-          <p:cNvSpPr txBox="1"/>
-          <p:nvPr/>
-        </p:nvSpPr>
-        <p:spPr>
-          <a:xfrm>
-            <a:off x="5514133" y="1552392"/>
-            <a:ext cx="1172696" cy="369332"/>
-          </a:xfrm>
-          <a:prstGeom prst="rect">
-            <a:avLst/>
-          </a:prstGeom>
-          <a:noFill/>
-        </p:spPr>
-        <p:txBody>
-          <a:bodyPr wrap="square" rtlCol="0">
-            <a:spAutoFit/>
-          </a:bodyPr>
-          <a:lstStyle/>
-          <a:p>
-            <a:pPr algn="ctr"/>
-            <a:r>
-              <a:rPr lang="ko-KR" altLang="en-US" dirty="0"/>
-              <a:t>구조요청</a:t>
-            </a:r>
-          </a:p>
-        </p:txBody>
-      </p:sp>
-      <p:sp>
-        <p:nvSpPr>
-          <p:cNvPr id="21" name="TextBox 20">
-            <a:extLst>
-              <a:ext uri="{FF2B5EF4-FFF2-40B4-BE49-F238E27FC236}">
-                <a16:creationId xmlns:a16="http://schemas.microsoft.com/office/drawing/2014/main" id="{95D5507A-995C-4FDB-8C10-8C2EF723AD3D}"/>
-              </a:ext>
-            </a:extLst>
-          </p:cNvPr>
-          <p:cNvSpPr txBox="1"/>
-          <p:nvPr/>
-        </p:nvSpPr>
-        <p:spPr>
-          <a:xfrm>
-            <a:off x="10774233" y="3161879"/>
-            <a:ext cx="2303930" cy="369332"/>
-          </a:xfrm>
-          <a:prstGeom prst="rect">
-            <a:avLst/>
-          </a:prstGeom>
-          <a:noFill/>
-        </p:spPr>
-        <p:txBody>
-          <a:bodyPr wrap="square" rtlCol="0">
-            <a:spAutoFit/>
-          </a:bodyPr>
-          <a:lstStyle/>
-          <a:p>
-            <a:pPr algn="ctr"/>
-            <a:r>
-              <a:rPr lang="en-US" altLang="ko-KR" dirty="0"/>
-              <a:t>DB</a:t>
-            </a:r>
-            <a:endParaRPr lang="ko-KR" altLang="en-US" dirty="0"/>
-          </a:p>
-        </p:txBody>
-      </p:sp>
-      <p:sp>
-        <p:nvSpPr>
-          <p:cNvPr id="22" name="TextBox 21">
-            <a:extLst>
-              <a:ext uri="{FF2B5EF4-FFF2-40B4-BE49-F238E27FC236}">
-                <a16:creationId xmlns:a16="http://schemas.microsoft.com/office/drawing/2014/main" id="{8C3340EF-6A85-4220-AB25-2C4CE9EDC625}"/>
-              </a:ext>
-            </a:extLst>
-          </p:cNvPr>
-          <p:cNvSpPr txBox="1"/>
-          <p:nvPr/>
-        </p:nvSpPr>
-        <p:spPr>
-          <a:xfrm>
-            <a:off x="-1292598" y="4762927"/>
-            <a:ext cx="1425388" cy="369332"/>
-          </a:xfrm>
-          <a:prstGeom prst="rect">
-            <a:avLst/>
-          </a:prstGeom>
-          <a:noFill/>
-        </p:spPr>
-        <p:txBody>
-          <a:bodyPr wrap="square" rtlCol="0">
-            <a:spAutoFit/>
-          </a:bodyPr>
-          <a:lstStyle/>
-          <a:p>
-            <a:pPr algn="ctr"/>
-            <a:r>
-              <a:rPr lang="ko-KR" altLang="en-US" dirty="0"/>
-              <a:t>오작동 방지</a:t>
-            </a:r>
-          </a:p>
-        </p:txBody>
-      </p:sp>
-      <p:sp>
-        <p:nvSpPr>
-          <p:cNvPr id="24" name="TextBox 23">
-            <a:extLst>
-              <a:ext uri="{FF2B5EF4-FFF2-40B4-BE49-F238E27FC236}">
-                <a16:creationId xmlns:a16="http://schemas.microsoft.com/office/drawing/2014/main" id="{CCD46926-5E22-4678-B677-A945009E6FF3}"/>
-              </a:ext>
-            </a:extLst>
-          </p:cNvPr>
-          <p:cNvSpPr txBox="1"/>
-          <p:nvPr/>
-        </p:nvSpPr>
-        <p:spPr>
-          <a:xfrm>
-            <a:off x="1662445" y="4181998"/>
-            <a:ext cx="1738100" cy="369332"/>
-          </a:xfrm>
-          <a:prstGeom prst="rect">
-            <a:avLst/>
-          </a:prstGeom>
-          <a:noFill/>
-        </p:spPr>
-        <p:txBody>
-          <a:bodyPr wrap="square" rtlCol="0">
-            <a:spAutoFit/>
-          </a:bodyPr>
-          <a:lstStyle/>
-          <a:p>
-            <a:pPr algn="ctr"/>
-            <a:r>
-              <a:rPr lang="ko-KR" altLang="en-US" dirty="0"/>
-              <a:t>상태 표시 모듈</a:t>
-            </a:r>
-          </a:p>
-        </p:txBody>
-      </p:sp>
-      <p:sp>
-        <p:nvSpPr>
-          <p:cNvPr id="25" name="TextBox 24">
-            <a:extLst>
-              <a:ext uri="{FF2B5EF4-FFF2-40B4-BE49-F238E27FC236}">
-                <a16:creationId xmlns:a16="http://schemas.microsoft.com/office/drawing/2014/main" id="{B721C1FD-A569-4360-8E26-177ED655B597}"/>
-              </a:ext>
-            </a:extLst>
-          </p:cNvPr>
-          <p:cNvSpPr txBox="1"/>
-          <p:nvPr/>
-        </p:nvSpPr>
-        <p:spPr>
-          <a:xfrm>
-            <a:off x="9037732" y="2681760"/>
-            <a:ext cx="1644184" cy="369332"/>
-          </a:xfrm>
-          <a:prstGeom prst="rect">
-            <a:avLst/>
-          </a:prstGeom>
-          <a:noFill/>
-        </p:spPr>
-        <p:txBody>
-          <a:bodyPr wrap="square" rtlCol="0">
-            <a:spAutoFit/>
-          </a:bodyPr>
-          <a:lstStyle/>
-          <a:p>
-            <a:pPr algn="ctr"/>
-            <a:r>
-              <a:rPr lang="ko-KR" altLang="en-US" dirty="0"/>
-              <a:t>위치정보 요청</a:t>
-            </a:r>
-          </a:p>
-        </p:txBody>
-      </p:sp>
-      <p:sp>
-        <p:nvSpPr>
-          <p:cNvPr id="26" name="TextBox 25">
-            <a:extLst>
-              <a:ext uri="{FF2B5EF4-FFF2-40B4-BE49-F238E27FC236}">
-                <a16:creationId xmlns:a16="http://schemas.microsoft.com/office/drawing/2014/main" id="{C46207DD-5C34-40C6-8F3F-052BBFF0AD6F}"/>
-              </a:ext>
-            </a:extLst>
-          </p:cNvPr>
-          <p:cNvSpPr txBox="1"/>
-          <p:nvPr/>
-        </p:nvSpPr>
-        <p:spPr>
-          <a:xfrm>
-            <a:off x="9254238" y="1568889"/>
-            <a:ext cx="1644184" cy="369332"/>
-          </a:xfrm>
-          <a:prstGeom prst="rect">
-            <a:avLst/>
-          </a:prstGeom>
-          <a:noFill/>
-        </p:spPr>
-        <p:txBody>
-          <a:bodyPr wrap="square" rtlCol="0">
-            <a:spAutoFit/>
-          </a:bodyPr>
-          <a:lstStyle/>
-          <a:p>
-            <a:pPr algn="ctr"/>
-            <a:r>
-              <a:rPr lang="ko-KR" altLang="en-US"/>
-              <a:t>암호화 모듈</a:t>
-            </a:r>
-            <a:endParaRPr lang="ko-KR" altLang="en-US" dirty="0"/>
-          </a:p>
-        </p:txBody>
-      </p:sp>
-      <p:sp>
-        <p:nvSpPr>
-          <p:cNvPr id="27" name="TextBox 26">
-            <a:extLst>
-              <a:ext uri="{FF2B5EF4-FFF2-40B4-BE49-F238E27FC236}">
-                <a16:creationId xmlns:a16="http://schemas.microsoft.com/office/drawing/2014/main" id="{91C817E6-FB4F-41C9-BDA8-93D0FF10859D}"/>
-              </a:ext>
-            </a:extLst>
-          </p:cNvPr>
-          <p:cNvSpPr txBox="1"/>
-          <p:nvPr/>
-        </p:nvSpPr>
-        <p:spPr>
-          <a:xfrm>
-            <a:off x="5230906" y="3756245"/>
-            <a:ext cx="1739152" cy="369332"/>
-          </a:xfrm>
-          <a:prstGeom prst="rect">
-            <a:avLst/>
-          </a:prstGeom>
-          <a:noFill/>
-        </p:spPr>
-        <p:txBody>
-          <a:bodyPr wrap="square" rtlCol="0">
-            <a:spAutoFit/>
-          </a:bodyPr>
-          <a:lstStyle/>
-          <a:p>
-            <a:pPr algn="ctr"/>
-            <a:r>
-              <a:rPr lang="ko-KR" altLang="en-US" dirty="0"/>
-              <a:t>운동 강도 측정</a:t>
-            </a:r>
-          </a:p>
-        </p:txBody>
-      </p:sp>
-      <p:sp>
-        <p:nvSpPr>
-          <p:cNvPr id="28" name="TextBox 27">
-            <a:extLst>
-              <a:ext uri="{FF2B5EF4-FFF2-40B4-BE49-F238E27FC236}">
-                <a16:creationId xmlns:a16="http://schemas.microsoft.com/office/drawing/2014/main" id="{04529F6D-73FE-46F2-A1C7-68FA5DD95A48}"/>
-              </a:ext>
-            </a:extLst>
-          </p:cNvPr>
-          <p:cNvSpPr txBox="1"/>
-          <p:nvPr/>
-        </p:nvSpPr>
-        <p:spPr>
-          <a:xfrm>
-            <a:off x="5381693" y="4444252"/>
-            <a:ext cx="1416423" cy="369332"/>
-          </a:xfrm>
-          <a:prstGeom prst="rect">
-            <a:avLst/>
-          </a:prstGeom>
-          <a:noFill/>
-        </p:spPr>
-        <p:txBody>
-          <a:bodyPr wrap="square" rtlCol="0">
-            <a:spAutoFit/>
-          </a:bodyPr>
-          <a:lstStyle/>
-          <a:p>
-            <a:pPr algn="ctr"/>
-            <a:r>
-              <a:rPr lang="ko-KR" altLang="en-US" dirty="0" err="1"/>
-              <a:t>메세지</a:t>
-            </a:r>
-            <a:r>
-              <a:rPr lang="ko-KR" altLang="en-US" dirty="0"/>
-              <a:t> 수신</a:t>
-            </a:r>
-          </a:p>
-        </p:txBody>
-      </p:sp>
-      <p:sp>
-        <p:nvSpPr>
-          <p:cNvPr id="29" name="TextBox 28">
-            <a:extLst>
-              <a:ext uri="{FF2B5EF4-FFF2-40B4-BE49-F238E27FC236}">
-                <a16:creationId xmlns:a16="http://schemas.microsoft.com/office/drawing/2014/main" id="{37637BAD-5F78-4FD2-9647-3C7391AD4B1D}"/>
-              </a:ext>
-            </a:extLst>
-          </p:cNvPr>
-          <p:cNvSpPr txBox="1"/>
-          <p:nvPr/>
-        </p:nvSpPr>
-        <p:spPr>
-          <a:xfrm>
-            <a:off x="5743328" y="4947593"/>
-            <a:ext cx="714307" cy="369332"/>
-          </a:xfrm>
-          <a:prstGeom prst="rect">
-            <a:avLst/>
-          </a:prstGeom>
-          <a:noFill/>
-        </p:spPr>
-        <p:txBody>
-          <a:bodyPr wrap="square" rtlCol="0">
-            <a:spAutoFit/>
-          </a:bodyPr>
-          <a:lstStyle/>
-          <a:p>
-            <a:pPr algn="ctr"/>
-            <a:r>
-              <a:rPr lang="ko-KR" altLang="en-US"/>
-              <a:t>지도</a:t>
-            </a:r>
-            <a:endParaRPr lang="ko-KR" altLang="en-US" dirty="0"/>
-          </a:p>
-        </p:txBody>
-      </p:sp>
-      <p:sp>
-        <p:nvSpPr>
-          <p:cNvPr id="30" name="TextBox 29">
-            <a:extLst>
-              <a:ext uri="{FF2B5EF4-FFF2-40B4-BE49-F238E27FC236}">
-                <a16:creationId xmlns:a16="http://schemas.microsoft.com/office/drawing/2014/main" id="{D873CB57-4AD4-4E03-A55A-D02B24F13B52}"/>
-              </a:ext>
-            </a:extLst>
-          </p:cNvPr>
-          <p:cNvSpPr txBox="1"/>
-          <p:nvPr/>
-        </p:nvSpPr>
-        <p:spPr>
-          <a:xfrm>
-            <a:off x="4143370" y="3094162"/>
-            <a:ext cx="1704305" cy="369332"/>
-          </a:xfrm>
-          <a:prstGeom prst="rect">
-            <a:avLst/>
-          </a:prstGeom>
-          <a:noFill/>
-        </p:spPr>
-        <p:txBody>
-          <a:bodyPr wrap="square" rtlCol="0">
-            <a:spAutoFit/>
-          </a:bodyPr>
-          <a:lstStyle/>
-          <a:p>
-            <a:pPr algn="ctr"/>
-            <a:r>
-              <a:rPr lang="ko-KR" altLang="en-US"/>
-              <a:t>블루투스 통신</a:t>
-            </a:r>
-            <a:endParaRPr lang="ko-KR" altLang="en-US" dirty="0"/>
-          </a:p>
-        </p:txBody>
-      </p:sp>
+          <a:extLst>
+            <a:ext uri="{909E8E84-426E-40DD-AFC4-6F175D3DCCD1}">
+              <a14:hiddenFill xmlns:a14="http://schemas.microsoft.com/office/drawing/2010/main">
+                <a:solidFill>
+                  <a:srgbClr val="FFFFFF"/>
+                </a:solidFill>
+              </a14:hiddenFill>
+            </a:ext>
+          </a:extLst>
+        </p:spPr>
+      </p:pic>
       <p:cxnSp>
         <p:nvCxnSpPr>
-          <p:cNvPr id="3" name="직선 화살표 연결선 2">
-            <a:extLst>
-              <a:ext uri="{FF2B5EF4-FFF2-40B4-BE49-F238E27FC236}">
-                <a16:creationId xmlns:a16="http://schemas.microsoft.com/office/drawing/2014/main" id="{B3848104-87CE-4E71-ADDC-B124FD21BD80}"/>
-              </a:ext>
-            </a:extLst>
-          </p:cNvPr>
-          <p:cNvCxnSpPr/>
+          <p:cNvPr id="5" name="직선 연결선 4">
+            <a:extLst>
+              <a:ext uri="{FF2B5EF4-FFF2-40B4-BE49-F238E27FC236}">
+                <a16:creationId xmlns:a16="http://schemas.microsoft.com/office/drawing/2014/main" id="{57067CF2-2BB3-4CA8-88B4-BB70B080CC41}"/>
+              </a:ext>
+            </a:extLst>
+          </p:cNvPr>
+          <p:cNvCxnSpPr>
+            <a:cxnSpLocks/>
+          </p:cNvCxnSpPr>
           <p:nvPr/>
         </p:nvCxnSpPr>
         <p:spPr>
           <a:xfrm flipH="1">
-            <a:off x="7264073" y="2893723"/>
-            <a:ext cx="1533385" cy="31525"/>
-          </a:xfrm>
-          <a:prstGeom prst="straightConnector1">
-            <a:avLst/>
-          </a:prstGeom>
-          <a:ln>
-            <a:tailEnd type="triangle"/>
+            <a:off x="9209333" y="4906817"/>
+            <a:ext cx="1" cy="1296137"/>
+          </a:xfrm>
+          <a:prstGeom prst="line">
+            <a:avLst/>
+          </a:prstGeom>
+          <a:ln w="57150">
+            <a:solidFill>
+              <a:schemeClr val="tx1"/>
+            </a:solidFill>
           </a:ln>
         </p:spPr>
         <p:style>
@@ -34714,26 +34115,30 @@
       </p:cxnSp>
       <p:cxnSp>
         <p:nvCxnSpPr>
-          <p:cNvPr id="8" name="직선 화살표 연결선 7">
-            <a:extLst>
-              <a:ext uri="{FF2B5EF4-FFF2-40B4-BE49-F238E27FC236}">
-                <a16:creationId xmlns:a16="http://schemas.microsoft.com/office/drawing/2014/main" id="{3CA4FC1F-906E-493D-853E-22574C421AD4}"/>
-              </a:ext>
-            </a:extLst>
-          </p:cNvPr>
-          <p:cNvCxnSpPr/>
+          <p:cNvPr id="19" name="직선 연결선 18">
+            <a:extLst>
+              <a:ext uri="{FF2B5EF4-FFF2-40B4-BE49-F238E27FC236}">
+                <a16:creationId xmlns:a16="http://schemas.microsoft.com/office/drawing/2014/main" id="{24F1D176-46BC-4D7B-A80F-BE81F7360188}"/>
+              </a:ext>
+            </a:extLst>
+          </p:cNvPr>
+          <p:cNvCxnSpPr>
+            <a:cxnSpLocks/>
+          </p:cNvCxnSpPr>
           <p:nvPr/>
         </p:nvCxnSpPr>
         <p:spPr>
-          <a:xfrm>
-            <a:off x="6872623" y="1737058"/>
-            <a:ext cx="1818890" cy="0"/>
-          </a:xfrm>
-          <a:prstGeom prst="straightConnector1">
-            <a:avLst/>
-          </a:prstGeom>
-          <a:ln>
-            <a:tailEnd type="triangle"/>
+          <a:xfrm flipH="1">
+            <a:off x="6831867" y="6169618"/>
+            <a:ext cx="2386893" cy="0"/>
+          </a:xfrm>
+          <a:prstGeom prst="line">
+            <a:avLst/>
+          </a:prstGeom>
+          <a:ln w="57150">
+            <a:solidFill>
+              <a:schemeClr val="tx1"/>
+            </a:solidFill>
           </a:ln>
         </p:spPr>
         <p:style>
@@ -34753,27 +34158,30 @@
       </p:cxnSp>
       <p:cxnSp>
         <p:nvCxnSpPr>
-          <p:cNvPr id="15" name="직선 화살표 연결선 14">
-            <a:extLst>
-              <a:ext uri="{FF2B5EF4-FFF2-40B4-BE49-F238E27FC236}">
-                <a16:creationId xmlns:a16="http://schemas.microsoft.com/office/drawing/2014/main" id="{128A9BD5-2F84-41C0-94BF-74C35E56B5F9}"/>
-              </a:ext>
-            </a:extLst>
-          </p:cNvPr>
-          <p:cNvCxnSpPr/>
+          <p:cNvPr id="31" name="직선 연결선 30">
+            <a:extLst>
+              <a:ext uri="{FF2B5EF4-FFF2-40B4-BE49-F238E27FC236}">
+                <a16:creationId xmlns:a16="http://schemas.microsoft.com/office/drawing/2014/main" id="{4855464D-5811-40D6-AE66-24D1BC0AB5FF}"/>
+              </a:ext>
+            </a:extLst>
+          </p:cNvPr>
+          <p:cNvCxnSpPr>
+            <a:cxnSpLocks/>
+          </p:cNvCxnSpPr>
           <p:nvPr/>
         </p:nvCxnSpPr>
         <p:spPr>
           <a:xfrm flipV="1">
-            <a:off x="3582186" y="3161879"/>
-            <a:ext cx="395566" cy="30984"/>
-          </a:xfrm>
-          <a:prstGeom prst="straightConnector1">
-            <a:avLst/>
-          </a:prstGeom>
-          <a:ln>
-            <a:headEnd type="arrow" w="med" len="med"/>
-            <a:tailEnd type="arrow" w="med" len="med"/>
+            <a:off x="6828725" y="3246185"/>
+            <a:ext cx="0" cy="2956769"/>
+          </a:xfrm>
+          <a:prstGeom prst="line">
+            <a:avLst/>
+          </a:prstGeom>
+          <a:ln w="57150">
+            <a:solidFill>
+              <a:schemeClr val="tx1"/>
+            </a:solidFill>
           </a:ln>
         </p:spPr>
         <p:style>
@@ -34791,6 +34199,1721 @@
           </a:fontRef>
         </p:style>
       </p:cxnSp>
+      <p:cxnSp>
+        <p:nvCxnSpPr>
+          <p:cNvPr id="33" name="직선 연결선 32">
+            <a:extLst>
+              <a:ext uri="{FF2B5EF4-FFF2-40B4-BE49-F238E27FC236}">
+                <a16:creationId xmlns:a16="http://schemas.microsoft.com/office/drawing/2014/main" id="{09D45E71-8855-46F7-B64F-CC2A3DFB0DAD}"/>
+              </a:ext>
+            </a:extLst>
+          </p:cNvPr>
+          <p:cNvCxnSpPr>
+            <a:cxnSpLocks/>
+          </p:cNvCxnSpPr>
+          <p:nvPr/>
+        </p:nvCxnSpPr>
+        <p:spPr>
+          <a:xfrm>
+            <a:off x="9446895" y="4906817"/>
+            <a:ext cx="0" cy="1465820"/>
+          </a:xfrm>
+          <a:prstGeom prst="line">
+            <a:avLst/>
+          </a:prstGeom>
+          <a:ln w="57150">
+            <a:solidFill>
+              <a:srgbClr val="FF0000"/>
+            </a:solidFill>
+          </a:ln>
+        </p:spPr>
+        <p:style>
+          <a:lnRef idx="1">
+            <a:schemeClr val="accent1"/>
+          </a:lnRef>
+          <a:fillRef idx="0">
+            <a:schemeClr val="accent1"/>
+          </a:fillRef>
+          <a:effectRef idx="0">
+            <a:schemeClr val="accent1"/>
+          </a:effectRef>
+          <a:fontRef idx="minor">
+            <a:schemeClr val="tx1"/>
+          </a:fontRef>
+        </p:style>
+      </p:cxnSp>
+      <p:cxnSp>
+        <p:nvCxnSpPr>
+          <p:cNvPr id="35" name="직선 연결선 34">
+            <a:extLst>
+              <a:ext uri="{FF2B5EF4-FFF2-40B4-BE49-F238E27FC236}">
+                <a16:creationId xmlns:a16="http://schemas.microsoft.com/office/drawing/2014/main" id="{97977883-A7AE-4842-B589-0FB2D8E631AB}"/>
+              </a:ext>
+            </a:extLst>
+          </p:cNvPr>
+          <p:cNvCxnSpPr>
+            <a:cxnSpLocks/>
+          </p:cNvCxnSpPr>
+          <p:nvPr/>
+        </p:nvCxnSpPr>
+        <p:spPr>
+          <a:xfrm flipH="1">
+            <a:off x="6623456" y="6342157"/>
+            <a:ext cx="2831060" cy="0"/>
+          </a:xfrm>
+          <a:prstGeom prst="line">
+            <a:avLst/>
+          </a:prstGeom>
+          <a:ln w="57150">
+            <a:solidFill>
+              <a:srgbClr val="FF0000"/>
+            </a:solidFill>
+          </a:ln>
+        </p:spPr>
+        <p:style>
+          <a:lnRef idx="1">
+            <a:schemeClr val="accent1"/>
+          </a:lnRef>
+          <a:fillRef idx="0">
+            <a:schemeClr val="accent1"/>
+          </a:fillRef>
+          <a:effectRef idx="0">
+            <a:schemeClr val="accent1"/>
+          </a:effectRef>
+          <a:fontRef idx="minor">
+            <a:schemeClr val="tx1"/>
+          </a:fontRef>
+        </p:style>
+      </p:cxnSp>
+      <p:cxnSp>
+        <p:nvCxnSpPr>
+          <p:cNvPr id="37" name="직선 연결선 36">
+            <a:extLst>
+              <a:ext uri="{FF2B5EF4-FFF2-40B4-BE49-F238E27FC236}">
+                <a16:creationId xmlns:a16="http://schemas.microsoft.com/office/drawing/2014/main" id="{4AA4D878-5CF9-452E-BDB9-0F89EE6D6C14}"/>
+              </a:ext>
+            </a:extLst>
+          </p:cNvPr>
+          <p:cNvCxnSpPr>
+            <a:cxnSpLocks/>
+          </p:cNvCxnSpPr>
+          <p:nvPr/>
+        </p:nvCxnSpPr>
+        <p:spPr>
+          <a:xfrm>
+            <a:off x="6623456" y="3083625"/>
+            <a:ext cx="0" cy="3289012"/>
+          </a:xfrm>
+          <a:prstGeom prst="line">
+            <a:avLst/>
+          </a:prstGeom>
+          <a:ln w="57150">
+            <a:solidFill>
+              <a:srgbClr val="FF0000"/>
+            </a:solidFill>
+          </a:ln>
+        </p:spPr>
+        <p:style>
+          <a:lnRef idx="1">
+            <a:schemeClr val="accent1"/>
+          </a:lnRef>
+          <a:fillRef idx="0">
+            <a:schemeClr val="accent1"/>
+          </a:fillRef>
+          <a:effectRef idx="0">
+            <a:schemeClr val="accent1"/>
+          </a:effectRef>
+          <a:fontRef idx="minor">
+            <a:schemeClr val="tx1"/>
+          </a:fontRef>
+        </p:style>
+      </p:cxnSp>
+      <p:cxnSp>
+        <p:nvCxnSpPr>
+          <p:cNvPr id="39" name="직선 연결선 38">
+            <a:extLst>
+              <a:ext uri="{FF2B5EF4-FFF2-40B4-BE49-F238E27FC236}">
+                <a16:creationId xmlns:a16="http://schemas.microsoft.com/office/drawing/2014/main" id="{29001F84-C0A5-4478-96A7-5C1366202C88}"/>
+              </a:ext>
+            </a:extLst>
+          </p:cNvPr>
+          <p:cNvCxnSpPr>
+            <a:cxnSpLocks/>
+          </p:cNvCxnSpPr>
+          <p:nvPr/>
+        </p:nvCxnSpPr>
+        <p:spPr>
+          <a:xfrm>
+            <a:off x="9718381" y="4906817"/>
+            <a:ext cx="0" cy="1654356"/>
+          </a:xfrm>
+          <a:prstGeom prst="line">
+            <a:avLst/>
+          </a:prstGeom>
+          <a:ln w="57150">
+            <a:solidFill>
+              <a:srgbClr val="E99FE9"/>
+            </a:solidFill>
+          </a:ln>
+        </p:spPr>
+        <p:style>
+          <a:lnRef idx="1">
+            <a:schemeClr val="accent1"/>
+          </a:lnRef>
+          <a:fillRef idx="0">
+            <a:schemeClr val="accent1"/>
+          </a:fillRef>
+          <a:effectRef idx="0">
+            <a:schemeClr val="accent1"/>
+          </a:effectRef>
+          <a:fontRef idx="minor">
+            <a:schemeClr val="tx1"/>
+          </a:fontRef>
+        </p:style>
+      </p:cxnSp>
+      <p:cxnSp>
+        <p:nvCxnSpPr>
+          <p:cNvPr id="41" name="직선 연결선 40">
+            <a:extLst>
+              <a:ext uri="{FF2B5EF4-FFF2-40B4-BE49-F238E27FC236}">
+                <a16:creationId xmlns:a16="http://schemas.microsoft.com/office/drawing/2014/main" id="{3EB79307-CE1F-4E6E-883D-3C2EC36AE5AA}"/>
+              </a:ext>
+            </a:extLst>
+          </p:cNvPr>
+          <p:cNvCxnSpPr>
+            <a:cxnSpLocks/>
+          </p:cNvCxnSpPr>
+          <p:nvPr/>
+        </p:nvCxnSpPr>
+        <p:spPr>
+          <a:xfrm flipH="1">
+            <a:off x="890094" y="6533233"/>
+            <a:ext cx="3056464" cy="0"/>
+          </a:xfrm>
+          <a:prstGeom prst="line">
+            <a:avLst/>
+          </a:prstGeom>
+          <a:ln w="57150">
+            <a:solidFill>
+              <a:schemeClr val="tx1"/>
+            </a:solidFill>
+          </a:ln>
+        </p:spPr>
+        <p:style>
+          <a:lnRef idx="1">
+            <a:schemeClr val="accent1"/>
+          </a:lnRef>
+          <a:fillRef idx="0">
+            <a:schemeClr val="accent1"/>
+          </a:fillRef>
+          <a:effectRef idx="0">
+            <a:schemeClr val="accent1"/>
+          </a:effectRef>
+          <a:fontRef idx="minor">
+            <a:schemeClr val="tx1"/>
+          </a:fontRef>
+        </p:style>
+      </p:cxnSp>
+      <p:cxnSp>
+        <p:nvCxnSpPr>
+          <p:cNvPr id="43" name="직선 연결선 42">
+            <a:extLst>
+              <a:ext uri="{FF2B5EF4-FFF2-40B4-BE49-F238E27FC236}">
+                <a16:creationId xmlns:a16="http://schemas.microsoft.com/office/drawing/2014/main" id="{96F365A3-A8D2-4562-A2A6-4E9F2781B979}"/>
+              </a:ext>
+            </a:extLst>
+          </p:cNvPr>
+          <p:cNvCxnSpPr>
+            <a:cxnSpLocks/>
+          </p:cNvCxnSpPr>
+          <p:nvPr/>
+        </p:nvCxnSpPr>
+        <p:spPr>
+          <a:xfrm>
+            <a:off x="866944" y="2658993"/>
+            <a:ext cx="1898248" cy="0"/>
+          </a:xfrm>
+          <a:prstGeom prst="line">
+            <a:avLst/>
+          </a:prstGeom>
+          <a:ln w="57150">
+            <a:solidFill>
+              <a:schemeClr val="tx1"/>
+            </a:solidFill>
+          </a:ln>
+        </p:spPr>
+        <p:style>
+          <a:lnRef idx="1">
+            <a:schemeClr val="accent1"/>
+          </a:lnRef>
+          <a:fillRef idx="0">
+            <a:schemeClr val="accent1"/>
+          </a:fillRef>
+          <a:effectRef idx="0">
+            <a:schemeClr val="accent1"/>
+          </a:effectRef>
+          <a:fontRef idx="minor">
+            <a:schemeClr val="tx1"/>
+          </a:fontRef>
+        </p:style>
+      </p:cxnSp>
+      <p:cxnSp>
+        <p:nvCxnSpPr>
+          <p:cNvPr id="65" name="직선 연결선 64">
+            <a:extLst>
+              <a:ext uri="{FF2B5EF4-FFF2-40B4-BE49-F238E27FC236}">
+                <a16:creationId xmlns:a16="http://schemas.microsoft.com/office/drawing/2014/main" id="{A65951AB-B073-47D7-A725-80A4FA40CF2E}"/>
+              </a:ext>
+            </a:extLst>
+          </p:cNvPr>
+          <p:cNvCxnSpPr>
+            <a:cxnSpLocks/>
+          </p:cNvCxnSpPr>
+          <p:nvPr/>
+        </p:nvCxnSpPr>
+        <p:spPr>
+          <a:xfrm flipH="1">
+            <a:off x="3926238" y="3114105"/>
+            <a:ext cx="2707378" cy="0"/>
+          </a:xfrm>
+          <a:prstGeom prst="line">
+            <a:avLst/>
+          </a:prstGeom>
+          <a:ln w="57150">
+            <a:solidFill>
+              <a:srgbClr val="FF0000"/>
+            </a:solidFill>
+          </a:ln>
+        </p:spPr>
+        <p:style>
+          <a:lnRef idx="1">
+            <a:schemeClr val="accent1"/>
+          </a:lnRef>
+          <a:fillRef idx="0">
+            <a:schemeClr val="accent1"/>
+          </a:fillRef>
+          <a:effectRef idx="0">
+            <a:schemeClr val="accent1"/>
+          </a:effectRef>
+          <a:fontRef idx="minor">
+            <a:schemeClr val="tx1"/>
+          </a:fontRef>
+        </p:style>
+      </p:cxnSp>
+      <p:cxnSp>
+        <p:nvCxnSpPr>
+          <p:cNvPr id="67" name="직선 연결선 66">
+            <a:extLst>
+              <a:ext uri="{FF2B5EF4-FFF2-40B4-BE49-F238E27FC236}">
+                <a16:creationId xmlns:a16="http://schemas.microsoft.com/office/drawing/2014/main" id="{18295E7A-0EB1-4AFC-A01B-6516CA3F002F}"/>
+              </a:ext>
+            </a:extLst>
+          </p:cNvPr>
+          <p:cNvCxnSpPr>
+            <a:cxnSpLocks/>
+          </p:cNvCxnSpPr>
+          <p:nvPr/>
+        </p:nvCxnSpPr>
+        <p:spPr>
+          <a:xfrm>
+            <a:off x="3946558" y="3083625"/>
+            <a:ext cx="0" cy="675429"/>
+          </a:xfrm>
+          <a:prstGeom prst="line">
+            <a:avLst/>
+          </a:prstGeom>
+          <a:ln w="57150">
+            <a:solidFill>
+              <a:srgbClr val="FF0000"/>
+            </a:solidFill>
+          </a:ln>
+        </p:spPr>
+        <p:style>
+          <a:lnRef idx="1">
+            <a:schemeClr val="accent1"/>
+          </a:lnRef>
+          <a:fillRef idx="0">
+            <a:schemeClr val="accent1"/>
+          </a:fillRef>
+          <a:effectRef idx="0">
+            <a:schemeClr val="accent1"/>
+          </a:effectRef>
+          <a:fontRef idx="minor">
+            <a:schemeClr val="tx1"/>
+          </a:fontRef>
+        </p:style>
+      </p:cxnSp>
+      <p:cxnSp>
+        <p:nvCxnSpPr>
+          <p:cNvPr id="71" name="직선 연결선 70">
+            <a:extLst>
+              <a:ext uri="{FF2B5EF4-FFF2-40B4-BE49-F238E27FC236}">
+                <a16:creationId xmlns:a16="http://schemas.microsoft.com/office/drawing/2014/main" id="{2D1B6045-228F-4BE1-90A0-7F9BCE15A7A7}"/>
+              </a:ext>
+            </a:extLst>
+          </p:cNvPr>
+          <p:cNvCxnSpPr>
+            <a:cxnSpLocks/>
+          </p:cNvCxnSpPr>
+          <p:nvPr/>
+        </p:nvCxnSpPr>
+        <p:spPr>
+          <a:xfrm flipH="1">
+            <a:off x="5279927" y="3246185"/>
+            <a:ext cx="1579279" cy="0"/>
+          </a:xfrm>
+          <a:prstGeom prst="line">
+            <a:avLst/>
+          </a:prstGeom>
+          <a:ln w="57150">
+            <a:solidFill>
+              <a:schemeClr val="tx1"/>
+            </a:solidFill>
+          </a:ln>
+        </p:spPr>
+        <p:style>
+          <a:lnRef idx="1">
+            <a:schemeClr val="accent1"/>
+          </a:lnRef>
+          <a:fillRef idx="0">
+            <a:schemeClr val="accent1"/>
+          </a:fillRef>
+          <a:effectRef idx="0">
+            <a:schemeClr val="accent1"/>
+          </a:effectRef>
+          <a:fontRef idx="minor">
+            <a:schemeClr val="tx1"/>
+          </a:fontRef>
+        </p:style>
+      </p:cxnSp>
+      <p:cxnSp>
+        <p:nvCxnSpPr>
+          <p:cNvPr id="73" name="직선 연결선 72">
+            <a:extLst>
+              <a:ext uri="{FF2B5EF4-FFF2-40B4-BE49-F238E27FC236}">
+                <a16:creationId xmlns:a16="http://schemas.microsoft.com/office/drawing/2014/main" id="{C43DE6F1-C7F8-46D9-AC8B-D9B997D45AC4}"/>
+              </a:ext>
+            </a:extLst>
+          </p:cNvPr>
+          <p:cNvCxnSpPr>
+            <a:cxnSpLocks/>
+          </p:cNvCxnSpPr>
+          <p:nvPr/>
+        </p:nvCxnSpPr>
+        <p:spPr>
+          <a:xfrm flipV="1">
+            <a:off x="5279927" y="3212850"/>
+            <a:ext cx="0" cy="546204"/>
+          </a:xfrm>
+          <a:prstGeom prst="line">
+            <a:avLst/>
+          </a:prstGeom>
+          <a:ln w="57150">
+            <a:solidFill>
+              <a:schemeClr val="tx1"/>
+            </a:solidFill>
+          </a:ln>
+        </p:spPr>
+        <p:style>
+          <a:lnRef idx="1">
+            <a:schemeClr val="accent1"/>
+          </a:lnRef>
+          <a:fillRef idx="0">
+            <a:schemeClr val="accent1"/>
+          </a:fillRef>
+          <a:effectRef idx="0">
+            <a:schemeClr val="accent1"/>
+          </a:effectRef>
+          <a:fontRef idx="minor">
+            <a:schemeClr val="tx1"/>
+          </a:fontRef>
+        </p:style>
+      </p:cxnSp>
+      <p:cxnSp>
+        <p:nvCxnSpPr>
+          <p:cNvPr id="79" name="직선 연결선 78">
+            <a:extLst>
+              <a:ext uri="{FF2B5EF4-FFF2-40B4-BE49-F238E27FC236}">
+                <a16:creationId xmlns:a16="http://schemas.microsoft.com/office/drawing/2014/main" id="{7BE103F9-A525-4075-926C-F9D980DA9A98}"/>
+              </a:ext>
+            </a:extLst>
+          </p:cNvPr>
+          <p:cNvCxnSpPr>
+            <a:cxnSpLocks/>
+          </p:cNvCxnSpPr>
+          <p:nvPr/>
+        </p:nvCxnSpPr>
+        <p:spPr>
+          <a:xfrm>
+            <a:off x="893904" y="2658993"/>
+            <a:ext cx="0" cy="3902180"/>
+          </a:xfrm>
+          <a:prstGeom prst="line">
+            <a:avLst/>
+          </a:prstGeom>
+          <a:ln w="57150">
+            <a:solidFill>
+              <a:schemeClr val="tx1"/>
+            </a:solidFill>
+          </a:ln>
+        </p:spPr>
+        <p:style>
+          <a:lnRef idx="1">
+            <a:schemeClr val="accent1"/>
+          </a:lnRef>
+          <a:fillRef idx="0">
+            <a:schemeClr val="accent1"/>
+          </a:fillRef>
+          <a:effectRef idx="0">
+            <a:schemeClr val="accent1"/>
+          </a:effectRef>
+          <a:fontRef idx="minor">
+            <a:schemeClr val="tx1"/>
+          </a:fontRef>
+        </p:style>
+      </p:cxnSp>
+      <p:cxnSp>
+        <p:nvCxnSpPr>
+          <p:cNvPr id="85" name="직선 연결선 84">
+            <a:extLst>
+              <a:ext uri="{FF2B5EF4-FFF2-40B4-BE49-F238E27FC236}">
+                <a16:creationId xmlns:a16="http://schemas.microsoft.com/office/drawing/2014/main" id="{5EB988FA-5688-429E-AB19-A40A902B49C7}"/>
+              </a:ext>
+            </a:extLst>
+          </p:cNvPr>
+          <p:cNvCxnSpPr>
+            <a:cxnSpLocks/>
+          </p:cNvCxnSpPr>
+          <p:nvPr/>
+        </p:nvCxnSpPr>
+        <p:spPr>
+          <a:xfrm flipV="1">
+            <a:off x="2719793" y="2361292"/>
+            <a:ext cx="0" cy="925468"/>
+          </a:xfrm>
+          <a:prstGeom prst="line">
+            <a:avLst/>
+          </a:prstGeom>
+          <a:ln w="28575">
+            <a:solidFill>
+              <a:srgbClr val="FF0000"/>
+            </a:solidFill>
+          </a:ln>
+        </p:spPr>
+        <p:style>
+          <a:lnRef idx="1">
+            <a:schemeClr val="accent1"/>
+          </a:lnRef>
+          <a:fillRef idx="0">
+            <a:schemeClr val="accent1"/>
+          </a:fillRef>
+          <a:effectRef idx="0">
+            <a:schemeClr val="accent1"/>
+          </a:effectRef>
+          <a:fontRef idx="minor">
+            <a:schemeClr val="tx1"/>
+          </a:fontRef>
+        </p:style>
+      </p:cxnSp>
+      <p:cxnSp>
+        <p:nvCxnSpPr>
+          <p:cNvPr id="87" name="직선 연결선 86">
+            <a:extLst>
+              <a:ext uri="{FF2B5EF4-FFF2-40B4-BE49-F238E27FC236}">
+                <a16:creationId xmlns:a16="http://schemas.microsoft.com/office/drawing/2014/main" id="{05353DCF-91CD-48CE-A755-C9A6A3692EB3}"/>
+              </a:ext>
+            </a:extLst>
+          </p:cNvPr>
+          <p:cNvCxnSpPr>
+            <a:cxnSpLocks/>
+          </p:cNvCxnSpPr>
+          <p:nvPr/>
+        </p:nvCxnSpPr>
+        <p:spPr>
+          <a:xfrm>
+            <a:off x="4720834" y="3162221"/>
+            <a:ext cx="10761" cy="655026"/>
+          </a:xfrm>
+          <a:prstGeom prst="line">
+            <a:avLst/>
+          </a:prstGeom>
+          <a:ln w="28575">
+            <a:solidFill>
+              <a:srgbClr val="92D050"/>
+            </a:solidFill>
+          </a:ln>
+        </p:spPr>
+        <p:style>
+          <a:lnRef idx="1">
+            <a:schemeClr val="accent1"/>
+          </a:lnRef>
+          <a:fillRef idx="0">
+            <a:schemeClr val="accent1"/>
+          </a:fillRef>
+          <a:effectRef idx="0">
+            <a:schemeClr val="accent1"/>
+          </a:effectRef>
+          <a:fontRef idx="minor">
+            <a:schemeClr val="tx1"/>
+          </a:fontRef>
+        </p:style>
+      </p:cxnSp>
+      <p:cxnSp>
+        <p:nvCxnSpPr>
+          <p:cNvPr id="89" name="직선 연결선 88">
+            <a:extLst>
+              <a:ext uri="{FF2B5EF4-FFF2-40B4-BE49-F238E27FC236}">
+                <a16:creationId xmlns:a16="http://schemas.microsoft.com/office/drawing/2014/main" id="{6C1906F9-9013-411C-8A60-A874D204FB81}"/>
+              </a:ext>
+            </a:extLst>
+          </p:cNvPr>
+          <p:cNvCxnSpPr>
+            <a:cxnSpLocks/>
+          </p:cNvCxnSpPr>
+          <p:nvPr/>
+        </p:nvCxnSpPr>
+        <p:spPr>
+          <a:xfrm flipH="1" flipV="1">
+            <a:off x="2930294" y="2319276"/>
+            <a:ext cx="24602" cy="856840"/>
+          </a:xfrm>
+          <a:prstGeom prst="line">
+            <a:avLst/>
+          </a:prstGeom>
+          <a:ln w="28575">
+            <a:solidFill>
+              <a:srgbClr val="92D050"/>
+            </a:solidFill>
+          </a:ln>
+        </p:spPr>
+        <p:style>
+          <a:lnRef idx="1">
+            <a:schemeClr val="accent1"/>
+          </a:lnRef>
+          <a:fillRef idx="0">
+            <a:schemeClr val="accent1"/>
+          </a:fillRef>
+          <a:effectRef idx="0">
+            <a:schemeClr val="accent1"/>
+          </a:effectRef>
+          <a:fontRef idx="minor">
+            <a:schemeClr val="tx1"/>
+          </a:fontRef>
+        </p:style>
+      </p:cxnSp>
+      <p:cxnSp>
+        <p:nvCxnSpPr>
+          <p:cNvPr id="93" name="직선 연결선 92">
+            <a:extLst>
+              <a:ext uri="{FF2B5EF4-FFF2-40B4-BE49-F238E27FC236}">
+                <a16:creationId xmlns:a16="http://schemas.microsoft.com/office/drawing/2014/main" id="{A4D43A9D-F997-4D1E-BC76-247E2B4994DB}"/>
+              </a:ext>
+            </a:extLst>
+          </p:cNvPr>
+          <p:cNvCxnSpPr>
+            <a:cxnSpLocks/>
+          </p:cNvCxnSpPr>
+          <p:nvPr/>
+        </p:nvCxnSpPr>
+        <p:spPr>
+          <a:xfrm>
+            <a:off x="4907202" y="3421339"/>
+            <a:ext cx="0" cy="395908"/>
+          </a:xfrm>
+          <a:prstGeom prst="line">
+            <a:avLst/>
+          </a:prstGeom>
+          <a:ln w="28575">
+            <a:solidFill>
+              <a:schemeClr val="accent1">
+                <a:lumMod val="75000"/>
+              </a:schemeClr>
+            </a:solidFill>
+          </a:ln>
+        </p:spPr>
+        <p:style>
+          <a:lnRef idx="1">
+            <a:schemeClr val="accent1"/>
+          </a:lnRef>
+          <a:fillRef idx="0">
+            <a:schemeClr val="accent1"/>
+          </a:fillRef>
+          <a:effectRef idx="0">
+            <a:schemeClr val="accent1"/>
+          </a:effectRef>
+          <a:fontRef idx="minor">
+            <a:schemeClr val="tx1"/>
+          </a:fontRef>
+        </p:style>
+      </p:cxnSp>
+      <p:cxnSp>
+        <p:nvCxnSpPr>
+          <p:cNvPr id="97" name="직선 연결선 96">
+            <a:extLst>
+              <a:ext uri="{FF2B5EF4-FFF2-40B4-BE49-F238E27FC236}">
+                <a16:creationId xmlns:a16="http://schemas.microsoft.com/office/drawing/2014/main" id="{46E49B79-3FED-4E7C-A19B-0BD5CBECC117}"/>
+              </a:ext>
+            </a:extLst>
+          </p:cNvPr>
+          <p:cNvCxnSpPr>
+            <a:cxnSpLocks/>
+          </p:cNvCxnSpPr>
+          <p:nvPr/>
+        </p:nvCxnSpPr>
+        <p:spPr>
+          <a:xfrm flipH="1" flipV="1">
+            <a:off x="3020818" y="2361292"/>
+            <a:ext cx="18854" cy="1060047"/>
+          </a:xfrm>
+          <a:prstGeom prst="line">
+            <a:avLst/>
+          </a:prstGeom>
+          <a:ln w="28575">
+            <a:solidFill>
+              <a:schemeClr val="accent1">
+                <a:lumMod val="75000"/>
+              </a:schemeClr>
+            </a:solidFill>
+          </a:ln>
+        </p:spPr>
+        <p:style>
+          <a:lnRef idx="1">
+            <a:schemeClr val="accent1"/>
+          </a:lnRef>
+          <a:fillRef idx="0">
+            <a:schemeClr val="accent1"/>
+          </a:fillRef>
+          <a:effectRef idx="0">
+            <a:schemeClr val="accent1"/>
+          </a:effectRef>
+          <a:fontRef idx="minor">
+            <a:schemeClr val="tx1"/>
+          </a:fontRef>
+        </p:style>
+      </p:cxnSp>
+      <p:grpSp>
+        <p:nvGrpSpPr>
+          <p:cNvPr id="1033" name="그룹 1032">
+            <a:extLst>
+              <a:ext uri="{FF2B5EF4-FFF2-40B4-BE49-F238E27FC236}">
+                <a16:creationId xmlns:a16="http://schemas.microsoft.com/office/drawing/2014/main" id="{FC31EE0A-70D2-4BF2-97F5-B636D753A792}"/>
+              </a:ext>
+            </a:extLst>
+          </p:cNvPr>
+          <p:cNvGrpSpPr/>
+          <p:nvPr/>
+        </p:nvGrpSpPr>
+        <p:grpSpPr>
+          <a:xfrm>
+            <a:off x="2740108" y="146641"/>
+            <a:ext cx="321165" cy="1142734"/>
+            <a:chOff x="4496322" y="288881"/>
+            <a:chExt cx="321165" cy="1142734"/>
+          </a:xfrm>
+        </p:grpSpPr>
+        <p:cxnSp>
+          <p:nvCxnSpPr>
+            <p:cNvPr id="105" name="직선 연결선 104">
+              <a:extLst>
+                <a:ext uri="{FF2B5EF4-FFF2-40B4-BE49-F238E27FC236}">
+                  <a16:creationId xmlns:a16="http://schemas.microsoft.com/office/drawing/2014/main" id="{E3495457-53D9-4D02-B145-F950AE31E7F4}"/>
+                </a:ext>
+              </a:extLst>
+            </p:cNvPr>
+            <p:cNvCxnSpPr/>
+            <p:nvPr/>
+          </p:nvCxnSpPr>
+          <p:spPr>
+            <a:xfrm flipH="1">
+              <a:off x="4502552" y="624285"/>
+              <a:ext cx="38968" cy="66348"/>
+            </a:xfrm>
+            <a:prstGeom prst="line">
+              <a:avLst/>
+            </a:prstGeom>
+            <a:ln w="19050">
+              <a:solidFill>
+                <a:schemeClr val="bg2">
+                  <a:lumMod val="50000"/>
+                </a:schemeClr>
+              </a:solidFill>
+            </a:ln>
+          </p:spPr>
+          <p:style>
+            <a:lnRef idx="1">
+              <a:schemeClr val="accent1"/>
+            </a:lnRef>
+            <a:fillRef idx="0">
+              <a:schemeClr val="accent1"/>
+            </a:fillRef>
+            <a:effectRef idx="0">
+              <a:schemeClr val="accent1"/>
+            </a:effectRef>
+            <a:fontRef idx="minor">
+              <a:schemeClr val="tx1"/>
+            </a:fontRef>
+          </p:style>
+        </p:cxnSp>
+        <p:cxnSp>
+          <p:nvCxnSpPr>
+            <p:cNvPr id="107" name="직선 연결선 106">
+              <a:extLst>
+                <a:ext uri="{FF2B5EF4-FFF2-40B4-BE49-F238E27FC236}">
+                  <a16:creationId xmlns:a16="http://schemas.microsoft.com/office/drawing/2014/main" id="{AE05662D-8A46-4B03-A81E-7613BB6DF29B}"/>
+                </a:ext>
+              </a:extLst>
+            </p:cNvPr>
+            <p:cNvCxnSpPr/>
+            <p:nvPr/>
+          </p:nvCxnSpPr>
+          <p:spPr>
+            <a:xfrm>
+              <a:off x="4496322" y="690633"/>
+              <a:ext cx="0" cy="620007"/>
+            </a:xfrm>
+            <a:prstGeom prst="line">
+              <a:avLst/>
+            </a:prstGeom>
+            <a:ln w="19050">
+              <a:solidFill>
+                <a:schemeClr val="bg2">
+                  <a:lumMod val="50000"/>
+                </a:schemeClr>
+              </a:solidFill>
+            </a:ln>
+          </p:spPr>
+          <p:style>
+            <a:lnRef idx="1">
+              <a:schemeClr val="accent1"/>
+            </a:lnRef>
+            <a:fillRef idx="0">
+              <a:schemeClr val="accent1"/>
+            </a:fillRef>
+            <a:effectRef idx="0">
+              <a:schemeClr val="accent1"/>
+            </a:effectRef>
+            <a:fontRef idx="minor">
+              <a:schemeClr val="tx1"/>
+            </a:fontRef>
+          </p:style>
+        </p:cxnSp>
+        <p:cxnSp>
+          <p:nvCxnSpPr>
+            <p:cNvPr id="113" name="직선 연결선 112">
+              <a:extLst>
+                <a:ext uri="{FF2B5EF4-FFF2-40B4-BE49-F238E27FC236}">
+                  <a16:creationId xmlns:a16="http://schemas.microsoft.com/office/drawing/2014/main" id="{969BE398-045F-44DE-860A-CA334B7CE107}"/>
+                </a:ext>
+              </a:extLst>
+            </p:cNvPr>
+            <p:cNvCxnSpPr>
+              <a:cxnSpLocks/>
+            </p:cNvCxnSpPr>
+            <p:nvPr/>
+          </p:nvCxnSpPr>
+          <p:spPr>
+            <a:xfrm flipH="1">
+              <a:off x="4564380" y="607967"/>
+              <a:ext cx="41445" cy="105837"/>
+            </a:xfrm>
+            <a:prstGeom prst="line">
+              <a:avLst/>
+            </a:prstGeom>
+            <a:ln w="19050">
+              <a:solidFill>
+                <a:schemeClr val="bg2">
+                  <a:lumMod val="50000"/>
+                </a:schemeClr>
+              </a:solidFill>
+            </a:ln>
+          </p:spPr>
+          <p:style>
+            <a:lnRef idx="1">
+              <a:schemeClr val="accent1"/>
+            </a:lnRef>
+            <a:fillRef idx="0">
+              <a:schemeClr val="accent1"/>
+            </a:fillRef>
+            <a:effectRef idx="0">
+              <a:schemeClr val="accent1"/>
+            </a:effectRef>
+            <a:fontRef idx="minor">
+              <a:schemeClr val="tx1"/>
+            </a:fontRef>
+          </p:style>
+        </p:cxnSp>
+        <p:cxnSp>
+          <p:nvCxnSpPr>
+            <p:cNvPr id="116" name="직선 연결선 115">
+              <a:extLst>
+                <a:ext uri="{FF2B5EF4-FFF2-40B4-BE49-F238E27FC236}">
+                  <a16:creationId xmlns:a16="http://schemas.microsoft.com/office/drawing/2014/main" id="{985F07BE-FC0C-48D1-B958-BBACFCA74E09}"/>
+                </a:ext>
+              </a:extLst>
+            </p:cNvPr>
+            <p:cNvCxnSpPr/>
+            <p:nvPr/>
+          </p:nvCxnSpPr>
+          <p:spPr>
+            <a:xfrm>
+              <a:off x="4569460" y="713804"/>
+              <a:ext cx="0" cy="717811"/>
+            </a:xfrm>
+            <a:prstGeom prst="line">
+              <a:avLst/>
+            </a:prstGeom>
+            <a:ln w="19050">
+              <a:solidFill>
+                <a:schemeClr val="bg2">
+                  <a:lumMod val="50000"/>
+                </a:schemeClr>
+              </a:solidFill>
+            </a:ln>
+          </p:spPr>
+          <p:style>
+            <a:lnRef idx="1">
+              <a:schemeClr val="accent1"/>
+            </a:lnRef>
+            <a:fillRef idx="0">
+              <a:schemeClr val="accent1"/>
+            </a:fillRef>
+            <a:effectRef idx="0">
+              <a:schemeClr val="accent1"/>
+            </a:effectRef>
+            <a:fontRef idx="minor">
+              <a:schemeClr val="tx1"/>
+            </a:fontRef>
+          </p:style>
+        </p:cxnSp>
+        <p:cxnSp>
+          <p:nvCxnSpPr>
+            <p:cNvPr id="118" name="직선 연결선 117">
+              <a:extLst>
+                <a:ext uri="{FF2B5EF4-FFF2-40B4-BE49-F238E27FC236}">
+                  <a16:creationId xmlns:a16="http://schemas.microsoft.com/office/drawing/2014/main" id="{06CD6E25-E47D-4A5A-B72C-6B50EA70D09A}"/>
+                </a:ext>
+              </a:extLst>
+            </p:cNvPr>
+            <p:cNvCxnSpPr>
+              <a:cxnSpLocks/>
+            </p:cNvCxnSpPr>
+            <p:nvPr/>
+          </p:nvCxnSpPr>
+          <p:spPr>
+            <a:xfrm>
+              <a:off x="4679720" y="605052"/>
+              <a:ext cx="23952" cy="85581"/>
+            </a:xfrm>
+            <a:prstGeom prst="line">
+              <a:avLst/>
+            </a:prstGeom>
+            <a:ln w="19050">
+              <a:solidFill>
+                <a:schemeClr val="bg2">
+                  <a:lumMod val="50000"/>
+                </a:schemeClr>
+              </a:solidFill>
+            </a:ln>
+          </p:spPr>
+          <p:style>
+            <a:lnRef idx="1">
+              <a:schemeClr val="accent1"/>
+            </a:lnRef>
+            <a:fillRef idx="0">
+              <a:schemeClr val="accent1"/>
+            </a:fillRef>
+            <a:effectRef idx="0">
+              <a:schemeClr val="accent1"/>
+            </a:effectRef>
+            <a:fontRef idx="minor">
+              <a:schemeClr val="tx1"/>
+            </a:fontRef>
+          </p:style>
+        </p:cxnSp>
+        <p:cxnSp>
+          <p:nvCxnSpPr>
+            <p:cNvPr id="122" name="직선 연결선 121">
+              <a:extLst>
+                <a:ext uri="{FF2B5EF4-FFF2-40B4-BE49-F238E27FC236}">
+                  <a16:creationId xmlns:a16="http://schemas.microsoft.com/office/drawing/2014/main" id="{63F068F8-0BD8-464A-AF30-23733619E0C0}"/>
+                </a:ext>
+              </a:extLst>
+            </p:cNvPr>
+            <p:cNvCxnSpPr>
+              <a:cxnSpLocks/>
+            </p:cNvCxnSpPr>
+            <p:nvPr/>
+          </p:nvCxnSpPr>
+          <p:spPr>
+            <a:xfrm>
+              <a:off x="4699680" y="690633"/>
+              <a:ext cx="0" cy="602862"/>
+            </a:xfrm>
+            <a:prstGeom prst="line">
+              <a:avLst/>
+            </a:prstGeom>
+            <a:ln w="19050">
+              <a:solidFill>
+                <a:schemeClr val="bg2">
+                  <a:lumMod val="50000"/>
+                </a:schemeClr>
+              </a:solidFill>
+            </a:ln>
+          </p:spPr>
+          <p:style>
+            <a:lnRef idx="1">
+              <a:schemeClr val="accent1"/>
+            </a:lnRef>
+            <a:fillRef idx="0">
+              <a:schemeClr val="accent1"/>
+            </a:fillRef>
+            <a:effectRef idx="0">
+              <a:schemeClr val="accent1"/>
+            </a:effectRef>
+            <a:fontRef idx="minor">
+              <a:schemeClr val="tx1"/>
+            </a:fontRef>
+          </p:style>
+        </p:cxnSp>
+        <p:cxnSp>
+          <p:nvCxnSpPr>
+            <p:cNvPr id="125" name="직선 연결선 124">
+              <a:extLst>
+                <a:ext uri="{FF2B5EF4-FFF2-40B4-BE49-F238E27FC236}">
+                  <a16:creationId xmlns:a16="http://schemas.microsoft.com/office/drawing/2014/main" id="{01DC3205-D032-4965-B714-758BF91E0213}"/>
+                </a:ext>
+              </a:extLst>
+            </p:cNvPr>
+            <p:cNvCxnSpPr>
+              <a:cxnSpLocks/>
+            </p:cNvCxnSpPr>
+            <p:nvPr/>
+          </p:nvCxnSpPr>
+          <p:spPr>
+            <a:xfrm>
+              <a:off x="4757156" y="613650"/>
+              <a:ext cx="39752" cy="85031"/>
+            </a:xfrm>
+            <a:prstGeom prst="line">
+              <a:avLst/>
+            </a:prstGeom>
+            <a:ln w="19050">
+              <a:solidFill>
+                <a:schemeClr val="bg2">
+                  <a:lumMod val="50000"/>
+                </a:schemeClr>
+              </a:solidFill>
+            </a:ln>
+          </p:spPr>
+          <p:style>
+            <a:lnRef idx="1">
+              <a:schemeClr val="accent1"/>
+            </a:lnRef>
+            <a:fillRef idx="0">
+              <a:schemeClr val="accent1"/>
+            </a:fillRef>
+            <a:effectRef idx="0">
+              <a:schemeClr val="accent1"/>
+            </a:effectRef>
+            <a:fontRef idx="minor">
+              <a:schemeClr val="tx1"/>
+            </a:fontRef>
+          </p:style>
+        </p:cxnSp>
+        <p:cxnSp>
+          <p:nvCxnSpPr>
+            <p:cNvPr id="1024" name="직선 연결선 1023">
+              <a:extLst>
+                <a:ext uri="{FF2B5EF4-FFF2-40B4-BE49-F238E27FC236}">
+                  <a16:creationId xmlns:a16="http://schemas.microsoft.com/office/drawing/2014/main" id="{AA0A0D12-2846-42FF-A5DC-705D7CFFDD4A}"/>
+                </a:ext>
+              </a:extLst>
+            </p:cNvPr>
+            <p:cNvCxnSpPr>
+              <a:cxnSpLocks/>
+            </p:cNvCxnSpPr>
+            <p:nvPr/>
+          </p:nvCxnSpPr>
+          <p:spPr>
+            <a:xfrm flipH="1">
+              <a:off x="4789222" y="678387"/>
+              <a:ext cx="8305" cy="623463"/>
+            </a:xfrm>
+            <a:prstGeom prst="line">
+              <a:avLst/>
+            </a:prstGeom>
+            <a:ln w="19050">
+              <a:solidFill>
+                <a:schemeClr val="bg2">
+                  <a:lumMod val="50000"/>
+                </a:schemeClr>
+              </a:solidFill>
+            </a:ln>
+          </p:spPr>
+          <p:style>
+            <a:lnRef idx="1">
+              <a:schemeClr val="accent1"/>
+            </a:lnRef>
+            <a:fillRef idx="0">
+              <a:schemeClr val="accent1"/>
+            </a:fillRef>
+            <a:effectRef idx="0">
+              <a:schemeClr val="accent1"/>
+            </a:effectRef>
+            <a:fontRef idx="minor">
+              <a:schemeClr val="tx1"/>
+            </a:fontRef>
+          </p:style>
+        </p:cxnSp>
+        <p:grpSp>
+          <p:nvGrpSpPr>
+            <p:cNvPr id="101" name="그룹 100">
+              <a:extLst>
+                <a:ext uri="{FF2B5EF4-FFF2-40B4-BE49-F238E27FC236}">
+                  <a16:creationId xmlns:a16="http://schemas.microsoft.com/office/drawing/2014/main" id="{ADCA6BD8-682E-422B-A840-9DBC0F6C9146}"/>
+                </a:ext>
+              </a:extLst>
+            </p:cNvPr>
+            <p:cNvGrpSpPr/>
+            <p:nvPr/>
+          </p:nvGrpSpPr>
+          <p:grpSpPr>
+            <a:xfrm>
+              <a:off x="4496322" y="288881"/>
+              <a:ext cx="321165" cy="339342"/>
+              <a:chOff x="2432117" y="1131224"/>
+              <a:chExt cx="321165" cy="339342"/>
+            </a:xfrm>
+            <a:solidFill>
+              <a:schemeClr val="bg2">
+                <a:lumMod val="90000"/>
+              </a:schemeClr>
+            </a:solidFill>
+          </p:grpSpPr>
+          <p:sp>
+            <p:nvSpPr>
+              <p:cNvPr id="99" name="직사각형 98">
+                <a:extLst>
+                  <a:ext uri="{FF2B5EF4-FFF2-40B4-BE49-F238E27FC236}">
+                    <a16:creationId xmlns:a16="http://schemas.microsoft.com/office/drawing/2014/main" id="{13891BE4-35D7-426C-9A6A-72A52A24854B}"/>
+                  </a:ext>
+                </a:extLst>
+              </p:cNvPr>
+              <p:cNvSpPr/>
+              <p:nvPr/>
+            </p:nvSpPr>
+            <p:spPr>
+              <a:xfrm>
+                <a:off x="2432118" y="1244338"/>
+                <a:ext cx="321164" cy="226228"/>
+              </a:xfrm>
+              <a:prstGeom prst="rect">
+                <a:avLst/>
+              </a:prstGeom>
+              <a:grpFill/>
+              <a:ln w="19050">
+                <a:noFill/>
+              </a:ln>
+            </p:spPr>
+            <p:style>
+              <a:lnRef idx="2">
+                <a:schemeClr val="accent1">
+                  <a:shade val="50000"/>
+                </a:schemeClr>
+              </a:lnRef>
+              <a:fillRef idx="1">
+                <a:schemeClr val="accent1"/>
+              </a:fillRef>
+              <a:effectRef idx="0">
+                <a:schemeClr val="accent1"/>
+              </a:effectRef>
+              <a:fontRef idx="minor">
+                <a:schemeClr val="lt1"/>
+              </a:fontRef>
+            </p:style>
+            <p:txBody>
+              <a:bodyPr rtlCol="0" anchor="ctr"/>
+              <a:lstStyle/>
+              <a:p>
+                <a:pPr algn="ctr"/>
+                <a:endParaRPr lang="ko-KR" altLang="en-US"/>
+              </a:p>
+            </p:txBody>
+          </p:sp>
+          <p:sp>
+            <p:nvSpPr>
+              <p:cNvPr id="100" name="사각형: 둥근 모서리 99">
+                <a:extLst>
+                  <a:ext uri="{FF2B5EF4-FFF2-40B4-BE49-F238E27FC236}">
+                    <a16:creationId xmlns:a16="http://schemas.microsoft.com/office/drawing/2014/main" id="{C5690A0C-FB95-454B-A82A-C459680047C9}"/>
+                  </a:ext>
+                </a:extLst>
+              </p:cNvPr>
+              <p:cNvSpPr/>
+              <p:nvPr/>
+            </p:nvSpPr>
+            <p:spPr>
+              <a:xfrm>
+                <a:off x="2432117" y="1131224"/>
+                <a:ext cx="321164" cy="226228"/>
+              </a:xfrm>
+              <a:prstGeom prst="roundRect">
+                <a:avLst>
+                  <a:gd name="adj" fmla="val 50000"/>
+                </a:avLst>
+              </a:prstGeom>
+              <a:grpFill/>
+              <a:ln w="19050">
+                <a:noFill/>
+              </a:ln>
+            </p:spPr>
+            <p:style>
+              <a:lnRef idx="2">
+                <a:schemeClr val="accent1">
+                  <a:shade val="50000"/>
+                </a:schemeClr>
+              </a:lnRef>
+              <a:fillRef idx="1">
+                <a:schemeClr val="accent1"/>
+              </a:fillRef>
+              <a:effectRef idx="0">
+                <a:schemeClr val="accent1"/>
+              </a:effectRef>
+              <a:fontRef idx="minor">
+                <a:schemeClr val="lt1"/>
+              </a:fontRef>
+            </p:style>
+            <p:txBody>
+              <a:bodyPr rtlCol="0" anchor="ctr"/>
+              <a:lstStyle/>
+              <a:p>
+                <a:pPr algn="ctr"/>
+                <a:endParaRPr lang="ko-KR" altLang="en-US" dirty="0"/>
+              </a:p>
+            </p:txBody>
+          </p:sp>
+        </p:grpSp>
+      </p:grpSp>
+      <p:cxnSp>
+        <p:nvCxnSpPr>
+          <p:cNvPr id="1037" name="직선 연결선 1036">
+            <a:extLst>
+              <a:ext uri="{FF2B5EF4-FFF2-40B4-BE49-F238E27FC236}">
+                <a16:creationId xmlns:a16="http://schemas.microsoft.com/office/drawing/2014/main" id="{394DD523-79DD-4DF7-B74F-31F3ECF62483}"/>
+              </a:ext>
+            </a:extLst>
+          </p:cNvPr>
+          <p:cNvCxnSpPr/>
+          <p:nvPr/>
+        </p:nvCxnSpPr>
+        <p:spPr>
+          <a:xfrm>
+            <a:off x="2827020" y="1397000"/>
+            <a:ext cx="41445" cy="1261993"/>
+          </a:xfrm>
+          <a:prstGeom prst="line">
+            <a:avLst/>
+          </a:prstGeom>
+          <a:ln w="28575">
+            <a:solidFill>
+              <a:schemeClr val="tx1"/>
+            </a:solidFill>
+          </a:ln>
+        </p:spPr>
+        <p:style>
+          <a:lnRef idx="1">
+            <a:schemeClr val="accent1"/>
+          </a:lnRef>
+          <a:fillRef idx="0">
+            <a:schemeClr val="accent1"/>
+          </a:fillRef>
+          <a:effectRef idx="0">
+            <a:schemeClr val="accent1"/>
+          </a:effectRef>
+          <a:fontRef idx="minor">
+            <a:schemeClr val="tx1"/>
+          </a:fontRef>
+        </p:style>
+      </p:cxnSp>
+      <p:pic>
+        <p:nvPicPr>
+          <p:cNvPr id="1041" name="그림 1040">
+            <a:extLst>
+              <a:ext uri="{FF2B5EF4-FFF2-40B4-BE49-F238E27FC236}">
+                <a16:creationId xmlns:a16="http://schemas.microsoft.com/office/drawing/2014/main" id="{1F97749D-DA66-4C0E-A6FE-D1D59965BFBF}"/>
+              </a:ext>
+            </a:extLst>
+          </p:cNvPr>
+          <p:cNvPicPr>
+            <a:picLocks noChangeAspect="1"/>
+          </p:cNvPicPr>
+          <p:nvPr/>
+        </p:nvPicPr>
+        <p:blipFill>
+          <a:blip r:embed="rId4"/>
+          <a:stretch>
+            <a:fillRect/>
+          </a:stretch>
+        </p:blipFill>
+        <p:spPr>
+          <a:xfrm rot="16200000">
+            <a:off x="2519066" y="1759364"/>
+            <a:ext cx="401454" cy="89981"/>
+          </a:xfrm>
+          <a:prstGeom prst="rect">
+            <a:avLst/>
+          </a:prstGeom>
+        </p:spPr>
+      </p:pic>
+      <p:pic>
+        <p:nvPicPr>
+          <p:cNvPr id="148" name="그림 147">
+            <a:extLst>
+              <a:ext uri="{FF2B5EF4-FFF2-40B4-BE49-F238E27FC236}">
+                <a16:creationId xmlns:a16="http://schemas.microsoft.com/office/drawing/2014/main" id="{ECFB8449-E283-42B8-80CF-222CC9900105}"/>
+              </a:ext>
+            </a:extLst>
+          </p:cNvPr>
+          <p:cNvPicPr>
+            <a:picLocks noChangeAspect="1"/>
+          </p:cNvPicPr>
+          <p:nvPr/>
+        </p:nvPicPr>
+        <p:blipFill>
+          <a:blip r:embed="rId4"/>
+          <a:stretch>
+            <a:fillRect/>
+          </a:stretch>
+        </p:blipFill>
+        <p:spPr>
+          <a:xfrm rot="16200000">
+            <a:off x="2729566" y="1759364"/>
+            <a:ext cx="401454" cy="89981"/>
+          </a:xfrm>
+          <a:prstGeom prst="rect">
+            <a:avLst/>
+          </a:prstGeom>
+        </p:spPr>
+      </p:pic>
+      <p:pic>
+        <p:nvPicPr>
+          <p:cNvPr id="149" name="그림 148">
+            <a:extLst>
+              <a:ext uri="{FF2B5EF4-FFF2-40B4-BE49-F238E27FC236}">
+                <a16:creationId xmlns:a16="http://schemas.microsoft.com/office/drawing/2014/main" id="{711425B8-B2E1-4DD3-B116-31C949EDB55B}"/>
+              </a:ext>
+            </a:extLst>
+          </p:cNvPr>
+          <p:cNvPicPr>
+            <a:picLocks noChangeAspect="1"/>
+          </p:cNvPicPr>
+          <p:nvPr/>
+        </p:nvPicPr>
+        <p:blipFill>
+          <a:blip r:embed="rId4"/>
+          <a:stretch>
+            <a:fillRect/>
+          </a:stretch>
+        </p:blipFill>
+        <p:spPr>
+          <a:xfrm rot="16200000">
+            <a:off x="2838945" y="1759364"/>
+            <a:ext cx="401454" cy="89981"/>
+          </a:xfrm>
+          <a:prstGeom prst="rect">
+            <a:avLst/>
+          </a:prstGeom>
+        </p:spPr>
+      </p:pic>
+      <p:cxnSp>
+        <p:nvCxnSpPr>
+          <p:cNvPr id="1045" name="직선 연결선 1044">
+            <a:extLst>
+              <a:ext uri="{FF2B5EF4-FFF2-40B4-BE49-F238E27FC236}">
+                <a16:creationId xmlns:a16="http://schemas.microsoft.com/office/drawing/2014/main" id="{85DB2929-BD05-4D95-A5C0-41C19D2C0E00}"/>
+              </a:ext>
+            </a:extLst>
+          </p:cNvPr>
+          <p:cNvCxnSpPr/>
+          <p:nvPr/>
+        </p:nvCxnSpPr>
+        <p:spPr>
+          <a:xfrm>
+            <a:off x="2708214" y="3286760"/>
+            <a:ext cx="1856663" cy="0"/>
+          </a:xfrm>
+          <a:prstGeom prst="line">
+            <a:avLst/>
+          </a:prstGeom>
+          <a:ln w="28575">
+            <a:solidFill>
+              <a:srgbClr val="FF0000"/>
+            </a:solidFill>
+          </a:ln>
+        </p:spPr>
+        <p:style>
+          <a:lnRef idx="1">
+            <a:schemeClr val="accent1"/>
+          </a:lnRef>
+          <a:fillRef idx="0">
+            <a:schemeClr val="accent1"/>
+          </a:fillRef>
+          <a:effectRef idx="0">
+            <a:schemeClr val="accent1"/>
+          </a:effectRef>
+          <a:fontRef idx="minor">
+            <a:schemeClr val="tx1"/>
+          </a:fontRef>
+        </p:style>
+      </p:cxnSp>
+      <p:cxnSp>
+        <p:nvCxnSpPr>
+          <p:cNvPr id="156" name="직선 연결선 155">
+            <a:extLst>
+              <a:ext uri="{FF2B5EF4-FFF2-40B4-BE49-F238E27FC236}">
+                <a16:creationId xmlns:a16="http://schemas.microsoft.com/office/drawing/2014/main" id="{A3F30303-D6B8-4169-88A1-A7CA85C0FF07}"/>
+              </a:ext>
+            </a:extLst>
+          </p:cNvPr>
+          <p:cNvCxnSpPr>
+            <a:cxnSpLocks/>
+          </p:cNvCxnSpPr>
+          <p:nvPr/>
+        </p:nvCxnSpPr>
+        <p:spPr>
+          <a:xfrm flipV="1">
+            <a:off x="4564877" y="3296320"/>
+            <a:ext cx="0" cy="462734"/>
+          </a:xfrm>
+          <a:prstGeom prst="line">
+            <a:avLst/>
+          </a:prstGeom>
+          <a:ln w="28575">
+            <a:solidFill>
+              <a:srgbClr val="FF0000"/>
+            </a:solidFill>
+          </a:ln>
+        </p:spPr>
+        <p:style>
+          <a:lnRef idx="1">
+            <a:schemeClr val="accent1"/>
+          </a:lnRef>
+          <a:fillRef idx="0">
+            <a:schemeClr val="accent1"/>
+          </a:fillRef>
+          <a:effectRef idx="0">
+            <a:schemeClr val="accent1"/>
+          </a:effectRef>
+          <a:fontRef idx="minor">
+            <a:schemeClr val="tx1"/>
+          </a:fontRef>
+        </p:style>
+      </p:cxnSp>
+      <p:cxnSp>
+        <p:nvCxnSpPr>
+          <p:cNvPr id="160" name="직선 연결선 159">
+            <a:extLst>
+              <a:ext uri="{FF2B5EF4-FFF2-40B4-BE49-F238E27FC236}">
+                <a16:creationId xmlns:a16="http://schemas.microsoft.com/office/drawing/2014/main" id="{7399C21F-8805-4432-BA91-48AAB64364C9}"/>
+              </a:ext>
+            </a:extLst>
+          </p:cNvPr>
+          <p:cNvCxnSpPr>
+            <a:cxnSpLocks/>
+          </p:cNvCxnSpPr>
+          <p:nvPr/>
+        </p:nvCxnSpPr>
+        <p:spPr>
+          <a:xfrm flipH="1">
+            <a:off x="2954896" y="3176116"/>
+            <a:ext cx="1776699" cy="0"/>
+          </a:xfrm>
+          <a:prstGeom prst="line">
+            <a:avLst/>
+          </a:prstGeom>
+          <a:ln w="28575">
+            <a:solidFill>
+              <a:srgbClr val="92D050"/>
+            </a:solidFill>
+          </a:ln>
+        </p:spPr>
+        <p:style>
+          <a:lnRef idx="1">
+            <a:schemeClr val="accent1"/>
+          </a:lnRef>
+          <a:fillRef idx="0">
+            <a:schemeClr val="accent1"/>
+          </a:fillRef>
+          <a:effectRef idx="0">
+            <a:schemeClr val="accent1"/>
+          </a:effectRef>
+          <a:fontRef idx="minor">
+            <a:schemeClr val="tx1"/>
+          </a:fontRef>
+        </p:style>
+      </p:cxnSp>
+      <p:cxnSp>
+        <p:nvCxnSpPr>
+          <p:cNvPr id="171" name="직선 연결선 170">
+            <a:extLst>
+              <a:ext uri="{FF2B5EF4-FFF2-40B4-BE49-F238E27FC236}">
+                <a16:creationId xmlns:a16="http://schemas.microsoft.com/office/drawing/2014/main" id="{DC1966F8-CEDB-4675-8E12-E46E86026EE9}"/>
+              </a:ext>
+            </a:extLst>
+          </p:cNvPr>
+          <p:cNvCxnSpPr>
+            <a:cxnSpLocks/>
+          </p:cNvCxnSpPr>
+          <p:nvPr/>
+        </p:nvCxnSpPr>
+        <p:spPr>
+          <a:xfrm flipH="1">
+            <a:off x="3030245" y="3421339"/>
+            <a:ext cx="1876958" cy="0"/>
+          </a:xfrm>
+          <a:prstGeom prst="line">
+            <a:avLst/>
+          </a:prstGeom>
+          <a:ln w="28575">
+            <a:solidFill>
+              <a:schemeClr val="accent1">
+                <a:lumMod val="75000"/>
+              </a:schemeClr>
+            </a:solidFill>
+          </a:ln>
+        </p:spPr>
+        <p:style>
+          <a:lnRef idx="1">
+            <a:schemeClr val="accent1"/>
+          </a:lnRef>
+          <a:fillRef idx="0">
+            <a:schemeClr val="accent1"/>
+          </a:fillRef>
+          <a:effectRef idx="0">
+            <a:schemeClr val="accent1"/>
+          </a:effectRef>
+          <a:fontRef idx="minor">
+            <a:schemeClr val="tx1"/>
+          </a:fontRef>
+        </p:style>
+      </p:cxnSp>
+      <p:cxnSp>
+        <p:nvCxnSpPr>
+          <p:cNvPr id="174" name="직선 연결선 173">
+            <a:extLst>
+              <a:ext uri="{FF2B5EF4-FFF2-40B4-BE49-F238E27FC236}">
+                <a16:creationId xmlns:a16="http://schemas.microsoft.com/office/drawing/2014/main" id="{8003A59A-2B14-4566-9E5A-39C751071A22}"/>
+              </a:ext>
+            </a:extLst>
+          </p:cNvPr>
+          <p:cNvCxnSpPr>
+            <a:cxnSpLocks/>
+          </p:cNvCxnSpPr>
+          <p:nvPr/>
+        </p:nvCxnSpPr>
+        <p:spPr>
+          <a:xfrm>
+            <a:off x="3926238" y="5069840"/>
+            <a:ext cx="0" cy="1463393"/>
+          </a:xfrm>
+          <a:prstGeom prst="line">
+            <a:avLst/>
+          </a:prstGeom>
+          <a:ln w="57150">
+            <a:solidFill>
+              <a:schemeClr val="tx1"/>
+            </a:solidFill>
+          </a:ln>
+        </p:spPr>
+        <p:style>
+          <a:lnRef idx="1">
+            <a:schemeClr val="accent1"/>
+          </a:lnRef>
+          <a:fillRef idx="0">
+            <a:schemeClr val="accent1"/>
+          </a:fillRef>
+          <a:effectRef idx="0">
+            <a:schemeClr val="accent1"/>
+          </a:effectRef>
+          <a:fontRef idx="minor">
+            <a:schemeClr val="tx1"/>
+          </a:fontRef>
+        </p:style>
+      </p:cxnSp>
+      <p:cxnSp>
+        <p:nvCxnSpPr>
+          <p:cNvPr id="177" name="직선 연결선 176">
+            <a:extLst>
+              <a:ext uri="{FF2B5EF4-FFF2-40B4-BE49-F238E27FC236}">
+                <a16:creationId xmlns:a16="http://schemas.microsoft.com/office/drawing/2014/main" id="{29086220-A71E-4D97-A248-545B975B9B3E}"/>
+              </a:ext>
+            </a:extLst>
+          </p:cNvPr>
+          <p:cNvCxnSpPr>
+            <a:cxnSpLocks/>
+          </p:cNvCxnSpPr>
+          <p:nvPr/>
+        </p:nvCxnSpPr>
+        <p:spPr>
+          <a:xfrm>
+            <a:off x="7036141" y="2658993"/>
+            <a:ext cx="0" cy="3902180"/>
+          </a:xfrm>
+          <a:prstGeom prst="line">
+            <a:avLst/>
+          </a:prstGeom>
+          <a:ln w="57150">
+            <a:solidFill>
+              <a:srgbClr val="E99FE9"/>
+            </a:solidFill>
+          </a:ln>
+        </p:spPr>
+        <p:style>
+          <a:lnRef idx="1">
+            <a:schemeClr val="accent1"/>
+          </a:lnRef>
+          <a:fillRef idx="0">
+            <a:schemeClr val="accent1"/>
+          </a:fillRef>
+          <a:effectRef idx="0">
+            <a:schemeClr val="accent1"/>
+          </a:effectRef>
+          <a:fontRef idx="minor">
+            <a:schemeClr val="tx1"/>
+          </a:fontRef>
+        </p:style>
+      </p:cxnSp>
+      <p:cxnSp>
+        <p:nvCxnSpPr>
+          <p:cNvPr id="178" name="직선 연결선 177">
+            <a:extLst>
+              <a:ext uri="{FF2B5EF4-FFF2-40B4-BE49-F238E27FC236}">
+                <a16:creationId xmlns:a16="http://schemas.microsoft.com/office/drawing/2014/main" id="{23D2AB76-EF72-4938-BCE5-730A547B35C3}"/>
+              </a:ext>
+            </a:extLst>
+          </p:cNvPr>
+          <p:cNvCxnSpPr>
+            <a:cxnSpLocks/>
+          </p:cNvCxnSpPr>
+          <p:nvPr/>
+        </p:nvCxnSpPr>
+        <p:spPr>
+          <a:xfrm flipH="1">
+            <a:off x="7036140" y="6533233"/>
+            <a:ext cx="2682242" cy="0"/>
+          </a:xfrm>
+          <a:prstGeom prst="line">
+            <a:avLst/>
+          </a:prstGeom>
+          <a:ln w="57150">
+            <a:solidFill>
+              <a:srgbClr val="E99FE9"/>
+            </a:solidFill>
+          </a:ln>
+        </p:spPr>
+        <p:style>
+          <a:lnRef idx="1">
+            <a:schemeClr val="accent1"/>
+          </a:lnRef>
+          <a:fillRef idx="0">
+            <a:schemeClr val="accent1"/>
+          </a:fillRef>
+          <a:effectRef idx="0">
+            <a:schemeClr val="accent1"/>
+          </a:effectRef>
+          <a:fontRef idx="minor">
+            <a:schemeClr val="tx1"/>
+          </a:fontRef>
+        </p:style>
+      </p:cxnSp>
+      <p:cxnSp>
+        <p:nvCxnSpPr>
+          <p:cNvPr id="182" name="직선 연결선 181">
+            <a:extLst>
+              <a:ext uri="{FF2B5EF4-FFF2-40B4-BE49-F238E27FC236}">
+                <a16:creationId xmlns:a16="http://schemas.microsoft.com/office/drawing/2014/main" id="{1924CB33-643C-42F6-8BF5-273670DEB55F}"/>
+              </a:ext>
+            </a:extLst>
+          </p:cNvPr>
+          <p:cNvCxnSpPr>
+            <a:cxnSpLocks/>
+          </p:cNvCxnSpPr>
+          <p:nvPr/>
+        </p:nvCxnSpPr>
+        <p:spPr>
+          <a:xfrm flipH="1">
+            <a:off x="3037160" y="2679313"/>
+            <a:ext cx="4024042" cy="0"/>
+          </a:xfrm>
+          <a:prstGeom prst="line">
+            <a:avLst/>
+          </a:prstGeom>
+          <a:ln w="57150">
+            <a:solidFill>
+              <a:srgbClr val="E99FE9"/>
+            </a:solidFill>
+          </a:ln>
+        </p:spPr>
+        <p:style>
+          <a:lnRef idx="1">
+            <a:schemeClr val="accent1"/>
+          </a:lnRef>
+          <a:fillRef idx="0">
+            <a:schemeClr val="accent1"/>
+          </a:fillRef>
+          <a:effectRef idx="0">
+            <a:schemeClr val="accent1"/>
+          </a:effectRef>
+          <a:fontRef idx="minor">
+            <a:schemeClr val="tx1"/>
+          </a:fontRef>
+        </p:style>
+      </p:cxnSp>
+      <p:pic>
+        <p:nvPicPr>
+          <p:cNvPr id="1067" name="Picture 20">
+            <a:extLst>
+              <a:ext uri="{FF2B5EF4-FFF2-40B4-BE49-F238E27FC236}">
+                <a16:creationId xmlns:a16="http://schemas.microsoft.com/office/drawing/2014/main" id="{8C5ADB03-23CA-486E-84E2-62E0E0FBC35A}"/>
+              </a:ext>
+            </a:extLst>
+          </p:cNvPr>
+          <p:cNvPicPr>
+            <a:picLocks noChangeAspect="1" noChangeArrowheads="1"/>
+          </p:cNvPicPr>
+          <p:nvPr/>
+        </p:nvPicPr>
+        <p:blipFill rotWithShape="1">
+          <a:blip r:embed="rId5">
+            <a:extLst>
+              <a:ext uri="{28A0092B-C50C-407E-A947-70E740481C1C}">
+                <a14:useLocalDpi xmlns:a14="http://schemas.microsoft.com/office/drawing/2010/main" val="0"/>
+              </a:ext>
+            </a:extLst>
+          </a:blip>
+          <a:srcRect l="40873" t="31292" r="28908" b="18000"/>
+          <a:stretch/>
+        </p:blipFill>
+        <p:spPr bwMode="auto">
+          <a:xfrm rot="16200000">
+            <a:off x="3424443" y="3503735"/>
+            <a:ext cx="2443766" cy="2806163"/>
+          </a:xfrm>
+          <a:prstGeom prst="rect">
+            <a:avLst/>
+          </a:prstGeom>
+          <a:noFill/>
+          <a:extLst>
+            <a:ext uri="{909E8E84-426E-40DD-AFC4-6F175D3DCCD1}">
+              <a14:hiddenFill xmlns:a14="http://schemas.microsoft.com/office/drawing/2010/main">
+                <a:solidFill>
+                  <a:srgbClr val="FFFFFF"/>
+                </a:solidFill>
+              </a14:hiddenFill>
+            </a:ext>
+          </a:extLst>
+        </p:spPr>
+      </p:pic>
     </p:spTree>
     <p:extLst>
       <p:ext uri="{BB962C8B-B14F-4D97-AF65-F5344CB8AC3E}">

--- a/제안서 팀장 조동윤, 팀원 임종운.pptx
+++ b/제안서 팀장 조동윤, 팀원 임종운.pptx
@@ -5,7 +5,7 @@
     <p:sldMasterId id="2147483660" r:id="rId1"/>
   </p:sldMasterIdLst>
   <p:notesMasterIdLst>
-    <p:notesMasterId r:id="rId43"/>
+    <p:notesMasterId r:id="rId48"/>
   </p:notesMasterIdLst>
   <p:sldIdLst>
     <p:sldId id="270" r:id="rId2"/>
@@ -48,7 +48,12 @@
     <p:sldId id="294" r:id="rId39"/>
     <p:sldId id="299" r:id="rId40"/>
     <p:sldId id="291" r:id="rId41"/>
-    <p:sldId id="256" r:id="rId42"/>
+    <p:sldId id="320" r:id="rId42"/>
+    <p:sldId id="321" r:id="rId43"/>
+    <p:sldId id="322" r:id="rId44"/>
+    <p:sldId id="323" r:id="rId45"/>
+    <p:sldId id="324" r:id="rId46"/>
+    <p:sldId id="256" r:id="rId47"/>
   </p:sldIdLst>
   <p:sldSz cx="12192000" cy="6858000"/>
   <p:notesSz cx="6858000" cy="9144000"/>
@@ -246,7 +251,7 @@
           <a:p>
             <a:fld id="{E1895CD8-DAED-4036-93A0-4702706044AC}" type="datetimeFigureOut">
               <a:rPr lang="ko-KR" altLang="en-US" smtClean="0"/>
-              <a:t>2020-02-05</a:t>
+              <a:t>2020-02-12</a:t>
             </a:fld>
             <a:endParaRPr lang="ko-KR" altLang="en-US"/>
           </a:p>
@@ -751,7 +756,7 @@
                 </a:solidFill>
               </a:rPr>
               <a:pPr/>
-              <a:t>2020-02-05</a:t>
+              <a:t>2020-02-12</a:t>
             </a:fld>
             <a:endParaRPr lang="ko-KR" altLang="en-US">
               <a:solidFill>
@@ -981,7 +986,7 @@
                 </a:solidFill>
               </a:rPr>
               <a:pPr/>
-              <a:t>2020-02-05</a:t>
+              <a:t>2020-02-12</a:t>
             </a:fld>
             <a:endParaRPr lang="ko-KR" altLang="en-US">
               <a:solidFill>
@@ -1221,7 +1226,7 @@
                 </a:solidFill>
               </a:rPr>
               <a:pPr/>
-              <a:t>2020-02-05</a:t>
+              <a:t>2020-02-12</a:t>
             </a:fld>
             <a:endParaRPr lang="ko-KR" altLang="en-US">
               <a:solidFill>
@@ -1451,7 +1456,7 @@
                 </a:solidFill>
               </a:rPr>
               <a:pPr/>
-              <a:t>2020-02-05</a:t>
+              <a:t>2020-02-12</a:t>
             </a:fld>
             <a:endParaRPr lang="ko-KR" altLang="en-US">
               <a:solidFill>
@@ -1758,7 +1763,7 @@
                 </a:solidFill>
               </a:rPr>
               <a:pPr/>
-              <a:t>2020-02-05</a:t>
+              <a:t>2020-02-12</a:t>
             </a:fld>
             <a:endParaRPr lang="ko-KR" altLang="en-US">
               <a:solidFill>
@@ -2055,7 +2060,7 @@
                 </a:solidFill>
               </a:rPr>
               <a:pPr/>
-              <a:t>2020-02-05</a:t>
+              <a:t>2020-02-12</a:t>
             </a:fld>
             <a:endParaRPr lang="ko-KR" altLang="en-US">
               <a:solidFill>
@@ -2499,7 +2504,7 @@
                 </a:solidFill>
               </a:rPr>
               <a:pPr/>
-              <a:t>2020-02-05</a:t>
+              <a:t>2020-02-12</a:t>
             </a:fld>
             <a:endParaRPr lang="ko-KR" altLang="en-US">
               <a:solidFill>
@@ -2672,7 +2677,7 @@
                 </a:solidFill>
               </a:rPr>
               <a:pPr/>
-              <a:t>2020-02-05</a:t>
+              <a:t>2020-02-12</a:t>
             </a:fld>
             <a:endParaRPr lang="ko-KR" altLang="en-US">
               <a:solidFill>
@@ -2817,7 +2822,7 @@
                 </a:solidFill>
               </a:rPr>
               <a:pPr/>
-              <a:t>2020-02-05</a:t>
+              <a:t>2020-02-12</a:t>
             </a:fld>
             <a:endParaRPr lang="ko-KR" altLang="en-US">
               <a:solidFill>
@@ -3160,7 +3165,7 @@
                 </a:solidFill>
               </a:rPr>
               <a:pPr/>
-              <a:t>2020-02-05</a:t>
+              <a:t>2020-02-12</a:t>
             </a:fld>
             <a:endParaRPr lang="ko-KR" altLang="en-US">
               <a:solidFill>
@@ -3480,7 +3485,7 @@
                 </a:solidFill>
               </a:rPr>
               <a:pPr/>
-              <a:t>2020-02-05</a:t>
+              <a:t>2020-02-12</a:t>
             </a:fld>
             <a:endParaRPr lang="ko-KR" altLang="en-US">
               <a:solidFill>
@@ -3753,7 +3758,7 @@
                 </a:solidFill>
               </a:rPr>
               <a:pPr/>
-              <a:t>2020-02-05</a:t>
+              <a:t>2020-02-12</a:t>
             </a:fld>
             <a:endParaRPr lang="ko-KR" altLang="en-US">
               <a:solidFill>
@@ -35914,6 +35919,7155 @@
           </a:extLst>
         </p:spPr>
       </p:pic>
+    </p:spTree>
+    <p:extLst>
+      <p:ext uri="{BB962C8B-B14F-4D97-AF65-F5344CB8AC3E}">
+        <p14:creationId xmlns:p14="http://schemas.microsoft.com/office/powerpoint/2010/main" val="4184523013"/>
+      </p:ext>
+    </p:extLst>
+  </p:cSld>
+  <p:clrMapOvr>
+    <a:masterClrMapping/>
+  </p:clrMapOvr>
+</p:sld>
+</file>
+
+<file path=ppt/slides/slide42.xml><?xml version="1.0" encoding="utf-8"?>
+<p:sld xmlns:a="http://schemas.openxmlformats.org/drawingml/2006/main" xmlns:r="http://schemas.openxmlformats.org/officeDocument/2006/relationships" xmlns:p="http://schemas.openxmlformats.org/presentationml/2006/main" show="0">
+  <p:cSld>
+    <p:spTree>
+      <p:nvGrpSpPr>
+        <p:cNvPr id="1" name=""/>
+        <p:cNvGrpSpPr/>
+        <p:nvPr/>
+      </p:nvGrpSpPr>
+      <p:grpSpPr>
+        <a:xfrm>
+          <a:off x="0" y="0"/>
+          <a:ext cx="0" cy="0"/>
+          <a:chOff x="0" y="0"/>
+          <a:chExt cx="0" cy="0"/>
+        </a:xfrm>
+      </p:grpSpPr>
+      <p:pic>
+        <p:nvPicPr>
+          <p:cNvPr id="3" name="그림 2" descr="스크린샷이(가) 표시된 사진&#10;&#10;자동 생성된 설명">
+            <a:extLst>
+              <a:ext uri="{FF2B5EF4-FFF2-40B4-BE49-F238E27FC236}">
+                <a16:creationId xmlns:a16="http://schemas.microsoft.com/office/drawing/2014/main" id="{97D7D4E4-4B71-4203-A424-B13E57284B43}"/>
+              </a:ext>
+            </a:extLst>
+          </p:cNvPr>
+          <p:cNvPicPr>
+            <a:picLocks noChangeAspect="1"/>
+          </p:cNvPicPr>
+          <p:nvPr/>
+        </p:nvPicPr>
+        <p:blipFill>
+          <a:blip r:embed="rId2">
+            <a:extLst>
+              <a:ext uri="{28A0092B-C50C-407E-A947-70E740481C1C}">
+                <a14:useLocalDpi xmlns:a14="http://schemas.microsoft.com/office/drawing/2010/main" val="0"/>
+              </a:ext>
+            </a:extLst>
+          </a:blip>
+          <a:stretch>
+            <a:fillRect/>
+          </a:stretch>
+        </p:blipFill>
+        <p:spPr>
+          <a:xfrm>
+            <a:off x="1979079" y="653277"/>
+            <a:ext cx="9006840" cy="5212080"/>
+          </a:xfrm>
+          <a:prstGeom prst="rect">
+            <a:avLst/>
+          </a:prstGeom>
+        </p:spPr>
+      </p:pic>
+    </p:spTree>
+    <p:extLst>
+      <p:ext uri="{BB962C8B-B14F-4D97-AF65-F5344CB8AC3E}">
+        <p14:creationId xmlns:p14="http://schemas.microsoft.com/office/powerpoint/2010/main" val="2221777240"/>
+      </p:ext>
+    </p:extLst>
+  </p:cSld>
+  <p:clrMapOvr>
+    <a:masterClrMapping/>
+  </p:clrMapOvr>
+</p:sld>
+</file>
+
+<file path=ppt/slides/slide43.xml><?xml version="1.0" encoding="utf-8"?>
+<p:sld xmlns:a="http://schemas.openxmlformats.org/drawingml/2006/main" xmlns:r="http://schemas.openxmlformats.org/officeDocument/2006/relationships" xmlns:p="http://schemas.openxmlformats.org/presentationml/2006/main" show="0">
+  <p:cSld>
+    <p:spTree>
+      <p:nvGrpSpPr>
+        <p:cNvPr id="1" name=""/>
+        <p:cNvGrpSpPr/>
+        <p:nvPr/>
+      </p:nvGrpSpPr>
+      <p:grpSpPr>
+        <a:xfrm>
+          <a:off x="0" y="0"/>
+          <a:ext cx="0" cy="0"/>
+          <a:chOff x="0" y="0"/>
+          <a:chExt cx="0" cy="0"/>
+        </a:xfrm>
+      </p:grpSpPr>
+      <p:sp>
+        <p:nvSpPr>
+          <p:cNvPr id="4" name="직사각형 3">
+            <a:extLst>
+              <a:ext uri="{FF2B5EF4-FFF2-40B4-BE49-F238E27FC236}">
+                <a16:creationId xmlns:a16="http://schemas.microsoft.com/office/drawing/2014/main" id="{168118CA-670A-4635-8DD4-00C58C6E92D9}"/>
+              </a:ext>
+            </a:extLst>
+          </p:cNvPr>
+          <p:cNvSpPr/>
+          <p:nvPr/>
+        </p:nvSpPr>
+        <p:spPr>
+          <a:xfrm>
+            <a:off x="4912936" y="2682554"/>
+            <a:ext cx="1931939" cy="446425"/>
+          </a:xfrm>
+          <a:prstGeom prst="rect">
+            <a:avLst/>
+          </a:prstGeom>
+          <a:noFill/>
+          <a:ln>
+            <a:solidFill>
+              <a:schemeClr val="tx1"/>
+            </a:solidFill>
+          </a:ln>
+        </p:spPr>
+        <p:style>
+          <a:lnRef idx="2">
+            <a:schemeClr val="accent1">
+              <a:shade val="50000"/>
+            </a:schemeClr>
+          </a:lnRef>
+          <a:fillRef idx="1">
+            <a:schemeClr val="accent1"/>
+          </a:fillRef>
+          <a:effectRef idx="0">
+            <a:schemeClr val="accent1"/>
+          </a:effectRef>
+          <a:fontRef idx="minor">
+            <a:schemeClr val="lt1"/>
+          </a:fontRef>
+        </p:style>
+        <p:txBody>
+          <a:bodyPr rtlCol="0" anchor="ctr"/>
+          <a:lstStyle/>
+          <a:p>
+            <a:pPr algn="ctr"/>
+            <a:r>
+              <a:rPr lang="ko-KR" altLang="en-US" sz="1400" b="1" dirty="0">
+                <a:solidFill>
+                  <a:schemeClr val="tx1"/>
+                </a:solidFill>
+              </a:rPr>
+              <a:t>블루투스 연동</a:t>
+            </a:r>
+          </a:p>
+        </p:txBody>
+      </p:sp>
+      <p:sp>
+        <p:nvSpPr>
+          <p:cNvPr id="53" name="직사각형 52">
+            <a:extLst>
+              <a:ext uri="{FF2B5EF4-FFF2-40B4-BE49-F238E27FC236}">
+                <a16:creationId xmlns:a16="http://schemas.microsoft.com/office/drawing/2014/main" id="{D5D5698A-7589-40E3-92F9-1D7DABEA51FB}"/>
+              </a:ext>
+            </a:extLst>
+          </p:cNvPr>
+          <p:cNvSpPr/>
+          <p:nvPr/>
+        </p:nvSpPr>
+        <p:spPr>
+          <a:xfrm>
+            <a:off x="4912936" y="3128979"/>
+            <a:ext cx="1931939" cy="446425"/>
+          </a:xfrm>
+          <a:prstGeom prst="rect">
+            <a:avLst/>
+          </a:prstGeom>
+          <a:noFill/>
+          <a:ln>
+            <a:solidFill>
+              <a:schemeClr val="tx1"/>
+            </a:solidFill>
+          </a:ln>
+        </p:spPr>
+        <p:style>
+          <a:lnRef idx="2">
+            <a:schemeClr val="accent1">
+              <a:shade val="50000"/>
+            </a:schemeClr>
+          </a:lnRef>
+          <a:fillRef idx="1">
+            <a:schemeClr val="accent1"/>
+          </a:fillRef>
+          <a:effectRef idx="0">
+            <a:schemeClr val="accent1"/>
+          </a:effectRef>
+          <a:fontRef idx="minor">
+            <a:schemeClr val="lt1"/>
+          </a:fontRef>
+        </p:style>
+        <p:txBody>
+          <a:bodyPr rtlCol="0" anchor="ctr"/>
+          <a:lstStyle/>
+          <a:p>
+            <a:pPr algn="ctr"/>
+            <a:r>
+              <a:rPr lang="ko-KR" altLang="en-US" sz="1400" b="1" dirty="0">
+                <a:solidFill>
+                  <a:schemeClr val="tx1"/>
+                </a:solidFill>
+              </a:rPr>
+              <a:t>운동강도 설정</a:t>
+            </a:r>
+          </a:p>
+        </p:txBody>
+      </p:sp>
+      <p:cxnSp>
+        <p:nvCxnSpPr>
+          <p:cNvPr id="7" name="직선 연결선 6">
+            <a:extLst>
+              <a:ext uri="{FF2B5EF4-FFF2-40B4-BE49-F238E27FC236}">
+                <a16:creationId xmlns:a16="http://schemas.microsoft.com/office/drawing/2014/main" id="{CBFE3965-BF6C-4199-AFD6-383D61E27266}"/>
+              </a:ext>
+            </a:extLst>
+          </p:cNvPr>
+          <p:cNvCxnSpPr>
+            <a:cxnSpLocks/>
+            <a:stCxn id="4" idx="1"/>
+          </p:cNvCxnSpPr>
+          <p:nvPr/>
+        </p:nvCxnSpPr>
+        <p:spPr>
+          <a:xfrm flipH="1">
+            <a:off x="2762054" y="2905767"/>
+            <a:ext cx="2150882" cy="0"/>
+          </a:xfrm>
+          <a:prstGeom prst="line">
+            <a:avLst/>
+          </a:prstGeom>
+          <a:ln>
+            <a:solidFill>
+              <a:schemeClr val="accent2"/>
+            </a:solidFill>
+          </a:ln>
+        </p:spPr>
+        <p:style>
+          <a:lnRef idx="1">
+            <a:schemeClr val="accent1"/>
+          </a:lnRef>
+          <a:fillRef idx="0">
+            <a:schemeClr val="accent1"/>
+          </a:fillRef>
+          <a:effectRef idx="0">
+            <a:schemeClr val="accent1"/>
+          </a:effectRef>
+          <a:fontRef idx="minor">
+            <a:schemeClr val="tx1"/>
+          </a:fontRef>
+        </p:style>
+      </p:cxnSp>
+      <p:sp>
+        <p:nvSpPr>
+          <p:cNvPr id="8" name="TextBox 7">
+            <a:extLst>
+              <a:ext uri="{FF2B5EF4-FFF2-40B4-BE49-F238E27FC236}">
+                <a16:creationId xmlns:a16="http://schemas.microsoft.com/office/drawing/2014/main" id="{41C89C64-3DC6-44EC-AC2A-7EA2640E695B}"/>
+              </a:ext>
+            </a:extLst>
+          </p:cNvPr>
+          <p:cNvSpPr txBox="1"/>
+          <p:nvPr/>
+        </p:nvSpPr>
+        <p:spPr>
+          <a:xfrm>
+            <a:off x="645773" y="2725098"/>
+            <a:ext cx="1931939" cy="461665"/>
+          </a:xfrm>
+          <a:prstGeom prst="rect">
+            <a:avLst/>
+          </a:prstGeom>
+          <a:noFill/>
+        </p:spPr>
+        <p:txBody>
+          <a:bodyPr wrap="none" rtlCol="0">
+            <a:spAutoFit/>
+          </a:bodyPr>
+          <a:lstStyle/>
+          <a:p>
+            <a:r>
+              <a:rPr lang="ko-KR" altLang="en-US" sz="1200" b="1" dirty="0"/>
+              <a:t>애플리케이션과</a:t>
+            </a:r>
+            <a:r>
+              <a:rPr lang="en-US" altLang="ko-KR" sz="1200" b="1" dirty="0"/>
+              <a:t> </a:t>
+            </a:r>
+            <a:r>
+              <a:rPr lang="ko-KR" altLang="en-US" sz="1200" b="1" dirty="0"/>
+              <a:t>웨어러블</a:t>
+            </a:r>
+            <a:endParaRPr lang="en-US" altLang="ko-KR" sz="1200" b="1" dirty="0"/>
+          </a:p>
+          <a:p>
+            <a:r>
+              <a:rPr lang="ko-KR" altLang="en-US" sz="1200" b="1" dirty="0"/>
+              <a:t>기기를 연결한다</a:t>
+            </a:r>
+            <a:r>
+              <a:rPr lang="en-US" altLang="ko-KR" sz="1200" b="1" dirty="0"/>
+              <a:t>.</a:t>
+            </a:r>
+          </a:p>
+        </p:txBody>
+      </p:sp>
+      <p:cxnSp>
+        <p:nvCxnSpPr>
+          <p:cNvPr id="58" name="직선 연결선 57">
+            <a:extLst>
+              <a:ext uri="{FF2B5EF4-FFF2-40B4-BE49-F238E27FC236}">
+                <a16:creationId xmlns:a16="http://schemas.microsoft.com/office/drawing/2014/main" id="{0430CE78-A062-4470-B4DE-6C6BE2CBDB78}"/>
+              </a:ext>
+            </a:extLst>
+          </p:cNvPr>
+          <p:cNvCxnSpPr/>
+          <p:nvPr/>
+        </p:nvCxnSpPr>
+        <p:spPr>
+          <a:xfrm flipH="1" flipV="1">
+            <a:off x="2762054" y="3352191"/>
+            <a:ext cx="2150882" cy="1"/>
+          </a:xfrm>
+          <a:prstGeom prst="line">
+            <a:avLst/>
+          </a:prstGeom>
+          <a:ln>
+            <a:solidFill>
+              <a:schemeClr val="accent2"/>
+            </a:solidFill>
+          </a:ln>
+        </p:spPr>
+        <p:style>
+          <a:lnRef idx="1">
+            <a:schemeClr val="accent1"/>
+          </a:lnRef>
+          <a:fillRef idx="0">
+            <a:schemeClr val="accent1"/>
+          </a:fillRef>
+          <a:effectRef idx="0">
+            <a:schemeClr val="accent1"/>
+          </a:effectRef>
+          <a:fontRef idx="minor">
+            <a:schemeClr val="tx1"/>
+          </a:fontRef>
+        </p:style>
+      </p:cxnSp>
+      <p:sp>
+        <p:nvSpPr>
+          <p:cNvPr id="59" name="TextBox 58">
+            <a:extLst>
+              <a:ext uri="{FF2B5EF4-FFF2-40B4-BE49-F238E27FC236}">
+                <a16:creationId xmlns:a16="http://schemas.microsoft.com/office/drawing/2014/main" id="{32A179C7-1332-4A9F-9C29-9D3909B4B9AB}"/>
+              </a:ext>
+            </a:extLst>
+          </p:cNvPr>
+          <p:cNvSpPr txBox="1"/>
+          <p:nvPr/>
+        </p:nvSpPr>
+        <p:spPr>
+          <a:xfrm>
+            <a:off x="645773" y="3165527"/>
+            <a:ext cx="1579278" cy="461665"/>
+          </a:xfrm>
+          <a:prstGeom prst="rect">
+            <a:avLst/>
+          </a:prstGeom>
+          <a:noFill/>
+        </p:spPr>
+        <p:txBody>
+          <a:bodyPr wrap="none" rtlCol="0">
+            <a:spAutoFit/>
+          </a:bodyPr>
+          <a:lstStyle/>
+          <a:p>
+            <a:r>
+              <a:rPr lang="ko-KR" altLang="en-US" sz="1200" b="1" dirty="0"/>
+              <a:t>운동 시 자신의 목표</a:t>
+            </a:r>
+            <a:endParaRPr lang="en-US" altLang="ko-KR" sz="1200" b="1" dirty="0"/>
+          </a:p>
+          <a:p>
+            <a:r>
+              <a:rPr lang="ko-KR" altLang="en-US" sz="1200" b="1" dirty="0"/>
+              <a:t>기준을 설정한다</a:t>
+            </a:r>
+            <a:r>
+              <a:rPr lang="en-US" altLang="ko-KR" sz="1200" b="1" dirty="0"/>
+              <a:t>.</a:t>
+            </a:r>
+          </a:p>
+        </p:txBody>
+      </p:sp>
+      <p:sp>
+        <p:nvSpPr>
+          <p:cNvPr id="61" name="직사각형 60">
+            <a:extLst>
+              <a:ext uri="{FF2B5EF4-FFF2-40B4-BE49-F238E27FC236}">
+                <a16:creationId xmlns:a16="http://schemas.microsoft.com/office/drawing/2014/main" id="{160DC508-149C-4A08-A8B9-7DF24CAE6CC3}"/>
+              </a:ext>
+            </a:extLst>
+          </p:cNvPr>
+          <p:cNvSpPr/>
+          <p:nvPr/>
+        </p:nvSpPr>
+        <p:spPr>
+          <a:xfrm>
+            <a:off x="4912936" y="3575404"/>
+            <a:ext cx="1931939" cy="446425"/>
+          </a:xfrm>
+          <a:prstGeom prst="rect">
+            <a:avLst/>
+          </a:prstGeom>
+          <a:noFill/>
+          <a:ln>
+            <a:solidFill>
+              <a:schemeClr val="tx1"/>
+            </a:solidFill>
+          </a:ln>
+        </p:spPr>
+        <p:style>
+          <a:lnRef idx="2">
+            <a:schemeClr val="accent1">
+              <a:shade val="50000"/>
+            </a:schemeClr>
+          </a:lnRef>
+          <a:fillRef idx="1">
+            <a:schemeClr val="accent1"/>
+          </a:fillRef>
+          <a:effectRef idx="0">
+            <a:schemeClr val="accent1"/>
+          </a:effectRef>
+          <a:fontRef idx="minor">
+            <a:schemeClr val="lt1"/>
+          </a:fontRef>
+        </p:style>
+        <p:txBody>
+          <a:bodyPr rtlCol="0" anchor="ctr"/>
+          <a:lstStyle/>
+          <a:p>
+            <a:pPr algn="ctr"/>
+            <a:r>
+              <a:rPr lang="ko-KR" altLang="en-US" sz="1400" b="1" dirty="0">
+                <a:solidFill>
+                  <a:schemeClr val="tx1"/>
+                </a:solidFill>
+              </a:rPr>
+              <a:t>운동 모드</a:t>
+            </a:r>
+          </a:p>
+        </p:txBody>
+      </p:sp>
+      <p:cxnSp>
+        <p:nvCxnSpPr>
+          <p:cNvPr id="62" name="직선 연결선 61">
+            <a:extLst>
+              <a:ext uri="{FF2B5EF4-FFF2-40B4-BE49-F238E27FC236}">
+                <a16:creationId xmlns:a16="http://schemas.microsoft.com/office/drawing/2014/main" id="{2C2AA21A-A9FD-4259-9171-B667C8623C19}"/>
+              </a:ext>
+            </a:extLst>
+          </p:cNvPr>
+          <p:cNvCxnSpPr/>
+          <p:nvPr/>
+        </p:nvCxnSpPr>
+        <p:spPr>
+          <a:xfrm flipH="1" flipV="1">
+            <a:off x="2762054" y="3798616"/>
+            <a:ext cx="2150882" cy="1"/>
+          </a:xfrm>
+          <a:prstGeom prst="line">
+            <a:avLst/>
+          </a:prstGeom>
+          <a:ln>
+            <a:solidFill>
+              <a:schemeClr val="accent2"/>
+            </a:solidFill>
+          </a:ln>
+        </p:spPr>
+        <p:style>
+          <a:lnRef idx="1">
+            <a:schemeClr val="accent1"/>
+          </a:lnRef>
+          <a:fillRef idx="0">
+            <a:schemeClr val="accent1"/>
+          </a:fillRef>
+          <a:effectRef idx="0">
+            <a:schemeClr val="accent1"/>
+          </a:effectRef>
+          <a:fontRef idx="minor">
+            <a:schemeClr val="tx1"/>
+          </a:fontRef>
+        </p:style>
+      </p:cxnSp>
+      <p:sp>
+        <p:nvSpPr>
+          <p:cNvPr id="10" name="직사각형 9">
+            <a:extLst>
+              <a:ext uri="{FF2B5EF4-FFF2-40B4-BE49-F238E27FC236}">
+                <a16:creationId xmlns:a16="http://schemas.microsoft.com/office/drawing/2014/main" id="{DD560E7F-0CED-42B1-A1A3-45A71595B00B}"/>
+              </a:ext>
+            </a:extLst>
+          </p:cNvPr>
+          <p:cNvSpPr/>
+          <p:nvPr/>
+        </p:nvSpPr>
+        <p:spPr>
+          <a:xfrm>
+            <a:off x="4912936" y="4021829"/>
+            <a:ext cx="1931939" cy="446425"/>
+          </a:xfrm>
+          <a:prstGeom prst="rect">
+            <a:avLst/>
+          </a:prstGeom>
+          <a:noFill/>
+          <a:ln>
+            <a:solidFill>
+              <a:schemeClr val="tx1"/>
+            </a:solidFill>
+          </a:ln>
+        </p:spPr>
+        <p:style>
+          <a:lnRef idx="2">
+            <a:schemeClr val="accent1">
+              <a:shade val="50000"/>
+            </a:schemeClr>
+          </a:lnRef>
+          <a:fillRef idx="1">
+            <a:schemeClr val="accent1"/>
+          </a:fillRef>
+          <a:effectRef idx="0">
+            <a:schemeClr val="accent1"/>
+          </a:effectRef>
+          <a:fontRef idx="minor">
+            <a:schemeClr val="lt1"/>
+          </a:fontRef>
+        </p:style>
+        <p:txBody>
+          <a:bodyPr rtlCol="0" anchor="ctr"/>
+          <a:lstStyle/>
+          <a:p>
+            <a:pPr algn="ctr"/>
+            <a:r>
+              <a:rPr lang="ko-KR" altLang="en-US" sz="1400" b="1" dirty="0">
+                <a:solidFill>
+                  <a:schemeClr val="tx1"/>
+                </a:solidFill>
+              </a:rPr>
+              <a:t>일반 모드</a:t>
+            </a:r>
+          </a:p>
+        </p:txBody>
+      </p:sp>
+      <p:sp>
+        <p:nvSpPr>
+          <p:cNvPr id="11" name="TextBox 10">
+            <a:extLst>
+              <a:ext uri="{FF2B5EF4-FFF2-40B4-BE49-F238E27FC236}">
+                <a16:creationId xmlns:a16="http://schemas.microsoft.com/office/drawing/2014/main" id="{37684DCF-054F-4CE9-9062-632E06F0CFB6}"/>
+              </a:ext>
+            </a:extLst>
+          </p:cNvPr>
+          <p:cNvSpPr txBox="1"/>
+          <p:nvPr/>
+        </p:nvSpPr>
+        <p:spPr>
+          <a:xfrm>
+            <a:off x="645773" y="3660116"/>
+            <a:ext cx="1712328" cy="276999"/>
+          </a:xfrm>
+          <a:prstGeom prst="rect">
+            <a:avLst/>
+          </a:prstGeom>
+          <a:noFill/>
+        </p:spPr>
+        <p:txBody>
+          <a:bodyPr wrap="none" rtlCol="0">
+            <a:spAutoFit/>
+          </a:bodyPr>
+          <a:lstStyle/>
+          <a:p>
+            <a:r>
+              <a:rPr lang="ko-KR" altLang="en-US" sz="1200" b="1" dirty="0"/>
+              <a:t>운동 상태로 전환한다</a:t>
+            </a:r>
+            <a:r>
+              <a:rPr lang="en-US" altLang="ko-KR" sz="1200" b="1" dirty="0"/>
+              <a:t>.</a:t>
+            </a:r>
+          </a:p>
+        </p:txBody>
+      </p:sp>
+      <p:cxnSp>
+        <p:nvCxnSpPr>
+          <p:cNvPr id="14" name="직선 연결선 13">
+            <a:extLst>
+              <a:ext uri="{FF2B5EF4-FFF2-40B4-BE49-F238E27FC236}">
+                <a16:creationId xmlns:a16="http://schemas.microsoft.com/office/drawing/2014/main" id="{D050BEBF-4A63-426A-9D92-AD24212C5E8B}"/>
+              </a:ext>
+            </a:extLst>
+          </p:cNvPr>
+          <p:cNvCxnSpPr>
+            <a:cxnSpLocks/>
+          </p:cNvCxnSpPr>
+          <p:nvPr/>
+        </p:nvCxnSpPr>
+        <p:spPr>
+          <a:xfrm flipH="1">
+            <a:off x="6844875" y="3798615"/>
+            <a:ext cx="2150882" cy="0"/>
+          </a:xfrm>
+          <a:prstGeom prst="line">
+            <a:avLst/>
+          </a:prstGeom>
+          <a:ln>
+            <a:solidFill>
+              <a:schemeClr val="accent2"/>
+            </a:solidFill>
+          </a:ln>
+        </p:spPr>
+        <p:style>
+          <a:lnRef idx="1">
+            <a:schemeClr val="accent1"/>
+          </a:lnRef>
+          <a:fillRef idx="0">
+            <a:schemeClr val="accent1"/>
+          </a:fillRef>
+          <a:effectRef idx="0">
+            <a:schemeClr val="accent1"/>
+          </a:effectRef>
+          <a:fontRef idx="minor">
+            <a:schemeClr val="tx1"/>
+          </a:fontRef>
+        </p:style>
+      </p:cxnSp>
+      <p:sp>
+        <p:nvSpPr>
+          <p:cNvPr id="15" name="TextBox 14">
+            <a:extLst>
+              <a:ext uri="{FF2B5EF4-FFF2-40B4-BE49-F238E27FC236}">
+                <a16:creationId xmlns:a16="http://schemas.microsoft.com/office/drawing/2014/main" id="{FA7F37AB-B244-4A19-A98D-AD14A587CE6B}"/>
+              </a:ext>
+            </a:extLst>
+          </p:cNvPr>
+          <p:cNvSpPr txBox="1"/>
+          <p:nvPr/>
+        </p:nvSpPr>
+        <p:spPr>
+          <a:xfrm>
+            <a:off x="8995757" y="3560164"/>
+            <a:ext cx="2251194" cy="461665"/>
+          </a:xfrm>
+          <a:prstGeom prst="rect">
+            <a:avLst/>
+          </a:prstGeom>
+          <a:noFill/>
+        </p:spPr>
+        <p:txBody>
+          <a:bodyPr wrap="none" rtlCol="0">
+            <a:spAutoFit/>
+          </a:bodyPr>
+          <a:lstStyle/>
+          <a:p>
+            <a:r>
+              <a:rPr lang="ko-KR" altLang="en-US" sz="1200" b="1" dirty="0"/>
+              <a:t>맥박 측정 시 </a:t>
+            </a:r>
+            <a:r>
+              <a:rPr lang="en-US" altLang="ko-KR" sz="1200" b="1" dirty="0"/>
+              <a:t>Warning</a:t>
+            </a:r>
+            <a:r>
+              <a:rPr lang="ko-KR" altLang="en-US" sz="1200" b="1" dirty="0"/>
+              <a:t> 상태에</a:t>
+            </a:r>
+            <a:endParaRPr lang="en-US" altLang="ko-KR" sz="1200" b="1" dirty="0"/>
+          </a:p>
+          <a:p>
+            <a:r>
+              <a:rPr lang="ko-KR" altLang="en-US" sz="1200" b="1" dirty="0"/>
+              <a:t>대해 판단하지 않는다</a:t>
+            </a:r>
+            <a:r>
+              <a:rPr lang="en-US" altLang="ko-KR" sz="1200" b="1" dirty="0"/>
+              <a:t>.</a:t>
+            </a:r>
+          </a:p>
+        </p:txBody>
+      </p:sp>
+      <p:cxnSp>
+        <p:nvCxnSpPr>
+          <p:cNvPr id="16" name="직선 연결선 15">
+            <a:extLst>
+              <a:ext uri="{FF2B5EF4-FFF2-40B4-BE49-F238E27FC236}">
+                <a16:creationId xmlns:a16="http://schemas.microsoft.com/office/drawing/2014/main" id="{050C0463-EF3E-4BF9-ACBF-EF4718F8B8FB}"/>
+              </a:ext>
+            </a:extLst>
+          </p:cNvPr>
+          <p:cNvCxnSpPr/>
+          <p:nvPr/>
+        </p:nvCxnSpPr>
+        <p:spPr>
+          <a:xfrm flipH="1" flipV="1">
+            <a:off x="2762054" y="4245040"/>
+            <a:ext cx="2150882" cy="1"/>
+          </a:xfrm>
+          <a:prstGeom prst="line">
+            <a:avLst/>
+          </a:prstGeom>
+          <a:ln>
+            <a:solidFill>
+              <a:schemeClr val="accent2"/>
+            </a:solidFill>
+          </a:ln>
+        </p:spPr>
+        <p:style>
+          <a:lnRef idx="1">
+            <a:schemeClr val="accent1"/>
+          </a:lnRef>
+          <a:fillRef idx="0">
+            <a:schemeClr val="accent1"/>
+          </a:fillRef>
+          <a:effectRef idx="0">
+            <a:schemeClr val="accent1"/>
+          </a:effectRef>
+          <a:fontRef idx="minor">
+            <a:schemeClr val="tx1"/>
+          </a:fontRef>
+        </p:style>
+      </p:cxnSp>
+      <p:sp>
+        <p:nvSpPr>
+          <p:cNvPr id="17" name="TextBox 16">
+            <a:extLst>
+              <a:ext uri="{FF2B5EF4-FFF2-40B4-BE49-F238E27FC236}">
+                <a16:creationId xmlns:a16="http://schemas.microsoft.com/office/drawing/2014/main" id="{4AB27CA2-FD00-4B43-9194-DA7589200EC8}"/>
+              </a:ext>
+            </a:extLst>
+          </p:cNvPr>
+          <p:cNvSpPr txBox="1"/>
+          <p:nvPr/>
+        </p:nvSpPr>
+        <p:spPr>
+          <a:xfrm>
+            <a:off x="645773" y="4100545"/>
+            <a:ext cx="1712328" cy="276999"/>
+          </a:xfrm>
+          <a:prstGeom prst="rect">
+            <a:avLst/>
+          </a:prstGeom>
+          <a:noFill/>
+        </p:spPr>
+        <p:txBody>
+          <a:bodyPr wrap="none" rtlCol="0">
+            <a:spAutoFit/>
+          </a:bodyPr>
+          <a:lstStyle/>
+          <a:p>
+            <a:r>
+              <a:rPr lang="ko-KR" altLang="en-US" sz="1200" b="1" dirty="0"/>
+              <a:t>일반 상태로 전환한다</a:t>
+            </a:r>
+            <a:r>
+              <a:rPr lang="en-US" altLang="ko-KR" sz="1200" b="1" dirty="0"/>
+              <a:t>.</a:t>
+            </a:r>
+          </a:p>
+        </p:txBody>
+      </p:sp>
+      <p:sp>
+        <p:nvSpPr>
+          <p:cNvPr id="20" name="TextBox 19">
+            <a:extLst>
+              <a:ext uri="{FF2B5EF4-FFF2-40B4-BE49-F238E27FC236}">
+                <a16:creationId xmlns:a16="http://schemas.microsoft.com/office/drawing/2014/main" id="{6C347FB3-993C-4EB5-964A-FA31E7FCAABB}"/>
+              </a:ext>
+            </a:extLst>
+          </p:cNvPr>
+          <p:cNvSpPr txBox="1"/>
+          <p:nvPr/>
+        </p:nvSpPr>
+        <p:spPr>
+          <a:xfrm>
+            <a:off x="5396240" y="1485578"/>
+            <a:ext cx="965329" cy="307777"/>
+          </a:xfrm>
+          <a:prstGeom prst="rect">
+            <a:avLst/>
+          </a:prstGeom>
+          <a:noFill/>
+        </p:spPr>
+        <p:txBody>
+          <a:bodyPr wrap="none" rtlCol="0">
+            <a:spAutoFit/>
+          </a:bodyPr>
+          <a:lstStyle/>
+          <a:p>
+            <a:r>
+              <a:rPr lang="ko-KR" altLang="en-US" sz="1400" b="1"/>
+              <a:t>메뉴 구성</a:t>
+            </a:r>
+            <a:endParaRPr lang="en-US" altLang="ko-KR" sz="1400" b="1" dirty="0"/>
+          </a:p>
+        </p:txBody>
+      </p:sp>
+      <p:sp>
+        <p:nvSpPr>
+          <p:cNvPr id="21" name="TextBox 20">
+            <a:extLst>
+              <a:ext uri="{FF2B5EF4-FFF2-40B4-BE49-F238E27FC236}">
+                <a16:creationId xmlns:a16="http://schemas.microsoft.com/office/drawing/2014/main" id="{DDDBD961-F276-4DD8-9912-13B5DA373BB4}"/>
+              </a:ext>
+            </a:extLst>
+          </p:cNvPr>
+          <p:cNvSpPr txBox="1"/>
+          <p:nvPr/>
+        </p:nvSpPr>
+        <p:spPr>
+          <a:xfrm>
+            <a:off x="952747" y="1485578"/>
+            <a:ext cx="965329" cy="307777"/>
+          </a:xfrm>
+          <a:prstGeom prst="rect">
+            <a:avLst/>
+          </a:prstGeom>
+          <a:noFill/>
+        </p:spPr>
+        <p:txBody>
+          <a:bodyPr wrap="none" rtlCol="0">
+            <a:spAutoFit/>
+          </a:bodyPr>
+          <a:lstStyle/>
+          <a:p>
+            <a:r>
+              <a:rPr lang="ko-KR" altLang="en-US" sz="1400" b="1"/>
+              <a:t>메뉴 이름</a:t>
+            </a:r>
+            <a:endParaRPr lang="en-US" altLang="ko-KR" sz="1400" b="1" dirty="0"/>
+          </a:p>
+        </p:txBody>
+      </p:sp>
+      <p:sp>
+        <p:nvSpPr>
+          <p:cNvPr id="22" name="TextBox 21">
+            <a:extLst>
+              <a:ext uri="{FF2B5EF4-FFF2-40B4-BE49-F238E27FC236}">
+                <a16:creationId xmlns:a16="http://schemas.microsoft.com/office/drawing/2014/main" id="{ADDAC581-D180-4F93-921B-79D93FA724CD}"/>
+              </a:ext>
+            </a:extLst>
+          </p:cNvPr>
+          <p:cNvSpPr txBox="1"/>
+          <p:nvPr/>
+        </p:nvSpPr>
+        <p:spPr>
+          <a:xfrm>
+            <a:off x="9806018" y="1485578"/>
+            <a:ext cx="543739" cy="307777"/>
+          </a:xfrm>
+          <a:prstGeom prst="rect">
+            <a:avLst/>
+          </a:prstGeom>
+          <a:noFill/>
+        </p:spPr>
+        <p:txBody>
+          <a:bodyPr wrap="none" rtlCol="0">
+            <a:spAutoFit/>
+          </a:bodyPr>
+          <a:lstStyle/>
+          <a:p>
+            <a:r>
+              <a:rPr lang="ko-KR" altLang="en-US" sz="1400" b="1" dirty="0"/>
+              <a:t>비고</a:t>
+            </a:r>
+            <a:endParaRPr lang="en-US" altLang="ko-KR" sz="1400" b="1" dirty="0"/>
+          </a:p>
+        </p:txBody>
+      </p:sp>
+    </p:spTree>
+    <p:extLst>
+      <p:ext uri="{BB962C8B-B14F-4D97-AF65-F5344CB8AC3E}">
+        <p14:creationId xmlns:p14="http://schemas.microsoft.com/office/powerpoint/2010/main" val="3419582698"/>
+      </p:ext>
+    </p:extLst>
+  </p:cSld>
+  <p:clrMapOvr>
+    <a:masterClrMapping/>
+  </p:clrMapOvr>
+</p:sld>
+</file>
+
+<file path=ppt/slides/slide44.xml><?xml version="1.0" encoding="utf-8"?>
+<p:sld xmlns:a="http://schemas.openxmlformats.org/drawingml/2006/main" xmlns:r="http://schemas.openxmlformats.org/officeDocument/2006/relationships" xmlns:p="http://schemas.openxmlformats.org/presentationml/2006/main" show="0">
+  <p:cSld>
+    <p:spTree>
+      <p:nvGrpSpPr>
+        <p:cNvPr id="1" name=""/>
+        <p:cNvGrpSpPr/>
+        <p:nvPr/>
+      </p:nvGrpSpPr>
+      <p:grpSpPr>
+        <a:xfrm>
+          <a:off x="0" y="0"/>
+          <a:ext cx="0" cy="0"/>
+          <a:chOff x="0" y="0"/>
+          <a:chExt cx="0" cy="0"/>
+        </a:xfrm>
+      </p:grpSpPr>
+      <p:sp>
+        <p:nvSpPr>
+          <p:cNvPr id="10" name="직사각형 9">
+            <a:extLst>
+              <a:ext uri="{FF2B5EF4-FFF2-40B4-BE49-F238E27FC236}">
+                <a16:creationId xmlns:a16="http://schemas.microsoft.com/office/drawing/2014/main" id="{C6F127F9-FA91-4207-BBEE-9A0B4F8279B8}"/>
+              </a:ext>
+            </a:extLst>
+          </p:cNvPr>
+          <p:cNvSpPr/>
+          <p:nvPr/>
+        </p:nvSpPr>
+        <p:spPr>
+          <a:xfrm>
+            <a:off x="3846137" y="698327"/>
+            <a:ext cx="4044099" cy="5853303"/>
+          </a:xfrm>
+          <a:prstGeom prst="rect">
+            <a:avLst/>
+          </a:prstGeom>
+          <a:noFill/>
+          <a:ln>
+            <a:solidFill>
+              <a:schemeClr val="tx1"/>
+            </a:solidFill>
+          </a:ln>
+        </p:spPr>
+        <p:style>
+          <a:lnRef idx="2">
+            <a:schemeClr val="accent1">
+              <a:shade val="50000"/>
+            </a:schemeClr>
+          </a:lnRef>
+          <a:fillRef idx="1">
+            <a:schemeClr val="accent1"/>
+          </a:fillRef>
+          <a:effectRef idx="0">
+            <a:schemeClr val="accent1"/>
+          </a:effectRef>
+          <a:fontRef idx="minor">
+            <a:schemeClr val="lt1"/>
+          </a:fontRef>
+        </p:style>
+        <p:txBody>
+          <a:bodyPr rtlCol="0" anchor="ctr"/>
+          <a:lstStyle/>
+          <a:p>
+            <a:pPr algn="ctr"/>
+            <a:endParaRPr lang="ko-KR" altLang="en-US"/>
+          </a:p>
+        </p:txBody>
+      </p:sp>
+      <p:sp>
+        <p:nvSpPr>
+          <p:cNvPr id="11" name="직사각형 10">
+            <a:extLst>
+              <a:ext uri="{FF2B5EF4-FFF2-40B4-BE49-F238E27FC236}">
+                <a16:creationId xmlns:a16="http://schemas.microsoft.com/office/drawing/2014/main" id="{7A088D13-1815-4192-A9BF-BFC8FAB421FD}"/>
+              </a:ext>
+            </a:extLst>
+          </p:cNvPr>
+          <p:cNvSpPr/>
+          <p:nvPr/>
+        </p:nvSpPr>
+        <p:spPr>
+          <a:xfrm>
+            <a:off x="4119513" y="2083324"/>
+            <a:ext cx="3525625" cy="2441542"/>
+          </a:xfrm>
+          <a:prstGeom prst="rect">
+            <a:avLst/>
+          </a:prstGeom>
+          <a:noFill/>
+          <a:ln>
+            <a:solidFill>
+              <a:schemeClr val="tx1"/>
+            </a:solidFill>
+          </a:ln>
+        </p:spPr>
+        <p:style>
+          <a:lnRef idx="2">
+            <a:schemeClr val="accent1">
+              <a:shade val="50000"/>
+            </a:schemeClr>
+          </a:lnRef>
+          <a:fillRef idx="1">
+            <a:schemeClr val="accent1"/>
+          </a:fillRef>
+          <a:effectRef idx="0">
+            <a:schemeClr val="accent1"/>
+          </a:effectRef>
+          <a:fontRef idx="minor">
+            <a:schemeClr val="lt1"/>
+          </a:fontRef>
+        </p:style>
+        <p:txBody>
+          <a:bodyPr rtlCol="0" anchor="ctr"/>
+          <a:lstStyle/>
+          <a:p>
+            <a:pPr algn="ctr"/>
+            <a:endParaRPr lang="ko-KR" altLang="en-US"/>
+          </a:p>
+        </p:txBody>
+      </p:sp>
+      <p:cxnSp>
+        <p:nvCxnSpPr>
+          <p:cNvPr id="13" name="직선 연결선 12">
+            <a:extLst>
+              <a:ext uri="{FF2B5EF4-FFF2-40B4-BE49-F238E27FC236}">
+                <a16:creationId xmlns:a16="http://schemas.microsoft.com/office/drawing/2014/main" id="{2223B42A-9D65-47A9-A7CB-846C3190D9A0}"/>
+              </a:ext>
+            </a:extLst>
+          </p:cNvPr>
+          <p:cNvCxnSpPr>
+            <a:cxnSpLocks/>
+          </p:cNvCxnSpPr>
+          <p:nvPr/>
+        </p:nvCxnSpPr>
+        <p:spPr>
+          <a:xfrm>
+            <a:off x="4119513" y="4398975"/>
+            <a:ext cx="3525625" cy="0"/>
+          </a:xfrm>
+          <a:prstGeom prst="line">
+            <a:avLst/>
+          </a:prstGeom>
+        </p:spPr>
+        <p:style>
+          <a:lnRef idx="1">
+            <a:schemeClr val="accent1"/>
+          </a:lnRef>
+          <a:fillRef idx="0">
+            <a:schemeClr val="accent1"/>
+          </a:fillRef>
+          <a:effectRef idx="0">
+            <a:schemeClr val="accent1"/>
+          </a:effectRef>
+          <a:fontRef idx="minor">
+            <a:schemeClr val="tx1"/>
+          </a:fontRef>
+        </p:style>
+      </p:cxnSp>
+      <p:sp>
+        <p:nvSpPr>
+          <p:cNvPr id="15" name="TextBox 14">
+            <a:extLst>
+              <a:ext uri="{FF2B5EF4-FFF2-40B4-BE49-F238E27FC236}">
+                <a16:creationId xmlns:a16="http://schemas.microsoft.com/office/drawing/2014/main" id="{705F2E3A-901F-4E85-BCF1-E4D83CE73CB8}"/>
+              </a:ext>
+            </a:extLst>
+          </p:cNvPr>
+          <p:cNvSpPr txBox="1"/>
+          <p:nvPr/>
+        </p:nvSpPr>
+        <p:spPr>
+          <a:xfrm>
+            <a:off x="3823931" y="4582799"/>
+            <a:ext cx="389850" cy="215444"/>
+          </a:xfrm>
+          <a:prstGeom prst="rect">
+            <a:avLst/>
+          </a:prstGeom>
+          <a:noFill/>
+        </p:spPr>
+        <p:txBody>
+          <a:bodyPr wrap="none" rtlCol="0">
+            <a:spAutoFit/>
+          </a:bodyPr>
+          <a:lstStyle/>
+          <a:p>
+            <a:r>
+              <a:rPr lang="ko-KR" altLang="en-US" sz="800"/>
+              <a:t>시간</a:t>
+            </a:r>
+          </a:p>
+        </p:txBody>
+      </p:sp>
+      <p:sp>
+        <p:nvSpPr>
+          <p:cNvPr id="69" name="TextBox 68">
+            <a:extLst>
+              <a:ext uri="{FF2B5EF4-FFF2-40B4-BE49-F238E27FC236}">
+                <a16:creationId xmlns:a16="http://schemas.microsoft.com/office/drawing/2014/main" id="{70F4D6E2-9FF9-47A9-BF87-1626A4EA28CF}"/>
+              </a:ext>
+            </a:extLst>
+          </p:cNvPr>
+          <p:cNvSpPr txBox="1"/>
+          <p:nvPr/>
+        </p:nvSpPr>
+        <p:spPr>
+          <a:xfrm>
+            <a:off x="4119513" y="4582799"/>
+            <a:ext cx="431528" cy="215444"/>
+          </a:xfrm>
+          <a:prstGeom prst="rect">
+            <a:avLst/>
+          </a:prstGeom>
+          <a:noFill/>
+        </p:spPr>
+        <p:txBody>
+          <a:bodyPr wrap="none" rtlCol="0">
+            <a:spAutoFit/>
+          </a:bodyPr>
+          <a:lstStyle/>
+          <a:p>
+            <a:r>
+              <a:rPr lang="en-US" altLang="ko-KR" sz="800"/>
+              <a:t>00:00</a:t>
+            </a:r>
+            <a:endParaRPr lang="ko-KR" altLang="en-US" sz="800" dirty="0"/>
+          </a:p>
+        </p:txBody>
+      </p:sp>
+      <p:sp>
+        <p:nvSpPr>
+          <p:cNvPr id="70" name="TextBox 69">
+            <a:extLst>
+              <a:ext uri="{FF2B5EF4-FFF2-40B4-BE49-F238E27FC236}">
+                <a16:creationId xmlns:a16="http://schemas.microsoft.com/office/drawing/2014/main" id="{565EE51F-F3C9-463D-B397-574FA4ED3172}"/>
+              </a:ext>
+            </a:extLst>
+          </p:cNvPr>
+          <p:cNvSpPr txBox="1"/>
+          <p:nvPr/>
+        </p:nvSpPr>
+        <p:spPr>
+          <a:xfrm>
+            <a:off x="7252082" y="4582799"/>
+            <a:ext cx="431528" cy="215444"/>
+          </a:xfrm>
+          <a:prstGeom prst="rect">
+            <a:avLst/>
+          </a:prstGeom>
+          <a:noFill/>
+        </p:spPr>
+        <p:txBody>
+          <a:bodyPr wrap="none" rtlCol="0">
+            <a:spAutoFit/>
+          </a:bodyPr>
+          <a:lstStyle/>
+          <a:p>
+            <a:r>
+              <a:rPr lang="en-US" altLang="ko-KR" sz="800" dirty="0"/>
+              <a:t>24:00</a:t>
+            </a:r>
+            <a:endParaRPr lang="ko-KR" altLang="en-US" sz="800" dirty="0"/>
+          </a:p>
+        </p:txBody>
+      </p:sp>
+      <p:sp>
+        <p:nvSpPr>
+          <p:cNvPr id="72" name="TextBox 71">
+            <a:extLst>
+              <a:ext uri="{FF2B5EF4-FFF2-40B4-BE49-F238E27FC236}">
+                <a16:creationId xmlns:a16="http://schemas.microsoft.com/office/drawing/2014/main" id="{1238E405-411B-4CD4-8153-841909FA46E6}"/>
+              </a:ext>
+            </a:extLst>
+          </p:cNvPr>
+          <p:cNvSpPr txBox="1"/>
+          <p:nvPr/>
+        </p:nvSpPr>
+        <p:spPr>
+          <a:xfrm>
+            <a:off x="3862438" y="4286227"/>
+            <a:ext cx="240772" cy="215444"/>
+          </a:xfrm>
+          <a:prstGeom prst="rect">
+            <a:avLst/>
+          </a:prstGeom>
+          <a:noFill/>
+        </p:spPr>
+        <p:txBody>
+          <a:bodyPr wrap="none" rtlCol="0">
+            <a:spAutoFit/>
+          </a:bodyPr>
+          <a:lstStyle/>
+          <a:p>
+            <a:r>
+              <a:rPr lang="en-US" altLang="ko-KR" sz="800"/>
+              <a:t>0</a:t>
+            </a:r>
+            <a:endParaRPr lang="ko-KR" altLang="en-US" sz="800" dirty="0"/>
+          </a:p>
+        </p:txBody>
+      </p:sp>
+      <p:sp>
+        <p:nvSpPr>
+          <p:cNvPr id="74" name="TextBox 73">
+            <a:extLst>
+              <a:ext uri="{FF2B5EF4-FFF2-40B4-BE49-F238E27FC236}">
+                <a16:creationId xmlns:a16="http://schemas.microsoft.com/office/drawing/2014/main" id="{70CFC286-E3D2-4BA8-A68A-AAA7AE5060B2}"/>
+              </a:ext>
+            </a:extLst>
+          </p:cNvPr>
+          <p:cNvSpPr txBox="1"/>
+          <p:nvPr/>
+        </p:nvSpPr>
+        <p:spPr>
+          <a:xfrm>
+            <a:off x="3823931" y="2073896"/>
+            <a:ext cx="352982" cy="215444"/>
+          </a:xfrm>
+          <a:prstGeom prst="rect">
+            <a:avLst/>
+          </a:prstGeom>
+          <a:noFill/>
+        </p:spPr>
+        <p:txBody>
+          <a:bodyPr wrap="none" rtlCol="0">
+            <a:spAutoFit/>
+          </a:bodyPr>
+          <a:lstStyle/>
+          <a:p>
+            <a:r>
+              <a:rPr lang="en-US" altLang="ko-KR" sz="800"/>
+              <a:t>200</a:t>
+            </a:r>
+            <a:endParaRPr lang="ko-KR" altLang="en-US" sz="800" dirty="0"/>
+          </a:p>
+        </p:txBody>
+      </p:sp>
+      <p:sp>
+        <p:nvSpPr>
+          <p:cNvPr id="17" name="자유형: 도형 16">
+            <a:extLst>
+              <a:ext uri="{FF2B5EF4-FFF2-40B4-BE49-F238E27FC236}">
+                <a16:creationId xmlns:a16="http://schemas.microsoft.com/office/drawing/2014/main" id="{F746C758-F12F-4804-B2B3-18BB4988C93E}"/>
+              </a:ext>
+            </a:extLst>
+          </p:cNvPr>
+          <p:cNvSpPr/>
+          <p:nvPr/>
+        </p:nvSpPr>
+        <p:spPr>
+          <a:xfrm>
+            <a:off x="4128940" y="3159128"/>
+            <a:ext cx="3535052" cy="772998"/>
+          </a:xfrm>
+          <a:custGeom>
+            <a:avLst/>
+            <a:gdLst>
+              <a:gd name="connsiteX0" fmla="*/ 0 w 3535052"/>
+              <a:gd name="connsiteY0" fmla="*/ 650450 h 772998"/>
+              <a:gd name="connsiteX1" fmla="*/ 84841 w 3535052"/>
+              <a:gd name="connsiteY1" fmla="*/ 622169 h 772998"/>
+              <a:gd name="connsiteX2" fmla="*/ 169683 w 3535052"/>
+              <a:gd name="connsiteY2" fmla="*/ 697584 h 772998"/>
+              <a:gd name="connsiteX3" fmla="*/ 348792 w 3535052"/>
+              <a:gd name="connsiteY3" fmla="*/ 650450 h 772998"/>
+              <a:gd name="connsiteX4" fmla="*/ 405353 w 3535052"/>
+              <a:gd name="connsiteY4" fmla="*/ 678730 h 772998"/>
+              <a:gd name="connsiteX5" fmla="*/ 452487 w 3535052"/>
+              <a:gd name="connsiteY5" fmla="*/ 593889 h 772998"/>
+              <a:gd name="connsiteX6" fmla="*/ 546755 w 3535052"/>
+              <a:gd name="connsiteY6" fmla="*/ 650450 h 772998"/>
+              <a:gd name="connsiteX7" fmla="*/ 735291 w 3535052"/>
+              <a:gd name="connsiteY7" fmla="*/ 622169 h 772998"/>
+              <a:gd name="connsiteX8" fmla="*/ 838986 w 3535052"/>
+              <a:gd name="connsiteY8" fmla="*/ 669303 h 772998"/>
+              <a:gd name="connsiteX9" fmla="*/ 876693 w 3535052"/>
+              <a:gd name="connsiteY9" fmla="*/ 405353 h 772998"/>
+              <a:gd name="connsiteX10" fmla="*/ 1159497 w 3535052"/>
+              <a:gd name="connsiteY10" fmla="*/ 443060 h 772998"/>
+              <a:gd name="connsiteX11" fmla="*/ 1234912 w 3535052"/>
+              <a:gd name="connsiteY11" fmla="*/ 395926 h 772998"/>
+              <a:gd name="connsiteX12" fmla="*/ 1593130 w 3535052"/>
+              <a:gd name="connsiteY12" fmla="*/ 395926 h 772998"/>
+              <a:gd name="connsiteX13" fmla="*/ 1649691 w 3535052"/>
+              <a:gd name="connsiteY13" fmla="*/ 339365 h 772998"/>
+              <a:gd name="connsiteX14" fmla="*/ 1725105 w 3535052"/>
+              <a:gd name="connsiteY14" fmla="*/ 772998 h 772998"/>
+              <a:gd name="connsiteX15" fmla="*/ 1772239 w 3535052"/>
+              <a:gd name="connsiteY15" fmla="*/ 754144 h 772998"/>
+              <a:gd name="connsiteX16" fmla="*/ 1809947 w 3535052"/>
+              <a:gd name="connsiteY16" fmla="*/ 377072 h 772998"/>
+              <a:gd name="connsiteX17" fmla="*/ 1951349 w 3535052"/>
+              <a:gd name="connsiteY17" fmla="*/ 348792 h 772998"/>
+              <a:gd name="connsiteX18" fmla="*/ 1989056 w 3535052"/>
+              <a:gd name="connsiteY18" fmla="*/ 414779 h 772998"/>
+              <a:gd name="connsiteX19" fmla="*/ 2111604 w 3535052"/>
+              <a:gd name="connsiteY19" fmla="*/ 339365 h 772998"/>
+              <a:gd name="connsiteX20" fmla="*/ 2139885 w 3535052"/>
+              <a:gd name="connsiteY20" fmla="*/ 0 h 772998"/>
+              <a:gd name="connsiteX21" fmla="*/ 2139885 w 3535052"/>
+              <a:gd name="connsiteY21" fmla="*/ 292231 h 772998"/>
+              <a:gd name="connsiteX22" fmla="*/ 2215299 w 3535052"/>
+              <a:gd name="connsiteY22" fmla="*/ 339365 h 772998"/>
+              <a:gd name="connsiteX23" fmla="*/ 2281287 w 3535052"/>
+              <a:gd name="connsiteY23" fmla="*/ 254524 h 772998"/>
+              <a:gd name="connsiteX24" fmla="*/ 2356701 w 3535052"/>
+              <a:gd name="connsiteY24" fmla="*/ 292231 h 772998"/>
+              <a:gd name="connsiteX25" fmla="*/ 2469823 w 3535052"/>
+              <a:gd name="connsiteY25" fmla="*/ 282804 h 772998"/>
+              <a:gd name="connsiteX26" fmla="*/ 2488676 w 3535052"/>
+              <a:gd name="connsiteY26" fmla="*/ 37707 h 772998"/>
+              <a:gd name="connsiteX27" fmla="*/ 2507530 w 3535052"/>
+              <a:gd name="connsiteY27" fmla="*/ 263951 h 772998"/>
+              <a:gd name="connsiteX28" fmla="*/ 2564091 w 3535052"/>
+              <a:gd name="connsiteY28" fmla="*/ 263951 h 772998"/>
+              <a:gd name="connsiteX29" fmla="*/ 2648932 w 3535052"/>
+              <a:gd name="connsiteY29" fmla="*/ 339365 h 772998"/>
+              <a:gd name="connsiteX30" fmla="*/ 2724347 w 3535052"/>
+              <a:gd name="connsiteY30" fmla="*/ 263951 h 772998"/>
+              <a:gd name="connsiteX31" fmla="*/ 2790334 w 3535052"/>
+              <a:gd name="connsiteY31" fmla="*/ 292231 h 772998"/>
+              <a:gd name="connsiteX32" fmla="*/ 2922309 w 3535052"/>
+              <a:gd name="connsiteY32" fmla="*/ 282804 h 772998"/>
+              <a:gd name="connsiteX33" fmla="*/ 3082565 w 3535052"/>
+              <a:gd name="connsiteY33" fmla="*/ 386499 h 772998"/>
+              <a:gd name="connsiteX34" fmla="*/ 3139126 w 3535052"/>
+              <a:gd name="connsiteY34" fmla="*/ 669303 h 772998"/>
+              <a:gd name="connsiteX35" fmla="*/ 3233394 w 3535052"/>
+              <a:gd name="connsiteY35" fmla="*/ 631596 h 772998"/>
+              <a:gd name="connsiteX36" fmla="*/ 3299382 w 3535052"/>
+              <a:gd name="connsiteY36" fmla="*/ 659876 h 772998"/>
+              <a:gd name="connsiteX37" fmla="*/ 3403076 w 3535052"/>
+              <a:gd name="connsiteY37" fmla="*/ 631596 h 772998"/>
+              <a:gd name="connsiteX38" fmla="*/ 3459637 w 3535052"/>
+              <a:gd name="connsiteY38" fmla="*/ 678730 h 772998"/>
+              <a:gd name="connsiteX39" fmla="*/ 3516198 w 3535052"/>
+              <a:gd name="connsiteY39" fmla="*/ 650450 h 772998"/>
+              <a:gd name="connsiteX40" fmla="*/ 3535052 w 3535052"/>
+              <a:gd name="connsiteY40" fmla="*/ 641023 h 772998"/>
+            </a:gdLst>
+            <a:ahLst/>
+            <a:cxnLst>
+              <a:cxn ang="0">
+                <a:pos x="connsiteX0" y="connsiteY0"/>
+              </a:cxn>
+              <a:cxn ang="0">
+                <a:pos x="connsiteX1" y="connsiteY1"/>
+              </a:cxn>
+              <a:cxn ang="0">
+                <a:pos x="connsiteX2" y="connsiteY2"/>
+              </a:cxn>
+              <a:cxn ang="0">
+                <a:pos x="connsiteX3" y="connsiteY3"/>
+              </a:cxn>
+              <a:cxn ang="0">
+                <a:pos x="connsiteX4" y="connsiteY4"/>
+              </a:cxn>
+              <a:cxn ang="0">
+                <a:pos x="connsiteX5" y="connsiteY5"/>
+              </a:cxn>
+              <a:cxn ang="0">
+                <a:pos x="connsiteX6" y="connsiteY6"/>
+              </a:cxn>
+              <a:cxn ang="0">
+                <a:pos x="connsiteX7" y="connsiteY7"/>
+              </a:cxn>
+              <a:cxn ang="0">
+                <a:pos x="connsiteX8" y="connsiteY8"/>
+              </a:cxn>
+              <a:cxn ang="0">
+                <a:pos x="connsiteX9" y="connsiteY9"/>
+              </a:cxn>
+              <a:cxn ang="0">
+                <a:pos x="connsiteX10" y="connsiteY10"/>
+              </a:cxn>
+              <a:cxn ang="0">
+                <a:pos x="connsiteX11" y="connsiteY11"/>
+              </a:cxn>
+              <a:cxn ang="0">
+                <a:pos x="connsiteX12" y="connsiteY12"/>
+              </a:cxn>
+              <a:cxn ang="0">
+                <a:pos x="connsiteX13" y="connsiteY13"/>
+              </a:cxn>
+              <a:cxn ang="0">
+                <a:pos x="connsiteX14" y="connsiteY14"/>
+              </a:cxn>
+              <a:cxn ang="0">
+                <a:pos x="connsiteX15" y="connsiteY15"/>
+              </a:cxn>
+              <a:cxn ang="0">
+                <a:pos x="connsiteX16" y="connsiteY16"/>
+              </a:cxn>
+              <a:cxn ang="0">
+                <a:pos x="connsiteX17" y="connsiteY17"/>
+              </a:cxn>
+              <a:cxn ang="0">
+                <a:pos x="connsiteX18" y="connsiteY18"/>
+              </a:cxn>
+              <a:cxn ang="0">
+                <a:pos x="connsiteX19" y="connsiteY19"/>
+              </a:cxn>
+              <a:cxn ang="0">
+                <a:pos x="connsiteX20" y="connsiteY20"/>
+              </a:cxn>
+              <a:cxn ang="0">
+                <a:pos x="connsiteX21" y="connsiteY21"/>
+              </a:cxn>
+              <a:cxn ang="0">
+                <a:pos x="connsiteX22" y="connsiteY22"/>
+              </a:cxn>
+              <a:cxn ang="0">
+                <a:pos x="connsiteX23" y="connsiteY23"/>
+              </a:cxn>
+              <a:cxn ang="0">
+                <a:pos x="connsiteX24" y="connsiteY24"/>
+              </a:cxn>
+              <a:cxn ang="0">
+                <a:pos x="connsiteX25" y="connsiteY25"/>
+              </a:cxn>
+              <a:cxn ang="0">
+                <a:pos x="connsiteX26" y="connsiteY26"/>
+              </a:cxn>
+              <a:cxn ang="0">
+                <a:pos x="connsiteX27" y="connsiteY27"/>
+              </a:cxn>
+              <a:cxn ang="0">
+                <a:pos x="connsiteX28" y="connsiteY28"/>
+              </a:cxn>
+              <a:cxn ang="0">
+                <a:pos x="connsiteX29" y="connsiteY29"/>
+              </a:cxn>
+              <a:cxn ang="0">
+                <a:pos x="connsiteX30" y="connsiteY30"/>
+              </a:cxn>
+              <a:cxn ang="0">
+                <a:pos x="connsiteX31" y="connsiteY31"/>
+              </a:cxn>
+              <a:cxn ang="0">
+                <a:pos x="connsiteX32" y="connsiteY32"/>
+              </a:cxn>
+              <a:cxn ang="0">
+                <a:pos x="connsiteX33" y="connsiteY33"/>
+              </a:cxn>
+              <a:cxn ang="0">
+                <a:pos x="connsiteX34" y="connsiteY34"/>
+              </a:cxn>
+              <a:cxn ang="0">
+                <a:pos x="connsiteX35" y="connsiteY35"/>
+              </a:cxn>
+              <a:cxn ang="0">
+                <a:pos x="connsiteX36" y="connsiteY36"/>
+              </a:cxn>
+              <a:cxn ang="0">
+                <a:pos x="connsiteX37" y="connsiteY37"/>
+              </a:cxn>
+              <a:cxn ang="0">
+                <a:pos x="connsiteX38" y="connsiteY38"/>
+              </a:cxn>
+              <a:cxn ang="0">
+                <a:pos x="connsiteX39" y="connsiteY39"/>
+              </a:cxn>
+              <a:cxn ang="0">
+                <a:pos x="connsiteX40" y="connsiteY40"/>
+              </a:cxn>
+            </a:cxnLst>
+            <a:rect l="l" t="t" r="r" b="b"/>
+            <a:pathLst>
+              <a:path w="3535052" h="772998">
+                <a:moveTo>
+                  <a:pt x="0" y="650450"/>
+                </a:moveTo>
+                <a:lnTo>
+                  <a:pt x="84841" y="622169"/>
+                </a:lnTo>
+                <a:lnTo>
+                  <a:pt x="169683" y="697584"/>
+                </a:lnTo>
+                <a:lnTo>
+                  <a:pt x="348792" y="650450"/>
+                </a:lnTo>
+                <a:lnTo>
+                  <a:pt x="405353" y="678730"/>
+                </a:lnTo>
+                <a:lnTo>
+                  <a:pt x="452487" y="593889"/>
+                </a:lnTo>
+                <a:lnTo>
+                  <a:pt x="546755" y="650450"/>
+                </a:lnTo>
+                <a:lnTo>
+                  <a:pt x="735291" y="622169"/>
+                </a:lnTo>
+                <a:lnTo>
+                  <a:pt x="838986" y="669303"/>
+                </a:lnTo>
+                <a:lnTo>
+                  <a:pt x="876693" y="405353"/>
+                </a:lnTo>
+                <a:lnTo>
+                  <a:pt x="1159497" y="443060"/>
+                </a:lnTo>
+                <a:lnTo>
+                  <a:pt x="1234912" y="395926"/>
+                </a:lnTo>
+                <a:lnTo>
+                  <a:pt x="1593130" y="395926"/>
+                </a:lnTo>
+                <a:lnTo>
+                  <a:pt x="1649691" y="339365"/>
+                </a:lnTo>
+                <a:lnTo>
+                  <a:pt x="1725105" y="772998"/>
+                </a:lnTo>
+                <a:lnTo>
+                  <a:pt x="1772239" y="754144"/>
+                </a:lnTo>
+                <a:lnTo>
+                  <a:pt x="1809947" y="377072"/>
+                </a:lnTo>
+                <a:lnTo>
+                  <a:pt x="1951349" y="348792"/>
+                </a:lnTo>
+                <a:lnTo>
+                  <a:pt x="1989056" y="414779"/>
+                </a:lnTo>
+                <a:lnTo>
+                  <a:pt x="2111604" y="339365"/>
+                </a:lnTo>
+                <a:lnTo>
+                  <a:pt x="2139885" y="0"/>
+                </a:lnTo>
+                <a:lnTo>
+                  <a:pt x="2139885" y="292231"/>
+                </a:lnTo>
+                <a:lnTo>
+                  <a:pt x="2215299" y="339365"/>
+                </a:lnTo>
+                <a:lnTo>
+                  <a:pt x="2281287" y="254524"/>
+                </a:lnTo>
+                <a:lnTo>
+                  <a:pt x="2356701" y="292231"/>
+                </a:lnTo>
+                <a:lnTo>
+                  <a:pt x="2469823" y="282804"/>
+                </a:lnTo>
+                <a:lnTo>
+                  <a:pt x="2488676" y="37707"/>
+                </a:lnTo>
+                <a:lnTo>
+                  <a:pt x="2507530" y="263951"/>
+                </a:lnTo>
+                <a:lnTo>
+                  <a:pt x="2564091" y="263951"/>
+                </a:lnTo>
+                <a:lnTo>
+                  <a:pt x="2648932" y="339365"/>
+                </a:lnTo>
+                <a:lnTo>
+                  <a:pt x="2724347" y="263951"/>
+                </a:lnTo>
+                <a:lnTo>
+                  <a:pt x="2790334" y="292231"/>
+                </a:lnTo>
+                <a:lnTo>
+                  <a:pt x="2922309" y="282804"/>
+                </a:lnTo>
+                <a:lnTo>
+                  <a:pt x="3082565" y="386499"/>
+                </a:lnTo>
+                <a:lnTo>
+                  <a:pt x="3139126" y="669303"/>
+                </a:lnTo>
+                <a:lnTo>
+                  <a:pt x="3233394" y="631596"/>
+                </a:lnTo>
+                <a:lnTo>
+                  <a:pt x="3299382" y="659876"/>
+                </a:lnTo>
+                <a:lnTo>
+                  <a:pt x="3403076" y="631596"/>
+                </a:lnTo>
+                <a:lnTo>
+                  <a:pt x="3459637" y="678730"/>
+                </a:lnTo>
+                <a:lnTo>
+                  <a:pt x="3516198" y="650450"/>
+                </a:lnTo>
+                <a:lnTo>
+                  <a:pt x="3535052" y="641023"/>
+                </a:lnTo>
+              </a:path>
+            </a:pathLst>
+          </a:custGeom>
+          <a:noFill/>
+        </p:spPr>
+        <p:style>
+          <a:lnRef idx="2">
+            <a:schemeClr val="accent1">
+              <a:shade val="50000"/>
+            </a:schemeClr>
+          </a:lnRef>
+          <a:fillRef idx="1">
+            <a:schemeClr val="accent1"/>
+          </a:fillRef>
+          <a:effectRef idx="0">
+            <a:schemeClr val="accent1"/>
+          </a:effectRef>
+          <a:fontRef idx="minor">
+            <a:schemeClr val="lt1"/>
+          </a:fontRef>
+        </p:style>
+        <p:txBody>
+          <a:bodyPr rtlCol="0" anchor="ctr"/>
+          <a:lstStyle/>
+          <a:p>
+            <a:pPr algn="ctr"/>
+            <a:endParaRPr lang="ko-KR" altLang="en-US"/>
+          </a:p>
+        </p:txBody>
+      </p:sp>
+      <p:sp>
+        <p:nvSpPr>
+          <p:cNvPr id="76" name="TextBox 75">
+            <a:extLst>
+              <a:ext uri="{FF2B5EF4-FFF2-40B4-BE49-F238E27FC236}">
+                <a16:creationId xmlns:a16="http://schemas.microsoft.com/office/drawing/2014/main" id="{3E22AE92-3E15-4332-B97F-12B1822002A5}"/>
+              </a:ext>
+            </a:extLst>
+          </p:cNvPr>
+          <p:cNvSpPr txBox="1"/>
+          <p:nvPr/>
+        </p:nvSpPr>
+        <p:spPr>
+          <a:xfrm>
+            <a:off x="3842538" y="3566615"/>
+            <a:ext cx="296876" cy="215444"/>
+          </a:xfrm>
+          <a:prstGeom prst="rect">
+            <a:avLst/>
+          </a:prstGeom>
+          <a:noFill/>
+        </p:spPr>
+        <p:txBody>
+          <a:bodyPr wrap="none" rtlCol="0">
+            <a:spAutoFit/>
+          </a:bodyPr>
+          <a:lstStyle/>
+          <a:p>
+            <a:r>
+              <a:rPr lang="en-US" altLang="ko-KR" sz="800" dirty="0"/>
+              <a:t>62</a:t>
+            </a:r>
+            <a:endParaRPr lang="ko-KR" altLang="en-US" sz="800" dirty="0"/>
+          </a:p>
+        </p:txBody>
+      </p:sp>
+      <p:sp>
+        <p:nvSpPr>
+          <p:cNvPr id="77" name="TextBox 76">
+            <a:extLst>
+              <a:ext uri="{FF2B5EF4-FFF2-40B4-BE49-F238E27FC236}">
+                <a16:creationId xmlns:a16="http://schemas.microsoft.com/office/drawing/2014/main" id="{184342CA-2870-474E-8CBA-005D7863B1A9}"/>
+              </a:ext>
+            </a:extLst>
+          </p:cNvPr>
+          <p:cNvSpPr txBox="1"/>
+          <p:nvPr/>
+        </p:nvSpPr>
+        <p:spPr>
+          <a:xfrm>
+            <a:off x="5680474" y="4582799"/>
+            <a:ext cx="431528" cy="215444"/>
+          </a:xfrm>
+          <a:prstGeom prst="rect">
+            <a:avLst/>
+          </a:prstGeom>
+          <a:noFill/>
+        </p:spPr>
+        <p:txBody>
+          <a:bodyPr wrap="none" rtlCol="0">
+            <a:spAutoFit/>
+          </a:bodyPr>
+          <a:lstStyle/>
+          <a:p>
+            <a:r>
+              <a:rPr lang="en-US" altLang="ko-KR" sz="800"/>
+              <a:t>12:00</a:t>
+            </a:r>
+            <a:endParaRPr lang="ko-KR" altLang="en-US" sz="800" dirty="0"/>
+          </a:p>
+        </p:txBody>
+      </p:sp>
+      <p:sp>
+        <p:nvSpPr>
+          <p:cNvPr id="78" name="TextBox 77">
+            <a:extLst>
+              <a:ext uri="{FF2B5EF4-FFF2-40B4-BE49-F238E27FC236}">
+                <a16:creationId xmlns:a16="http://schemas.microsoft.com/office/drawing/2014/main" id="{8DB9E2DE-A7DE-4F9D-B88E-4C5E7190E5B2}"/>
+              </a:ext>
+            </a:extLst>
+          </p:cNvPr>
+          <p:cNvSpPr txBox="1"/>
+          <p:nvPr/>
+        </p:nvSpPr>
+        <p:spPr>
+          <a:xfrm>
+            <a:off x="4894670" y="4582799"/>
+            <a:ext cx="431528" cy="215444"/>
+          </a:xfrm>
+          <a:prstGeom prst="rect">
+            <a:avLst/>
+          </a:prstGeom>
+          <a:noFill/>
+        </p:spPr>
+        <p:txBody>
+          <a:bodyPr wrap="none" rtlCol="0">
+            <a:spAutoFit/>
+          </a:bodyPr>
+          <a:lstStyle/>
+          <a:p>
+            <a:r>
+              <a:rPr lang="en-US" altLang="ko-KR" sz="800" dirty="0"/>
+              <a:t>06:00</a:t>
+            </a:r>
+            <a:endParaRPr lang="ko-KR" altLang="en-US" sz="800" dirty="0"/>
+          </a:p>
+        </p:txBody>
+      </p:sp>
+      <p:sp>
+        <p:nvSpPr>
+          <p:cNvPr id="80" name="TextBox 79">
+            <a:extLst>
+              <a:ext uri="{FF2B5EF4-FFF2-40B4-BE49-F238E27FC236}">
+                <a16:creationId xmlns:a16="http://schemas.microsoft.com/office/drawing/2014/main" id="{41631BA6-C7D3-4D31-959E-978F2594D134}"/>
+              </a:ext>
+            </a:extLst>
+          </p:cNvPr>
+          <p:cNvSpPr txBox="1"/>
+          <p:nvPr/>
+        </p:nvSpPr>
+        <p:spPr>
+          <a:xfrm>
+            <a:off x="6466278" y="4582799"/>
+            <a:ext cx="431528" cy="215444"/>
+          </a:xfrm>
+          <a:prstGeom prst="rect">
+            <a:avLst/>
+          </a:prstGeom>
+          <a:noFill/>
+        </p:spPr>
+        <p:txBody>
+          <a:bodyPr wrap="none" rtlCol="0">
+            <a:spAutoFit/>
+          </a:bodyPr>
+          <a:lstStyle/>
+          <a:p>
+            <a:r>
+              <a:rPr lang="en-US" altLang="ko-KR" sz="800"/>
+              <a:t>18:00</a:t>
+            </a:r>
+            <a:endParaRPr lang="ko-KR" altLang="en-US" sz="800" dirty="0"/>
+          </a:p>
+        </p:txBody>
+      </p:sp>
+      <p:sp>
+        <p:nvSpPr>
+          <p:cNvPr id="81" name="타원 80">
+            <a:extLst>
+              <a:ext uri="{FF2B5EF4-FFF2-40B4-BE49-F238E27FC236}">
+                <a16:creationId xmlns:a16="http://schemas.microsoft.com/office/drawing/2014/main" id="{C415F0B0-ACF1-4420-B6B4-3A73403FB424}"/>
+              </a:ext>
+            </a:extLst>
+          </p:cNvPr>
+          <p:cNvSpPr/>
+          <p:nvPr/>
+        </p:nvSpPr>
+        <p:spPr>
+          <a:xfrm>
+            <a:off x="6179820" y="3016080"/>
+            <a:ext cx="179070" cy="179070"/>
+          </a:xfrm>
+          <a:prstGeom prst="ellipse">
+            <a:avLst/>
+          </a:prstGeom>
+          <a:noFill/>
+          <a:ln>
+            <a:solidFill>
+              <a:srgbClr val="FF0000"/>
+            </a:solidFill>
+          </a:ln>
+        </p:spPr>
+        <p:style>
+          <a:lnRef idx="2">
+            <a:schemeClr val="accent1">
+              <a:shade val="50000"/>
+            </a:schemeClr>
+          </a:lnRef>
+          <a:fillRef idx="1">
+            <a:schemeClr val="accent1"/>
+          </a:fillRef>
+          <a:effectRef idx="0">
+            <a:schemeClr val="accent1"/>
+          </a:effectRef>
+          <a:fontRef idx="minor">
+            <a:schemeClr val="lt1"/>
+          </a:fontRef>
+        </p:style>
+        <p:txBody>
+          <a:bodyPr rtlCol="0" anchor="ctr"/>
+          <a:lstStyle/>
+          <a:p>
+            <a:pPr algn="ctr"/>
+            <a:endParaRPr lang="ko-KR" altLang="en-US"/>
+          </a:p>
+        </p:txBody>
+      </p:sp>
+      <p:sp>
+        <p:nvSpPr>
+          <p:cNvPr id="82" name="타원 81">
+            <a:extLst>
+              <a:ext uri="{FF2B5EF4-FFF2-40B4-BE49-F238E27FC236}">
+                <a16:creationId xmlns:a16="http://schemas.microsoft.com/office/drawing/2014/main" id="{995F7864-01AC-4629-858E-834CF9FDAE9C}"/>
+              </a:ext>
+            </a:extLst>
+          </p:cNvPr>
+          <p:cNvSpPr/>
+          <p:nvPr/>
+        </p:nvSpPr>
+        <p:spPr>
+          <a:xfrm>
+            <a:off x="6542731" y="3065028"/>
+            <a:ext cx="179070" cy="179070"/>
+          </a:xfrm>
+          <a:prstGeom prst="ellipse">
+            <a:avLst/>
+          </a:prstGeom>
+          <a:noFill/>
+          <a:ln>
+            <a:solidFill>
+              <a:srgbClr val="FF0000"/>
+            </a:solidFill>
+          </a:ln>
+        </p:spPr>
+        <p:style>
+          <a:lnRef idx="2">
+            <a:schemeClr val="accent1">
+              <a:shade val="50000"/>
+            </a:schemeClr>
+          </a:lnRef>
+          <a:fillRef idx="1">
+            <a:schemeClr val="accent1"/>
+          </a:fillRef>
+          <a:effectRef idx="0">
+            <a:schemeClr val="accent1"/>
+          </a:effectRef>
+          <a:fontRef idx="minor">
+            <a:schemeClr val="lt1"/>
+          </a:fontRef>
+        </p:style>
+        <p:txBody>
+          <a:bodyPr rtlCol="0" anchor="ctr"/>
+          <a:lstStyle/>
+          <a:p>
+            <a:pPr algn="ctr"/>
+            <a:endParaRPr lang="ko-KR" altLang="en-US"/>
+          </a:p>
+        </p:txBody>
+      </p:sp>
+      <p:sp>
+        <p:nvSpPr>
+          <p:cNvPr id="20" name="직사각형 19">
+            <a:extLst>
+              <a:ext uri="{FF2B5EF4-FFF2-40B4-BE49-F238E27FC236}">
+                <a16:creationId xmlns:a16="http://schemas.microsoft.com/office/drawing/2014/main" id="{6B21B0C4-A76C-4242-BB88-4034DADAB54F}"/>
+              </a:ext>
+            </a:extLst>
+          </p:cNvPr>
+          <p:cNvSpPr/>
+          <p:nvPr/>
+        </p:nvSpPr>
+        <p:spPr>
+          <a:xfrm>
+            <a:off x="5753404" y="3463291"/>
+            <a:ext cx="296876" cy="518159"/>
+          </a:xfrm>
+          <a:prstGeom prst="rect">
+            <a:avLst/>
+          </a:prstGeom>
+          <a:solidFill>
+            <a:schemeClr val="bg1"/>
+          </a:solidFill>
+          <a:ln>
+            <a:noFill/>
+          </a:ln>
+        </p:spPr>
+        <p:style>
+          <a:lnRef idx="2">
+            <a:schemeClr val="accent1">
+              <a:shade val="50000"/>
+            </a:schemeClr>
+          </a:lnRef>
+          <a:fillRef idx="1">
+            <a:schemeClr val="accent1"/>
+          </a:fillRef>
+          <a:effectRef idx="0">
+            <a:schemeClr val="accent1"/>
+          </a:effectRef>
+          <a:fontRef idx="minor">
+            <a:schemeClr val="lt1"/>
+          </a:fontRef>
+        </p:style>
+        <p:txBody>
+          <a:bodyPr rtlCol="0" anchor="ctr"/>
+          <a:lstStyle/>
+          <a:p>
+            <a:pPr algn="ctr"/>
+            <a:endParaRPr lang="ko-KR" altLang="en-US"/>
+          </a:p>
+        </p:txBody>
+      </p:sp>
+      <p:cxnSp>
+        <p:nvCxnSpPr>
+          <p:cNvPr id="75" name="직선 연결선 74">
+            <a:extLst>
+              <a:ext uri="{FF2B5EF4-FFF2-40B4-BE49-F238E27FC236}">
+                <a16:creationId xmlns:a16="http://schemas.microsoft.com/office/drawing/2014/main" id="{5DAF30C7-13CF-477C-BAC4-CA6D8957DADB}"/>
+              </a:ext>
+            </a:extLst>
+          </p:cNvPr>
+          <p:cNvCxnSpPr>
+            <a:cxnSpLocks/>
+          </p:cNvCxnSpPr>
+          <p:nvPr/>
+        </p:nvCxnSpPr>
+        <p:spPr>
+          <a:xfrm>
+            <a:off x="4128940" y="3687028"/>
+            <a:ext cx="3525625" cy="0"/>
+          </a:xfrm>
+          <a:prstGeom prst="line">
+            <a:avLst/>
+          </a:prstGeom>
+          <a:ln>
+            <a:solidFill>
+              <a:srgbClr val="92D050"/>
+            </a:solidFill>
+          </a:ln>
+        </p:spPr>
+        <p:style>
+          <a:lnRef idx="1">
+            <a:schemeClr val="accent1"/>
+          </a:lnRef>
+          <a:fillRef idx="0">
+            <a:schemeClr val="accent1"/>
+          </a:fillRef>
+          <a:effectRef idx="0">
+            <a:schemeClr val="accent1"/>
+          </a:effectRef>
+          <a:fontRef idx="minor">
+            <a:schemeClr val="tx1"/>
+          </a:fontRef>
+        </p:style>
+      </p:cxnSp>
+      <p:sp>
+        <p:nvSpPr>
+          <p:cNvPr id="21" name="자유형: 도형 20">
+            <a:extLst>
+              <a:ext uri="{FF2B5EF4-FFF2-40B4-BE49-F238E27FC236}">
+                <a16:creationId xmlns:a16="http://schemas.microsoft.com/office/drawing/2014/main" id="{BC8D2F5B-E3D7-4EB2-B9E4-7E6C19D268E6}"/>
+              </a:ext>
+            </a:extLst>
+          </p:cNvPr>
+          <p:cNvSpPr/>
+          <p:nvPr/>
+        </p:nvSpPr>
+        <p:spPr>
+          <a:xfrm>
+            <a:off x="5749290" y="3501390"/>
+            <a:ext cx="316230" cy="64770"/>
+          </a:xfrm>
+          <a:custGeom>
+            <a:avLst/>
+            <a:gdLst>
+              <a:gd name="connsiteX0" fmla="*/ 0 w 316230"/>
+              <a:gd name="connsiteY0" fmla="*/ 22860 h 64770"/>
+              <a:gd name="connsiteX1" fmla="*/ 72390 w 316230"/>
+              <a:gd name="connsiteY1" fmla="*/ 0 h 64770"/>
+              <a:gd name="connsiteX2" fmla="*/ 140970 w 316230"/>
+              <a:gd name="connsiteY2" fmla="*/ 64770 h 64770"/>
+              <a:gd name="connsiteX3" fmla="*/ 213360 w 316230"/>
+              <a:gd name="connsiteY3" fmla="*/ 19050 h 64770"/>
+              <a:gd name="connsiteX4" fmla="*/ 316230 w 316230"/>
+              <a:gd name="connsiteY4" fmla="*/ 7620 h 64770"/>
+            </a:gdLst>
+            <a:ahLst/>
+            <a:cxnLst>
+              <a:cxn ang="0">
+                <a:pos x="connsiteX0" y="connsiteY0"/>
+              </a:cxn>
+              <a:cxn ang="0">
+                <a:pos x="connsiteX1" y="connsiteY1"/>
+              </a:cxn>
+              <a:cxn ang="0">
+                <a:pos x="connsiteX2" y="connsiteY2"/>
+              </a:cxn>
+              <a:cxn ang="0">
+                <a:pos x="connsiteX3" y="connsiteY3"/>
+              </a:cxn>
+              <a:cxn ang="0">
+                <a:pos x="connsiteX4" y="connsiteY4"/>
+              </a:cxn>
+            </a:cxnLst>
+            <a:rect l="l" t="t" r="r" b="b"/>
+            <a:pathLst>
+              <a:path w="316230" h="64770">
+                <a:moveTo>
+                  <a:pt x="0" y="22860"/>
+                </a:moveTo>
+                <a:lnTo>
+                  <a:pt x="72390" y="0"/>
+                </a:lnTo>
+                <a:lnTo>
+                  <a:pt x="140970" y="64770"/>
+                </a:lnTo>
+                <a:lnTo>
+                  <a:pt x="213360" y="19050"/>
+                </a:lnTo>
+                <a:lnTo>
+                  <a:pt x="316230" y="7620"/>
+                </a:lnTo>
+              </a:path>
+            </a:pathLst>
+          </a:custGeom>
+          <a:noFill/>
+        </p:spPr>
+        <p:style>
+          <a:lnRef idx="2">
+            <a:schemeClr val="accent1">
+              <a:shade val="50000"/>
+            </a:schemeClr>
+          </a:lnRef>
+          <a:fillRef idx="1">
+            <a:schemeClr val="accent1"/>
+          </a:fillRef>
+          <a:effectRef idx="0">
+            <a:schemeClr val="accent1"/>
+          </a:effectRef>
+          <a:fontRef idx="minor">
+            <a:schemeClr val="lt1"/>
+          </a:fontRef>
+        </p:style>
+        <p:txBody>
+          <a:bodyPr rtlCol="0" anchor="ctr"/>
+          <a:lstStyle/>
+          <a:p>
+            <a:pPr algn="ctr"/>
+            <a:endParaRPr lang="ko-KR" altLang="en-US"/>
+          </a:p>
+        </p:txBody>
+      </p:sp>
+      <p:sp>
+        <p:nvSpPr>
+          <p:cNvPr id="22" name="TextBox 21">
+            <a:extLst>
+              <a:ext uri="{FF2B5EF4-FFF2-40B4-BE49-F238E27FC236}">
+                <a16:creationId xmlns:a16="http://schemas.microsoft.com/office/drawing/2014/main" id="{84376E8E-38BC-46CB-8C1C-1BBF00F6BC4C}"/>
+              </a:ext>
+            </a:extLst>
+          </p:cNvPr>
+          <p:cNvSpPr txBox="1"/>
+          <p:nvPr/>
+        </p:nvSpPr>
+        <p:spPr>
+          <a:xfrm>
+            <a:off x="4551041" y="4967796"/>
+            <a:ext cx="2707793" cy="369332"/>
+          </a:xfrm>
+          <a:prstGeom prst="rect">
+            <a:avLst/>
+          </a:prstGeom>
+          <a:noFill/>
+        </p:spPr>
+        <p:txBody>
+          <a:bodyPr wrap="none" rtlCol="0">
+            <a:spAutoFit/>
+          </a:bodyPr>
+          <a:lstStyle/>
+          <a:p>
+            <a:r>
+              <a:rPr lang="ko-KR" altLang="en-US" dirty="0" err="1"/>
+              <a:t>빈맥이</a:t>
+            </a:r>
+            <a:r>
+              <a:rPr lang="ko-KR" altLang="en-US" dirty="0"/>
+              <a:t> 자주 관찰됩니다</a:t>
+            </a:r>
+            <a:r>
+              <a:rPr lang="en-US" altLang="ko-KR" dirty="0"/>
+              <a:t>.</a:t>
+            </a:r>
+            <a:endParaRPr lang="ko-KR" altLang="en-US" dirty="0"/>
+          </a:p>
+        </p:txBody>
+      </p:sp>
+    </p:spTree>
+    <p:extLst>
+      <p:ext uri="{BB962C8B-B14F-4D97-AF65-F5344CB8AC3E}">
+        <p14:creationId xmlns:p14="http://schemas.microsoft.com/office/powerpoint/2010/main" val="4011090268"/>
+      </p:ext>
+    </p:extLst>
+  </p:cSld>
+  <p:clrMapOvr>
+    <a:masterClrMapping/>
+  </p:clrMapOvr>
+</p:sld>
+</file>
+
+<file path=ppt/slides/slide45.xml><?xml version="1.0" encoding="utf-8"?>
+<p:sld xmlns:a="http://schemas.openxmlformats.org/drawingml/2006/main" xmlns:r="http://schemas.openxmlformats.org/officeDocument/2006/relationships" xmlns:p="http://schemas.openxmlformats.org/presentationml/2006/main" show="0">
+  <p:cSld>
+    <p:spTree>
+      <p:nvGrpSpPr>
+        <p:cNvPr id="1" name=""/>
+        <p:cNvGrpSpPr/>
+        <p:nvPr/>
+      </p:nvGrpSpPr>
+      <p:grpSpPr>
+        <a:xfrm>
+          <a:off x="0" y="0"/>
+          <a:ext cx="0" cy="0"/>
+          <a:chOff x="0" y="0"/>
+          <a:chExt cx="0" cy="0"/>
+        </a:xfrm>
+      </p:grpSpPr>
+      <p:sp>
+        <p:nvSpPr>
+          <p:cNvPr id="10" name="직사각형 9">
+            <a:extLst>
+              <a:ext uri="{FF2B5EF4-FFF2-40B4-BE49-F238E27FC236}">
+                <a16:creationId xmlns:a16="http://schemas.microsoft.com/office/drawing/2014/main" id="{C6F127F9-FA91-4207-BBEE-9A0B4F8279B8}"/>
+              </a:ext>
+            </a:extLst>
+          </p:cNvPr>
+          <p:cNvSpPr/>
+          <p:nvPr/>
+        </p:nvSpPr>
+        <p:spPr>
+          <a:xfrm>
+            <a:off x="282805" y="698327"/>
+            <a:ext cx="4044099" cy="5853303"/>
+          </a:xfrm>
+          <a:prstGeom prst="rect">
+            <a:avLst/>
+          </a:prstGeom>
+          <a:noFill/>
+          <a:ln>
+            <a:solidFill>
+              <a:schemeClr val="tx1"/>
+            </a:solidFill>
+          </a:ln>
+        </p:spPr>
+        <p:style>
+          <a:lnRef idx="2">
+            <a:schemeClr val="accent1">
+              <a:shade val="50000"/>
+            </a:schemeClr>
+          </a:lnRef>
+          <a:fillRef idx="1">
+            <a:schemeClr val="accent1"/>
+          </a:fillRef>
+          <a:effectRef idx="0">
+            <a:schemeClr val="accent1"/>
+          </a:effectRef>
+          <a:fontRef idx="minor">
+            <a:schemeClr val="lt1"/>
+          </a:fontRef>
+        </p:style>
+        <p:txBody>
+          <a:bodyPr rtlCol="0" anchor="ctr"/>
+          <a:lstStyle/>
+          <a:p>
+            <a:pPr algn="ctr"/>
+            <a:endParaRPr lang="ko-KR" altLang="en-US"/>
+          </a:p>
+        </p:txBody>
+      </p:sp>
+      <p:sp>
+        <p:nvSpPr>
+          <p:cNvPr id="11" name="직사각형 10">
+            <a:extLst>
+              <a:ext uri="{FF2B5EF4-FFF2-40B4-BE49-F238E27FC236}">
+                <a16:creationId xmlns:a16="http://schemas.microsoft.com/office/drawing/2014/main" id="{7A088D13-1815-4192-A9BF-BFC8FAB421FD}"/>
+              </a:ext>
+            </a:extLst>
+          </p:cNvPr>
+          <p:cNvSpPr/>
+          <p:nvPr/>
+        </p:nvSpPr>
+        <p:spPr>
+          <a:xfrm>
+            <a:off x="556181" y="2083324"/>
+            <a:ext cx="3525625" cy="2441542"/>
+          </a:xfrm>
+          <a:prstGeom prst="rect">
+            <a:avLst/>
+          </a:prstGeom>
+          <a:noFill/>
+          <a:ln>
+            <a:solidFill>
+              <a:schemeClr val="tx1"/>
+            </a:solidFill>
+          </a:ln>
+        </p:spPr>
+        <p:style>
+          <a:lnRef idx="2">
+            <a:schemeClr val="accent1">
+              <a:shade val="50000"/>
+            </a:schemeClr>
+          </a:lnRef>
+          <a:fillRef idx="1">
+            <a:schemeClr val="accent1"/>
+          </a:fillRef>
+          <a:effectRef idx="0">
+            <a:schemeClr val="accent1"/>
+          </a:effectRef>
+          <a:fontRef idx="minor">
+            <a:schemeClr val="lt1"/>
+          </a:fontRef>
+        </p:style>
+        <p:txBody>
+          <a:bodyPr rtlCol="0" anchor="ctr"/>
+          <a:lstStyle/>
+          <a:p>
+            <a:pPr algn="ctr"/>
+            <a:endParaRPr lang="ko-KR" altLang="en-US"/>
+          </a:p>
+        </p:txBody>
+      </p:sp>
+      <p:cxnSp>
+        <p:nvCxnSpPr>
+          <p:cNvPr id="13" name="직선 연결선 12">
+            <a:extLst>
+              <a:ext uri="{FF2B5EF4-FFF2-40B4-BE49-F238E27FC236}">
+                <a16:creationId xmlns:a16="http://schemas.microsoft.com/office/drawing/2014/main" id="{2223B42A-9D65-47A9-A7CB-846C3190D9A0}"/>
+              </a:ext>
+            </a:extLst>
+          </p:cNvPr>
+          <p:cNvCxnSpPr>
+            <a:cxnSpLocks/>
+          </p:cNvCxnSpPr>
+          <p:nvPr/>
+        </p:nvCxnSpPr>
+        <p:spPr>
+          <a:xfrm>
+            <a:off x="556181" y="4398975"/>
+            <a:ext cx="3525625" cy="0"/>
+          </a:xfrm>
+          <a:prstGeom prst="line">
+            <a:avLst/>
+          </a:prstGeom>
+        </p:spPr>
+        <p:style>
+          <a:lnRef idx="1">
+            <a:schemeClr val="accent1"/>
+          </a:lnRef>
+          <a:fillRef idx="0">
+            <a:schemeClr val="accent1"/>
+          </a:fillRef>
+          <a:effectRef idx="0">
+            <a:schemeClr val="accent1"/>
+          </a:effectRef>
+          <a:fontRef idx="minor">
+            <a:schemeClr val="tx1"/>
+          </a:fontRef>
+        </p:style>
+      </p:cxnSp>
+      <p:sp>
+        <p:nvSpPr>
+          <p:cNvPr id="15" name="TextBox 14">
+            <a:extLst>
+              <a:ext uri="{FF2B5EF4-FFF2-40B4-BE49-F238E27FC236}">
+                <a16:creationId xmlns:a16="http://schemas.microsoft.com/office/drawing/2014/main" id="{705F2E3A-901F-4E85-BCF1-E4D83CE73CB8}"/>
+              </a:ext>
+            </a:extLst>
+          </p:cNvPr>
+          <p:cNvSpPr txBox="1"/>
+          <p:nvPr/>
+        </p:nvSpPr>
+        <p:spPr>
+          <a:xfrm>
+            <a:off x="260599" y="4582799"/>
+            <a:ext cx="389850" cy="215444"/>
+          </a:xfrm>
+          <a:prstGeom prst="rect">
+            <a:avLst/>
+          </a:prstGeom>
+          <a:noFill/>
+        </p:spPr>
+        <p:txBody>
+          <a:bodyPr wrap="none" rtlCol="0">
+            <a:spAutoFit/>
+          </a:bodyPr>
+          <a:lstStyle/>
+          <a:p>
+            <a:r>
+              <a:rPr lang="ko-KR" altLang="en-US" sz="800"/>
+              <a:t>시간</a:t>
+            </a:r>
+          </a:p>
+        </p:txBody>
+      </p:sp>
+      <p:sp>
+        <p:nvSpPr>
+          <p:cNvPr id="69" name="TextBox 68">
+            <a:extLst>
+              <a:ext uri="{FF2B5EF4-FFF2-40B4-BE49-F238E27FC236}">
+                <a16:creationId xmlns:a16="http://schemas.microsoft.com/office/drawing/2014/main" id="{70F4D6E2-9FF9-47A9-BF87-1626A4EA28CF}"/>
+              </a:ext>
+            </a:extLst>
+          </p:cNvPr>
+          <p:cNvSpPr txBox="1"/>
+          <p:nvPr/>
+        </p:nvSpPr>
+        <p:spPr>
+          <a:xfrm>
+            <a:off x="556181" y="4582799"/>
+            <a:ext cx="431528" cy="215444"/>
+          </a:xfrm>
+          <a:prstGeom prst="rect">
+            <a:avLst/>
+          </a:prstGeom>
+          <a:noFill/>
+        </p:spPr>
+        <p:txBody>
+          <a:bodyPr wrap="none" rtlCol="0">
+            <a:spAutoFit/>
+          </a:bodyPr>
+          <a:lstStyle/>
+          <a:p>
+            <a:r>
+              <a:rPr lang="en-US" altLang="ko-KR" sz="800"/>
+              <a:t>00:00</a:t>
+            </a:r>
+            <a:endParaRPr lang="ko-KR" altLang="en-US" sz="800" dirty="0"/>
+          </a:p>
+        </p:txBody>
+      </p:sp>
+      <p:sp>
+        <p:nvSpPr>
+          <p:cNvPr id="70" name="TextBox 69">
+            <a:extLst>
+              <a:ext uri="{FF2B5EF4-FFF2-40B4-BE49-F238E27FC236}">
+                <a16:creationId xmlns:a16="http://schemas.microsoft.com/office/drawing/2014/main" id="{565EE51F-F3C9-463D-B397-574FA4ED3172}"/>
+              </a:ext>
+            </a:extLst>
+          </p:cNvPr>
+          <p:cNvSpPr txBox="1"/>
+          <p:nvPr/>
+        </p:nvSpPr>
+        <p:spPr>
+          <a:xfrm>
+            <a:off x="3688750" y="4582799"/>
+            <a:ext cx="431528" cy="215444"/>
+          </a:xfrm>
+          <a:prstGeom prst="rect">
+            <a:avLst/>
+          </a:prstGeom>
+          <a:noFill/>
+        </p:spPr>
+        <p:txBody>
+          <a:bodyPr wrap="none" rtlCol="0">
+            <a:spAutoFit/>
+          </a:bodyPr>
+          <a:lstStyle/>
+          <a:p>
+            <a:r>
+              <a:rPr lang="en-US" altLang="ko-KR" sz="800" dirty="0"/>
+              <a:t>24:00</a:t>
+            </a:r>
+            <a:endParaRPr lang="ko-KR" altLang="en-US" sz="800" dirty="0"/>
+          </a:p>
+        </p:txBody>
+      </p:sp>
+      <p:sp>
+        <p:nvSpPr>
+          <p:cNvPr id="72" name="TextBox 71">
+            <a:extLst>
+              <a:ext uri="{FF2B5EF4-FFF2-40B4-BE49-F238E27FC236}">
+                <a16:creationId xmlns:a16="http://schemas.microsoft.com/office/drawing/2014/main" id="{1238E405-411B-4CD4-8153-841909FA46E6}"/>
+              </a:ext>
+            </a:extLst>
+          </p:cNvPr>
+          <p:cNvSpPr txBox="1"/>
+          <p:nvPr/>
+        </p:nvSpPr>
+        <p:spPr>
+          <a:xfrm>
+            <a:off x="299106" y="4286227"/>
+            <a:ext cx="240772" cy="215444"/>
+          </a:xfrm>
+          <a:prstGeom prst="rect">
+            <a:avLst/>
+          </a:prstGeom>
+          <a:noFill/>
+        </p:spPr>
+        <p:txBody>
+          <a:bodyPr wrap="none" rtlCol="0">
+            <a:spAutoFit/>
+          </a:bodyPr>
+          <a:lstStyle/>
+          <a:p>
+            <a:r>
+              <a:rPr lang="en-US" altLang="ko-KR" sz="800"/>
+              <a:t>0</a:t>
+            </a:r>
+            <a:endParaRPr lang="ko-KR" altLang="en-US" sz="800" dirty="0"/>
+          </a:p>
+        </p:txBody>
+      </p:sp>
+      <p:sp>
+        <p:nvSpPr>
+          <p:cNvPr id="74" name="TextBox 73">
+            <a:extLst>
+              <a:ext uri="{FF2B5EF4-FFF2-40B4-BE49-F238E27FC236}">
+                <a16:creationId xmlns:a16="http://schemas.microsoft.com/office/drawing/2014/main" id="{70CFC286-E3D2-4BA8-A68A-AAA7AE5060B2}"/>
+              </a:ext>
+            </a:extLst>
+          </p:cNvPr>
+          <p:cNvSpPr txBox="1"/>
+          <p:nvPr/>
+        </p:nvSpPr>
+        <p:spPr>
+          <a:xfrm>
+            <a:off x="260599" y="2073896"/>
+            <a:ext cx="352982" cy="215444"/>
+          </a:xfrm>
+          <a:prstGeom prst="rect">
+            <a:avLst/>
+          </a:prstGeom>
+          <a:noFill/>
+        </p:spPr>
+        <p:txBody>
+          <a:bodyPr wrap="none" rtlCol="0">
+            <a:spAutoFit/>
+          </a:bodyPr>
+          <a:lstStyle/>
+          <a:p>
+            <a:r>
+              <a:rPr lang="en-US" altLang="ko-KR" sz="800"/>
+              <a:t>200</a:t>
+            </a:r>
+            <a:endParaRPr lang="ko-KR" altLang="en-US" sz="800" dirty="0"/>
+          </a:p>
+        </p:txBody>
+      </p:sp>
+      <p:sp>
+        <p:nvSpPr>
+          <p:cNvPr id="17" name="자유형: 도형 16">
+            <a:extLst>
+              <a:ext uri="{FF2B5EF4-FFF2-40B4-BE49-F238E27FC236}">
+                <a16:creationId xmlns:a16="http://schemas.microsoft.com/office/drawing/2014/main" id="{F746C758-F12F-4804-B2B3-18BB4988C93E}"/>
+              </a:ext>
+            </a:extLst>
+          </p:cNvPr>
+          <p:cNvSpPr/>
+          <p:nvPr/>
+        </p:nvSpPr>
+        <p:spPr>
+          <a:xfrm>
+            <a:off x="565608" y="3159128"/>
+            <a:ext cx="3535052" cy="772998"/>
+          </a:xfrm>
+          <a:custGeom>
+            <a:avLst/>
+            <a:gdLst>
+              <a:gd name="connsiteX0" fmla="*/ 0 w 3535052"/>
+              <a:gd name="connsiteY0" fmla="*/ 650450 h 772998"/>
+              <a:gd name="connsiteX1" fmla="*/ 84841 w 3535052"/>
+              <a:gd name="connsiteY1" fmla="*/ 622169 h 772998"/>
+              <a:gd name="connsiteX2" fmla="*/ 169683 w 3535052"/>
+              <a:gd name="connsiteY2" fmla="*/ 697584 h 772998"/>
+              <a:gd name="connsiteX3" fmla="*/ 348792 w 3535052"/>
+              <a:gd name="connsiteY3" fmla="*/ 650450 h 772998"/>
+              <a:gd name="connsiteX4" fmla="*/ 405353 w 3535052"/>
+              <a:gd name="connsiteY4" fmla="*/ 678730 h 772998"/>
+              <a:gd name="connsiteX5" fmla="*/ 452487 w 3535052"/>
+              <a:gd name="connsiteY5" fmla="*/ 593889 h 772998"/>
+              <a:gd name="connsiteX6" fmla="*/ 546755 w 3535052"/>
+              <a:gd name="connsiteY6" fmla="*/ 650450 h 772998"/>
+              <a:gd name="connsiteX7" fmla="*/ 735291 w 3535052"/>
+              <a:gd name="connsiteY7" fmla="*/ 622169 h 772998"/>
+              <a:gd name="connsiteX8" fmla="*/ 838986 w 3535052"/>
+              <a:gd name="connsiteY8" fmla="*/ 669303 h 772998"/>
+              <a:gd name="connsiteX9" fmla="*/ 876693 w 3535052"/>
+              <a:gd name="connsiteY9" fmla="*/ 405353 h 772998"/>
+              <a:gd name="connsiteX10" fmla="*/ 1159497 w 3535052"/>
+              <a:gd name="connsiteY10" fmla="*/ 443060 h 772998"/>
+              <a:gd name="connsiteX11" fmla="*/ 1234912 w 3535052"/>
+              <a:gd name="connsiteY11" fmla="*/ 395926 h 772998"/>
+              <a:gd name="connsiteX12" fmla="*/ 1593130 w 3535052"/>
+              <a:gd name="connsiteY12" fmla="*/ 395926 h 772998"/>
+              <a:gd name="connsiteX13" fmla="*/ 1649691 w 3535052"/>
+              <a:gd name="connsiteY13" fmla="*/ 339365 h 772998"/>
+              <a:gd name="connsiteX14" fmla="*/ 1725105 w 3535052"/>
+              <a:gd name="connsiteY14" fmla="*/ 772998 h 772998"/>
+              <a:gd name="connsiteX15" fmla="*/ 1772239 w 3535052"/>
+              <a:gd name="connsiteY15" fmla="*/ 754144 h 772998"/>
+              <a:gd name="connsiteX16" fmla="*/ 1809947 w 3535052"/>
+              <a:gd name="connsiteY16" fmla="*/ 377072 h 772998"/>
+              <a:gd name="connsiteX17" fmla="*/ 1951349 w 3535052"/>
+              <a:gd name="connsiteY17" fmla="*/ 348792 h 772998"/>
+              <a:gd name="connsiteX18" fmla="*/ 1989056 w 3535052"/>
+              <a:gd name="connsiteY18" fmla="*/ 414779 h 772998"/>
+              <a:gd name="connsiteX19" fmla="*/ 2111604 w 3535052"/>
+              <a:gd name="connsiteY19" fmla="*/ 339365 h 772998"/>
+              <a:gd name="connsiteX20" fmla="*/ 2139885 w 3535052"/>
+              <a:gd name="connsiteY20" fmla="*/ 0 h 772998"/>
+              <a:gd name="connsiteX21" fmla="*/ 2139885 w 3535052"/>
+              <a:gd name="connsiteY21" fmla="*/ 292231 h 772998"/>
+              <a:gd name="connsiteX22" fmla="*/ 2215299 w 3535052"/>
+              <a:gd name="connsiteY22" fmla="*/ 339365 h 772998"/>
+              <a:gd name="connsiteX23" fmla="*/ 2281287 w 3535052"/>
+              <a:gd name="connsiteY23" fmla="*/ 254524 h 772998"/>
+              <a:gd name="connsiteX24" fmla="*/ 2356701 w 3535052"/>
+              <a:gd name="connsiteY24" fmla="*/ 292231 h 772998"/>
+              <a:gd name="connsiteX25" fmla="*/ 2469823 w 3535052"/>
+              <a:gd name="connsiteY25" fmla="*/ 282804 h 772998"/>
+              <a:gd name="connsiteX26" fmla="*/ 2488676 w 3535052"/>
+              <a:gd name="connsiteY26" fmla="*/ 37707 h 772998"/>
+              <a:gd name="connsiteX27" fmla="*/ 2507530 w 3535052"/>
+              <a:gd name="connsiteY27" fmla="*/ 263951 h 772998"/>
+              <a:gd name="connsiteX28" fmla="*/ 2564091 w 3535052"/>
+              <a:gd name="connsiteY28" fmla="*/ 263951 h 772998"/>
+              <a:gd name="connsiteX29" fmla="*/ 2648932 w 3535052"/>
+              <a:gd name="connsiteY29" fmla="*/ 339365 h 772998"/>
+              <a:gd name="connsiteX30" fmla="*/ 2724347 w 3535052"/>
+              <a:gd name="connsiteY30" fmla="*/ 263951 h 772998"/>
+              <a:gd name="connsiteX31" fmla="*/ 2790334 w 3535052"/>
+              <a:gd name="connsiteY31" fmla="*/ 292231 h 772998"/>
+              <a:gd name="connsiteX32" fmla="*/ 2922309 w 3535052"/>
+              <a:gd name="connsiteY32" fmla="*/ 282804 h 772998"/>
+              <a:gd name="connsiteX33" fmla="*/ 3082565 w 3535052"/>
+              <a:gd name="connsiteY33" fmla="*/ 386499 h 772998"/>
+              <a:gd name="connsiteX34" fmla="*/ 3139126 w 3535052"/>
+              <a:gd name="connsiteY34" fmla="*/ 669303 h 772998"/>
+              <a:gd name="connsiteX35" fmla="*/ 3233394 w 3535052"/>
+              <a:gd name="connsiteY35" fmla="*/ 631596 h 772998"/>
+              <a:gd name="connsiteX36" fmla="*/ 3299382 w 3535052"/>
+              <a:gd name="connsiteY36" fmla="*/ 659876 h 772998"/>
+              <a:gd name="connsiteX37" fmla="*/ 3403076 w 3535052"/>
+              <a:gd name="connsiteY37" fmla="*/ 631596 h 772998"/>
+              <a:gd name="connsiteX38" fmla="*/ 3459637 w 3535052"/>
+              <a:gd name="connsiteY38" fmla="*/ 678730 h 772998"/>
+              <a:gd name="connsiteX39" fmla="*/ 3516198 w 3535052"/>
+              <a:gd name="connsiteY39" fmla="*/ 650450 h 772998"/>
+              <a:gd name="connsiteX40" fmla="*/ 3535052 w 3535052"/>
+              <a:gd name="connsiteY40" fmla="*/ 641023 h 772998"/>
+            </a:gdLst>
+            <a:ahLst/>
+            <a:cxnLst>
+              <a:cxn ang="0">
+                <a:pos x="connsiteX0" y="connsiteY0"/>
+              </a:cxn>
+              <a:cxn ang="0">
+                <a:pos x="connsiteX1" y="connsiteY1"/>
+              </a:cxn>
+              <a:cxn ang="0">
+                <a:pos x="connsiteX2" y="connsiteY2"/>
+              </a:cxn>
+              <a:cxn ang="0">
+                <a:pos x="connsiteX3" y="connsiteY3"/>
+              </a:cxn>
+              <a:cxn ang="0">
+                <a:pos x="connsiteX4" y="connsiteY4"/>
+              </a:cxn>
+              <a:cxn ang="0">
+                <a:pos x="connsiteX5" y="connsiteY5"/>
+              </a:cxn>
+              <a:cxn ang="0">
+                <a:pos x="connsiteX6" y="connsiteY6"/>
+              </a:cxn>
+              <a:cxn ang="0">
+                <a:pos x="connsiteX7" y="connsiteY7"/>
+              </a:cxn>
+              <a:cxn ang="0">
+                <a:pos x="connsiteX8" y="connsiteY8"/>
+              </a:cxn>
+              <a:cxn ang="0">
+                <a:pos x="connsiteX9" y="connsiteY9"/>
+              </a:cxn>
+              <a:cxn ang="0">
+                <a:pos x="connsiteX10" y="connsiteY10"/>
+              </a:cxn>
+              <a:cxn ang="0">
+                <a:pos x="connsiteX11" y="connsiteY11"/>
+              </a:cxn>
+              <a:cxn ang="0">
+                <a:pos x="connsiteX12" y="connsiteY12"/>
+              </a:cxn>
+              <a:cxn ang="0">
+                <a:pos x="connsiteX13" y="connsiteY13"/>
+              </a:cxn>
+              <a:cxn ang="0">
+                <a:pos x="connsiteX14" y="connsiteY14"/>
+              </a:cxn>
+              <a:cxn ang="0">
+                <a:pos x="connsiteX15" y="connsiteY15"/>
+              </a:cxn>
+              <a:cxn ang="0">
+                <a:pos x="connsiteX16" y="connsiteY16"/>
+              </a:cxn>
+              <a:cxn ang="0">
+                <a:pos x="connsiteX17" y="connsiteY17"/>
+              </a:cxn>
+              <a:cxn ang="0">
+                <a:pos x="connsiteX18" y="connsiteY18"/>
+              </a:cxn>
+              <a:cxn ang="0">
+                <a:pos x="connsiteX19" y="connsiteY19"/>
+              </a:cxn>
+              <a:cxn ang="0">
+                <a:pos x="connsiteX20" y="connsiteY20"/>
+              </a:cxn>
+              <a:cxn ang="0">
+                <a:pos x="connsiteX21" y="connsiteY21"/>
+              </a:cxn>
+              <a:cxn ang="0">
+                <a:pos x="connsiteX22" y="connsiteY22"/>
+              </a:cxn>
+              <a:cxn ang="0">
+                <a:pos x="connsiteX23" y="connsiteY23"/>
+              </a:cxn>
+              <a:cxn ang="0">
+                <a:pos x="connsiteX24" y="connsiteY24"/>
+              </a:cxn>
+              <a:cxn ang="0">
+                <a:pos x="connsiteX25" y="connsiteY25"/>
+              </a:cxn>
+              <a:cxn ang="0">
+                <a:pos x="connsiteX26" y="connsiteY26"/>
+              </a:cxn>
+              <a:cxn ang="0">
+                <a:pos x="connsiteX27" y="connsiteY27"/>
+              </a:cxn>
+              <a:cxn ang="0">
+                <a:pos x="connsiteX28" y="connsiteY28"/>
+              </a:cxn>
+              <a:cxn ang="0">
+                <a:pos x="connsiteX29" y="connsiteY29"/>
+              </a:cxn>
+              <a:cxn ang="0">
+                <a:pos x="connsiteX30" y="connsiteY30"/>
+              </a:cxn>
+              <a:cxn ang="0">
+                <a:pos x="connsiteX31" y="connsiteY31"/>
+              </a:cxn>
+              <a:cxn ang="0">
+                <a:pos x="connsiteX32" y="connsiteY32"/>
+              </a:cxn>
+              <a:cxn ang="0">
+                <a:pos x="connsiteX33" y="connsiteY33"/>
+              </a:cxn>
+              <a:cxn ang="0">
+                <a:pos x="connsiteX34" y="connsiteY34"/>
+              </a:cxn>
+              <a:cxn ang="0">
+                <a:pos x="connsiteX35" y="connsiteY35"/>
+              </a:cxn>
+              <a:cxn ang="0">
+                <a:pos x="connsiteX36" y="connsiteY36"/>
+              </a:cxn>
+              <a:cxn ang="0">
+                <a:pos x="connsiteX37" y="connsiteY37"/>
+              </a:cxn>
+              <a:cxn ang="0">
+                <a:pos x="connsiteX38" y="connsiteY38"/>
+              </a:cxn>
+              <a:cxn ang="0">
+                <a:pos x="connsiteX39" y="connsiteY39"/>
+              </a:cxn>
+              <a:cxn ang="0">
+                <a:pos x="connsiteX40" y="connsiteY40"/>
+              </a:cxn>
+            </a:cxnLst>
+            <a:rect l="l" t="t" r="r" b="b"/>
+            <a:pathLst>
+              <a:path w="3535052" h="772998">
+                <a:moveTo>
+                  <a:pt x="0" y="650450"/>
+                </a:moveTo>
+                <a:lnTo>
+                  <a:pt x="84841" y="622169"/>
+                </a:lnTo>
+                <a:lnTo>
+                  <a:pt x="169683" y="697584"/>
+                </a:lnTo>
+                <a:lnTo>
+                  <a:pt x="348792" y="650450"/>
+                </a:lnTo>
+                <a:lnTo>
+                  <a:pt x="405353" y="678730"/>
+                </a:lnTo>
+                <a:lnTo>
+                  <a:pt x="452487" y="593889"/>
+                </a:lnTo>
+                <a:lnTo>
+                  <a:pt x="546755" y="650450"/>
+                </a:lnTo>
+                <a:lnTo>
+                  <a:pt x="735291" y="622169"/>
+                </a:lnTo>
+                <a:lnTo>
+                  <a:pt x="838986" y="669303"/>
+                </a:lnTo>
+                <a:lnTo>
+                  <a:pt x="876693" y="405353"/>
+                </a:lnTo>
+                <a:lnTo>
+                  <a:pt x="1159497" y="443060"/>
+                </a:lnTo>
+                <a:lnTo>
+                  <a:pt x="1234912" y="395926"/>
+                </a:lnTo>
+                <a:lnTo>
+                  <a:pt x="1593130" y="395926"/>
+                </a:lnTo>
+                <a:lnTo>
+                  <a:pt x="1649691" y="339365"/>
+                </a:lnTo>
+                <a:lnTo>
+                  <a:pt x="1725105" y="772998"/>
+                </a:lnTo>
+                <a:lnTo>
+                  <a:pt x="1772239" y="754144"/>
+                </a:lnTo>
+                <a:lnTo>
+                  <a:pt x="1809947" y="377072"/>
+                </a:lnTo>
+                <a:lnTo>
+                  <a:pt x="1951349" y="348792"/>
+                </a:lnTo>
+                <a:lnTo>
+                  <a:pt x="1989056" y="414779"/>
+                </a:lnTo>
+                <a:lnTo>
+                  <a:pt x="2111604" y="339365"/>
+                </a:lnTo>
+                <a:lnTo>
+                  <a:pt x="2139885" y="0"/>
+                </a:lnTo>
+                <a:lnTo>
+                  <a:pt x="2139885" y="292231"/>
+                </a:lnTo>
+                <a:lnTo>
+                  <a:pt x="2215299" y="339365"/>
+                </a:lnTo>
+                <a:lnTo>
+                  <a:pt x="2281287" y="254524"/>
+                </a:lnTo>
+                <a:lnTo>
+                  <a:pt x="2356701" y="292231"/>
+                </a:lnTo>
+                <a:lnTo>
+                  <a:pt x="2469823" y="282804"/>
+                </a:lnTo>
+                <a:lnTo>
+                  <a:pt x="2488676" y="37707"/>
+                </a:lnTo>
+                <a:lnTo>
+                  <a:pt x="2507530" y="263951"/>
+                </a:lnTo>
+                <a:lnTo>
+                  <a:pt x="2564091" y="263951"/>
+                </a:lnTo>
+                <a:lnTo>
+                  <a:pt x="2648932" y="339365"/>
+                </a:lnTo>
+                <a:lnTo>
+                  <a:pt x="2724347" y="263951"/>
+                </a:lnTo>
+                <a:lnTo>
+                  <a:pt x="2790334" y="292231"/>
+                </a:lnTo>
+                <a:lnTo>
+                  <a:pt x="2922309" y="282804"/>
+                </a:lnTo>
+                <a:lnTo>
+                  <a:pt x="3082565" y="386499"/>
+                </a:lnTo>
+                <a:lnTo>
+                  <a:pt x="3139126" y="669303"/>
+                </a:lnTo>
+                <a:lnTo>
+                  <a:pt x="3233394" y="631596"/>
+                </a:lnTo>
+                <a:lnTo>
+                  <a:pt x="3299382" y="659876"/>
+                </a:lnTo>
+                <a:lnTo>
+                  <a:pt x="3403076" y="631596"/>
+                </a:lnTo>
+                <a:lnTo>
+                  <a:pt x="3459637" y="678730"/>
+                </a:lnTo>
+                <a:lnTo>
+                  <a:pt x="3516198" y="650450"/>
+                </a:lnTo>
+                <a:lnTo>
+                  <a:pt x="3535052" y="641023"/>
+                </a:lnTo>
+              </a:path>
+            </a:pathLst>
+          </a:custGeom>
+          <a:noFill/>
+        </p:spPr>
+        <p:style>
+          <a:lnRef idx="2">
+            <a:schemeClr val="accent1">
+              <a:shade val="50000"/>
+            </a:schemeClr>
+          </a:lnRef>
+          <a:fillRef idx="1">
+            <a:schemeClr val="accent1"/>
+          </a:fillRef>
+          <a:effectRef idx="0">
+            <a:schemeClr val="accent1"/>
+          </a:effectRef>
+          <a:fontRef idx="minor">
+            <a:schemeClr val="lt1"/>
+          </a:fontRef>
+        </p:style>
+        <p:txBody>
+          <a:bodyPr rtlCol="0" anchor="ctr"/>
+          <a:lstStyle/>
+          <a:p>
+            <a:pPr algn="ctr"/>
+            <a:endParaRPr lang="ko-KR" altLang="en-US"/>
+          </a:p>
+        </p:txBody>
+      </p:sp>
+      <p:sp>
+        <p:nvSpPr>
+          <p:cNvPr id="76" name="TextBox 75">
+            <a:extLst>
+              <a:ext uri="{FF2B5EF4-FFF2-40B4-BE49-F238E27FC236}">
+                <a16:creationId xmlns:a16="http://schemas.microsoft.com/office/drawing/2014/main" id="{3E22AE92-3E15-4332-B97F-12B1822002A5}"/>
+              </a:ext>
+            </a:extLst>
+          </p:cNvPr>
+          <p:cNvSpPr txBox="1"/>
+          <p:nvPr/>
+        </p:nvSpPr>
+        <p:spPr>
+          <a:xfrm>
+            <a:off x="279206" y="3566615"/>
+            <a:ext cx="296876" cy="215444"/>
+          </a:xfrm>
+          <a:prstGeom prst="rect">
+            <a:avLst/>
+          </a:prstGeom>
+          <a:noFill/>
+        </p:spPr>
+        <p:txBody>
+          <a:bodyPr wrap="none" rtlCol="0">
+            <a:spAutoFit/>
+          </a:bodyPr>
+          <a:lstStyle/>
+          <a:p>
+            <a:r>
+              <a:rPr lang="en-US" altLang="ko-KR" sz="800" dirty="0"/>
+              <a:t>62</a:t>
+            </a:r>
+            <a:endParaRPr lang="ko-KR" altLang="en-US" sz="800" dirty="0"/>
+          </a:p>
+        </p:txBody>
+      </p:sp>
+      <p:sp>
+        <p:nvSpPr>
+          <p:cNvPr id="77" name="TextBox 76">
+            <a:extLst>
+              <a:ext uri="{FF2B5EF4-FFF2-40B4-BE49-F238E27FC236}">
+                <a16:creationId xmlns:a16="http://schemas.microsoft.com/office/drawing/2014/main" id="{184342CA-2870-474E-8CBA-005D7863B1A9}"/>
+              </a:ext>
+            </a:extLst>
+          </p:cNvPr>
+          <p:cNvSpPr txBox="1"/>
+          <p:nvPr/>
+        </p:nvSpPr>
+        <p:spPr>
+          <a:xfrm>
+            <a:off x="2117142" y="4582799"/>
+            <a:ext cx="431528" cy="215444"/>
+          </a:xfrm>
+          <a:prstGeom prst="rect">
+            <a:avLst/>
+          </a:prstGeom>
+          <a:noFill/>
+        </p:spPr>
+        <p:txBody>
+          <a:bodyPr wrap="none" rtlCol="0">
+            <a:spAutoFit/>
+          </a:bodyPr>
+          <a:lstStyle/>
+          <a:p>
+            <a:r>
+              <a:rPr lang="en-US" altLang="ko-KR" sz="800"/>
+              <a:t>12:00</a:t>
+            </a:r>
+            <a:endParaRPr lang="ko-KR" altLang="en-US" sz="800" dirty="0"/>
+          </a:p>
+        </p:txBody>
+      </p:sp>
+      <p:sp>
+        <p:nvSpPr>
+          <p:cNvPr id="78" name="TextBox 77">
+            <a:extLst>
+              <a:ext uri="{FF2B5EF4-FFF2-40B4-BE49-F238E27FC236}">
+                <a16:creationId xmlns:a16="http://schemas.microsoft.com/office/drawing/2014/main" id="{8DB9E2DE-A7DE-4F9D-B88E-4C5E7190E5B2}"/>
+              </a:ext>
+            </a:extLst>
+          </p:cNvPr>
+          <p:cNvSpPr txBox="1"/>
+          <p:nvPr/>
+        </p:nvSpPr>
+        <p:spPr>
+          <a:xfrm>
+            <a:off x="1331338" y="4582799"/>
+            <a:ext cx="431528" cy="215444"/>
+          </a:xfrm>
+          <a:prstGeom prst="rect">
+            <a:avLst/>
+          </a:prstGeom>
+          <a:noFill/>
+        </p:spPr>
+        <p:txBody>
+          <a:bodyPr wrap="none" rtlCol="0">
+            <a:spAutoFit/>
+          </a:bodyPr>
+          <a:lstStyle/>
+          <a:p>
+            <a:r>
+              <a:rPr lang="en-US" altLang="ko-KR" sz="800" dirty="0"/>
+              <a:t>06:00</a:t>
+            </a:r>
+            <a:endParaRPr lang="ko-KR" altLang="en-US" sz="800" dirty="0"/>
+          </a:p>
+        </p:txBody>
+      </p:sp>
+      <p:sp>
+        <p:nvSpPr>
+          <p:cNvPr id="80" name="TextBox 79">
+            <a:extLst>
+              <a:ext uri="{FF2B5EF4-FFF2-40B4-BE49-F238E27FC236}">
+                <a16:creationId xmlns:a16="http://schemas.microsoft.com/office/drawing/2014/main" id="{41631BA6-C7D3-4D31-959E-978F2594D134}"/>
+              </a:ext>
+            </a:extLst>
+          </p:cNvPr>
+          <p:cNvSpPr txBox="1"/>
+          <p:nvPr/>
+        </p:nvSpPr>
+        <p:spPr>
+          <a:xfrm>
+            <a:off x="2902946" y="4582799"/>
+            <a:ext cx="431528" cy="215444"/>
+          </a:xfrm>
+          <a:prstGeom prst="rect">
+            <a:avLst/>
+          </a:prstGeom>
+          <a:noFill/>
+        </p:spPr>
+        <p:txBody>
+          <a:bodyPr wrap="none" rtlCol="0">
+            <a:spAutoFit/>
+          </a:bodyPr>
+          <a:lstStyle/>
+          <a:p>
+            <a:r>
+              <a:rPr lang="en-US" altLang="ko-KR" sz="800"/>
+              <a:t>18:00</a:t>
+            </a:r>
+            <a:endParaRPr lang="ko-KR" altLang="en-US" sz="800" dirty="0"/>
+          </a:p>
+        </p:txBody>
+      </p:sp>
+      <p:sp>
+        <p:nvSpPr>
+          <p:cNvPr id="20" name="직사각형 19">
+            <a:extLst>
+              <a:ext uri="{FF2B5EF4-FFF2-40B4-BE49-F238E27FC236}">
+                <a16:creationId xmlns:a16="http://schemas.microsoft.com/office/drawing/2014/main" id="{6B21B0C4-A76C-4242-BB88-4034DADAB54F}"/>
+              </a:ext>
+            </a:extLst>
+          </p:cNvPr>
+          <p:cNvSpPr/>
+          <p:nvPr/>
+        </p:nvSpPr>
+        <p:spPr>
+          <a:xfrm>
+            <a:off x="2190072" y="3463291"/>
+            <a:ext cx="296876" cy="518159"/>
+          </a:xfrm>
+          <a:prstGeom prst="rect">
+            <a:avLst/>
+          </a:prstGeom>
+          <a:solidFill>
+            <a:schemeClr val="bg1"/>
+          </a:solidFill>
+          <a:ln>
+            <a:noFill/>
+          </a:ln>
+        </p:spPr>
+        <p:style>
+          <a:lnRef idx="2">
+            <a:schemeClr val="accent1">
+              <a:shade val="50000"/>
+            </a:schemeClr>
+          </a:lnRef>
+          <a:fillRef idx="1">
+            <a:schemeClr val="accent1"/>
+          </a:fillRef>
+          <a:effectRef idx="0">
+            <a:schemeClr val="accent1"/>
+          </a:effectRef>
+          <a:fontRef idx="minor">
+            <a:schemeClr val="lt1"/>
+          </a:fontRef>
+        </p:style>
+        <p:txBody>
+          <a:bodyPr rtlCol="0" anchor="ctr"/>
+          <a:lstStyle/>
+          <a:p>
+            <a:pPr algn="ctr"/>
+            <a:endParaRPr lang="ko-KR" altLang="en-US"/>
+          </a:p>
+        </p:txBody>
+      </p:sp>
+      <p:cxnSp>
+        <p:nvCxnSpPr>
+          <p:cNvPr id="75" name="직선 연결선 74">
+            <a:extLst>
+              <a:ext uri="{FF2B5EF4-FFF2-40B4-BE49-F238E27FC236}">
+                <a16:creationId xmlns:a16="http://schemas.microsoft.com/office/drawing/2014/main" id="{5DAF30C7-13CF-477C-BAC4-CA6D8957DADB}"/>
+              </a:ext>
+            </a:extLst>
+          </p:cNvPr>
+          <p:cNvCxnSpPr>
+            <a:cxnSpLocks/>
+          </p:cNvCxnSpPr>
+          <p:nvPr/>
+        </p:nvCxnSpPr>
+        <p:spPr>
+          <a:xfrm>
+            <a:off x="565608" y="3687028"/>
+            <a:ext cx="3525625" cy="0"/>
+          </a:xfrm>
+          <a:prstGeom prst="line">
+            <a:avLst/>
+          </a:prstGeom>
+          <a:ln>
+            <a:solidFill>
+              <a:srgbClr val="92D050"/>
+            </a:solidFill>
+          </a:ln>
+        </p:spPr>
+        <p:style>
+          <a:lnRef idx="1">
+            <a:schemeClr val="accent1"/>
+          </a:lnRef>
+          <a:fillRef idx="0">
+            <a:schemeClr val="accent1"/>
+          </a:fillRef>
+          <a:effectRef idx="0">
+            <a:schemeClr val="accent1"/>
+          </a:effectRef>
+          <a:fontRef idx="minor">
+            <a:schemeClr val="tx1"/>
+          </a:fontRef>
+        </p:style>
+      </p:cxnSp>
+      <p:sp>
+        <p:nvSpPr>
+          <p:cNvPr id="21" name="자유형: 도형 20">
+            <a:extLst>
+              <a:ext uri="{FF2B5EF4-FFF2-40B4-BE49-F238E27FC236}">
+                <a16:creationId xmlns:a16="http://schemas.microsoft.com/office/drawing/2014/main" id="{BC8D2F5B-E3D7-4EB2-B9E4-7E6C19D268E6}"/>
+              </a:ext>
+            </a:extLst>
+          </p:cNvPr>
+          <p:cNvSpPr/>
+          <p:nvPr/>
+        </p:nvSpPr>
+        <p:spPr>
+          <a:xfrm>
+            <a:off x="2185958" y="3501390"/>
+            <a:ext cx="316230" cy="64770"/>
+          </a:xfrm>
+          <a:custGeom>
+            <a:avLst/>
+            <a:gdLst>
+              <a:gd name="connsiteX0" fmla="*/ 0 w 316230"/>
+              <a:gd name="connsiteY0" fmla="*/ 22860 h 64770"/>
+              <a:gd name="connsiteX1" fmla="*/ 72390 w 316230"/>
+              <a:gd name="connsiteY1" fmla="*/ 0 h 64770"/>
+              <a:gd name="connsiteX2" fmla="*/ 140970 w 316230"/>
+              <a:gd name="connsiteY2" fmla="*/ 64770 h 64770"/>
+              <a:gd name="connsiteX3" fmla="*/ 213360 w 316230"/>
+              <a:gd name="connsiteY3" fmla="*/ 19050 h 64770"/>
+              <a:gd name="connsiteX4" fmla="*/ 316230 w 316230"/>
+              <a:gd name="connsiteY4" fmla="*/ 7620 h 64770"/>
+            </a:gdLst>
+            <a:ahLst/>
+            <a:cxnLst>
+              <a:cxn ang="0">
+                <a:pos x="connsiteX0" y="connsiteY0"/>
+              </a:cxn>
+              <a:cxn ang="0">
+                <a:pos x="connsiteX1" y="connsiteY1"/>
+              </a:cxn>
+              <a:cxn ang="0">
+                <a:pos x="connsiteX2" y="connsiteY2"/>
+              </a:cxn>
+              <a:cxn ang="0">
+                <a:pos x="connsiteX3" y="connsiteY3"/>
+              </a:cxn>
+              <a:cxn ang="0">
+                <a:pos x="connsiteX4" y="connsiteY4"/>
+              </a:cxn>
+            </a:cxnLst>
+            <a:rect l="l" t="t" r="r" b="b"/>
+            <a:pathLst>
+              <a:path w="316230" h="64770">
+                <a:moveTo>
+                  <a:pt x="0" y="22860"/>
+                </a:moveTo>
+                <a:lnTo>
+                  <a:pt x="72390" y="0"/>
+                </a:lnTo>
+                <a:lnTo>
+                  <a:pt x="140970" y="64770"/>
+                </a:lnTo>
+                <a:lnTo>
+                  <a:pt x="213360" y="19050"/>
+                </a:lnTo>
+                <a:lnTo>
+                  <a:pt x="316230" y="7620"/>
+                </a:lnTo>
+              </a:path>
+            </a:pathLst>
+          </a:custGeom>
+          <a:noFill/>
+        </p:spPr>
+        <p:style>
+          <a:lnRef idx="2">
+            <a:schemeClr val="accent1">
+              <a:shade val="50000"/>
+            </a:schemeClr>
+          </a:lnRef>
+          <a:fillRef idx="1">
+            <a:schemeClr val="accent1"/>
+          </a:fillRef>
+          <a:effectRef idx="0">
+            <a:schemeClr val="accent1"/>
+          </a:effectRef>
+          <a:fontRef idx="minor">
+            <a:schemeClr val="lt1"/>
+          </a:fontRef>
+        </p:style>
+        <p:txBody>
+          <a:bodyPr rtlCol="0" anchor="ctr"/>
+          <a:lstStyle/>
+          <a:p>
+            <a:pPr algn="ctr"/>
+            <a:endParaRPr lang="ko-KR" altLang="en-US"/>
+          </a:p>
+        </p:txBody>
+      </p:sp>
+      <p:sp>
+        <p:nvSpPr>
+          <p:cNvPr id="22" name="TextBox 21">
+            <a:extLst>
+              <a:ext uri="{FF2B5EF4-FFF2-40B4-BE49-F238E27FC236}">
+                <a16:creationId xmlns:a16="http://schemas.microsoft.com/office/drawing/2014/main" id="{84376E8E-38BC-46CB-8C1C-1BBF00F6BC4C}"/>
+              </a:ext>
+            </a:extLst>
+          </p:cNvPr>
+          <p:cNvSpPr txBox="1"/>
+          <p:nvPr/>
+        </p:nvSpPr>
+        <p:spPr>
+          <a:xfrm>
+            <a:off x="987709" y="4967796"/>
+            <a:ext cx="2707793" cy="369332"/>
+          </a:xfrm>
+          <a:prstGeom prst="rect">
+            <a:avLst/>
+          </a:prstGeom>
+          <a:noFill/>
+        </p:spPr>
+        <p:txBody>
+          <a:bodyPr wrap="none" rtlCol="0">
+            <a:spAutoFit/>
+          </a:bodyPr>
+          <a:lstStyle/>
+          <a:p>
+            <a:r>
+              <a:rPr lang="ko-KR" altLang="en-US" dirty="0" err="1"/>
+              <a:t>빈맥이</a:t>
+            </a:r>
+            <a:r>
+              <a:rPr lang="ko-KR" altLang="en-US" dirty="0"/>
+              <a:t> 자주 관찰됩니다</a:t>
+            </a:r>
+            <a:r>
+              <a:rPr lang="en-US" altLang="ko-KR" dirty="0"/>
+              <a:t>.</a:t>
+            </a:r>
+            <a:endParaRPr lang="ko-KR" altLang="en-US" dirty="0"/>
+          </a:p>
+        </p:txBody>
+      </p:sp>
+      <p:sp>
+        <p:nvSpPr>
+          <p:cNvPr id="86" name="직사각형 85">
+            <a:extLst>
+              <a:ext uri="{FF2B5EF4-FFF2-40B4-BE49-F238E27FC236}">
+                <a16:creationId xmlns:a16="http://schemas.microsoft.com/office/drawing/2014/main" id="{4F87CFEB-1555-48AC-AE92-473D25B6BEC7}"/>
+              </a:ext>
+            </a:extLst>
+          </p:cNvPr>
+          <p:cNvSpPr/>
+          <p:nvPr/>
+        </p:nvSpPr>
+        <p:spPr>
+          <a:xfrm>
+            <a:off x="4482974" y="698327"/>
+            <a:ext cx="4044099" cy="5853303"/>
+          </a:xfrm>
+          <a:prstGeom prst="rect">
+            <a:avLst/>
+          </a:prstGeom>
+          <a:noFill/>
+          <a:ln>
+            <a:solidFill>
+              <a:schemeClr val="tx1"/>
+            </a:solidFill>
+          </a:ln>
+        </p:spPr>
+        <p:style>
+          <a:lnRef idx="2">
+            <a:schemeClr val="accent1">
+              <a:shade val="50000"/>
+            </a:schemeClr>
+          </a:lnRef>
+          <a:fillRef idx="1">
+            <a:schemeClr val="accent1"/>
+          </a:fillRef>
+          <a:effectRef idx="0">
+            <a:schemeClr val="accent1"/>
+          </a:effectRef>
+          <a:fontRef idx="minor">
+            <a:schemeClr val="lt1"/>
+          </a:fontRef>
+        </p:style>
+        <p:txBody>
+          <a:bodyPr rtlCol="0" anchor="ctr"/>
+          <a:lstStyle/>
+          <a:p>
+            <a:pPr algn="ctr"/>
+            <a:endParaRPr lang="ko-KR" altLang="en-US"/>
+          </a:p>
+        </p:txBody>
+      </p:sp>
+      <p:sp>
+        <p:nvSpPr>
+          <p:cNvPr id="88" name="직사각형 87">
+            <a:extLst>
+              <a:ext uri="{FF2B5EF4-FFF2-40B4-BE49-F238E27FC236}">
+                <a16:creationId xmlns:a16="http://schemas.microsoft.com/office/drawing/2014/main" id="{CA1A4133-17D6-422B-BF3E-1B8DF5D90624}"/>
+              </a:ext>
+            </a:extLst>
+          </p:cNvPr>
+          <p:cNvSpPr/>
+          <p:nvPr/>
+        </p:nvSpPr>
+        <p:spPr>
+          <a:xfrm>
+            <a:off x="4756350" y="2083324"/>
+            <a:ext cx="3525625" cy="2441542"/>
+          </a:xfrm>
+          <a:prstGeom prst="rect">
+            <a:avLst/>
+          </a:prstGeom>
+          <a:noFill/>
+          <a:ln>
+            <a:solidFill>
+              <a:schemeClr val="tx1"/>
+            </a:solidFill>
+          </a:ln>
+        </p:spPr>
+        <p:style>
+          <a:lnRef idx="2">
+            <a:schemeClr val="accent1">
+              <a:shade val="50000"/>
+            </a:schemeClr>
+          </a:lnRef>
+          <a:fillRef idx="1">
+            <a:schemeClr val="accent1"/>
+          </a:fillRef>
+          <a:effectRef idx="0">
+            <a:schemeClr val="accent1"/>
+          </a:effectRef>
+          <a:fontRef idx="minor">
+            <a:schemeClr val="lt1"/>
+          </a:fontRef>
+        </p:style>
+        <p:txBody>
+          <a:bodyPr rtlCol="0" anchor="ctr"/>
+          <a:lstStyle/>
+          <a:p>
+            <a:pPr algn="ctr"/>
+            <a:endParaRPr lang="ko-KR" altLang="en-US"/>
+          </a:p>
+        </p:txBody>
+      </p:sp>
+      <p:cxnSp>
+        <p:nvCxnSpPr>
+          <p:cNvPr id="90" name="직선 연결선 89">
+            <a:extLst>
+              <a:ext uri="{FF2B5EF4-FFF2-40B4-BE49-F238E27FC236}">
+                <a16:creationId xmlns:a16="http://schemas.microsoft.com/office/drawing/2014/main" id="{92902195-D8BF-490B-9ADD-A53AFEA6877A}"/>
+              </a:ext>
+            </a:extLst>
+          </p:cNvPr>
+          <p:cNvCxnSpPr>
+            <a:cxnSpLocks/>
+          </p:cNvCxnSpPr>
+          <p:nvPr/>
+        </p:nvCxnSpPr>
+        <p:spPr>
+          <a:xfrm>
+            <a:off x="4756350" y="4398975"/>
+            <a:ext cx="3525625" cy="0"/>
+          </a:xfrm>
+          <a:prstGeom prst="line">
+            <a:avLst/>
+          </a:prstGeom>
+        </p:spPr>
+        <p:style>
+          <a:lnRef idx="1">
+            <a:schemeClr val="accent1"/>
+          </a:lnRef>
+          <a:fillRef idx="0">
+            <a:schemeClr val="accent1"/>
+          </a:fillRef>
+          <a:effectRef idx="0">
+            <a:schemeClr val="accent1"/>
+          </a:effectRef>
+          <a:fontRef idx="minor">
+            <a:schemeClr val="tx1"/>
+          </a:fontRef>
+        </p:style>
+      </p:cxnSp>
+      <p:sp>
+        <p:nvSpPr>
+          <p:cNvPr id="91" name="TextBox 90">
+            <a:extLst>
+              <a:ext uri="{FF2B5EF4-FFF2-40B4-BE49-F238E27FC236}">
+                <a16:creationId xmlns:a16="http://schemas.microsoft.com/office/drawing/2014/main" id="{57588247-B17E-41F2-A0DA-9BC93F21FF68}"/>
+              </a:ext>
+            </a:extLst>
+          </p:cNvPr>
+          <p:cNvSpPr txBox="1"/>
+          <p:nvPr/>
+        </p:nvSpPr>
+        <p:spPr>
+          <a:xfrm>
+            <a:off x="4460768" y="4582799"/>
+            <a:ext cx="389850" cy="215444"/>
+          </a:xfrm>
+          <a:prstGeom prst="rect">
+            <a:avLst/>
+          </a:prstGeom>
+          <a:noFill/>
+        </p:spPr>
+        <p:txBody>
+          <a:bodyPr wrap="none" rtlCol="0">
+            <a:spAutoFit/>
+          </a:bodyPr>
+          <a:lstStyle/>
+          <a:p>
+            <a:r>
+              <a:rPr lang="ko-KR" altLang="en-US" sz="800"/>
+              <a:t>시간</a:t>
+            </a:r>
+          </a:p>
+        </p:txBody>
+      </p:sp>
+      <p:sp>
+        <p:nvSpPr>
+          <p:cNvPr id="92" name="TextBox 91">
+            <a:extLst>
+              <a:ext uri="{FF2B5EF4-FFF2-40B4-BE49-F238E27FC236}">
+                <a16:creationId xmlns:a16="http://schemas.microsoft.com/office/drawing/2014/main" id="{27EC0735-04A2-4104-B13C-5755846D5055}"/>
+              </a:ext>
+            </a:extLst>
+          </p:cNvPr>
+          <p:cNvSpPr txBox="1"/>
+          <p:nvPr/>
+        </p:nvSpPr>
+        <p:spPr>
+          <a:xfrm>
+            <a:off x="4756350" y="4582799"/>
+            <a:ext cx="431528" cy="215444"/>
+          </a:xfrm>
+          <a:prstGeom prst="rect">
+            <a:avLst/>
+          </a:prstGeom>
+          <a:noFill/>
+        </p:spPr>
+        <p:txBody>
+          <a:bodyPr wrap="none" rtlCol="0">
+            <a:spAutoFit/>
+          </a:bodyPr>
+          <a:lstStyle/>
+          <a:p>
+            <a:r>
+              <a:rPr lang="en-US" altLang="ko-KR" sz="800"/>
+              <a:t>00:00</a:t>
+            </a:r>
+            <a:endParaRPr lang="ko-KR" altLang="en-US" sz="800" dirty="0"/>
+          </a:p>
+        </p:txBody>
+      </p:sp>
+      <p:sp>
+        <p:nvSpPr>
+          <p:cNvPr id="94" name="TextBox 93">
+            <a:extLst>
+              <a:ext uri="{FF2B5EF4-FFF2-40B4-BE49-F238E27FC236}">
+                <a16:creationId xmlns:a16="http://schemas.microsoft.com/office/drawing/2014/main" id="{6E5EB745-6BAB-4654-9E02-6B241524A45E}"/>
+              </a:ext>
+            </a:extLst>
+          </p:cNvPr>
+          <p:cNvSpPr txBox="1"/>
+          <p:nvPr/>
+        </p:nvSpPr>
+        <p:spPr>
+          <a:xfrm>
+            <a:off x="7888919" y="4582799"/>
+            <a:ext cx="431528" cy="215444"/>
+          </a:xfrm>
+          <a:prstGeom prst="rect">
+            <a:avLst/>
+          </a:prstGeom>
+          <a:noFill/>
+        </p:spPr>
+        <p:txBody>
+          <a:bodyPr wrap="none" rtlCol="0">
+            <a:spAutoFit/>
+          </a:bodyPr>
+          <a:lstStyle/>
+          <a:p>
+            <a:r>
+              <a:rPr lang="en-US" altLang="ko-KR" sz="800" dirty="0"/>
+              <a:t>24:00</a:t>
+            </a:r>
+            <a:endParaRPr lang="ko-KR" altLang="en-US" sz="800" dirty="0"/>
+          </a:p>
+        </p:txBody>
+      </p:sp>
+      <p:sp>
+        <p:nvSpPr>
+          <p:cNvPr id="95" name="TextBox 94">
+            <a:extLst>
+              <a:ext uri="{FF2B5EF4-FFF2-40B4-BE49-F238E27FC236}">
+                <a16:creationId xmlns:a16="http://schemas.microsoft.com/office/drawing/2014/main" id="{85578A14-9183-471A-BEF3-1C3ABD116BF3}"/>
+              </a:ext>
+            </a:extLst>
+          </p:cNvPr>
+          <p:cNvSpPr txBox="1"/>
+          <p:nvPr/>
+        </p:nvSpPr>
+        <p:spPr>
+          <a:xfrm>
+            <a:off x="4499275" y="4286227"/>
+            <a:ext cx="240772" cy="215444"/>
+          </a:xfrm>
+          <a:prstGeom prst="rect">
+            <a:avLst/>
+          </a:prstGeom>
+          <a:noFill/>
+        </p:spPr>
+        <p:txBody>
+          <a:bodyPr wrap="none" rtlCol="0">
+            <a:spAutoFit/>
+          </a:bodyPr>
+          <a:lstStyle/>
+          <a:p>
+            <a:r>
+              <a:rPr lang="en-US" altLang="ko-KR" sz="800"/>
+              <a:t>0</a:t>
+            </a:r>
+            <a:endParaRPr lang="ko-KR" altLang="en-US" sz="800" dirty="0"/>
+          </a:p>
+        </p:txBody>
+      </p:sp>
+      <p:sp>
+        <p:nvSpPr>
+          <p:cNvPr id="96" name="TextBox 95">
+            <a:extLst>
+              <a:ext uri="{FF2B5EF4-FFF2-40B4-BE49-F238E27FC236}">
+                <a16:creationId xmlns:a16="http://schemas.microsoft.com/office/drawing/2014/main" id="{2E359647-6F2B-4616-9C26-94D16683C64C}"/>
+              </a:ext>
+            </a:extLst>
+          </p:cNvPr>
+          <p:cNvSpPr txBox="1"/>
+          <p:nvPr/>
+        </p:nvSpPr>
+        <p:spPr>
+          <a:xfrm>
+            <a:off x="4460768" y="2073896"/>
+            <a:ext cx="352982" cy="215444"/>
+          </a:xfrm>
+          <a:prstGeom prst="rect">
+            <a:avLst/>
+          </a:prstGeom>
+          <a:noFill/>
+        </p:spPr>
+        <p:txBody>
+          <a:bodyPr wrap="none" rtlCol="0">
+            <a:spAutoFit/>
+          </a:bodyPr>
+          <a:lstStyle/>
+          <a:p>
+            <a:r>
+              <a:rPr lang="en-US" altLang="ko-KR" sz="800"/>
+              <a:t>200</a:t>
+            </a:r>
+            <a:endParaRPr lang="ko-KR" altLang="en-US" sz="800" dirty="0"/>
+          </a:p>
+        </p:txBody>
+      </p:sp>
+      <p:sp>
+        <p:nvSpPr>
+          <p:cNvPr id="98" name="자유형: 도형 97">
+            <a:extLst>
+              <a:ext uri="{FF2B5EF4-FFF2-40B4-BE49-F238E27FC236}">
+                <a16:creationId xmlns:a16="http://schemas.microsoft.com/office/drawing/2014/main" id="{BDE9D638-359B-4671-9914-1320F314AF8C}"/>
+              </a:ext>
+            </a:extLst>
+          </p:cNvPr>
+          <p:cNvSpPr/>
+          <p:nvPr/>
+        </p:nvSpPr>
+        <p:spPr>
+          <a:xfrm>
+            <a:off x="4765777" y="3159128"/>
+            <a:ext cx="3535052" cy="772998"/>
+          </a:xfrm>
+          <a:custGeom>
+            <a:avLst/>
+            <a:gdLst>
+              <a:gd name="connsiteX0" fmla="*/ 0 w 3535052"/>
+              <a:gd name="connsiteY0" fmla="*/ 650450 h 772998"/>
+              <a:gd name="connsiteX1" fmla="*/ 84841 w 3535052"/>
+              <a:gd name="connsiteY1" fmla="*/ 622169 h 772998"/>
+              <a:gd name="connsiteX2" fmla="*/ 169683 w 3535052"/>
+              <a:gd name="connsiteY2" fmla="*/ 697584 h 772998"/>
+              <a:gd name="connsiteX3" fmla="*/ 348792 w 3535052"/>
+              <a:gd name="connsiteY3" fmla="*/ 650450 h 772998"/>
+              <a:gd name="connsiteX4" fmla="*/ 405353 w 3535052"/>
+              <a:gd name="connsiteY4" fmla="*/ 678730 h 772998"/>
+              <a:gd name="connsiteX5" fmla="*/ 452487 w 3535052"/>
+              <a:gd name="connsiteY5" fmla="*/ 593889 h 772998"/>
+              <a:gd name="connsiteX6" fmla="*/ 546755 w 3535052"/>
+              <a:gd name="connsiteY6" fmla="*/ 650450 h 772998"/>
+              <a:gd name="connsiteX7" fmla="*/ 735291 w 3535052"/>
+              <a:gd name="connsiteY7" fmla="*/ 622169 h 772998"/>
+              <a:gd name="connsiteX8" fmla="*/ 838986 w 3535052"/>
+              <a:gd name="connsiteY8" fmla="*/ 669303 h 772998"/>
+              <a:gd name="connsiteX9" fmla="*/ 876693 w 3535052"/>
+              <a:gd name="connsiteY9" fmla="*/ 405353 h 772998"/>
+              <a:gd name="connsiteX10" fmla="*/ 1159497 w 3535052"/>
+              <a:gd name="connsiteY10" fmla="*/ 443060 h 772998"/>
+              <a:gd name="connsiteX11" fmla="*/ 1234912 w 3535052"/>
+              <a:gd name="connsiteY11" fmla="*/ 395926 h 772998"/>
+              <a:gd name="connsiteX12" fmla="*/ 1593130 w 3535052"/>
+              <a:gd name="connsiteY12" fmla="*/ 395926 h 772998"/>
+              <a:gd name="connsiteX13" fmla="*/ 1649691 w 3535052"/>
+              <a:gd name="connsiteY13" fmla="*/ 339365 h 772998"/>
+              <a:gd name="connsiteX14" fmla="*/ 1725105 w 3535052"/>
+              <a:gd name="connsiteY14" fmla="*/ 772998 h 772998"/>
+              <a:gd name="connsiteX15" fmla="*/ 1772239 w 3535052"/>
+              <a:gd name="connsiteY15" fmla="*/ 754144 h 772998"/>
+              <a:gd name="connsiteX16" fmla="*/ 1809947 w 3535052"/>
+              <a:gd name="connsiteY16" fmla="*/ 377072 h 772998"/>
+              <a:gd name="connsiteX17" fmla="*/ 1951349 w 3535052"/>
+              <a:gd name="connsiteY17" fmla="*/ 348792 h 772998"/>
+              <a:gd name="connsiteX18" fmla="*/ 1989056 w 3535052"/>
+              <a:gd name="connsiteY18" fmla="*/ 414779 h 772998"/>
+              <a:gd name="connsiteX19" fmla="*/ 2111604 w 3535052"/>
+              <a:gd name="connsiteY19" fmla="*/ 339365 h 772998"/>
+              <a:gd name="connsiteX20" fmla="*/ 2139885 w 3535052"/>
+              <a:gd name="connsiteY20" fmla="*/ 0 h 772998"/>
+              <a:gd name="connsiteX21" fmla="*/ 2139885 w 3535052"/>
+              <a:gd name="connsiteY21" fmla="*/ 292231 h 772998"/>
+              <a:gd name="connsiteX22" fmla="*/ 2215299 w 3535052"/>
+              <a:gd name="connsiteY22" fmla="*/ 339365 h 772998"/>
+              <a:gd name="connsiteX23" fmla="*/ 2281287 w 3535052"/>
+              <a:gd name="connsiteY23" fmla="*/ 254524 h 772998"/>
+              <a:gd name="connsiteX24" fmla="*/ 2356701 w 3535052"/>
+              <a:gd name="connsiteY24" fmla="*/ 292231 h 772998"/>
+              <a:gd name="connsiteX25" fmla="*/ 2469823 w 3535052"/>
+              <a:gd name="connsiteY25" fmla="*/ 282804 h 772998"/>
+              <a:gd name="connsiteX26" fmla="*/ 2488676 w 3535052"/>
+              <a:gd name="connsiteY26" fmla="*/ 37707 h 772998"/>
+              <a:gd name="connsiteX27" fmla="*/ 2507530 w 3535052"/>
+              <a:gd name="connsiteY27" fmla="*/ 263951 h 772998"/>
+              <a:gd name="connsiteX28" fmla="*/ 2564091 w 3535052"/>
+              <a:gd name="connsiteY28" fmla="*/ 263951 h 772998"/>
+              <a:gd name="connsiteX29" fmla="*/ 2648932 w 3535052"/>
+              <a:gd name="connsiteY29" fmla="*/ 339365 h 772998"/>
+              <a:gd name="connsiteX30" fmla="*/ 2724347 w 3535052"/>
+              <a:gd name="connsiteY30" fmla="*/ 263951 h 772998"/>
+              <a:gd name="connsiteX31" fmla="*/ 2790334 w 3535052"/>
+              <a:gd name="connsiteY31" fmla="*/ 292231 h 772998"/>
+              <a:gd name="connsiteX32" fmla="*/ 2922309 w 3535052"/>
+              <a:gd name="connsiteY32" fmla="*/ 282804 h 772998"/>
+              <a:gd name="connsiteX33" fmla="*/ 3082565 w 3535052"/>
+              <a:gd name="connsiteY33" fmla="*/ 386499 h 772998"/>
+              <a:gd name="connsiteX34" fmla="*/ 3139126 w 3535052"/>
+              <a:gd name="connsiteY34" fmla="*/ 669303 h 772998"/>
+              <a:gd name="connsiteX35" fmla="*/ 3233394 w 3535052"/>
+              <a:gd name="connsiteY35" fmla="*/ 631596 h 772998"/>
+              <a:gd name="connsiteX36" fmla="*/ 3299382 w 3535052"/>
+              <a:gd name="connsiteY36" fmla="*/ 659876 h 772998"/>
+              <a:gd name="connsiteX37" fmla="*/ 3403076 w 3535052"/>
+              <a:gd name="connsiteY37" fmla="*/ 631596 h 772998"/>
+              <a:gd name="connsiteX38" fmla="*/ 3459637 w 3535052"/>
+              <a:gd name="connsiteY38" fmla="*/ 678730 h 772998"/>
+              <a:gd name="connsiteX39" fmla="*/ 3516198 w 3535052"/>
+              <a:gd name="connsiteY39" fmla="*/ 650450 h 772998"/>
+              <a:gd name="connsiteX40" fmla="*/ 3535052 w 3535052"/>
+              <a:gd name="connsiteY40" fmla="*/ 641023 h 772998"/>
+            </a:gdLst>
+            <a:ahLst/>
+            <a:cxnLst>
+              <a:cxn ang="0">
+                <a:pos x="connsiteX0" y="connsiteY0"/>
+              </a:cxn>
+              <a:cxn ang="0">
+                <a:pos x="connsiteX1" y="connsiteY1"/>
+              </a:cxn>
+              <a:cxn ang="0">
+                <a:pos x="connsiteX2" y="connsiteY2"/>
+              </a:cxn>
+              <a:cxn ang="0">
+                <a:pos x="connsiteX3" y="connsiteY3"/>
+              </a:cxn>
+              <a:cxn ang="0">
+                <a:pos x="connsiteX4" y="connsiteY4"/>
+              </a:cxn>
+              <a:cxn ang="0">
+                <a:pos x="connsiteX5" y="connsiteY5"/>
+              </a:cxn>
+              <a:cxn ang="0">
+                <a:pos x="connsiteX6" y="connsiteY6"/>
+              </a:cxn>
+              <a:cxn ang="0">
+                <a:pos x="connsiteX7" y="connsiteY7"/>
+              </a:cxn>
+              <a:cxn ang="0">
+                <a:pos x="connsiteX8" y="connsiteY8"/>
+              </a:cxn>
+              <a:cxn ang="0">
+                <a:pos x="connsiteX9" y="connsiteY9"/>
+              </a:cxn>
+              <a:cxn ang="0">
+                <a:pos x="connsiteX10" y="connsiteY10"/>
+              </a:cxn>
+              <a:cxn ang="0">
+                <a:pos x="connsiteX11" y="connsiteY11"/>
+              </a:cxn>
+              <a:cxn ang="0">
+                <a:pos x="connsiteX12" y="connsiteY12"/>
+              </a:cxn>
+              <a:cxn ang="0">
+                <a:pos x="connsiteX13" y="connsiteY13"/>
+              </a:cxn>
+              <a:cxn ang="0">
+                <a:pos x="connsiteX14" y="connsiteY14"/>
+              </a:cxn>
+              <a:cxn ang="0">
+                <a:pos x="connsiteX15" y="connsiteY15"/>
+              </a:cxn>
+              <a:cxn ang="0">
+                <a:pos x="connsiteX16" y="connsiteY16"/>
+              </a:cxn>
+              <a:cxn ang="0">
+                <a:pos x="connsiteX17" y="connsiteY17"/>
+              </a:cxn>
+              <a:cxn ang="0">
+                <a:pos x="connsiteX18" y="connsiteY18"/>
+              </a:cxn>
+              <a:cxn ang="0">
+                <a:pos x="connsiteX19" y="connsiteY19"/>
+              </a:cxn>
+              <a:cxn ang="0">
+                <a:pos x="connsiteX20" y="connsiteY20"/>
+              </a:cxn>
+              <a:cxn ang="0">
+                <a:pos x="connsiteX21" y="connsiteY21"/>
+              </a:cxn>
+              <a:cxn ang="0">
+                <a:pos x="connsiteX22" y="connsiteY22"/>
+              </a:cxn>
+              <a:cxn ang="0">
+                <a:pos x="connsiteX23" y="connsiteY23"/>
+              </a:cxn>
+              <a:cxn ang="0">
+                <a:pos x="connsiteX24" y="connsiteY24"/>
+              </a:cxn>
+              <a:cxn ang="0">
+                <a:pos x="connsiteX25" y="connsiteY25"/>
+              </a:cxn>
+              <a:cxn ang="0">
+                <a:pos x="connsiteX26" y="connsiteY26"/>
+              </a:cxn>
+              <a:cxn ang="0">
+                <a:pos x="connsiteX27" y="connsiteY27"/>
+              </a:cxn>
+              <a:cxn ang="0">
+                <a:pos x="connsiteX28" y="connsiteY28"/>
+              </a:cxn>
+              <a:cxn ang="0">
+                <a:pos x="connsiteX29" y="connsiteY29"/>
+              </a:cxn>
+              <a:cxn ang="0">
+                <a:pos x="connsiteX30" y="connsiteY30"/>
+              </a:cxn>
+              <a:cxn ang="0">
+                <a:pos x="connsiteX31" y="connsiteY31"/>
+              </a:cxn>
+              <a:cxn ang="0">
+                <a:pos x="connsiteX32" y="connsiteY32"/>
+              </a:cxn>
+              <a:cxn ang="0">
+                <a:pos x="connsiteX33" y="connsiteY33"/>
+              </a:cxn>
+              <a:cxn ang="0">
+                <a:pos x="connsiteX34" y="connsiteY34"/>
+              </a:cxn>
+              <a:cxn ang="0">
+                <a:pos x="connsiteX35" y="connsiteY35"/>
+              </a:cxn>
+              <a:cxn ang="0">
+                <a:pos x="connsiteX36" y="connsiteY36"/>
+              </a:cxn>
+              <a:cxn ang="0">
+                <a:pos x="connsiteX37" y="connsiteY37"/>
+              </a:cxn>
+              <a:cxn ang="0">
+                <a:pos x="connsiteX38" y="connsiteY38"/>
+              </a:cxn>
+              <a:cxn ang="0">
+                <a:pos x="connsiteX39" y="connsiteY39"/>
+              </a:cxn>
+              <a:cxn ang="0">
+                <a:pos x="connsiteX40" y="connsiteY40"/>
+              </a:cxn>
+            </a:cxnLst>
+            <a:rect l="l" t="t" r="r" b="b"/>
+            <a:pathLst>
+              <a:path w="3535052" h="772998">
+                <a:moveTo>
+                  <a:pt x="0" y="650450"/>
+                </a:moveTo>
+                <a:lnTo>
+                  <a:pt x="84841" y="622169"/>
+                </a:lnTo>
+                <a:lnTo>
+                  <a:pt x="169683" y="697584"/>
+                </a:lnTo>
+                <a:lnTo>
+                  <a:pt x="348792" y="650450"/>
+                </a:lnTo>
+                <a:lnTo>
+                  <a:pt x="405353" y="678730"/>
+                </a:lnTo>
+                <a:lnTo>
+                  <a:pt x="452487" y="593889"/>
+                </a:lnTo>
+                <a:lnTo>
+                  <a:pt x="546755" y="650450"/>
+                </a:lnTo>
+                <a:lnTo>
+                  <a:pt x="735291" y="622169"/>
+                </a:lnTo>
+                <a:lnTo>
+                  <a:pt x="838986" y="669303"/>
+                </a:lnTo>
+                <a:lnTo>
+                  <a:pt x="876693" y="405353"/>
+                </a:lnTo>
+                <a:lnTo>
+                  <a:pt x="1159497" y="443060"/>
+                </a:lnTo>
+                <a:lnTo>
+                  <a:pt x="1234912" y="395926"/>
+                </a:lnTo>
+                <a:lnTo>
+                  <a:pt x="1593130" y="395926"/>
+                </a:lnTo>
+                <a:lnTo>
+                  <a:pt x="1649691" y="339365"/>
+                </a:lnTo>
+                <a:lnTo>
+                  <a:pt x="1725105" y="772998"/>
+                </a:lnTo>
+                <a:lnTo>
+                  <a:pt x="1772239" y="754144"/>
+                </a:lnTo>
+                <a:lnTo>
+                  <a:pt x="1809947" y="377072"/>
+                </a:lnTo>
+                <a:lnTo>
+                  <a:pt x="1951349" y="348792"/>
+                </a:lnTo>
+                <a:lnTo>
+                  <a:pt x="1989056" y="414779"/>
+                </a:lnTo>
+                <a:lnTo>
+                  <a:pt x="2111604" y="339365"/>
+                </a:lnTo>
+                <a:lnTo>
+                  <a:pt x="2139885" y="0"/>
+                </a:lnTo>
+                <a:lnTo>
+                  <a:pt x="2139885" y="292231"/>
+                </a:lnTo>
+                <a:lnTo>
+                  <a:pt x="2215299" y="339365"/>
+                </a:lnTo>
+                <a:lnTo>
+                  <a:pt x="2281287" y="254524"/>
+                </a:lnTo>
+                <a:lnTo>
+                  <a:pt x="2356701" y="292231"/>
+                </a:lnTo>
+                <a:lnTo>
+                  <a:pt x="2469823" y="282804"/>
+                </a:lnTo>
+                <a:lnTo>
+                  <a:pt x="2488676" y="37707"/>
+                </a:lnTo>
+                <a:lnTo>
+                  <a:pt x="2507530" y="263951"/>
+                </a:lnTo>
+                <a:lnTo>
+                  <a:pt x="2564091" y="263951"/>
+                </a:lnTo>
+                <a:lnTo>
+                  <a:pt x="2648932" y="339365"/>
+                </a:lnTo>
+                <a:lnTo>
+                  <a:pt x="2724347" y="263951"/>
+                </a:lnTo>
+                <a:lnTo>
+                  <a:pt x="2790334" y="292231"/>
+                </a:lnTo>
+                <a:lnTo>
+                  <a:pt x="2922309" y="282804"/>
+                </a:lnTo>
+                <a:lnTo>
+                  <a:pt x="3082565" y="386499"/>
+                </a:lnTo>
+                <a:lnTo>
+                  <a:pt x="3139126" y="669303"/>
+                </a:lnTo>
+                <a:lnTo>
+                  <a:pt x="3233394" y="631596"/>
+                </a:lnTo>
+                <a:lnTo>
+                  <a:pt x="3299382" y="659876"/>
+                </a:lnTo>
+                <a:lnTo>
+                  <a:pt x="3403076" y="631596"/>
+                </a:lnTo>
+                <a:lnTo>
+                  <a:pt x="3459637" y="678730"/>
+                </a:lnTo>
+                <a:lnTo>
+                  <a:pt x="3516198" y="650450"/>
+                </a:lnTo>
+                <a:lnTo>
+                  <a:pt x="3535052" y="641023"/>
+                </a:lnTo>
+              </a:path>
+            </a:pathLst>
+          </a:custGeom>
+          <a:noFill/>
+        </p:spPr>
+        <p:style>
+          <a:lnRef idx="2">
+            <a:schemeClr val="accent1">
+              <a:shade val="50000"/>
+            </a:schemeClr>
+          </a:lnRef>
+          <a:fillRef idx="1">
+            <a:schemeClr val="accent1"/>
+          </a:fillRef>
+          <a:effectRef idx="0">
+            <a:schemeClr val="accent1"/>
+          </a:effectRef>
+          <a:fontRef idx="minor">
+            <a:schemeClr val="lt1"/>
+          </a:fontRef>
+        </p:style>
+        <p:txBody>
+          <a:bodyPr rtlCol="0" anchor="ctr"/>
+          <a:lstStyle/>
+          <a:p>
+            <a:pPr algn="ctr"/>
+            <a:endParaRPr lang="ko-KR" altLang="en-US"/>
+          </a:p>
+        </p:txBody>
+      </p:sp>
+      <p:sp>
+        <p:nvSpPr>
+          <p:cNvPr id="102" name="TextBox 101">
+            <a:extLst>
+              <a:ext uri="{FF2B5EF4-FFF2-40B4-BE49-F238E27FC236}">
+                <a16:creationId xmlns:a16="http://schemas.microsoft.com/office/drawing/2014/main" id="{F171643A-1CE2-42ED-BAF1-E1D939B5E928}"/>
+              </a:ext>
+            </a:extLst>
+          </p:cNvPr>
+          <p:cNvSpPr txBox="1"/>
+          <p:nvPr/>
+        </p:nvSpPr>
+        <p:spPr>
+          <a:xfrm>
+            <a:off x="4479375" y="3566615"/>
+            <a:ext cx="296876" cy="215444"/>
+          </a:xfrm>
+          <a:prstGeom prst="rect">
+            <a:avLst/>
+          </a:prstGeom>
+          <a:noFill/>
+        </p:spPr>
+        <p:txBody>
+          <a:bodyPr wrap="none" rtlCol="0">
+            <a:spAutoFit/>
+          </a:bodyPr>
+          <a:lstStyle/>
+          <a:p>
+            <a:r>
+              <a:rPr lang="en-US" altLang="ko-KR" sz="800" dirty="0"/>
+              <a:t>62</a:t>
+            </a:r>
+            <a:endParaRPr lang="ko-KR" altLang="en-US" sz="800" dirty="0"/>
+          </a:p>
+        </p:txBody>
+      </p:sp>
+      <p:sp>
+        <p:nvSpPr>
+          <p:cNvPr id="103" name="TextBox 102">
+            <a:extLst>
+              <a:ext uri="{FF2B5EF4-FFF2-40B4-BE49-F238E27FC236}">
+                <a16:creationId xmlns:a16="http://schemas.microsoft.com/office/drawing/2014/main" id="{9C876904-FEE1-4382-A0D9-2E591FDC57BC}"/>
+              </a:ext>
+            </a:extLst>
+          </p:cNvPr>
+          <p:cNvSpPr txBox="1"/>
+          <p:nvPr/>
+        </p:nvSpPr>
+        <p:spPr>
+          <a:xfrm>
+            <a:off x="6317311" y="4582799"/>
+            <a:ext cx="431528" cy="215444"/>
+          </a:xfrm>
+          <a:prstGeom prst="rect">
+            <a:avLst/>
+          </a:prstGeom>
+          <a:noFill/>
+        </p:spPr>
+        <p:txBody>
+          <a:bodyPr wrap="none" rtlCol="0">
+            <a:spAutoFit/>
+          </a:bodyPr>
+          <a:lstStyle/>
+          <a:p>
+            <a:r>
+              <a:rPr lang="en-US" altLang="ko-KR" sz="800"/>
+              <a:t>12:00</a:t>
+            </a:r>
+            <a:endParaRPr lang="ko-KR" altLang="en-US" sz="800" dirty="0"/>
+          </a:p>
+        </p:txBody>
+      </p:sp>
+      <p:sp>
+        <p:nvSpPr>
+          <p:cNvPr id="104" name="TextBox 103">
+            <a:extLst>
+              <a:ext uri="{FF2B5EF4-FFF2-40B4-BE49-F238E27FC236}">
+                <a16:creationId xmlns:a16="http://schemas.microsoft.com/office/drawing/2014/main" id="{1FAF6328-69DF-4367-820F-732EA070C821}"/>
+              </a:ext>
+            </a:extLst>
+          </p:cNvPr>
+          <p:cNvSpPr txBox="1"/>
+          <p:nvPr/>
+        </p:nvSpPr>
+        <p:spPr>
+          <a:xfrm>
+            <a:off x="5531507" y="4582799"/>
+            <a:ext cx="431528" cy="215444"/>
+          </a:xfrm>
+          <a:prstGeom prst="rect">
+            <a:avLst/>
+          </a:prstGeom>
+          <a:noFill/>
+        </p:spPr>
+        <p:txBody>
+          <a:bodyPr wrap="none" rtlCol="0">
+            <a:spAutoFit/>
+          </a:bodyPr>
+          <a:lstStyle/>
+          <a:p>
+            <a:r>
+              <a:rPr lang="en-US" altLang="ko-KR" sz="800" dirty="0"/>
+              <a:t>06:00</a:t>
+            </a:r>
+            <a:endParaRPr lang="ko-KR" altLang="en-US" sz="800" dirty="0"/>
+          </a:p>
+        </p:txBody>
+      </p:sp>
+      <p:sp>
+        <p:nvSpPr>
+          <p:cNvPr id="106" name="TextBox 105">
+            <a:extLst>
+              <a:ext uri="{FF2B5EF4-FFF2-40B4-BE49-F238E27FC236}">
+                <a16:creationId xmlns:a16="http://schemas.microsoft.com/office/drawing/2014/main" id="{80D9F870-9C8E-4A27-A14E-E6EECE4DE7F7}"/>
+              </a:ext>
+            </a:extLst>
+          </p:cNvPr>
+          <p:cNvSpPr txBox="1"/>
+          <p:nvPr/>
+        </p:nvSpPr>
+        <p:spPr>
+          <a:xfrm>
+            <a:off x="7103115" y="4582799"/>
+            <a:ext cx="431528" cy="215444"/>
+          </a:xfrm>
+          <a:prstGeom prst="rect">
+            <a:avLst/>
+          </a:prstGeom>
+          <a:noFill/>
+        </p:spPr>
+        <p:txBody>
+          <a:bodyPr wrap="none" rtlCol="0">
+            <a:spAutoFit/>
+          </a:bodyPr>
+          <a:lstStyle/>
+          <a:p>
+            <a:r>
+              <a:rPr lang="en-US" altLang="ko-KR" sz="800"/>
+              <a:t>18:00</a:t>
+            </a:r>
+            <a:endParaRPr lang="ko-KR" altLang="en-US" sz="800" dirty="0"/>
+          </a:p>
+        </p:txBody>
+      </p:sp>
+      <p:sp>
+        <p:nvSpPr>
+          <p:cNvPr id="110" name="직사각형 109">
+            <a:extLst>
+              <a:ext uri="{FF2B5EF4-FFF2-40B4-BE49-F238E27FC236}">
+                <a16:creationId xmlns:a16="http://schemas.microsoft.com/office/drawing/2014/main" id="{A77CD9BA-254C-43A2-9333-FDC690EBFD1F}"/>
+              </a:ext>
+            </a:extLst>
+          </p:cNvPr>
+          <p:cNvSpPr/>
+          <p:nvPr/>
+        </p:nvSpPr>
+        <p:spPr>
+          <a:xfrm>
+            <a:off x="6390241" y="3463291"/>
+            <a:ext cx="296876" cy="518159"/>
+          </a:xfrm>
+          <a:prstGeom prst="rect">
+            <a:avLst/>
+          </a:prstGeom>
+          <a:solidFill>
+            <a:schemeClr val="bg1"/>
+          </a:solidFill>
+          <a:ln>
+            <a:noFill/>
+          </a:ln>
+        </p:spPr>
+        <p:style>
+          <a:lnRef idx="2">
+            <a:schemeClr val="accent1">
+              <a:shade val="50000"/>
+            </a:schemeClr>
+          </a:lnRef>
+          <a:fillRef idx="1">
+            <a:schemeClr val="accent1"/>
+          </a:fillRef>
+          <a:effectRef idx="0">
+            <a:schemeClr val="accent1"/>
+          </a:effectRef>
+          <a:fontRef idx="minor">
+            <a:schemeClr val="lt1"/>
+          </a:fontRef>
+        </p:style>
+        <p:txBody>
+          <a:bodyPr rtlCol="0" anchor="ctr"/>
+          <a:lstStyle/>
+          <a:p>
+            <a:pPr algn="ctr"/>
+            <a:endParaRPr lang="ko-KR" altLang="en-US"/>
+          </a:p>
+        </p:txBody>
+      </p:sp>
+      <p:cxnSp>
+        <p:nvCxnSpPr>
+          <p:cNvPr id="111" name="직선 연결선 110">
+            <a:extLst>
+              <a:ext uri="{FF2B5EF4-FFF2-40B4-BE49-F238E27FC236}">
+                <a16:creationId xmlns:a16="http://schemas.microsoft.com/office/drawing/2014/main" id="{FAEBB59A-FB4B-4A68-862B-F389FDC4CCF6}"/>
+              </a:ext>
+            </a:extLst>
+          </p:cNvPr>
+          <p:cNvCxnSpPr>
+            <a:cxnSpLocks/>
+          </p:cNvCxnSpPr>
+          <p:nvPr/>
+        </p:nvCxnSpPr>
+        <p:spPr>
+          <a:xfrm>
+            <a:off x="4765777" y="3687028"/>
+            <a:ext cx="3525625" cy="0"/>
+          </a:xfrm>
+          <a:prstGeom prst="line">
+            <a:avLst/>
+          </a:prstGeom>
+          <a:ln>
+            <a:solidFill>
+              <a:srgbClr val="92D050"/>
+            </a:solidFill>
+          </a:ln>
+        </p:spPr>
+        <p:style>
+          <a:lnRef idx="1">
+            <a:schemeClr val="accent1"/>
+          </a:lnRef>
+          <a:fillRef idx="0">
+            <a:schemeClr val="accent1"/>
+          </a:fillRef>
+          <a:effectRef idx="0">
+            <a:schemeClr val="accent1"/>
+          </a:effectRef>
+          <a:fontRef idx="minor">
+            <a:schemeClr val="tx1"/>
+          </a:fontRef>
+        </p:style>
+      </p:cxnSp>
+      <p:sp>
+        <p:nvSpPr>
+          <p:cNvPr id="112" name="자유형: 도형 111">
+            <a:extLst>
+              <a:ext uri="{FF2B5EF4-FFF2-40B4-BE49-F238E27FC236}">
+                <a16:creationId xmlns:a16="http://schemas.microsoft.com/office/drawing/2014/main" id="{68F3EB00-3A3E-4BBA-BD77-3F2704702397}"/>
+              </a:ext>
+            </a:extLst>
+          </p:cNvPr>
+          <p:cNvSpPr/>
+          <p:nvPr/>
+        </p:nvSpPr>
+        <p:spPr>
+          <a:xfrm>
+            <a:off x="6386127" y="3501390"/>
+            <a:ext cx="316230" cy="64770"/>
+          </a:xfrm>
+          <a:custGeom>
+            <a:avLst/>
+            <a:gdLst>
+              <a:gd name="connsiteX0" fmla="*/ 0 w 316230"/>
+              <a:gd name="connsiteY0" fmla="*/ 22860 h 64770"/>
+              <a:gd name="connsiteX1" fmla="*/ 72390 w 316230"/>
+              <a:gd name="connsiteY1" fmla="*/ 0 h 64770"/>
+              <a:gd name="connsiteX2" fmla="*/ 140970 w 316230"/>
+              <a:gd name="connsiteY2" fmla="*/ 64770 h 64770"/>
+              <a:gd name="connsiteX3" fmla="*/ 213360 w 316230"/>
+              <a:gd name="connsiteY3" fmla="*/ 19050 h 64770"/>
+              <a:gd name="connsiteX4" fmla="*/ 316230 w 316230"/>
+              <a:gd name="connsiteY4" fmla="*/ 7620 h 64770"/>
+            </a:gdLst>
+            <a:ahLst/>
+            <a:cxnLst>
+              <a:cxn ang="0">
+                <a:pos x="connsiteX0" y="connsiteY0"/>
+              </a:cxn>
+              <a:cxn ang="0">
+                <a:pos x="connsiteX1" y="connsiteY1"/>
+              </a:cxn>
+              <a:cxn ang="0">
+                <a:pos x="connsiteX2" y="connsiteY2"/>
+              </a:cxn>
+              <a:cxn ang="0">
+                <a:pos x="connsiteX3" y="connsiteY3"/>
+              </a:cxn>
+              <a:cxn ang="0">
+                <a:pos x="connsiteX4" y="connsiteY4"/>
+              </a:cxn>
+            </a:cxnLst>
+            <a:rect l="l" t="t" r="r" b="b"/>
+            <a:pathLst>
+              <a:path w="316230" h="64770">
+                <a:moveTo>
+                  <a:pt x="0" y="22860"/>
+                </a:moveTo>
+                <a:lnTo>
+                  <a:pt x="72390" y="0"/>
+                </a:lnTo>
+                <a:lnTo>
+                  <a:pt x="140970" y="64770"/>
+                </a:lnTo>
+                <a:lnTo>
+                  <a:pt x="213360" y="19050"/>
+                </a:lnTo>
+                <a:lnTo>
+                  <a:pt x="316230" y="7620"/>
+                </a:lnTo>
+              </a:path>
+            </a:pathLst>
+          </a:custGeom>
+          <a:noFill/>
+        </p:spPr>
+        <p:style>
+          <a:lnRef idx="2">
+            <a:schemeClr val="accent1">
+              <a:shade val="50000"/>
+            </a:schemeClr>
+          </a:lnRef>
+          <a:fillRef idx="1">
+            <a:schemeClr val="accent1"/>
+          </a:fillRef>
+          <a:effectRef idx="0">
+            <a:schemeClr val="accent1"/>
+          </a:effectRef>
+          <a:fontRef idx="minor">
+            <a:schemeClr val="lt1"/>
+          </a:fontRef>
+        </p:style>
+        <p:txBody>
+          <a:bodyPr rtlCol="0" anchor="ctr"/>
+          <a:lstStyle/>
+          <a:p>
+            <a:pPr algn="ctr"/>
+            <a:endParaRPr lang="ko-KR" altLang="en-US"/>
+          </a:p>
+        </p:txBody>
+      </p:sp>
+      <p:sp>
+        <p:nvSpPr>
+          <p:cNvPr id="23" name="자유형: 도형 22">
+            <a:extLst>
+              <a:ext uri="{FF2B5EF4-FFF2-40B4-BE49-F238E27FC236}">
+                <a16:creationId xmlns:a16="http://schemas.microsoft.com/office/drawing/2014/main" id="{E9F94439-202A-477C-8387-87A346A434C0}"/>
+              </a:ext>
+            </a:extLst>
+          </p:cNvPr>
+          <p:cNvSpPr/>
+          <p:nvPr/>
+        </p:nvSpPr>
+        <p:spPr>
+          <a:xfrm>
+            <a:off x="6385918" y="3108960"/>
+            <a:ext cx="1028700" cy="462915"/>
+          </a:xfrm>
+          <a:custGeom>
+            <a:avLst/>
+            <a:gdLst>
+              <a:gd name="connsiteX0" fmla="*/ 0 w 1028700"/>
+              <a:gd name="connsiteY0" fmla="*/ 417195 h 462915"/>
+              <a:gd name="connsiteX1" fmla="*/ 70485 w 1028700"/>
+              <a:gd name="connsiteY1" fmla="*/ 392430 h 462915"/>
+              <a:gd name="connsiteX2" fmla="*/ 142875 w 1028700"/>
+              <a:gd name="connsiteY2" fmla="*/ 459105 h 462915"/>
+              <a:gd name="connsiteX3" fmla="*/ 213360 w 1028700"/>
+              <a:gd name="connsiteY3" fmla="*/ 413385 h 462915"/>
+              <a:gd name="connsiteX4" fmla="*/ 333375 w 1028700"/>
+              <a:gd name="connsiteY4" fmla="*/ 400050 h 462915"/>
+              <a:gd name="connsiteX5" fmla="*/ 369570 w 1028700"/>
+              <a:gd name="connsiteY5" fmla="*/ 462915 h 462915"/>
+              <a:gd name="connsiteX6" fmla="*/ 491490 w 1028700"/>
+              <a:gd name="connsiteY6" fmla="*/ 384810 h 462915"/>
+              <a:gd name="connsiteX7" fmla="*/ 521970 w 1028700"/>
+              <a:gd name="connsiteY7" fmla="*/ 0 h 462915"/>
+              <a:gd name="connsiteX8" fmla="*/ 521970 w 1028700"/>
+              <a:gd name="connsiteY8" fmla="*/ 340995 h 462915"/>
+              <a:gd name="connsiteX9" fmla="*/ 598170 w 1028700"/>
+              <a:gd name="connsiteY9" fmla="*/ 386715 h 462915"/>
+              <a:gd name="connsiteX10" fmla="*/ 662940 w 1028700"/>
+              <a:gd name="connsiteY10" fmla="*/ 306705 h 462915"/>
+              <a:gd name="connsiteX11" fmla="*/ 744855 w 1028700"/>
+              <a:gd name="connsiteY11" fmla="*/ 344805 h 462915"/>
+              <a:gd name="connsiteX12" fmla="*/ 845820 w 1028700"/>
+              <a:gd name="connsiteY12" fmla="*/ 331470 h 462915"/>
+              <a:gd name="connsiteX13" fmla="*/ 868680 w 1028700"/>
+              <a:gd name="connsiteY13" fmla="*/ 40005 h 462915"/>
+              <a:gd name="connsiteX14" fmla="*/ 893445 w 1028700"/>
+              <a:gd name="connsiteY14" fmla="*/ 316230 h 462915"/>
+              <a:gd name="connsiteX15" fmla="*/ 941070 w 1028700"/>
+              <a:gd name="connsiteY15" fmla="*/ 316230 h 462915"/>
+              <a:gd name="connsiteX16" fmla="*/ 1028700 w 1028700"/>
+              <a:gd name="connsiteY16" fmla="*/ 384810 h 462915"/>
+            </a:gdLst>
+            <a:ahLst/>
+            <a:cxnLst>
+              <a:cxn ang="0">
+                <a:pos x="connsiteX0" y="connsiteY0"/>
+              </a:cxn>
+              <a:cxn ang="0">
+                <a:pos x="connsiteX1" y="connsiteY1"/>
+              </a:cxn>
+              <a:cxn ang="0">
+                <a:pos x="connsiteX2" y="connsiteY2"/>
+              </a:cxn>
+              <a:cxn ang="0">
+                <a:pos x="connsiteX3" y="connsiteY3"/>
+              </a:cxn>
+              <a:cxn ang="0">
+                <a:pos x="connsiteX4" y="connsiteY4"/>
+              </a:cxn>
+              <a:cxn ang="0">
+                <a:pos x="connsiteX5" y="connsiteY5"/>
+              </a:cxn>
+              <a:cxn ang="0">
+                <a:pos x="connsiteX6" y="connsiteY6"/>
+              </a:cxn>
+              <a:cxn ang="0">
+                <a:pos x="connsiteX7" y="connsiteY7"/>
+              </a:cxn>
+              <a:cxn ang="0">
+                <a:pos x="connsiteX8" y="connsiteY8"/>
+              </a:cxn>
+              <a:cxn ang="0">
+                <a:pos x="connsiteX9" y="connsiteY9"/>
+              </a:cxn>
+              <a:cxn ang="0">
+                <a:pos x="connsiteX10" y="connsiteY10"/>
+              </a:cxn>
+              <a:cxn ang="0">
+                <a:pos x="connsiteX11" y="connsiteY11"/>
+              </a:cxn>
+              <a:cxn ang="0">
+                <a:pos x="connsiteX12" y="connsiteY12"/>
+              </a:cxn>
+              <a:cxn ang="0">
+                <a:pos x="connsiteX13" y="connsiteY13"/>
+              </a:cxn>
+              <a:cxn ang="0">
+                <a:pos x="connsiteX14" y="connsiteY14"/>
+              </a:cxn>
+              <a:cxn ang="0">
+                <a:pos x="connsiteX15" y="connsiteY15"/>
+              </a:cxn>
+              <a:cxn ang="0">
+                <a:pos x="connsiteX16" y="connsiteY16"/>
+              </a:cxn>
+            </a:cxnLst>
+            <a:rect l="l" t="t" r="r" b="b"/>
+            <a:pathLst>
+              <a:path w="1028700" h="462915">
+                <a:moveTo>
+                  <a:pt x="0" y="417195"/>
+                </a:moveTo>
+                <a:lnTo>
+                  <a:pt x="70485" y="392430"/>
+                </a:lnTo>
+                <a:lnTo>
+                  <a:pt x="142875" y="459105"/>
+                </a:lnTo>
+                <a:lnTo>
+                  <a:pt x="213360" y="413385"/>
+                </a:lnTo>
+                <a:lnTo>
+                  <a:pt x="333375" y="400050"/>
+                </a:lnTo>
+                <a:lnTo>
+                  <a:pt x="369570" y="462915"/>
+                </a:lnTo>
+                <a:lnTo>
+                  <a:pt x="491490" y="384810"/>
+                </a:lnTo>
+                <a:lnTo>
+                  <a:pt x="521970" y="0"/>
+                </a:lnTo>
+                <a:lnTo>
+                  <a:pt x="521970" y="340995"/>
+                </a:lnTo>
+                <a:lnTo>
+                  <a:pt x="598170" y="386715"/>
+                </a:lnTo>
+                <a:lnTo>
+                  <a:pt x="662940" y="306705"/>
+                </a:lnTo>
+                <a:lnTo>
+                  <a:pt x="744855" y="344805"/>
+                </a:lnTo>
+                <a:lnTo>
+                  <a:pt x="845820" y="331470"/>
+                </a:lnTo>
+                <a:lnTo>
+                  <a:pt x="868680" y="40005"/>
+                </a:lnTo>
+                <a:lnTo>
+                  <a:pt x="893445" y="316230"/>
+                </a:lnTo>
+                <a:lnTo>
+                  <a:pt x="941070" y="316230"/>
+                </a:lnTo>
+                <a:lnTo>
+                  <a:pt x="1028700" y="384810"/>
+                </a:lnTo>
+              </a:path>
+            </a:pathLst>
+          </a:custGeom>
+          <a:noFill/>
+          <a:ln>
+            <a:solidFill>
+              <a:srgbClr val="FF0000"/>
+            </a:solidFill>
+          </a:ln>
+        </p:spPr>
+        <p:style>
+          <a:lnRef idx="2">
+            <a:schemeClr val="accent1">
+              <a:shade val="50000"/>
+            </a:schemeClr>
+          </a:lnRef>
+          <a:fillRef idx="1">
+            <a:schemeClr val="accent1"/>
+          </a:fillRef>
+          <a:effectRef idx="0">
+            <a:schemeClr val="accent1"/>
+          </a:effectRef>
+          <a:fontRef idx="minor">
+            <a:schemeClr val="lt1"/>
+          </a:fontRef>
+        </p:style>
+        <p:txBody>
+          <a:bodyPr rtlCol="0" anchor="ctr"/>
+          <a:lstStyle/>
+          <a:p>
+            <a:pPr algn="ctr"/>
+            <a:endParaRPr lang="ko-KR" altLang="en-US"/>
+          </a:p>
+        </p:txBody>
+      </p:sp>
+      <p:sp>
+        <p:nvSpPr>
+          <p:cNvPr id="24" name="TextBox 23">
+            <a:extLst>
+              <a:ext uri="{FF2B5EF4-FFF2-40B4-BE49-F238E27FC236}">
+                <a16:creationId xmlns:a16="http://schemas.microsoft.com/office/drawing/2014/main" id="{958D9B74-66C0-4CB6-A9CB-C2A92E1E11EA}"/>
+              </a:ext>
+            </a:extLst>
+          </p:cNvPr>
+          <p:cNvSpPr txBox="1"/>
+          <p:nvPr/>
+        </p:nvSpPr>
+        <p:spPr>
+          <a:xfrm>
+            <a:off x="5147553" y="5028605"/>
+            <a:ext cx="2738250" cy="646331"/>
+          </a:xfrm>
+          <a:prstGeom prst="rect">
+            <a:avLst/>
+          </a:prstGeom>
+          <a:noFill/>
+        </p:spPr>
+        <p:txBody>
+          <a:bodyPr wrap="none" rtlCol="0">
+            <a:spAutoFit/>
+          </a:bodyPr>
+          <a:lstStyle/>
+          <a:p>
+            <a:r>
+              <a:rPr lang="ko-KR" altLang="en-US" dirty="0" err="1"/>
+              <a:t>심박에서</a:t>
+            </a:r>
+            <a:r>
+              <a:rPr lang="ko-KR" altLang="en-US" dirty="0"/>
+              <a:t> 별 다른 문제가</a:t>
+            </a:r>
+            <a:endParaRPr lang="en-US" altLang="ko-KR" dirty="0"/>
+          </a:p>
+          <a:p>
+            <a:r>
+              <a:rPr lang="ko-KR" altLang="en-US" dirty="0"/>
+              <a:t>발견되지 않았습니다</a:t>
+            </a:r>
+            <a:r>
+              <a:rPr lang="en-US" altLang="ko-KR" dirty="0"/>
+              <a:t>.</a:t>
+            </a:r>
+          </a:p>
+        </p:txBody>
+      </p:sp>
+      <p:sp>
+        <p:nvSpPr>
+          <p:cNvPr id="25" name="TextBox 24">
+            <a:extLst>
+              <a:ext uri="{FF2B5EF4-FFF2-40B4-BE49-F238E27FC236}">
+                <a16:creationId xmlns:a16="http://schemas.microsoft.com/office/drawing/2014/main" id="{6824EAAD-7295-41F5-85A3-729F701C0DEC}"/>
+              </a:ext>
+            </a:extLst>
+          </p:cNvPr>
+          <p:cNvSpPr txBox="1"/>
+          <p:nvPr/>
+        </p:nvSpPr>
+        <p:spPr>
+          <a:xfrm>
+            <a:off x="5313023" y="1118053"/>
+            <a:ext cx="2451312" cy="369332"/>
+          </a:xfrm>
+          <a:prstGeom prst="rect">
+            <a:avLst/>
+          </a:prstGeom>
+          <a:noFill/>
+        </p:spPr>
+        <p:txBody>
+          <a:bodyPr wrap="none" rtlCol="0">
+            <a:spAutoFit/>
+          </a:bodyPr>
+          <a:lstStyle/>
+          <a:p>
+            <a:r>
+              <a:rPr lang="en-US" altLang="ko-KR" dirty="0"/>
+              <a:t>20-02-12 </a:t>
+            </a:r>
+            <a:r>
+              <a:rPr lang="ko-KR" altLang="en-US" dirty="0"/>
+              <a:t>맥박 그래프</a:t>
+            </a:r>
+          </a:p>
+        </p:txBody>
+      </p:sp>
+      <p:sp>
+        <p:nvSpPr>
+          <p:cNvPr id="115" name="TextBox 114">
+            <a:extLst>
+              <a:ext uri="{FF2B5EF4-FFF2-40B4-BE49-F238E27FC236}">
+                <a16:creationId xmlns:a16="http://schemas.microsoft.com/office/drawing/2014/main" id="{C22A8FC1-EB85-420E-ADC0-D94536939619}"/>
+              </a:ext>
+            </a:extLst>
+          </p:cNvPr>
+          <p:cNvSpPr txBox="1"/>
+          <p:nvPr/>
+        </p:nvSpPr>
+        <p:spPr>
+          <a:xfrm>
+            <a:off x="1079198" y="1118053"/>
+            <a:ext cx="2451312" cy="369332"/>
+          </a:xfrm>
+          <a:prstGeom prst="rect">
+            <a:avLst/>
+          </a:prstGeom>
+          <a:noFill/>
+        </p:spPr>
+        <p:txBody>
+          <a:bodyPr wrap="none" rtlCol="0">
+            <a:spAutoFit/>
+          </a:bodyPr>
+          <a:lstStyle/>
+          <a:p>
+            <a:r>
+              <a:rPr lang="en-US" altLang="ko-KR" dirty="0"/>
+              <a:t>20-02-12 </a:t>
+            </a:r>
+            <a:r>
+              <a:rPr lang="ko-KR" altLang="en-US" dirty="0"/>
+              <a:t>맥박 그래프</a:t>
+            </a:r>
+          </a:p>
+        </p:txBody>
+      </p:sp>
+      <p:graphicFrame>
+        <p:nvGraphicFramePr>
+          <p:cNvPr id="26" name="표 26">
+            <a:extLst>
+              <a:ext uri="{FF2B5EF4-FFF2-40B4-BE49-F238E27FC236}">
+                <a16:creationId xmlns:a16="http://schemas.microsoft.com/office/drawing/2014/main" id="{80B03E93-9B12-4ACB-B5C1-DE804E9E9B8D}"/>
+              </a:ext>
+            </a:extLst>
+          </p:cNvPr>
+          <p:cNvGraphicFramePr>
+            <a:graphicFrameLocks noGrp="1"/>
+          </p:cNvGraphicFramePr>
+          <p:nvPr/>
+        </p:nvGraphicFramePr>
+        <p:xfrm>
+          <a:off x="8683143" y="4690521"/>
+          <a:ext cx="3397840" cy="1483360"/>
+        </p:xfrm>
+        <a:graphic>
+          <a:graphicData uri="http://schemas.openxmlformats.org/drawingml/2006/table">
+            <a:tbl>
+              <a:tblPr firstRow="1" bandRow="1">
+                <a:tableStyleId>{5C22544A-7EE6-4342-B048-85BDC9FD1C3A}</a:tableStyleId>
+              </a:tblPr>
+              <a:tblGrid>
+                <a:gridCol w="1698920">
+                  <a:extLst>
+                    <a:ext uri="{9D8B030D-6E8A-4147-A177-3AD203B41FA5}">
+                      <a16:colId xmlns:a16="http://schemas.microsoft.com/office/drawing/2014/main" val="296573162"/>
+                    </a:ext>
+                  </a:extLst>
+                </a:gridCol>
+                <a:gridCol w="1698920">
+                  <a:extLst>
+                    <a:ext uri="{9D8B030D-6E8A-4147-A177-3AD203B41FA5}">
+                      <a16:colId xmlns:a16="http://schemas.microsoft.com/office/drawing/2014/main" val="3888276352"/>
+                    </a:ext>
+                  </a:extLst>
+                </a:gridCol>
+              </a:tblGrid>
+              <a:tr h="370840">
+                <a:tc>
+                  <a:txBody>
+                    <a:bodyPr/>
+                    <a:lstStyle/>
+                    <a:p>
+                      <a:pPr algn="ctr" latinLnBrk="1"/>
+                      <a:endParaRPr lang="ko-KR" altLang="en-US" sz="1200" b="1" dirty="0">
+                        <a:solidFill>
+                          <a:schemeClr val="tx1"/>
+                        </a:solidFill>
+                      </a:endParaRPr>
+                    </a:p>
+                  </a:txBody>
+                  <a:tcPr anchor="ctr">
+                    <a:lnL w="12700" cap="flat" cmpd="sng" algn="ctr">
+                      <a:solidFill>
+                        <a:schemeClr val="tx1"/>
+                      </a:solidFill>
+                      <a:prstDash val="solid"/>
+                      <a:round/>
+                      <a:headEnd type="none" w="med" len="med"/>
+                      <a:tailEnd type="none" w="med" len="med"/>
+                    </a:lnL>
+                    <a:lnR w="12700" cap="flat" cmpd="sng" algn="ctr">
+                      <a:solidFill>
+                        <a:schemeClr val="tx1"/>
+                      </a:solidFill>
+                      <a:prstDash val="solid"/>
+                      <a:round/>
+                      <a:headEnd type="none" w="med" len="med"/>
+                      <a:tailEnd type="none" w="med" len="med"/>
+                    </a:lnR>
+                    <a:lnT w="12700" cap="flat" cmpd="sng" algn="ctr">
+                      <a:solidFill>
+                        <a:schemeClr val="tx1"/>
+                      </a:solidFill>
+                      <a:prstDash val="solid"/>
+                      <a:round/>
+                      <a:headEnd type="none" w="med" len="med"/>
+                      <a:tailEnd type="none" w="med" len="med"/>
+                    </a:lnT>
+                    <a:lnB w="12700" cap="flat" cmpd="sng" algn="ctr">
+                      <a:solidFill>
+                        <a:schemeClr val="tx1"/>
+                      </a:solidFill>
+                      <a:prstDash val="solid"/>
+                      <a:round/>
+                      <a:headEnd type="none" w="med" len="med"/>
+                      <a:tailEnd type="none" w="med" len="med"/>
+                    </a:lnB>
+                    <a:solidFill>
+                      <a:schemeClr val="bg1"/>
+                    </a:solidFill>
+                  </a:tcPr>
+                </a:tc>
+                <a:tc>
+                  <a:txBody>
+                    <a:bodyPr/>
+                    <a:lstStyle/>
+                    <a:p>
+                      <a:pPr algn="ctr" latinLnBrk="1"/>
+                      <a:r>
+                        <a:rPr lang="ko-KR" altLang="en-US" sz="1200" b="1" dirty="0">
+                          <a:solidFill>
+                            <a:schemeClr val="tx1"/>
+                          </a:solidFill>
+                        </a:rPr>
+                        <a:t>일반 모드의 그래프</a:t>
+                      </a:r>
+                    </a:p>
+                  </a:txBody>
+                  <a:tcPr anchor="ctr">
+                    <a:lnL w="12700" cap="flat" cmpd="sng" algn="ctr">
+                      <a:solidFill>
+                        <a:schemeClr val="tx1"/>
+                      </a:solidFill>
+                      <a:prstDash val="solid"/>
+                      <a:round/>
+                      <a:headEnd type="none" w="med" len="med"/>
+                      <a:tailEnd type="none" w="med" len="med"/>
+                    </a:lnL>
+                    <a:lnR w="12700" cap="flat" cmpd="sng" algn="ctr">
+                      <a:solidFill>
+                        <a:schemeClr val="tx1"/>
+                      </a:solidFill>
+                      <a:prstDash val="solid"/>
+                      <a:round/>
+                      <a:headEnd type="none" w="med" len="med"/>
+                      <a:tailEnd type="none" w="med" len="med"/>
+                    </a:lnR>
+                    <a:lnT w="12700" cap="flat" cmpd="sng" algn="ctr">
+                      <a:solidFill>
+                        <a:schemeClr val="tx1"/>
+                      </a:solidFill>
+                      <a:prstDash val="solid"/>
+                      <a:round/>
+                      <a:headEnd type="none" w="med" len="med"/>
+                      <a:tailEnd type="none" w="med" len="med"/>
+                    </a:lnT>
+                    <a:lnB w="12700" cap="flat" cmpd="sng" algn="ctr">
+                      <a:solidFill>
+                        <a:schemeClr val="tx1"/>
+                      </a:solidFill>
+                      <a:prstDash val="solid"/>
+                      <a:round/>
+                      <a:headEnd type="none" w="med" len="med"/>
+                      <a:tailEnd type="none" w="med" len="med"/>
+                    </a:lnB>
+                    <a:solidFill>
+                      <a:schemeClr val="bg1"/>
+                    </a:solidFill>
+                  </a:tcPr>
+                </a:tc>
+                <a:extLst>
+                  <a:ext uri="{0D108BD9-81ED-4DB2-BD59-A6C34878D82A}">
+                    <a16:rowId xmlns:a16="http://schemas.microsoft.com/office/drawing/2014/main" val="2678357547"/>
+                  </a:ext>
+                </a:extLst>
+              </a:tr>
+              <a:tr h="370840">
+                <a:tc>
+                  <a:txBody>
+                    <a:bodyPr/>
+                    <a:lstStyle/>
+                    <a:p>
+                      <a:pPr algn="ctr" latinLnBrk="1"/>
+                      <a:endParaRPr lang="ko-KR" altLang="en-US" sz="1200" b="1" dirty="0">
+                        <a:solidFill>
+                          <a:schemeClr val="tx1"/>
+                        </a:solidFill>
+                      </a:endParaRPr>
+                    </a:p>
+                  </a:txBody>
+                  <a:tcPr anchor="ctr">
+                    <a:lnL w="12700" cap="flat" cmpd="sng" algn="ctr">
+                      <a:solidFill>
+                        <a:schemeClr val="tx1"/>
+                      </a:solidFill>
+                      <a:prstDash val="solid"/>
+                      <a:round/>
+                      <a:headEnd type="none" w="med" len="med"/>
+                      <a:tailEnd type="none" w="med" len="med"/>
+                    </a:lnL>
+                    <a:lnR w="12700" cap="flat" cmpd="sng" algn="ctr">
+                      <a:solidFill>
+                        <a:schemeClr val="tx1"/>
+                      </a:solidFill>
+                      <a:prstDash val="solid"/>
+                      <a:round/>
+                      <a:headEnd type="none" w="med" len="med"/>
+                      <a:tailEnd type="none" w="med" len="med"/>
+                    </a:lnR>
+                    <a:lnT w="12700" cap="flat" cmpd="sng" algn="ctr">
+                      <a:solidFill>
+                        <a:schemeClr val="tx1"/>
+                      </a:solidFill>
+                      <a:prstDash val="solid"/>
+                      <a:round/>
+                      <a:headEnd type="none" w="med" len="med"/>
+                      <a:tailEnd type="none" w="med" len="med"/>
+                    </a:lnT>
+                    <a:lnB w="12700" cap="flat" cmpd="sng" algn="ctr">
+                      <a:solidFill>
+                        <a:schemeClr val="tx1"/>
+                      </a:solidFill>
+                      <a:prstDash val="solid"/>
+                      <a:round/>
+                      <a:headEnd type="none" w="med" len="med"/>
+                      <a:tailEnd type="none" w="med" len="med"/>
+                    </a:lnB>
+                    <a:solidFill>
+                      <a:schemeClr val="bg1"/>
+                    </a:solidFill>
+                  </a:tcPr>
+                </a:tc>
+                <a:tc>
+                  <a:txBody>
+                    <a:bodyPr/>
+                    <a:lstStyle/>
+                    <a:p>
+                      <a:pPr marL="0" marR="0" lvl="0" indent="0" algn="ctr" defTabSz="914400" rtl="0" eaLnBrk="1" fontAlgn="auto" latinLnBrk="1" hangingPunct="1">
+                        <a:lnSpc>
+                          <a:spcPct val="100000"/>
+                        </a:lnSpc>
+                        <a:spcBef>
+                          <a:spcPts val="0"/>
+                        </a:spcBef>
+                        <a:spcAft>
+                          <a:spcPts val="0"/>
+                        </a:spcAft>
+                        <a:buClrTx/>
+                        <a:buSzTx/>
+                        <a:buFontTx/>
+                        <a:buNone/>
+                        <a:tabLst/>
+                        <a:defRPr/>
+                      </a:pPr>
+                      <a:r>
+                        <a:rPr lang="ko-KR" altLang="en-US" sz="1200" b="1" dirty="0">
+                          <a:solidFill>
+                            <a:schemeClr val="tx1"/>
+                          </a:solidFill>
+                        </a:rPr>
+                        <a:t>운동 모드의 그래프</a:t>
+                      </a:r>
+                    </a:p>
+                  </a:txBody>
+                  <a:tcPr anchor="ctr">
+                    <a:lnL w="12700" cap="flat" cmpd="sng" algn="ctr">
+                      <a:solidFill>
+                        <a:schemeClr val="tx1"/>
+                      </a:solidFill>
+                      <a:prstDash val="solid"/>
+                      <a:round/>
+                      <a:headEnd type="none" w="med" len="med"/>
+                      <a:tailEnd type="none" w="med" len="med"/>
+                    </a:lnL>
+                    <a:lnR w="12700" cap="flat" cmpd="sng" algn="ctr">
+                      <a:solidFill>
+                        <a:schemeClr val="tx1"/>
+                      </a:solidFill>
+                      <a:prstDash val="solid"/>
+                      <a:round/>
+                      <a:headEnd type="none" w="med" len="med"/>
+                      <a:tailEnd type="none" w="med" len="med"/>
+                    </a:lnR>
+                    <a:lnT w="12700" cap="flat" cmpd="sng" algn="ctr">
+                      <a:solidFill>
+                        <a:schemeClr val="tx1"/>
+                      </a:solidFill>
+                      <a:prstDash val="solid"/>
+                      <a:round/>
+                      <a:headEnd type="none" w="med" len="med"/>
+                      <a:tailEnd type="none" w="med" len="med"/>
+                    </a:lnT>
+                    <a:lnB w="12700" cap="flat" cmpd="sng" algn="ctr">
+                      <a:solidFill>
+                        <a:schemeClr val="tx1"/>
+                      </a:solidFill>
+                      <a:prstDash val="solid"/>
+                      <a:round/>
+                      <a:headEnd type="none" w="med" len="med"/>
+                      <a:tailEnd type="none" w="med" len="med"/>
+                    </a:lnB>
+                    <a:solidFill>
+                      <a:schemeClr val="bg1"/>
+                    </a:solidFill>
+                  </a:tcPr>
+                </a:tc>
+                <a:extLst>
+                  <a:ext uri="{0D108BD9-81ED-4DB2-BD59-A6C34878D82A}">
+                    <a16:rowId xmlns:a16="http://schemas.microsoft.com/office/drawing/2014/main" val="68703093"/>
+                  </a:ext>
+                </a:extLst>
+              </a:tr>
+              <a:tr h="370840">
+                <a:tc>
+                  <a:txBody>
+                    <a:bodyPr/>
+                    <a:lstStyle/>
+                    <a:p>
+                      <a:pPr algn="ctr" latinLnBrk="1"/>
+                      <a:endParaRPr lang="ko-KR" altLang="en-US" sz="1200" b="1" dirty="0">
+                        <a:solidFill>
+                          <a:schemeClr val="tx1"/>
+                        </a:solidFill>
+                      </a:endParaRPr>
+                    </a:p>
+                  </a:txBody>
+                  <a:tcPr anchor="ctr">
+                    <a:lnL w="12700" cap="flat" cmpd="sng" algn="ctr">
+                      <a:solidFill>
+                        <a:schemeClr val="tx1"/>
+                      </a:solidFill>
+                      <a:prstDash val="solid"/>
+                      <a:round/>
+                      <a:headEnd type="none" w="med" len="med"/>
+                      <a:tailEnd type="none" w="med" len="med"/>
+                    </a:lnL>
+                    <a:lnR w="12700" cap="flat" cmpd="sng" algn="ctr">
+                      <a:solidFill>
+                        <a:schemeClr val="tx1"/>
+                      </a:solidFill>
+                      <a:prstDash val="solid"/>
+                      <a:round/>
+                      <a:headEnd type="none" w="med" len="med"/>
+                      <a:tailEnd type="none" w="med" len="med"/>
+                    </a:lnR>
+                    <a:lnT w="12700" cap="flat" cmpd="sng" algn="ctr">
+                      <a:solidFill>
+                        <a:schemeClr val="tx1"/>
+                      </a:solidFill>
+                      <a:prstDash val="solid"/>
+                      <a:round/>
+                      <a:headEnd type="none" w="med" len="med"/>
+                      <a:tailEnd type="none" w="med" len="med"/>
+                    </a:lnT>
+                    <a:lnB w="12700" cap="flat" cmpd="sng" algn="ctr">
+                      <a:solidFill>
+                        <a:schemeClr val="tx1"/>
+                      </a:solidFill>
+                      <a:prstDash val="solid"/>
+                      <a:round/>
+                      <a:headEnd type="none" w="med" len="med"/>
+                      <a:tailEnd type="none" w="med" len="med"/>
+                    </a:lnB>
+                    <a:solidFill>
+                      <a:schemeClr val="bg1"/>
+                    </a:solidFill>
+                  </a:tcPr>
+                </a:tc>
+                <a:tc>
+                  <a:txBody>
+                    <a:bodyPr/>
+                    <a:lstStyle/>
+                    <a:p>
+                      <a:pPr algn="ctr" latinLnBrk="1"/>
+                      <a:r>
+                        <a:rPr lang="ko-KR" altLang="en-US" sz="1200" b="1" dirty="0">
+                          <a:solidFill>
+                            <a:schemeClr val="tx1"/>
+                          </a:solidFill>
+                        </a:rPr>
+                        <a:t>안정 상태의 맥박 수</a:t>
+                      </a:r>
+                    </a:p>
+                  </a:txBody>
+                  <a:tcPr anchor="ctr">
+                    <a:lnL w="12700" cap="flat" cmpd="sng" algn="ctr">
+                      <a:solidFill>
+                        <a:schemeClr val="tx1"/>
+                      </a:solidFill>
+                      <a:prstDash val="solid"/>
+                      <a:round/>
+                      <a:headEnd type="none" w="med" len="med"/>
+                      <a:tailEnd type="none" w="med" len="med"/>
+                    </a:lnL>
+                    <a:lnR w="12700" cap="flat" cmpd="sng" algn="ctr">
+                      <a:solidFill>
+                        <a:schemeClr val="tx1"/>
+                      </a:solidFill>
+                      <a:prstDash val="solid"/>
+                      <a:round/>
+                      <a:headEnd type="none" w="med" len="med"/>
+                      <a:tailEnd type="none" w="med" len="med"/>
+                    </a:lnR>
+                    <a:lnT w="12700" cap="flat" cmpd="sng" algn="ctr">
+                      <a:solidFill>
+                        <a:schemeClr val="tx1"/>
+                      </a:solidFill>
+                      <a:prstDash val="solid"/>
+                      <a:round/>
+                      <a:headEnd type="none" w="med" len="med"/>
+                      <a:tailEnd type="none" w="med" len="med"/>
+                    </a:lnT>
+                    <a:lnB w="12700" cap="flat" cmpd="sng" algn="ctr">
+                      <a:solidFill>
+                        <a:schemeClr val="tx1"/>
+                      </a:solidFill>
+                      <a:prstDash val="solid"/>
+                      <a:round/>
+                      <a:headEnd type="none" w="med" len="med"/>
+                      <a:tailEnd type="none" w="med" len="med"/>
+                    </a:lnB>
+                    <a:solidFill>
+                      <a:schemeClr val="bg1"/>
+                    </a:solidFill>
+                  </a:tcPr>
+                </a:tc>
+                <a:extLst>
+                  <a:ext uri="{0D108BD9-81ED-4DB2-BD59-A6C34878D82A}">
+                    <a16:rowId xmlns:a16="http://schemas.microsoft.com/office/drawing/2014/main" val="2370820380"/>
+                  </a:ext>
+                </a:extLst>
+              </a:tr>
+              <a:tr h="370840">
+                <a:tc>
+                  <a:txBody>
+                    <a:bodyPr/>
+                    <a:lstStyle/>
+                    <a:p>
+                      <a:pPr algn="ctr" latinLnBrk="1"/>
+                      <a:endParaRPr lang="ko-KR" altLang="en-US" sz="1200" b="1" dirty="0">
+                        <a:solidFill>
+                          <a:schemeClr val="tx1"/>
+                        </a:solidFill>
+                      </a:endParaRPr>
+                    </a:p>
+                  </a:txBody>
+                  <a:tcPr anchor="ctr">
+                    <a:lnL w="12700" cap="flat" cmpd="sng" algn="ctr">
+                      <a:solidFill>
+                        <a:schemeClr val="tx1"/>
+                      </a:solidFill>
+                      <a:prstDash val="solid"/>
+                      <a:round/>
+                      <a:headEnd type="none" w="med" len="med"/>
+                      <a:tailEnd type="none" w="med" len="med"/>
+                    </a:lnL>
+                    <a:lnR w="12700" cap="flat" cmpd="sng" algn="ctr">
+                      <a:solidFill>
+                        <a:schemeClr val="tx1"/>
+                      </a:solidFill>
+                      <a:prstDash val="solid"/>
+                      <a:round/>
+                      <a:headEnd type="none" w="med" len="med"/>
+                      <a:tailEnd type="none" w="med" len="med"/>
+                    </a:lnR>
+                    <a:lnT w="12700" cap="flat" cmpd="sng" algn="ctr">
+                      <a:solidFill>
+                        <a:schemeClr val="tx1"/>
+                      </a:solidFill>
+                      <a:prstDash val="solid"/>
+                      <a:round/>
+                      <a:headEnd type="none" w="med" len="med"/>
+                      <a:tailEnd type="none" w="med" len="med"/>
+                    </a:lnT>
+                    <a:lnB w="12700" cap="flat" cmpd="sng" algn="ctr">
+                      <a:solidFill>
+                        <a:schemeClr val="tx1"/>
+                      </a:solidFill>
+                      <a:prstDash val="solid"/>
+                      <a:round/>
+                      <a:headEnd type="none" w="med" len="med"/>
+                      <a:tailEnd type="none" w="med" len="med"/>
+                    </a:lnB>
+                    <a:solidFill>
+                      <a:schemeClr val="bg1"/>
+                    </a:solidFill>
+                  </a:tcPr>
+                </a:tc>
+                <a:tc>
+                  <a:txBody>
+                    <a:bodyPr/>
+                    <a:lstStyle/>
+                    <a:p>
+                      <a:pPr algn="ctr" latinLnBrk="1"/>
+                      <a:r>
+                        <a:rPr lang="ko-KR" altLang="en-US" sz="1200" b="1" dirty="0">
+                          <a:solidFill>
+                            <a:schemeClr val="tx1"/>
+                          </a:solidFill>
+                        </a:rPr>
+                        <a:t>부정맥 의심 기준</a:t>
+                      </a:r>
+                    </a:p>
+                  </a:txBody>
+                  <a:tcPr anchor="ctr">
+                    <a:lnL w="12700" cap="flat" cmpd="sng" algn="ctr">
+                      <a:solidFill>
+                        <a:schemeClr val="tx1"/>
+                      </a:solidFill>
+                      <a:prstDash val="solid"/>
+                      <a:round/>
+                      <a:headEnd type="none" w="med" len="med"/>
+                      <a:tailEnd type="none" w="med" len="med"/>
+                    </a:lnL>
+                    <a:lnR w="12700" cap="flat" cmpd="sng" algn="ctr">
+                      <a:solidFill>
+                        <a:schemeClr val="tx1"/>
+                      </a:solidFill>
+                      <a:prstDash val="solid"/>
+                      <a:round/>
+                      <a:headEnd type="none" w="med" len="med"/>
+                      <a:tailEnd type="none" w="med" len="med"/>
+                    </a:lnR>
+                    <a:lnT w="12700" cap="flat" cmpd="sng" algn="ctr">
+                      <a:solidFill>
+                        <a:schemeClr val="tx1"/>
+                      </a:solidFill>
+                      <a:prstDash val="solid"/>
+                      <a:round/>
+                      <a:headEnd type="none" w="med" len="med"/>
+                      <a:tailEnd type="none" w="med" len="med"/>
+                    </a:lnT>
+                    <a:lnB w="12700" cap="flat" cmpd="sng" algn="ctr">
+                      <a:solidFill>
+                        <a:schemeClr val="tx1"/>
+                      </a:solidFill>
+                      <a:prstDash val="solid"/>
+                      <a:round/>
+                      <a:headEnd type="none" w="med" len="med"/>
+                      <a:tailEnd type="none" w="med" len="med"/>
+                    </a:lnB>
+                    <a:solidFill>
+                      <a:schemeClr val="bg1"/>
+                    </a:solidFill>
+                  </a:tcPr>
+                </a:tc>
+                <a:extLst>
+                  <a:ext uri="{0D108BD9-81ED-4DB2-BD59-A6C34878D82A}">
+                    <a16:rowId xmlns:a16="http://schemas.microsoft.com/office/drawing/2014/main" val="2137917472"/>
+                  </a:ext>
+                </a:extLst>
+              </a:tr>
+            </a:tbl>
+          </a:graphicData>
+        </a:graphic>
+      </p:graphicFrame>
+      <p:cxnSp>
+        <p:nvCxnSpPr>
+          <p:cNvPr id="29" name="직선 연결선 28">
+            <a:extLst>
+              <a:ext uri="{FF2B5EF4-FFF2-40B4-BE49-F238E27FC236}">
+                <a16:creationId xmlns:a16="http://schemas.microsoft.com/office/drawing/2014/main" id="{AE2D872F-BCB6-4B35-8FE7-C2CB3958121D}"/>
+              </a:ext>
+            </a:extLst>
+          </p:cNvPr>
+          <p:cNvCxnSpPr/>
+          <p:nvPr/>
+        </p:nvCxnSpPr>
+        <p:spPr>
+          <a:xfrm>
+            <a:off x="9040306" y="4873658"/>
+            <a:ext cx="968565" cy="0"/>
+          </a:xfrm>
+          <a:prstGeom prst="line">
+            <a:avLst/>
+          </a:prstGeom>
+        </p:spPr>
+        <p:style>
+          <a:lnRef idx="1">
+            <a:schemeClr val="accent1"/>
+          </a:lnRef>
+          <a:fillRef idx="0">
+            <a:schemeClr val="accent1"/>
+          </a:fillRef>
+          <a:effectRef idx="0">
+            <a:schemeClr val="accent1"/>
+          </a:effectRef>
+          <a:fontRef idx="minor">
+            <a:schemeClr val="tx1"/>
+          </a:fontRef>
+        </p:style>
+      </p:cxnSp>
+      <p:cxnSp>
+        <p:nvCxnSpPr>
+          <p:cNvPr id="117" name="직선 연결선 116">
+            <a:extLst>
+              <a:ext uri="{FF2B5EF4-FFF2-40B4-BE49-F238E27FC236}">
+                <a16:creationId xmlns:a16="http://schemas.microsoft.com/office/drawing/2014/main" id="{133A1720-0EB6-47A9-8815-6D9A9DCAF02D}"/>
+              </a:ext>
+            </a:extLst>
+          </p:cNvPr>
+          <p:cNvCxnSpPr/>
+          <p:nvPr/>
+        </p:nvCxnSpPr>
+        <p:spPr>
+          <a:xfrm>
+            <a:off x="9040306" y="5241303"/>
+            <a:ext cx="968565" cy="0"/>
+          </a:xfrm>
+          <a:prstGeom prst="line">
+            <a:avLst/>
+          </a:prstGeom>
+          <a:ln>
+            <a:solidFill>
+              <a:srgbClr val="FF0000"/>
+            </a:solidFill>
+          </a:ln>
+        </p:spPr>
+        <p:style>
+          <a:lnRef idx="1">
+            <a:schemeClr val="accent1"/>
+          </a:lnRef>
+          <a:fillRef idx="0">
+            <a:schemeClr val="accent1"/>
+          </a:fillRef>
+          <a:effectRef idx="0">
+            <a:schemeClr val="accent1"/>
+          </a:effectRef>
+          <a:fontRef idx="minor">
+            <a:schemeClr val="tx1"/>
+          </a:fontRef>
+        </p:style>
+      </p:cxnSp>
+      <p:cxnSp>
+        <p:nvCxnSpPr>
+          <p:cNvPr id="119" name="직선 연결선 118">
+            <a:extLst>
+              <a:ext uri="{FF2B5EF4-FFF2-40B4-BE49-F238E27FC236}">
+                <a16:creationId xmlns:a16="http://schemas.microsoft.com/office/drawing/2014/main" id="{07BD2A7C-8771-494F-99D3-D443BEA723E1}"/>
+              </a:ext>
+            </a:extLst>
+          </p:cNvPr>
+          <p:cNvCxnSpPr/>
+          <p:nvPr/>
+        </p:nvCxnSpPr>
+        <p:spPr>
+          <a:xfrm>
+            <a:off x="9040306" y="5599521"/>
+            <a:ext cx="968565" cy="0"/>
+          </a:xfrm>
+          <a:prstGeom prst="line">
+            <a:avLst/>
+          </a:prstGeom>
+          <a:ln>
+            <a:solidFill>
+              <a:srgbClr val="92D050"/>
+            </a:solidFill>
+          </a:ln>
+        </p:spPr>
+        <p:style>
+          <a:lnRef idx="1">
+            <a:schemeClr val="accent1"/>
+          </a:lnRef>
+          <a:fillRef idx="0">
+            <a:schemeClr val="accent1"/>
+          </a:fillRef>
+          <a:effectRef idx="0">
+            <a:schemeClr val="accent1"/>
+          </a:effectRef>
+          <a:fontRef idx="minor">
+            <a:schemeClr val="tx1"/>
+          </a:fontRef>
+        </p:style>
+      </p:cxnSp>
+      <p:cxnSp>
+        <p:nvCxnSpPr>
+          <p:cNvPr id="120" name="직선 연결선 119">
+            <a:extLst>
+              <a:ext uri="{FF2B5EF4-FFF2-40B4-BE49-F238E27FC236}">
+                <a16:creationId xmlns:a16="http://schemas.microsoft.com/office/drawing/2014/main" id="{9934FE75-D9F2-47D2-BAE4-AC9E59E8A035}"/>
+              </a:ext>
+            </a:extLst>
+          </p:cNvPr>
+          <p:cNvCxnSpPr>
+            <a:cxnSpLocks/>
+          </p:cNvCxnSpPr>
+          <p:nvPr/>
+        </p:nvCxnSpPr>
+        <p:spPr>
+          <a:xfrm>
+            <a:off x="565608" y="3262848"/>
+            <a:ext cx="3525625" cy="0"/>
+          </a:xfrm>
+          <a:prstGeom prst="line">
+            <a:avLst/>
+          </a:prstGeom>
+          <a:ln>
+            <a:solidFill>
+              <a:schemeClr val="tx1"/>
+            </a:solidFill>
+          </a:ln>
+        </p:spPr>
+        <p:style>
+          <a:lnRef idx="1">
+            <a:schemeClr val="accent1"/>
+          </a:lnRef>
+          <a:fillRef idx="0">
+            <a:schemeClr val="accent1"/>
+          </a:fillRef>
+          <a:effectRef idx="0">
+            <a:schemeClr val="accent1"/>
+          </a:effectRef>
+          <a:fontRef idx="minor">
+            <a:schemeClr val="tx1"/>
+          </a:fontRef>
+        </p:style>
+      </p:cxnSp>
+      <p:sp>
+        <p:nvSpPr>
+          <p:cNvPr id="121" name="TextBox 120">
+            <a:extLst>
+              <a:ext uri="{FF2B5EF4-FFF2-40B4-BE49-F238E27FC236}">
+                <a16:creationId xmlns:a16="http://schemas.microsoft.com/office/drawing/2014/main" id="{15536EDE-CC9F-4CB2-AC8A-AD4E91FFA7D8}"/>
+              </a:ext>
+            </a:extLst>
+          </p:cNvPr>
+          <p:cNvSpPr txBox="1"/>
+          <p:nvPr/>
+        </p:nvSpPr>
+        <p:spPr>
+          <a:xfrm>
+            <a:off x="252429" y="3163126"/>
+            <a:ext cx="352982" cy="215444"/>
+          </a:xfrm>
+          <a:prstGeom prst="rect">
+            <a:avLst/>
+          </a:prstGeom>
+          <a:noFill/>
+        </p:spPr>
+        <p:txBody>
+          <a:bodyPr wrap="none" rtlCol="0">
+            <a:spAutoFit/>
+          </a:bodyPr>
+          <a:lstStyle/>
+          <a:p>
+            <a:r>
+              <a:rPr lang="en-US" altLang="ko-KR" sz="800" dirty="0"/>
+              <a:t>100</a:t>
+            </a:r>
+            <a:endParaRPr lang="ko-KR" altLang="en-US" sz="800" dirty="0"/>
+          </a:p>
+        </p:txBody>
+      </p:sp>
+      <p:cxnSp>
+        <p:nvCxnSpPr>
+          <p:cNvPr id="123" name="직선 연결선 122">
+            <a:extLst>
+              <a:ext uri="{FF2B5EF4-FFF2-40B4-BE49-F238E27FC236}">
+                <a16:creationId xmlns:a16="http://schemas.microsoft.com/office/drawing/2014/main" id="{A5F4AF3A-16AD-4CCA-A3D8-8EF44889ADBE}"/>
+              </a:ext>
+            </a:extLst>
+          </p:cNvPr>
+          <p:cNvCxnSpPr>
+            <a:cxnSpLocks/>
+          </p:cNvCxnSpPr>
+          <p:nvPr/>
+        </p:nvCxnSpPr>
+        <p:spPr>
+          <a:xfrm>
+            <a:off x="565608" y="3812653"/>
+            <a:ext cx="3525625" cy="0"/>
+          </a:xfrm>
+          <a:prstGeom prst="line">
+            <a:avLst/>
+          </a:prstGeom>
+          <a:ln>
+            <a:solidFill>
+              <a:schemeClr val="tx1"/>
+            </a:solidFill>
+          </a:ln>
+        </p:spPr>
+        <p:style>
+          <a:lnRef idx="1">
+            <a:schemeClr val="accent1"/>
+          </a:lnRef>
+          <a:fillRef idx="0">
+            <a:schemeClr val="accent1"/>
+          </a:fillRef>
+          <a:effectRef idx="0">
+            <a:schemeClr val="accent1"/>
+          </a:effectRef>
+          <a:fontRef idx="minor">
+            <a:schemeClr val="tx1"/>
+          </a:fontRef>
+        </p:style>
+      </p:cxnSp>
+      <p:sp>
+        <p:nvSpPr>
+          <p:cNvPr id="124" name="TextBox 123">
+            <a:extLst>
+              <a:ext uri="{FF2B5EF4-FFF2-40B4-BE49-F238E27FC236}">
+                <a16:creationId xmlns:a16="http://schemas.microsoft.com/office/drawing/2014/main" id="{B25C17D6-AD1E-4E46-864F-EEA957B9FB0D}"/>
+              </a:ext>
+            </a:extLst>
+          </p:cNvPr>
+          <p:cNvSpPr txBox="1"/>
+          <p:nvPr/>
+        </p:nvSpPr>
+        <p:spPr>
+          <a:xfrm>
+            <a:off x="279206" y="3720680"/>
+            <a:ext cx="296876" cy="215444"/>
+          </a:xfrm>
+          <a:prstGeom prst="rect">
+            <a:avLst/>
+          </a:prstGeom>
+          <a:noFill/>
+        </p:spPr>
+        <p:txBody>
+          <a:bodyPr wrap="none" rtlCol="0">
+            <a:spAutoFit/>
+          </a:bodyPr>
+          <a:lstStyle/>
+          <a:p>
+            <a:r>
+              <a:rPr lang="en-US" altLang="ko-KR" sz="800" dirty="0"/>
+              <a:t>40</a:t>
+            </a:r>
+            <a:endParaRPr lang="ko-KR" altLang="en-US" sz="800" dirty="0"/>
+          </a:p>
+        </p:txBody>
+      </p:sp>
+      <p:cxnSp>
+        <p:nvCxnSpPr>
+          <p:cNvPr id="126" name="직선 연결선 125">
+            <a:extLst>
+              <a:ext uri="{FF2B5EF4-FFF2-40B4-BE49-F238E27FC236}">
+                <a16:creationId xmlns:a16="http://schemas.microsoft.com/office/drawing/2014/main" id="{2FBF5579-1C9C-4FDB-BBF8-DA73EABE5D9B}"/>
+              </a:ext>
+            </a:extLst>
+          </p:cNvPr>
+          <p:cNvCxnSpPr>
+            <a:cxnSpLocks/>
+          </p:cNvCxnSpPr>
+          <p:nvPr/>
+        </p:nvCxnSpPr>
+        <p:spPr>
+          <a:xfrm>
+            <a:off x="4765777" y="3262848"/>
+            <a:ext cx="3525625" cy="0"/>
+          </a:xfrm>
+          <a:prstGeom prst="line">
+            <a:avLst/>
+          </a:prstGeom>
+          <a:ln>
+            <a:solidFill>
+              <a:schemeClr val="tx1"/>
+            </a:solidFill>
+          </a:ln>
+        </p:spPr>
+        <p:style>
+          <a:lnRef idx="1">
+            <a:schemeClr val="accent1"/>
+          </a:lnRef>
+          <a:fillRef idx="0">
+            <a:schemeClr val="accent1"/>
+          </a:fillRef>
+          <a:effectRef idx="0">
+            <a:schemeClr val="accent1"/>
+          </a:effectRef>
+          <a:fontRef idx="minor">
+            <a:schemeClr val="tx1"/>
+          </a:fontRef>
+        </p:style>
+      </p:cxnSp>
+      <p:sp>
+        <p:nvSpPr>
+          <p:cNvPr id="127" name="TextBox 126">
+            <a:extLst>
+              <a:ext uri="{FF2B5EF4-FFF2-40B4-BE49-F238E27FC236}">
+                <a16:creationId xmlns:a16="http://schemas.microsoft.com/office/drawing/2014/main" id="{8B72C7E2-0A03-46A0-868E-F6D9F59363E5}"/>
+              </a:ext>
+            </a:extLst>
+          </p:cNvPr>
+          <p:cNvSpPr txBox="1"/>
+          <p:nvPr/>
+        </p:nvSpPr>
+        <p:spPr>
+          <a:xfrm>
+            <a:off x="4452598" y="3163126"/>
+            <a:ext cx="352982" cy="215444"/>
+          </a:xfrm>
+          <a:prstGeom prst="rect">
+            <a:avLst/>
+          </a:prstGeom>
+          <a:noFill/>
+        </p:spPr>
+        <p:txBody>
+          <a:bodyPr wrap="none" rtlCol="0">
+            <a:spAutoFit/>
+          </a:bodyPr>
+          <a:lstStyle/>
+          <a:p>
+            <a:r>
+              <a:rPr lang="en-US" altLang="ko-KR" sz="800" dirty="0"/>
+              <a:t>100</a:t>
+            </a:r>
+            <a:endParaRPr lang="ko-KR" altLang="en-US" sz="800" dirty="0"/>
+          </a:p>
+        </p:txBody>
+      </p:sp>
+      <p:cxnSp>
+        <p:nvCxnSpPr>
+          <p:cNvPr id="128" name="직선 연결선 127">
+            <a:extLst>
+              <a:ext uri="{FF2B5EF4-FFF2-40B4-BE49-F238E27FC236}">
+                <a16:creationId xmlns:a16="http://schemas.microsoft.com/office/drawing/2014/main" id="{4E09D2F3-40C9-4C2A-853F-52EDCB858730}"/>
+              </a:ext>
+            </a:extLst>
+          </p:cNvPr>
+          <p:cNvCxnSpPr>
+            <a:cxnSpLocks/>
+          </p:cNvCxnSpPr>
+          <p:nvPr/>
+        </p:nvCxnSpPr>
+        <p:spPr>
+          <a:xfrm>
+            <a:off x="4765777" y="3812653"/>
+            <a:ext cx="3525625" cy="0"/>
+          </a:xfrm>
+          <a:prstGeom prst="line">
+            <a:avLst/>
+          </a:prstGeom>
+          <a:ln>
+            <a:solidFill>
+              <a:schemeClr val="tx1"/>
+            </a:solidFill>
+          </a:ln>
+        </p:spPr>
+        <p:style>
+          <a:lnRef idx="1">
+            <a:schemeClr val="accent1"/>
+          </a:lnRef>
+          <a:fillRef idx="0">
+            <a:schemeClr val="accent1"/>
+          </a:fillRef>
+          <a:effectRef idx="0">
+            <a:schemeClr val="accent1"/>
+          </a:effectRef>
+          <a:fontRef idx="minor">
+            <a:schemeClr val="tx1"/>
+          </a:fontRef>
+        </p:style>
+      </p:cxnSp>
+      <p:sp>
+        <p:nvSpPr>
+          <p:cNvPr id="129" name="TextBox 128">
+            <a:extLst>
+              <a:ext uri="{FF2B5EF4-FFF2-40B4-BE49-F238E27FC236}">
+                <a16:creationId xmlns:a16="http://schemas.microsoft.com/office/drawing/2014/main" id="{59C35681-D01D-482C-A3D2-A671A5DDC9A8}"/>
+              </a:ext>
+            </a:extLst>
+          </p:cNvPr>
+          <p:cNvSpPr txBox="1"/>
+          <p:nvPr/>
+        </p:nvSpPr>
+        <p:spPr>
+          <a:xfrm>
+            <a:off x="4479375" y="3720680"/>
+            <a:ext cx="296876" cy="215444"/>
+          </a:xfrm>
+          <a:prstGeom prst="rect">
+            <a:avLst/>
+          </a:prstGeom>
+          <a:noFill/>
+        </p:spPr>
+        <p:txBody>
+          <a:bodyPr wrap="none" rtlCol="0">
+            <a:spAutoFit/>
+          </a:bodyPr>
+          <a:lstStyle/>
+          <a:p>
+            <a:r>
+              <a:rPr lang="en-US" altLang="ko-KR" sz="800" dirty="0"/>
+              <a:t>40</a:t>
+            </a:r>
+            <a:endParaRPr lang="ko-KR" altLang="en-US" sz="800" dirty="0"/>
+          </a:p>
+        </p:txBody>
+      </p:sp>
+      <p:cxnSp>
+        <p:nvCxnSpPr>
+          <p:cNvPr id="130" name="직선 연결선 129">
+            <a:extLst>
+              <a:ext uri="{FF2B5EF4-FFF2-40B4-BE49-F238E27FC236}">
+                <a16:creationId xmlns:a16="http://schemas.microsoft.com/office/drawing/2014/main" id="{8B84EE34-759E-4503-BE18-46598B44DA20}"/>
+              </a:ext>
+            </a:extLst>
+          </p:cNvPr>
+          <p:cNvCxnSpPr/>
+          <p:nvPr/>
+        </p:nvCxnSpPr>
+        <p:spPr>
+          <a:xfrm>
+            <a:off x="9040306" y="6001857"/>
+            <a:ext cx="968565" cy="0"/>
+          </a:xfrm>
+          <a:prstGeom prst="line">
+            <a:avLst/>
+          </a:prstGeom>
+          <a:ln>
+            <a:solidFill>
+              <a:schemeClr val="tx1"/>
+            </a:solidFill>
+          </a:ln>
+        </p:spPr>
+        <p:style>
+          <a:lnRef idx="1">
+            <a:schemeClr val="accent1"/>
+          </a:lnRef>
+          <a:fillRef idx="0">
+            <a:schemeClr val="accent1"/>
+          </a:fillRef>
+          <a:effectRef idx="0">
+            <a:schemeClr val="accent1"/>
+          </a:effectRef>
+          <a:fontRef idx="minor">
+            <a:schemeClr val="tx1"/>
+          </a:fontRef>
+        </p:style>
+      </p:cxnSp>
+      <p:graphicFrame>
+        <p:nvGraphicFramePr>
+          <p:cNvPr id="131" name="표 26">
+            <a:extLst>
+              <a:ext uri="{FF2B5EF4-FFF2-40B4-BE49-F238E27FC236}">
+                <a16:creationId xmlns:a16="http://schemas.microsoft.com/office/drawing/2014/main" id="{A7C6FD2A-C6AA-4B3B-94E5-E937C9AC3A18}"/>
+              </a:ext>
+            </a:extLst>
+          </p:cNvPr>
+          <p:cNvGraphicFramePr>
+            <a:graphicFrameLocks noGrp="1"/>
+          </p:cNvGraphicFramePr>
+          <p:nvPr/>
+        </p:nvGraphicFramePr>
+        <p:xfrm>
+          <a:off x="8683143" y="702218"/>
+          <a:ext cx="3397840" cy="1112520"/>
+        </p:xfrm>
+        <a:graphic>
+          <a:graphicData uri="http://schemas.openxmlformats.org/drawingml/2006/table">
+            <a:tbl>
+              <a:tblPr firstRow="1" bandRow="1">
+                <a:tableStyleId>{5C22544A-7EE6-4342-B048-85BDC9FD1C3A}</a:tableStyleId>
+              </a:tblPr>
+              <a:tblGrid>
+                <a:gridCol w="1375257">
+                  <a:extLst>
+                    <a:ext uri="{9D8B030D-6E8A-4147-A177-3AD203B41FA5}">
+                      <a16:colId xmlns:a16="http://schemas.microsoft.com/office/drawing/2014/main" val="296573162"/>
+                    </a:ext>
+                  </a:extLst>
+                </a:gridCol>
+                <a:gridCol w="2022583">
+                  <a:extLst>
+                    <a:ext uri="{9D8B030D-6E8A-4147-A177-3AD203B41FA5}">
+                      <a16:colId xmlns:a16="http://schemas.microsoft.com/office/drawing/2014/main" val="3888276352"/>
+                    </a:ext>
+                  </a:extLst>
+                </a:gridCol>
+              </a:tblGrid>
+              <a:tr h="370840">
+                <a:tc>
+                  <a:txBody>
+                    <a:bodyPr/>
+                    <a:lstStyle/>
+                    <a:p>
+                      <a:pPr algn="ctr" latinLnBrk="1"/>
+                      <a:r>
+                        <a:rPr lang="ko-KR" altLang="en-US" sz="1200" b="1" dirty="0">
+                          <a:solidFill>
+                            <a:schemeClr val="tx1"/>
+                          </a:solidFill>
+                        </a:rPr>
+                        <a:t>구분</a:t>
+                      </a:r>
+                    </a:p>
+                  </a:txBody>
+                  <a:tcPr anchor="ctr">
+                    <a:lnL w="12700" cap="flat" cmpd="sng" algn="ctr">
+                      <a:solidFill>
+                        <a:schemeClr val="tx1"/>
+                      </a:solidFill>
+                      <a:prstDash val="solid"/>
+                      <a:round/>
+                      <a:headEnd type="none" w="med" len="med"/>
+                      <a:tailEnd type="none" w="med" len="med"/>
+                    </a:lnL>
+                    <a:lnR w="12700" cap="flat" cmpd="sng" algn="ctr">
+                      <a:solidFill>
+                        <a:schemeClr val="tx1"/>
+                      </a:solidFill>
+                      <a:prstDash val="solid"/>
+                      <a:round/>
+                      <a:headEnd type="none" w="med" len="med"/>
+                      <a:tailEnd type="none" w="med" len="med"/>
+                    </a:lnR>
+                    <a:lnT w="12700" cap="flat" cmpd="sng" algn="ctr">
+                      <a:solidFill>
+                        <a:schemeClr val="tx1"/>
+                      </a:solidFill>
+                      <a:prstDash val="solid"/>
+                      <a:round/>
+                      <a:headEnd type="none" w="med" len="med"/>
+                      <a:tailEnd type="none" w="med" len="med"/>
+                    </a:lnT>
+                    <a:lnB w="12700" cap="flat" cmpd="sng" algn="ctr">
+                      <a:solidFill>
+                        <a:schemeClr val="tx1"/>
+                      </a:solidFill>
+                      <a:prstDash val="solid"/>
+                      <a:round/>
+                      <a:headEnd type="none" w="med" len="med"/>
+                      <a:tailEnd type="none" w="med" len="med"/>
+                    </a:lnB>
+                    <a:solidFill>
+                      <a:schemeClr val="bg1"/>
+                    </a:solidFill>
+                  </a:tcPr>
+                </a:tc>
+                <a:tc>
+                  <a:txBody>
+                    <a:bodyPr/>
+                    <a:lstStyle/>
+                    <a:p>
+                      <a:pPr algn="ctr" latinLnBrk="1"/>
+                      <a:r>
+                        <a:rPr lang="ko-KR" altLang="en-US" sz="1200" b="1" dirty="0">
+                          <a:solidFill>
+                            <a:schemeClr val="tx1"/>
+                          </a:solidFill>
+                        </a:rPr>
+                        <a:t>설명</a:t>
+                      </a:r>
+                    </a:p>
+                  </a:txBody>
+                  <a:tcPr anchor="ctr">
+                    <a:lnL w="12700" cap="flat" cmpd="sng" algn="ctr">
+                      <a:solidFill>
+                        <a:schemeClr val="tx1"/>
+                      </a:solidFill>
+                      <a:prstDash val="solid"/>
+                      <a:round/>
+                      <a:headEnd type="none" w="med" len="med"/>
+                      <a:tailEnd type="none" w="med" len="med"/>
+                    </a:lnL>
+                    <a:lnR w="12700" cap="flat" cmpd="sng" algn="ctr">
+                      <a:solidFill>
+                        <a:schemeClr val="tx1"/>
+                      </a:solidFill>
+                      <a:prstDash val="solid"/>
+                      <a:round/>
+                      <a:headEnd type="none" w="med" len="med"/>
+                      <a:tailEnd type="none" w="med" len="med"/>
+                    </a:lnR>
+                    <a:lnT w="12700" cap="flat" cmpd="sng" algn="ctr">
+                      <a:solidFill>
+                        <a:schemeClr val="tx1"/>
+                      </a:solidFill>
+                      <a:prstDash val="solid"/>
+                      <a:round/>
+                      <a:headEnd type="none" w="med" len="med"/>
+                      <a:tailEnd type="none" w="med" len="med"/>
+                    </a:lnT>
+                    <a:lnB w="12700" cap="flat" cmpd="sng" algn="ctr">
+                      <a:solidFill>
+                        <a:schemeClr val="tx1"/>
+                      </a:solidFill>
+                      <a:prstDash val="solid"/>
+                      <a:round/>
+                      <a:headEnd type="none" w="med" len="med"/>
+                      <a:tailEnd type="none" w="med" len="med"/>
+                    </a:lnB>
+                    <a:solidFill>
+                      <a:schemeClr val="bg1"/>
+                    </a:solidFill>
+                  </a:tcPr>
+                </a:tc>
+                <a:extLst>
+                  <a:ext uri="{0D108BD9-81ED-4DB2-BD59-A6C34878D82A}">
+                    <a16:rowId xmlns:a16="http://schemas.microsoft.com/office/drawing/2014/main" val="2678357547"/>
+                  </a:ext>
+                </a:extLst>
+              </a:tr>
+              <a:tr h="370840">
+                <a:tc>
+                  <a:txBody>
+                    <a:bodyPr/>
+                    <a:lstStyle/>
+                    <a:p>
+                      <a:pPr algn="ctr" latinLnBrk="1"/>
+                      <a:r>
+                        <a:rPr lang="ko-KR" altLang="en-US" sz="1200" b="1" dirty="0">
+                          <a:solidFill>
+                            <a:schemeClr val="tx1"/>
+                          </a:solidFill>
+                        </a:rPr>
+                        <a:t>좌</a:t>
+                      </a:r>
+                    </a:p>
+                  </a:txBody>
+                  <a:tcPr anchor="ctr">
+                    <a:lnL w="12700" cap="flat" cmpd="sng" algn="ctr">
+                      <a:solidFill>
+                        <a:schemeClr val="tx1"/>
+                      </a:solidFill>
+                      <a:prstDash val="solid"/>
+                      <a:round/>
+                      <a:headEnd type="none" w="med" len="med"/>
+                      <a:tailEnd type="none" w="med" len="med"/>
+                    </a:lnL>
+                    <a:lnR w="12700" cap="flat" cmpd="sng" algn="ctr">
+                      <a:solidFill>
+                        <a:schemeClr val="tx1"/>
+                      </a:solidFill>
+                      <a:prstDash val="solid"/>
+                      <a:round/>
+                      <a:headEnd type="none" w="med" len="med"/>
+                      <a:tailEnd type="none" w="med" len="med"/>
+                    </a:lnR>
+                    <a:lnT w="12700" cap="flat" cmpd="sng" algn="ctr">
+                      <a:solidFill>
+                        <a:schemeClr val="tx1"/>
+                      </a:solidFill>
+                      <a:prstDash val="solid"/>
+                      <a:round/>
+                      <a:headEnd type="none" w="med" len="med"/>
+                      <a:tailEnd type="none" w="med" len="med"/>
+                    </a:lnT>
+                    <a:lnB w="12700" cap="flat" cmpd="sng" algn="ctr">
+                      <a:solidFill>
+                        <a:schemeClr val="tx1"/>
+                      </a:solidFill>
+                      <a:prstDash val="solid"/>
+                      <a:round/>
+                      <a:headEnd type="none" w="med" len="med"/>
+                      <a:tailEnd type="none" w="med" len="med"/>
+                    </a:lnB>
+                    <a:solidFill>
+                      <a:schemeClr val="bg1"/>
+                    </a:solidFill>
+                  </a:tcPr>
+                </a:tc>
+                <a:tc>
+                  <a:txBody>
+                    <a:bodyPr/>
+                    <a:lstStyle/>
+                    <a:p>
+                      <a:pPr marL="0" marR="0" lvl="0" indent="0" algn="ctr" defTabSz="914400" rtl="0" eaLnBrk="1" fontAlgn="auto" latinLnBrk="1" hangingPunct="1">
+                        <a:lnSpc>
+                          <a:spcPct val="100000"/>
+                        </a:lnSpc>
+                        <a:spcBef>
+                          <a:spcPts val="0"/>
+                        </a:spcBef>
+                        <a:spcAft>
+                          <a:spcPts val="0"/>
+                        </a:spcAft>
+                        <a:buClrTx/>
+                        <a:buSzTx/>
+                        <a:buFontTx/>
+                        <a:buNone/>
+                        <a:tabLst/>
+                        <a:defRPr/>
+                      </a:pPr>
+                      <a:r>
+                        <a:rPr lang="ko-KR" altLang="en-US" sz="1200" b="1" dirty="0">
+                          <a:solidFill>
+                            <a:schemeClr val="tx1"/>
+                          </a:solidFill>
+                        </a:rPr>
+                        <a:t>일상 생활 속 그래프</a:t>
+                      </a:r>
+                    </a:p>
+                  </a:txBody>
+                  <a:tcPr anchor="ctr">
+                    <a:lnL w="12700" cap="flat" cmpd="sng" algn="ctr">
+                      <a:solidFill>
+                        <a:schemeClr val="tx1"/>
+                      </a:solidFill>
+                      <a:prstDash val="solid"/>
+                      <a:round/>
+                      <a:headEnd type="none" w="med" len="med"/>
+                      <a:tailEnd type="none" w="med" len="med"/>
+                    </a:lnL>
+                    <a:lnR w="12700" cap="flat" cmpd="sng" algn="ctr">
+                      <a:solidFill>
+                        <a:schemeClr val="tx1"/>
+                      </a:solidFill>
+                      <a:prstDash val="solid"/>
+                      <a:round/>
+                      <a:headEnd type="none" w="med" len="med"/>
+                      <a:tailEnd type="none" w="med" len="med"/>
+                    </a:lnR>
+                    <a:lnT w="12700" cap="flat" cmpd="sng" algn="ctr">
+                      <a:solidFill>
+                        <a:schemeClr val="tx1"/>
+                      </a:solidFill>
+                      <a:prstDash val="solid"/>
+                      <a:round/>
+                      <a:headEnd type="none" w="med" len="med"/>
+                      <a:tailEnd type="none" w="med" len="med"/>
+                    </a:lnT>
+                    <a:lnB w="12700" cap="flat" cmpd="sng" algn="ctr">
+                      <a:solidFill>
+                        <a:schemeClr val="tx1"/>
+                      </a:solidFill>
+                      <a:prstDash val="solid"/>
+                      <a:round/>
+                      <a:headEnd type="none" w="med" len="med"/>
+                      <a:tailEnd type="none" w="med" len="med"/>
+                    </a:lnB>
+                    <a:solidFill>
+                      <a:schemeClr val="bg1"/>
+                    </a:solidFill>
+                  </a:tcPr>
+                </a:tc>
+                <a:extLst>
+                  <a:ext uri="{0D108BD9-81ED-4DB2-BD59-A6C34878D82A}">
+                    <a16:rowId xmlns:a16="http://schemas.microsoft.com/office/drawing/2014/main" val="68703093"/>
+                  </a:ext>
+                </a:extLst>
+              </a:tr>
+              <a:tr h="370840">
+                <a:tc>
+                  <a:txBody>
+                    <a:bodyPr/>
+                    <a:lstStyle/>
+                    <a:p>
+                      <a:pPr algn="ctr" latinLnBrk="1"/>
+                      <a:r>
+                        <a:rPr lang="ko-KR" altLang="en-US" sz="1200" b="1" dirty="0">
+                          <a:solidFill>
+                            <a:schemeClr val="tx1"/>
+                          </a:solidFill>
+                        </a:rPr>
+                        <a:t>우</a:t>
+                      </a:r>
+                    </a:p>
+                  </a:txBody>
+                  <a:tcPr anchor="ctr">
+                    <a:lnL w="12700" cap="flat" cmpd="sng" algn="ctr">
+                      <a:solidFill>
+                        <a:schemeClr val="tx1"/>
+                      </a:solidFill>
+                      <a:prstDash val="solid"/>
+                      <a:round/>
+                      <a:headEnd type="none" w="med" len="med"/>
+                      <a:tailEnd type="none" w="med" len="med"/>
+                    </a:lnL>
+                    <a:lnR w="12700" cap="flat" cmpd="sng" algn="ctr">
+                      <a:solidFill>
+                        <a:schemeClr val="tx1"/>
+                      </a:solidFill>
+                      <a:prstDash val="solid"/>
+                      <a:round/>
+                      <a:headEnd type="none" w="med" len="med"/>
+                      <a:tailEnd type="none" w="med" len="med"/>
+                    </a:lnR>
+                    <a:lnT w="12700" cap="flat" cmpd="sng" algn="ctr">
+                      <a:solidFill>
+                        <a:schemeClr val="tx1"/>
+                      </a:solidFill>
+                      <a:prstDash val="solid"/>
+                      <a:round/>
+                      <a:headEnd type="none" w="med" len="med"/>
+                      <a:tailEnd type="none" w="med" len="med"/>
+                    </a:lnT>
+                    <a:lnB w="12700" cap="flat" cmpd="sng" algn="ctr">
+                      <a:solidFill>
+                        <a:schemeClr val="tx1"/>
+                      </a:solidFill>
+                      <a:prstDash val="solid"/>
+                      <a:round/>
+                      <a:headEnd type="none" w="med" len="med"/>
+                      <a:tailEnd type="none" w="med" len="med"/>
+                    </a:lnB>
+                    <a:solidFill>
+                      <a:schemeClr val="bg1"/>
+                    </a:solidFill>
+                  </a:tcPr>
+                </a:tc>
+                <a:tc>
+                  <a:txBody>
+                    <a:bodyPr/>
+                    <a:lstStyle/>
+                    <a:p>
+                      <a:pPr algn="ctr" latinLnBrk="1"/>
+                      <a:r>
+                        <a:rPr lang="ko-KR" altLang="en-US" sz="1200" b="1" dirty="0">
+                          <a:solidFill>
+                            <a:schemeClr val="tx1"/>
+                          </a:solidFill>
+                        </a:rPr>
+                        <a:t>운동기능을 사용한 그래프</a:t>
+                      </a:r>
+                    </a:p>
+                  </a:txBody>
+                  <a:tcPr anchor="ctr">
+                    <a:lnL w="12700" cap="flat" cmpd="sng" algn="ctr">
+                      <a:solidFill>
+                        <a:schemeClr val="tx1"/>
+                      </a:solidFill>
+                      <a:prstDash val="solid"/>
+                      <a:round/>
+                      <a:headEnd type="none" w="med" len="med"/>
+                      <a:tailEnd type="none" w="med" len="med"/>
+                    </a:lnL>
+                    <a:lnR w="12700" cap="flat" cmpd="sng" algn="ctr">
+                      <a:solidFill>
+                        <a:schemeClr val="tx1"/>
+                      </a:solidFill>
+                      <a:prstDash val="solid"/>
+                      <a:round/>
+                      <a:headEnd type="none" w="med" len="med"/>
+                      <a:tailEnd type="none" w="med" len="med"/>
+                    </a:lnR>
+                    <a:lnT w="12700" cap="flat" cmpd="sng" algn="ctr">
+                      <a:solidFill>
+                        <a:schemeClr val="tx1"/>
+                      </a:solidFill>
+                      <a:prstDash val="solid"/>
+                      <a:round/>
+                      <a:headEnd type="none" w="med" len="med"/>
+                      <a:tailEnd type="none" w="med" len="med"/>
+                    </a:lnT>
+                    <a:lnB w="12700" cap="flat" cmpd="sng" algn="ctr">
+                      <a:solidFill>
+                        <a:schemeClr val="tx1"/>
+                      </a:solidFill>
+                      <a:prstDash val="solid"/>
+                      <a:round/>
+                      <a:headEnd type="none" w="med" len="med"/>
+                      <a:tailEnd type="none" w="med" len="med"/>
+                    </a:lnB>
+                    <a:solidFill>
+                      <a:schemeClr val="bg1"/>
+                    </a:solidFill>
+                  </a:tcPr>
+                </a:tc>
+                <a:extLst>
+                  <a:ext uri="{0D108BD9-81ED-4DB2-BD59-A6C34878D82A}">
+                    <a16:rowId xmlns:a16="http://schemas.microsoft.com/office/drawing/2014/main" val="2370820380"/>
+                  </a:ext>
+                </a:extLst>
+              </a:tr>
+            </a:tbl>
+          </a:graphicData>
+        </a:graphic>
+      </p:graphicFrame>
+    </p:spTree>
+    <p:extLst>
+      <p:ext uri="{BB962C8B-B14F-4D97-AF65-F5344CB8AC3E}">
+        <p14:creationId xmlns:p14="http://schemas.microsoft.com/office/powerpoint/2010/main" val="795149865"/>
+      </p:ext>
+    </p:extLst>
+  </p:cSld>
+  <p:clrMapOvr>
+    <a:masterClrMapping/>
+  </p:clrMapOvr>
+</p:sld>
+</file>
+
+<file path=ppt/slides/slide46.xml><?xml version="1.0" encoding="utf-8"?>
+<p:sld xmlns:a="http://schemas.openxmlformats.org/drawingml/2006/main" xmlns:r="http://schemas.openxmlformats.org/officeDocument/2006/relationships" xmlns:p="http://schemas.openxmlformats.org/presentationml/2006/main" show="0">
+  <p:cSld>
+    <p:spTree>
+      <p:nvGrpSpPr>
+        <p:cNvPr id="1" name=""/>
+        <p:cNvGrpSpPr/>
+        <p:nvPr/>
+      </p:nvGrpSpPr>
+      <p:grpSpPr>
+        <a:xfrm>
+          <a:off x="0" y="0"/>
+          <a:ext cx="0" cy="0"/>
+          <a:chOff x="0" y="0"/>
+          <a:chExt cx="0" cy="0"/>
+        </a:xfrm>
+      </p:grpSpPr>
+      <p:grpSp>
+        <p:nvGrpSpPr>
+          <p:cNvPr id="49" name="그룹 48">
+            <a:extLst>
+              <a:ext uri="{FF2B5EF4-FFF2-40B4-BE49-F238E27FC236}">
+                <a16:creationId xmlns:a16="http://schemas.microsoft.com/office/drawing/2014/main" id="{0DB2E340-9940-44BB-8F1A-57B7F94AB621}"/>
+              </a:ext>
+            </a:extLst>
+          </p:cNvPr>
+          <p:cNvGrpSpPr/>
+          <p:nvPr/>
+        </p:nvGrpSpPr>
+        <p:grpSpPr>
+          <a:xfrm>
+            <a:off x="1219389" y="2044709"/>
+            <a:ext cx="335280" cy="674624"/>
+            <a:chOff x="1231392" y="2092960"/>
+            <a:chExt cx="335280" cy="674624"/>
+          </a:xfrm>
+        </p:grpSpPr>
+        <p:sp>
+          <p:nvSpPr>
+            <p:cNvPr id="32" name="타원 31">
+              <a:extLst>
+                <a:ext uri="{FF2B5EF4-FFF2-40B4-BE49-F238E27FC236}">
+                  <a16:creationId xmlns:a16="http://schemas.microsoft.com/office/drawing/2014/main" id="{7D826B41-2EC9-4C7E-9833-EFC09FE5110D}"/>
+                </a:ext>
+              </a:extLst>
+            </p:cNvPr>
+            <p:cNvSpPr/>
+            <p:nvPr/>
+          </p:nvSpPr>
+          <p:spPr>
+            <a:xfrm>
+              <a:off x="1280160" y="2092960"/>
+              <a:ext cx="223520" cy="223520"/>
+            </a:xfrm>
+            <a:prstGeom prst="ellipse">
+              <a:avLst/>
+            </a:prstGeom>
+            <a:noFill/>
+            <a:ln>
+              <a:solidFill>
+                <a:schemeClr val="tx1"/>
+              </a:solidFill>
+            </a:ln>
+          </p:spPr>
+          <p:style>
+            <a:lnRef idx="2">
+              <a:schemeClr val="accent1">
+                <a:shade val="50000"/>
+              </a:schemeClr>
+            </a:lnRef>
+            <a:fillRef idx="1">
+              <a:schemeClr val="accent1"/>
+            </a:fillRef>
+            <a:effectRef idx="0">
+              <a:schemeClr val="accent1"/>
+            </a:effectRef>
+            <a:fontRef idx="minor">
+              <a:schemeClr val="lt1"/>
+            </a:fontRef>
+          </p:style>
+          <p:txBody>
+            <a:bodyPr rtlCol="0" anchor="ctr"/>
+            <a:lstStyle/>
+            <a:p>
+              <a:pPr algn="ctr"/>
+              <a:endParaRPr lang="ko-KR" altLang="en-US"/>
+            </a:p>
+          </p:txBody>
+        </p:sp>
+        <p:cxnSp>
+          <p:nvCxnSpPr>
+            <p:cNvPr id="36" name="직선 연결선 35">
+              <a:extLst>
+                <a:ext uri="{FF2B5EF4-FFF2-40B4-BE49-F238E27FC236}">
+                  <a16:creationId xmlns:a16="http://schemas.microsoft.com/office/drawing/2014/main" id="{5381B179-055F-4380-879D-BB3DE35B8E50}"/>
+                </a:ext>
+              </a:extLst>
+            </p:cNvPr>
+            <p:cNvCxnSpPr>
+              <a:cxnSpLocks/>
+              <a:stCxn id="32" idx="4"/>
+            </p:cNvCxnSpPr>
+            <p:nvPr/>
+          </p:nvCxnSpPr>
+          <p:spPr>
+            <a:xfrm>
+              <a:off x="1391920" y="2316480"/>
+              <a:ext cx="0" cy="335280"/>
+            </a:xfrm>
+            <a:prstGeom prst="line">
+              <a:avLst/>
+            </a:prstGeom>
+            <a:ln>
+              <a:solidFill>
+                <a:schemeClr val="tx1"/>
+              </a:solidFill>
+            </a:ln>
+          </p:spPr>
+          <p:style>
+            <a:lnRef idx="1">
+              <a:schemeClr val="accent1"/>
+            </a:lnRef>
+            <a:fillRef idx="0">
+              <a:schemeClr val="accent1"/>
+            </a:fillRef>
+            <a:effectRef idx="0">
+              <a:schemeClr val="accent1"/>
+            </a:effectRef>
+            <a:fontRef idx="minor">
+              <a:schemeClr val="tx1"/>
+            </a:fontRef>
+          </p:style>
+        </p:cxnSp>
+        <p:cxnSp>
+          <p:nvCxnSpPr>
+            <p:cNvPr id="42" name="직선 연결선 41">
+              <a:extLst>
+                <a:ext uri="{FF2B5EF4-FFF2-40B4-BE49-F238E27FC236}">
+                  <a16:creationId xmlns:a16="http://schemas.microsoft.com/office/drawing/2014/main" id="{84D6D1FC-2363-4315-9D33-5E53CFD9962D}"/>
+                </a:ext>
+              </a:extLst>
+            </p:cNvPr>
+            <p:cNvCxnSpPr/>
+            <p:nvPr/>
+          </p:nvCxnSpPr>
+          <p:spPr>
+            <a:xfrm flipH="1">
+              <a:off x="1280160" y="2651760"/>
+              <a:ext cx="111760" cy="115824"/>
+            </a:xfrm>
+            <a:prstGeom prst="line">
+              <a:avLst/>
+            </a:prstGeom>
+            <a:ln>
+              <a:solidFill>
+                <a:schemeClr val="tx1"/>
+              </a:solidFill>
+            </a:ln>
+          </p:spPr>
+          <p:style>
+            <a:lnRef idx="1">
+              <a:schemeClr val="accent1"/>
+            </a:lnRef>
+            <a:fillRef idx="0">
+              <a:schemeClr val="accent1"/>
+            </a:fillRef>
+            <a:effectRef idx="0">
+              <a:schemeClr val="accent1"/>
+            </a:effectRef>
+            <a:fontRef idx="minor">
+              <a:schemeClr val="tx1"/>
+            </a:fontRef>
+          </p:style>
+        </p:cxnSp>
+        <p:cxnSp>
+          <p:nvCxnSpPr>
+            <p:cNvPr id="45" name="직선 연결선 44">
+              <a:extLst>
+                <a:ext uri="{FF2B5EF4-FFF2-40B4-BE49-F238E27FC236}">
+                  <a16:creationId xmlns:a16="http://schemas.microsoft.com/office/drawing/2014/main" id="{451D22C0-6606-4227-993A-2C258D13EA6A}"/>
+                </a:ext>
+              </a:extLst>
+            </p:cNvPr>
+            <p:cNvCxnSpPr/>
+            <p:nvPr/>
+          </p:nvCxnSpPr>
+          <p:spPr>
+            <a:xfrm>
+              <a:off x="1391919" y="2651760"/>
+              <a:ext cx="111761" cy="115824"/>
+            </a:xfrm>
+            <a:prstGeom prst="line">
+              <a:avLst/>
+            </a:prstGeom>
+            <a:ln>
+              <a:solidFill>
+                <a:schemeClr val="tx1"/>
+              </a:solidFill>
+            </a:ln>
+          </p:spPr>
+          <p:style>
+            <a:lnRef idx="1">
+              <a:schemeClr val="accent1"/>
+            </a:lnRef>
+            <a:fillRef idx="0">
+              <a:schemeClr val="accent1"/>
+            </a:fillRef>
+            <a:effectRef idx="0">
+              <a:schemeClr val="accent1"/>
+            </a:effectRef>
+            <a:fontRef idx="minor">
+              <a:schemeClr val="tx1"/>
+            </a:fontRef>
+          </p:style>
+        </p:cxnSp>
+        <p:cxnSp>
+          <p:nvCxnSpPr>
+            <p:cNvPr id="47" name="직선 연결선 46">
+              <a:extLst>
+                <a:ext uri="{FF2B5EF4-FFF2-40B4-BE49-F238E27FC236}">
+                  <a16:creationId xmlns:a16="http://schemas.microsoft.com/office/drawing/2014/main" id="{538CDF9A-6439-4EDD-94B1-BAB4D285A455}"/>
+                </a:ext>
+              </a:extLst>
+            </p:cNvPr>
+            <p:cNvCxnSpPr>
+              <a:cxnSpLocks/>
+            </p:cNvCxnSpPr>
+            <p:nvPr/>
+          </p:nvCxnSpPr>
+          <p:spPr>
+            <a:xfrm>
+              <a:off x="1231392" y="2432304"/>
+              <a:ext cx="335280" cy="0"/>
+            </a:xfrm>
+            <a:prstGeom prst="line">
+              <a:avLst/>
+            </a:prstGeom>
+            <a:ln>
+              <a:solidFill>
+                <a:schemeClr val="tx1"/>
+              </a:solidFill>
+            </a:ln>
+          </p:spPr>
+          <p:style>
+            <a:lnRef idx="1">
+              <a:schemeClr val="accent1"/>
+            </a:lnRef>
+            <a:fillRef idx="0">
+              <a:schemeClr val="accent1"/>
+            </a:fillRef>
+            <a:effectRef idx="0">
+              <a:schemeClr val="accent1"/>
+            </a:effectRef>
+            <a:fontRef idx="minor">
+              <a:schemeClr val="tx1"/>
+            </a:fontRef>
+          </p:style>
+        </p:cxnSp>
+      </p:grpSp>
+      <p:sp>
+        <p:nvSpPr>
+          <p:cNvPr id="50" name="TextBox 49">
+            <a:extLst>
+              <a:ext uri="{FF2B5EF4-FFF2-40B4-BE49-F238E27FC236}">
+                <a16:creationId xmlns:a16="http://schemas.microsoft.com/office/drawing/2014/main" id="{217FE67A-2B6C-4AF4-9EE7-DC4C16C91411}"/>
+              </a:ext>
+            </a:extLst>
+          </p:cNvPr>
+          <p:cNvSpPr txBox="1"/>
+          <p:nvPr/>
+        </p:nvSpPr>
+        <p:spPr>
+          <a:xfrm>
+            <a:off x="1056750" y="2742938"/>
+            <a:ext cx="646331" cy="276999"/>
+          </a:xfrm>
+          <a:prstGeom prst="rect">
+            <a:avLst/>
+          </a:prstGeom>
+          <a:noFill/>
+        </p:spPr>
+        <p:txBody>
+          <a:bodyPr wrap="none" rtlCol="0">
+            <a:spAutoFit/>
+          </a:bodyPr>
+          <a:lstStyle/>
+          <a:p>
+            <a:r>
+              <a:rPr lang="ko-KR" altLang="en-US" sz="1200"/>
+              <a:t>사용자</a:t>
+            </a:r>
+          </a:p>
+        </p:txBody>
+      </p:sp>
+      <p:grpSp>
+        <p:nvGrpSpPr>
+          <p:cNvPr id="139" name="그룹 138">
+            <a:extLst>
+              <a:ext uri="{FF2B5EF4-FFF2-40B4-BE49-F238E27FC236}">
+                <a16:creationId xmlns:a16="http://schemas.microsoft.com/office/drawing/2014/main" id="{350F9877-4335-499E-90DF-4DB00BF7FB2B}"/>
+              </a:ext>
+            </a:extLst>
+          </p:cNvPr>
+          <p:cNvGrpSpPr/>
+          <p:nvPr/>
+        </p:nvGrpSpPr>
+        <p:grpSpPr>
+          <a:xfrm>
+            <a:off x="1219389" y="3686993"/>
+            <a:ext cx="335280" cy="674624"/>
+            <a:chOff x="1231392" y="2092960"/>
+            <a:chExt cx="335280" cy="674624"/>
+          </a:xfrm>
+        </p:grpSpPr>
+        <p:sp>
+          <p:nvSpPr>
+            <p:cNvPr id="140" name="타원 139">
+              <a:extLst>
+                <a:ext uri="{FF2B5EF4-FFF2-40B4-BE49-F238E27FC236}">
+                  <a16:creationId xmlns:a16="http://schemas.microsoft.com/office/drawing/2014/main" id="{07A6AA3F-5076-4AF4-96FC-067473D82391}"/>
+                </a:ext>
+              </a:extLst>
+            </p:cNvPr>
+            <p:cNvSpPr/>
+            <p:nvPr/>
+          </p:nvSpPr>
+          <p:spPr>
+            <a:xfrm>
+              <a:off x="1280160" y="2092960"/>
+              <a:ext cx="223520" cy="223520"/>
+            </a:xfrm>
+            <a:prstGeom prst="ellipse">
+              <a:avLst/>
+            </a:prstGeom>
+            <a:noFill/>
+            <a:ln>
+              <a:solidFill>
+                <a:schemeClr val="tx1"/>
+              </a:solidFill>
+            </a:ln>
+          </p:spPr>
+          <p:style>
+            <a:lnRef idx="2">
+              <a:schemeClr val="accent1">
+                <a:shade val="50000"/>
+              </a:schemeClr>
+            </a:lnRef>
+            <a:fillRef idx="1">
+              <a:schemeClr val="accent1"/>
+            </a:fillRef>
+            <a:effectRef idx="0">
+              <a:schemeClr val="accent1"/>
+            </a:effectRef>
+            <a:fontRef idx="minor">
+              <a:schemeClr val="lt1"/>
+            </a:fontRef>
+          </p:style>
+          <p:txBody>
+            <a:bodyPr rtlCol="0" anchor="ctr"/>
+            <a:lstStyle/>
+            <a:p>
+              <a:pPr algn="ctr"/>
+              <a:endParaRPr lang="ko-KR" altLang="en-US"/>
+            </a:p>
+          </p:txBody>
+        </p:sp>
+        <p:cxnSp>
+          <p:nvCxnSpPr>
+            <p:cNvPr id="141" name="직선 연결선 140">
+              <a:extLst>
+                <a:ext uri="{FF2B5EF4-FFF2-40B4-BE49-F238E27FC236}">
+                  <a16:creationId xmlns:a16="http://schemas.microsoft.com/office/drawing/2014/main" id="{2DB2FF6B-EA80-4030-A8EC-404A72C580BF}"/>
+                </a:ext>
+              </a:extLst>
+            </p:cNvPr>
+            <p:cNvCxnSpPr>
+              <a:cxnSpLocks/>
+              <a:stCxn id="140" idx="4"/>
+            </p:cNvCxnSpPr>
+            <p:nvPr/>
+          </p:nvCxnSpPr>
+          <p:spPr>
+            <a:xfrm>
+              <a:off x="1391920" y="2316480"/>
+              <a:ext cx="0" cy="335280"/>
+            </a:xfrm>
+            <a:prstGeom prst="line">
+              <a:avLst/>
+            </a:prstGeom>
+            <a:ln>
+              <a:solidFill>
+                <a:schemeClr val="tx1"/>
+              </a:solidFill>
+            </a:ln>
+          </p:spPr>
+          <p:style>
+            <a:lnRef idx="1">
+              <a:schemeClr val="accent1"/>
+            </a:lnRef>
+            <a:fillRef idx="0">
+              <a:schemeClr val="accent1"/>
+            </a:fillRef>
+            <a:effectRef idx="0">
+              <a:schemeClr val="accent1"/>
+            </a:effectRef>
+            <a:fontRef idx="minor">
+              <a:schemeClr val="tx1"/>
+            </a:fontRef>
+          </p:style>
+        </p:cxnSp>
+        <p:cxnSp>
+          <p:nvCxnSpPr>
+            <p:cNvPr id="142" name="직선 연결선 141">
+              <a:extLst>
+                <a:ext uri="{FF2B5EF4-FFF2-40B4-BE49-F238E27FC236}">
+                  <a16:creationId xmlns:a16="http://schemas.microsoft.com/office/drawing/2014/main" id="{D78B91D6-F8E5-40E0-90B7-555189F764D8}"/>
+                </a:ext>
+              </a:extLst>
+            </p:cNvPr>
+            <p:cNvCxnSpPr/>
+            <p:nvPr/>
+          </p:nvCxnSpPr>
+          <p:spPr>
+            <a:xfrm flipH="1">
+              <a:off x="1280160" y="2651760"/>
+              <a:ext cx="111760" cy="115824"/>
+            </a:xfrm>
+            <a:prstGeom prst="line">
+              <a:avLst/>
+            </a:prstGeom>
+            <a:ln>
+              <a:solidFill>
+                <a:schemeClr val="tx1"/>
+              </a:solidFill>
+            </a:ln>
+          </p:spPr>
+          <p:style>
+            <a:lnRef idx="1">
+              <a:schemeClr val="accent1"/>
+            </a:lnRef>
+            <a:fillRef idx="0">
+              <a:schemeClr val="accent1"/>
+            </a:fillRef>
+            <a:effectRef idx="0">
+              <a:schemeClr val="accent1"/>
+            </a:effectRef>
+            <a:fontRef idx="minor">
+              <a:schemeClr val="tx1"/>
+            </a:fontRef>
+          </p:style>
+        </p:cxnSp>
+        <p:cxnSp>
+          <p:nvCxnSpPr>
+            <p:cNvPr id="143" name="직선 연결선 142">
+              <a:extLst>
+                <a:ext uri="{FF2B5EF4-FFF2-40B4-BE49-F238E27FC236}">
+                  <a16:creationId xmlns:a16="http://schemas.microsoft.com/office/drawing/2014/main" id="{7ED1621E-2E0C-4BC8-ABA1-FA37B7001D68}"/>
+                </a:ext>
+              </a:extLst>
+            </p:cNvPr>
+            <p:cNvCxnSpPr/>
+            <p:nvPr/>
+          </p:nvCxnSpPr>
+          <p:spPr>
+            <a:xfrm>
+              <a:off x="1391919" y="2651760"/>
+              <a:ext cx="111761" cy="115824"/>
+            </a:xfrm>
+            <a:prstGeom prst="line">
+              <a:avLst/>
+            </a:prstGeom>
+            <a:ln>
+              <a:solidFill>
+                <a:schemeClr val="tx1"/>
+              </a:solidFill>
+            </a:ln>
+          </p:spPr>
+          <p:style>
+            <a:lnRef idx="1">
+              <a:schemeClr val="accent1"/>
+            </a:lnRef>
+            <a:fillRef idx="0">
+              <a:schemeClr val="accent1"/>
+            </a:fillRef>
+            <a:effectRef idx="0">
+              <a:schemeClr val="accent1"/>
+            </a:effectRef>
+            <a:fontRef idx="minor">
+              <a:schemeClr val="tx1"/>
+            </a:fontRef>
+          </p:style>
+        </p:cxnSp>
+        <p:cxnSp>
+          <p:nvCxnSpPr>
+            <p:cNvPr id="144" name="직선 연결선 143">
+              <a:extLst>
+                <a:ext uri="{FF2B5EF4-FFF2-40B4-BE49-F238E27FC236}">
+                  <a16:creationId xmlns:a16="http://schemas.microsoft.com/office/drawing/2014/main" id="{C9789D6A-C837-4BCD-96F3-D0A0E4EA41CB}"/>
+                </a:ext>
+              </a:extLst>
+            </p:cNvPr>
+            <p:cNvCxnSpPr>
+              <a:cxnSpLocks/>
+            </p:cNvCxnSpPr>
+            <p:nvPr/>
+          </p:nvCxnSpPr>
+          <p:spPr>
+            <a:xfrm>
+              <a:off x="1231392" y="2432304"/>
+              <a:ext cx="335280" cy="0"/>
+            </a:xfrm>
+            <a:prstGeom prst="line">
+              <a:avLst/>
+            </a:prstGeom>
+            <a:ln>
+              <a:solidFill>
+                <a:schemeClr val="tx1"/>
+              </a:solidFill>
+            </a:ln>
+          </p:spPr>
+          <p:style>
+            <a:lnRef idx="1">
+              <a:schemeClr val="accent1"/>
+            </a:lnRef>
+            <a:fillRef idx="0">
+              <a:schemeClr val="accent1"/>
+            </a:fillRef>
+            <a:effectRef idx="0">
+              <a:schemeClr val="accent1"/>
+            </a:effectRef>
+            <a:fontRef idx="minor">
+              <a:schemeClr val="tx1"/>
+            </a:fontRef>
+          </p:style>
+        </p:cxnSp>
+      </p:grpSp>
+      <p:sp>
+        <p:nvSpPr>
+          <p:cNvPr id="145" name="TextBox 144">
+            <a:extLst>
+              <a:ext uri="{FF2B5EF4-FFF2-40B4-BE49-F238E27FC236}">
+                <a16:creationId xmlns:a16="http://schemas.microsoft.com/office/drawing/2014/main" id="{9146BF23-E296-42D5-9D39-95B24C4BC5AA}"/>
+              </a:ext>
+            </a:extLst>
+          </p:cNvPr>
+          <p:cNvSpPr txBox="1"/>
+          <p:nvPr/>
+        </p:nvSpPr>
+        <p:spPr>
+          <a:xfrm>
+            <a:off x="1056750" y="4385222"/>
+            <a:ext cx="646331" cy="276999"/>
+          </a:xfrm>
+          <a:prstGeom prst="rect">
+            <a:avLst/>
+          </a:prstGeom>
+          <a:noFill/>
+        </p:spPr>
+        <p:txBody>
+          <a:bodyPr wrap="none" rtlCol="0">
+            <a:spAutoFit/>
+          </a:bodyPr>
+          <a:lstStyle/>
+          <a:p>
+            <a:r>
+              <a:rPr lang="ko-KR" altLang="en-US" sz="1200" dirty="0"/>
+              <a:t>구조자</a:t>
+            </a:r>
+          </a:p>
+        </p:txBody>
+      </p:sp>
+      <p:sp>
+        <p:nvSpPr>
+          <p:cNvPr id="55" name="직사각형 54">
+            <a:extLst>
+              <a:ext uri="{FF2B5EF4-FFF2-40B4-BE49-F238E27FC236}">
+                <a16:creationId xmlns:a16="http://schemas.microsoft.com/office/drawing/2014/main" id="{1857C044-4C08-4299-8AD6-89465162EE0E}"/>
+              </a:ext>
+            </a:extLst>
+          </p:cNvPr>
+          <p:cNvSpPr/>
+          <p:nvPr/>
+        </p:nvSpPr>
+        <p:spPr>
+          <a:xfrm>
+            <a:off x="1923068" y="141402"/>
+            <a:ext cx="10045401" cy="6523343"/>
+          </a:xfrm>
+          <a:prstGeom prst="rect">
+            <a:avLst/>
+          </a:prstGeom>
+          <a:noFill/>
+          <a:ln>
+            <a:solidFill>
+              <a:schemeClr val="tx1"/>
+            </a:solidFill>
+          </a:ln>
+        </p:spPr>
+        <p:style>
+          <a:lnRef idx="2">
+            <a:schemeClr val="accent1">
+              <a:shade val="50000"/>
+            </a:schemeClr>
+          </a:lnRef>
+          <a:fillRef idx="1">
+            <a:schemeClr val="accent1"/>
+          </a:fillRef>
+          <a:effectRef idx="0">
+            <a:schemeClr val="accent1"/>
+          </a:effectRef>
+          <a:fontRef idx="minor">
+            <a:schemeClr val="lt1"/>
+          </a:fontRef>
+        </p:style>
+        <p:txBody>
+          <a:bodyPr rtlCol="0" anchor="ctr"/>
+          <a:lstStyle/>
+          <a:p>
+            <a:pPr algn="ctr"/>
+            <a:endParaRPr lang="ko-KR" altLang="en-US"/>
+          </a:p>
+        </p:txBody>
+      </p:sp>
+      <p:sp>
+        <p:nvSpPr>
+          <p:cNvPr id="56" name="타원 55">
+            <a:extLst>
+              <a:ext uri="{FF2B5EF4-FFF2-40B4-BE49-F238E27FC236}">
+                <a16:creationId xmlns:a16="http://schemas.microsoft.com/office/drawing/2014/main" id="{873B88FB-4091-48CE-9310-03F20507B16D}"/>
+              </a:ext>
+            </a:extLst>
+          </p:cNvPr>
+          <p:cNvSpPr/>
+          <p:nvPr/>
+        </p:nvSpPr>
+        <p:spPr>
+          <a:xfrm>
+            <a:off x="3023762" y="1111456"/>
+            <a:ext cx="1359702" cy="491101"/>
+          </a:xfrm>
+          <a:prstGeom prst="ellipse">
+            <a:avLst/>
+          </a:prstGeom>
+          <a:noFill/>
+          <a:ln>
+            <a:solidFill>
+              <a:schemeClr val="tx1"/>
+            </a:solidFill>
+          </a:ln>
+        </p:spPr>
+        <p:style>
+          <a:lnRef idx="2">
+            <a:schemeClr val="accent1">
+              <a:shade val="50000"/>
+            </a:schemeClr>
+          </a:lnRef>
+          <a:fillRef idx="1">
+            <a:schemeClr val="accent1"/>
+          </a:fillRef>
+          <a:effectRef idx="0">
+            <a:schemeClr val="accent1"/>
+          </a:effectRef>
+          <a:fontRef idx="minor">
+            <a:schemeClr val="lt1"/>
+          </a:fontRef>
+        </p:style>
+        <p:txBody>
+          <a:bodyPr rtlCol="0" anchor="ctr"/>
+          <a:lstStyle/>
+          <a:p>
+            <a:pPr algn="ctr"/>
+            <a:r>
+              <a:rPr lang="ko-KR" altLang="en-US" sz="1200" dirty="0">
+                <a:solidFill>
+                  <a:schemeClr val="tx1"/>
+                </a:solidFill>
+              </a:rPr>
+              <a:t>신체정보</a:t>
+            </a:r>
+            <a:endParaRPr lang="en-US" altLang="ko-KR" sz="1200" dirty="0">
+              <a:solidFill>
+                <a:schemeClr val="tx1"/>
+              </a:solidFill>
+            </a:endParaRPr>
+          </a:p>
+          <a:p>
+            <a:pPr algn="ctr"/>
+            <a:r>
+              <a:rPr lang="ko-KR" altLang="en-US" sz="1200" dirty="0">
+                <a:solidFill>
+                  <a:schemeClr val="tx1"/>
+                </a:solidFill>
+              </a:rPr>
+              <a:t>설정</a:t>
+            </a:r>
+          </a:p>
+        </p:txBody>
+      </p:sp>
+      <p:sp>
+        <p:nvSpPr>
+          <p:cNvPr id="150" name="타원 149">
+            <a:extLst>
+              <a:ext uri="{FF2B5EF4-FFF2-40B4-BE49-F238E27FC236}">
+                <a16:creationId xmlns:a16="http://schemas.microsoft.com/office/drawing/2014/main" id="{97CFA978-7ECD-48DD-BE74-A7D709FFE624}"/>
+              </a:ext>
+            </a:extLst>
+          </p:cNvPr>
+          <p:cNvSpPr/>
+          <p:nvPr/>
+        </p:nvSpPr>
+        <p:spPr>
+          <a:xfrm>
+            <a:off x="3023762" y="1777128"/>
+            <a:ext cx="1359702" cy="491101"/>
+          </a:xfrm>
+          <a:prstGeom prst="ellipse">
+            <a:avLst/>
+          </a:prstGeom>
+          <a:noFill/>
+          <a:ln>
+            <a:solidFill>
+              <a:schemeClr val="tx1"/>
+            </a:solidFill>
+          </a:ln>
+        </p:spPr>
+        <p:style>
+          <a:lnRef idx="2">
+            <a:schemeClr val="accent1">
+              <a:shade val="50000"/>
+            </a:schemeClr>
+          </a:lnRef>
+          <a:fillRef idx="1">
+            <a:schemeClr val="accent1"/>
+          </a:fillRef>
+          <a:effectRef idx="0">
+            <a:schemeClr val="accent1"/>
+          </a:effectRef>
+          <a:fontRef idx="minor">
+            <a:schemeClr val="lt1"/>
+          </a:fontRef>
+        </p:style>
+        <p:txBody>
+          <a:bodyPr rtlCol="0" anchor="ctr"/>
+          <a:lstStyle/>
+          <a:p>
+            <a:pPr algn="ctr"/>
+            <a:r>
+              <a:rPr lang="ko-KR" altLang="en-US" sz="1200">
+                <a:solidFill>
+                  <a:schemeClr val="tx1"/>
+                </a:solidFill>
+              </a:rPr>
+              <a:t>모드 전환</a:t>
+            </a:r>
+            <a:endParaRPr lang="ko-KR" altLang="en-US" sz="1200" dirty="0">
+              <a:solidFill>
+                <a:schemeClr val="tx1"/>
+              </a:solidFill>
+            </a:endParaRPr>
+          </a:p>
+        </p:txBody>
+      </p:sp>
+      <p:sp>
+        <p:nvSpPr>
+          <p:cNvPr id="151" name="타원 150">
+            <a:extLst>
+              <a:ext uri="{FF2B5EF4-FFF2-40B4-BE49-F238E27FC236}">
+                <a16:creationId xmlns:a16="http://schemas.microsoft.com/office/drawing/2014/main" id="{9FBFC5B8-89CD-41CA-A750-9134AD26657F}"/>
+              </a:ext>
+            </a:extLst>
+          </p:cNvPr>
+          <p:cNvSpPr/>
+          <p:nvPr/>
+        </p:nvSpPr>
+        <p:spPr>
+          <a:xfrm>
+            <a:off x="3023762" y="2473782"/>
+            <a:ext cx="1359702" cy="491101"/>
+          </a:xfrm>
+          <a:prstGeom prst="ellipse">
+            <a:avLst/>
+          </a:prstGeom>
+          <a:noFill/>
+          <a:ln>
+            <a:solidFill>
+              <a:schemeClr val="tx1"/>
+            </a:solidFill>
+          </a:ln>
+        </p:spPr>
+        <p:style>
+          <a:lnRef idx="2">
+            <a:schemeClr val="accent1">
+              <a:shade val="50000"/>
+            </a:schemeClr>
+          </a:lnRef>
+          <a:fillRef idx="1">
+            <a:schemeClr val="accent1"/>
+          </a:fillRef>
+          <a:effectRef idx="0">
+            <a:schemeClr val="accent1"/>
+          </a:effectRef>
+          <a:fontRef idx="minor">
+            <a:schemeClr val="lt1"/>
+          </a:fontRef>
+        </p:style>
+        <p:txBody>
+          <a:bodyPr rtlCol="0" anchor="ctr"/>
+          <a:lstStyle/>
+          <a:p>
+            <a:pPr algn="ctr"/>
+            <a:r>
+              <a:rPr lang="ko-KR" altLang="en-US" sz="1200" dirty="0">
+                <a:solidFill>
+                  <a:schemeClr val="tx1"/>
+                </a:solidFill>
+              </a:rPr>
+              <a:t>조회</a:t>
+            </a:r>
+          </a:p>
+        </p:txBody>
+      </p:sp>
+      <p:sp>
+        <p:nvSpPr>
+          <p:cNvPr id="152" name="타원 151">
+            <a:extLst>
+              <a:ext uri="{FF2B5EF4-FFF2-40B4-BE49-F238E27FC236}">
+                <a16:creationId xmlns:a16="http://schemas.microsoft.com/office/drawing/2014/main" id="{80512031-3AF1-4EA9-9297-9843A3F40A91}"/>
+              </a:ext>
+            </a:extLst>
+          </p:cNvPr>
+          <p:cNvSpPr/>
+          <p:nvPr/>
+        </p:nvSpPr>
+        <p:spPr>
+          <a:xfrm>
+            <a:off x="3023762" y="3127127"/>
+            <a:ext cx="1538812" cy="491101"/>
+          </a:xfrm>
+          <a:prstGeom prst="ellipse">
+            <a:avLst/>
+          </a:prstGeom>
+          <a:noFill/>
+          <a:ln>
+            <a:solidFill>
+              <a:schemeClr val="tx1"/>
+            </a:solidFill>
+          </a:ln>
+        </p:spPr>
+        <p:style>
+          <a:lnRef idx="2">
+            <a:schemeClr val="accent1">
+              <a:shade val="50000"/>
+            </a:schemeClr>
+          </a:lnRef>
+          <a:fillRef idx="1">
+            <a:schemeClr val="accent1"/>
+          </a:fillRef>
+          <a:effectRef idx="0">
+            <a:schemeClr val="accent1"/>
+          </a:effectRef>
+          <a:fontRef idx="minor">
+            <a:schemeClr val="lt1"/>
+          </a:fontRef>
+        </p:style>
+        <p:txBody>
+          <a:bodyPr rtlCol="0" anchor="ctr"/>
+          <a:lstStyle/>
+          <a:p>
+            <a:pPr algn="ctr"/>
+            <a:r>
+              <a:rPr lang="ko-KR" altLang="en-US" sz="1200">
+                <a:solidFill>
+                  <a:schemeClr val="tx1"/>
+                </a:solidFill>
+              </a:rPr>
+              <a:t>기기 연동</a:t>
+            </a:r>
+            <a:endParaRPr lang="ko-KR" altLang="en-US" sz="1200" dirty="0">
+              <a:solidFill>
+                <a:schemeClr val="tx1"/>
+              </a:solidFill>
+            </a:endParaRPr>
+          </a:p>
+        </p:txBody>
+      </p:sp>
+      <p:sp>
+        <p:nvSpPr>
+          <p:cNvPr id="153" name="타원 152">
+            <a:extLst>
+              <a:ext uri="{FF2B5EF4-FFF2-40B4-BE49-F238E27FC236}">
+                <a16:creationId xmlns:a16="http://schemas.microsoft.com/office/drawing/2014/main" id="{3CE9BCB3-D74E-4FC0-AD1B-737E71AF4A94}"/>
+              </a:ext>
+            </a:extLst>
+          </p:cNvPr>
+          <p:cNvSpPr/>
+          <p:nvPr/>
+        </p:nvSpPr>
+        <p:spPr>
+          <a:xfrm>
+            <a:off x="5784916" y="1730393"/>
+            <a:ext cx="1925310" cy="584570"/>
+          </a:xfrm>
+          <a:prstGeom prst="ellipse">
+            <a:avLst/>
+          </a:prstGeom>
+          <a:noFill/>
+          <a:ln>
+            <a:solidFill>
+              <a:schemeClr val="tx1"/>
+            </a:solidFill>
+          </a:ln>
+        </p:spPr>
+        <p:style>
+          <a:lnRef idx="2">
+            <a:schemeClr val="accent1">
+              <a:shade val="50000"/>
+            </a:schemeClr>
+          </a:lnRef>
+          <a:fillRef idx="1">
+            <a:schemeClr val="accent1"/>
+          </a:fillRef>
+          <a:effectRef idx="0">
+            <a:schemeClr val="accent1"/>
+          </a:effectRef>
+          <a:fontRef idx="minor">
+            <a:schemeClr val="lt1"/>
+          </a:fontRef>
+        </p:style>
+        <p:txBody>
+          <a:bodyPr rtlCol="0" anchor="ctr"/>
+          <a:lstStyle/>
+          <a:p>
+            <a:pPr algn="ctr"/>
+            <a:r>
+              <a:rPr lang="ko-KR" altLang="en-US" sz="1200">
+                <a:solidFill>
+                  <a:schemeClr val="tx1"/>
+                </a:solidFill>
+              </a:rPr>
+              <a:t>최대 심박수 측정</a:t>
+            </a:r>
+            <a:endParaRPr lang="ko-KR" altLang="en-US" sz="1200" dirty="0">
+              <a:solidFill>
+                <a:schemeClr val="tx1"/>
+              </a:solidFill>
+            </a:endParaRPr>
+          </a:p>
+        </p:txBody>
+      </p:sp>
+      <p:sp>
+        <p:nvSpPr>
+          <p:cNvPr id="155" name="TextBox 154">
+            <a:extLst>
+              <a:ext uri="{FF2B5EF4-FFF2-40B4-BE49-F238E27FC236}">
+                <a16:creationId xmlns:a16="http://schemas.microsoft.com/office/drawing/2014/main" id="{143F2381-FC0F-4C4C-BB84-01A20B1F5312}"/>
+              </a:ext>
+            </a:extLst>
+          </p:cNvPr>
+          <p:cNvSpPr txBox="1"/>
+          <p:nvPr/>
+        </p:nvSpPr>
+        <p:spPr>
+          <a:xfrm>
+            <a:off x="12209476" y="4399227"/>
+            <a:ext cx="1271502" cy="307777"/>
+          </a:xfrm>
+          <a:prstGeom prst="rect">
+            <a:avLst/>
+          </a:prstGeom>
+          <a:noFill/>
+        </p:spPr>
+        <p:txBody>
+          <a:bodyPr wrap="none" rtlCol="0">
+            <a:spAutoFit/>
+          </a:bodyPr>
+          <a:lstStyle/>
+          <a:p>
+            <a:r>
+              <a:rPr lang="en-US" altLang="ko-KR" sz="1400" dirty="0"/>
+              <a:t>&lt;&lt;include&gt;&gt;</a:t>
+            </a:r>
+            <a:endParaRPr lang="ko-KR" altLang="en-US" sz="1400" dirty="0"/>
+          </a:p>
+        </p:txBody>
+      </p:sp>
+      <p:sp>
+        <p:nvSpPr>
+          <p:cNvPr id="157" name="TextBox 156">
+            <a:extLst>
+              <a:ext uri="{FF2B5EF4-FFF2-40B4-BE49-F238E27FC236}">
+                <a16:creationId xmlns:a16="http://schemas.microsoft.com/office/drawing/2014/main" id="{240249B1-2FAD-4C22-A8E9-50AD0496589F}"/>
+              </a:ext>
+            </a:extLst>
+          </p:cNvPr>
+          <p:cNvSpPr txBox="1"/>
+          <p:nvPr/>
+        </p:nvSpPr>
+        <p:spPr>
+          <a:xfrm>
+            <a:off x="12160708" y="5515386"/>
+            <a:ext cx="1233158" cy="307777"/>
+          </a:xfrm>
+          <a:prstGeom prst="rect">
+            <a:avLst/>
+          </a:prstGeom>
+          <a:noFill/>
+        </p:spPr>
+        <p:txBody>
+          <a:bodyPr wrap="none" rtlCol="0">
+            <a:spAutoFit/>
+          </a:bodyPr>
+          <a:lstStyle/>
+          <a:p>
+            <a:r>
+              <a:rPr lang="en-US" altLang="ko-KR" sz="1400" dirty="0"/>
+              <a:t>&lt;&lt;extend&gt;&gt;</a:t>
+            </a:r>
+            <a:endParaRPr lang="ko-KR" altLang="en-US" sz="1400" dirty="0"/>
+          </a:p>
+        </p:txBody>
+      </p:sp>
+      <p:cxnSp>
+        <p:nvCxnSpPr>
+          <p:cNvPr id="158" name="직선 연결선 157">
+            <a:extLst>
+              <a:ext uri="{FF2B5EF4-FFF2-40B4-BE49-F238E27FC236}">
+                <a16:creationId xmlns:a16="http://schemas.microsoft.com/office/drawing/2014/main" id="{54DA434D-B07B-469D-9BDE-3246E2BF4384}"/>
+              </a:ext>
+            </a:extLst>
+          </p:cNvPr>
+          <p:cNvCxnSpPr>
+            <a:cxnSpLocks/>
+          </p:cNvCxnSpPr>
+          <p:nvPr/>
+        </p:nvCxnSpPr>
+        <p:spPr>
+          <a:xfrm>
+            <a:off x="12407891" y="4914529"/>
+            <a:ext cx="600668" cy="0"/>
+          </a:xfrm>
+          <a:prstGeom prst="line">
+            <a:avLst/>
+          </a:prstGeom>
+          <a:ln w="12700"/>
+        </p:spPr>
+        <p:style>
+          <a:lnRef idx="1">
+            <a:schemeClr val="dk1"/>
+          </a:lnRef>
+          <a:fillRef idx="0">
+            <a:schemeClr val="dk1"/>
+          </a:fillRef>
+          <a:effectRef idx="0">
+            <a:schemeClr val="dk1"/>
+          </a:effectRef>
+          <a:fontRef idx="minor">
+            <a:schemeClr val="tx1"/>
+          </a:fontRef>
+        </p:style>
+      </p:cxnSp>
+      <p:cxnSp>
+        <p:nvCxnSpPr>
+          <p:cNvPr id="159" name="직선 화살표 연결선 158">
+            <a:extLst>
+              <a:ext uri="{FF2B5EF4-FFF2-40B4-BE49-F238E27FC236}">
+                <a16:creationId xmlns:a16="http://schemas.microsoft.com/office/drawing/2014/main" id="{A5F716AB-9B9D-41B0-B942-E9FF5C325201}"/>
+              </a:ext>
+            </a:extLst>
+          </p:cNvPr>
+          <p:cNvCxnSpPr>
+            <a:cxnSpLocks/>
+          </p:cNvCxnSpPr>
+          <p:nvPr/>
+        </p:nvCxnSpPr>
+        <p:spPr>
+          <a:xfrm>
+            <a:off x="12223601" y="5245908"/>
+            <a:ext cx="1107371" cy="0"/>
+          </a:xfrm>
+          <a:prstGeom prst="straightConnector1">
+            <a:avLst/>
+          </a:prstGeom>
+          <a:ln w="12700">
+            <a:solidFill>
+              <a:schemeClr val="tx1"/>
+            </a:solidFill>
+            <a:prstDash val="dash"/>
+            <a:headEnd type="none" w="med" len="med"/>
+            <a:tailEnd type="arrow" w="med" len="med"/>
+          </a:ln>
+        </p:spPr>
+        <p:style>
+          <a:lnRef idx="1">
+            <a:schemeClr val="accent1"/>
+          </a:lnRef>
+          <a:fillRef idx="0">
+            <a:schemeClr val="accent1"/>
+          </a:fillRef>
+          <a:effectRef idx="0">
+            <a:schemeClr val="accent1"/>
+          </a:effectRef>
+          <a:fontRef idx="minor">
+            <a:schemeClr val="tx1"/>
+          </a:fontRef>
+        </p:style>
+      </p:cxnSp>
     </p:spTree>
     <p:extLst>
       <p:ext uri="{BB962C8B-B14F-4D97-AF65-F5344CB8AC3E}">
